--- a/lecNote/project(1stPersonal)/sample_ver1.pptx
+++ b/lecNote/project(1stPersonal)/sample_ver1.pptx
@@ -5,10 +5,10 @@
     <p:sldMasterId id="2147483648" r:id="rId1"/>
   </p:sldMasterIdLst>
   <p:notesMasterIdLst>
-    <p:notesMasterId r:id="rId9"/>
+    <p:notesMasterId r:id="rId11"/>
   </p:notesMasterIdLst>
   <p:handoutMasterIdLst>
-    <p:handoutMasterId r:id="rId10"/>
+    <p:handoutMasterId r:id="rId12"/>
   </p:handoutMasterIdLst>
   <p:sldIdLst>
     <p:sldId id="256" r:id="rId2"/>
@@ -18,6 +18,8 @@
     <p:sldId id="295" r:id="rId6"/>
     <p:sldId id="319" r:id="rId7"/>
     <p:sldId id="347" r:id="rId8"/>
+    <p:sldId id="349" r:id="rId9"/>
+    <p:sldId id="317" r:id="rId10"/>
   </p:sldIdLst>
   <p:sldSz cx="9144000" cy="5143500" type="screen16x9"/>
   <p:notesSz cx="6858000" cy="9144000"/>
@@ -236,7 +238,7 @@
           <a:p>
             <a:fld id="{684ABEAC-FD1E-446D-854E-09142DFB339C}" type="datetimeFigureOut">
               <a:rPr lang="ko-KR" altLang="en-US" smtClean="0"/>
-              <a:t>2025-01-06</a:t>
+              <a:t>2025-01-14</a:t>
             </a:fld>
             <a:endParaRPr lang="ko-KR" altLang="en-US"/>
           </a:p>
@@ -401,7 +403,7 @@
           <a:p>
             <a:fld id="{E299D967-67B2-4132-B52D-A253871A1F24}" type="datetimeFigureOut">
               <a:rPr lang="ko-KR" altLang="en-US" smtClean="0"/>
-              <a:t>2025-01-06</a:t>
+              <a:t>2025-01-14</a:t>
             </a:fld>
             <a:endParaRPr lang="ko-KR" altLang="en-US"/>
           </a:p>
@@ -1243,7 +1245,7 @@
           <a:p>
             <a:fld id="{20303F18-CB98-4E85-A37B-EF5A4E6C8DE7}" type="datetime1">
               <a:rPr lang="ko-KR" altLang="en-US" smtClean="0"/>
-              <a:t>2025-01-06</a:t>
+              <a:t>2025-01-14</a:t>
             </a:fld>
             <a:endParaRPr lang="ko-KR" altLang="en-US"/>
           </a:p>
@@ -1416,7 +1418,7 @@
           <a:p>
             <a:fld id="{CCA16C65-58A5-46D5-A762-12670B92641B}" type="datetime1">
               <a:rPr lang="ko-KR" altLang="en-US" smtClean="0"/>
-              <a:t>2025-01-06</a:t>
+              <a:t>2025-01-14</a:t>
             </a:fld>
             <a:endParaRPr lang="ko-KR" altLang="en-US"/>
           </a:p>
@@ -1594,7 +1596,7 @@
           <a:p>
             <a:fld id="{2D09A68A-AC6E-41FE-B28C-2BB812CC2E01}" type="datetime1">
               <a:rPr lang="ko-KR" altLang="en-US" smtClean="0"/>
-              <a:t>2025-01-06</a:t>
+              <a:t>2025-01-14</a:t>
             </a:fld>
             <a:endParaRPr lang="ko-KR" altLang="en-US"/>
           </a:p>
@@ -1762,7 +1764,7 @@
           <a:p>
             <a:fld id="{690B8B09-A0F3-4880-B090-7FDDEE5B5065}" type="datetime1">
               <a:rPr lang="ko-KR" altLang="en-US" smtClean="0"/>
-              <a:t>2025-01-06</a:t>
+              <a:t>2025-01-14</a:t>
             </a:fld>
             <a:endParaRPr lang="ko-KR" altLang="en-US"/>
           </a:p>
@@ -2007,7 +2009,7 @@
           <a:p>
             <a:fld id="{82F7D3F4-816B-4FA6-91FC-91836ECD0E53}" type="datetime1">
               <a:rPr lang="ko-KR" altLang="en-US" smtClean="0"/>
-              <a:t>2025-01-06</a:t>
+              <a:t>2025-01-14</a:t>
             </a:fld>
             <a:endParaRPr lang="ko-KR" altLang="en-US"/>
           </a:p>
@@ -2292,7 +2294,7 @@
           <a:p>
             <a:fld id="{2FB9FCFF-984A-4549-AB53-391F9EC1244A}" type="datetime1">
               <a:rPr lang="ko-KR" altLang="en-US" smtClean="0"/>
-              <a:t>2025-01-06</a:t>
+              <a:t>2025-01-14</a:t>
             </a:fld>
             <a:endParaRPr lang="ko-KR" altLang="en-US"/>
           </a:p>
@@ -2711,7 +2713,7 @@
           <a:p>
             <a:fld id="{94618DE4-C4FE-4171-90C7-38CF01638033}" type="datetime1">
               <a:rPr lang="ko-KR" altLang="en-US" smtClean="0"/>
-              <a:t>2025-01-06</a:t>
+              <a:t>2025-01-14</a:t>
             </a:fld>
             <a:endParaRPr lang="ko-KR" altLang="en-US"/>
           </a:p>
@@ -2828,7 +2830,7 @@
           <a:p>
             <a:fld id="{33587621-9D18-4C20-9B84-3E938621A025}" type="datetime1">
               <a:rPr lang="ko-KR" altLang="en-US" smtClean="0"/>
-              <a:t>2025-01-06</a:t>
+              <a:t>2025-01-14</a:t>
             </a:fld>
             <a:endParaRPr lang="ko-KR" altLang="en-US"/>
           </a:p>
@@ -3273,7 +3275,7 @@
           <a:p>
             <a:fld id="{B517649B-2577-404C-858E-51E9DEBB2548}" type="datetime1">
               <a:rPr lang="ko-KR" altLang="en-US" smtClean="0"/>
-              <a:t>2025-01-06</a:t>
+              <a:t>2025-01-14</a:t>
             </a:fld>
             <a:endParaRPr lang="ko-KR" altLang="en-US"/>
           </a:p>
@@ -3525,7 +3527,7 @@
           <a:p>
             <a:fld id="{8D84C674-EF46-4F27-9E3E-4F6A170B0DC6}" type="datetime1">
               <a:rPr lang="ko-KR" altLang="en-US" smtClean="0"/>
-              <a:t>2025-01-06</a:t>
+              <a:t>2025-01-14</a:t>
             </a:fld>
             <a:endParaRPr lang="ko-KR" altLang="en-US"/>
           </a:p>
@@ -3736,7 +3738,7 @@
           <a:p>
             <a:fld id="{B40F11ED-9D7B-4CCE-A57D-CC1D7760FB25}" type="datetime1">
               <a:rPr lang="ko-KR" altLang="en-US" smtClean="0"/>
-              <a:t>2025-01-06</a:t>
+              <a:t>2025-01-14</a:t>
             </a:fld>
             <a:endParaRPr lang="ko-KR" altLang="en-US"/>
           </a:p>
@@ -8251,6 +8253,2771 @@
     <p:extLst>
       <p:ext uri="{BB962C8B-B14F-4D97-AF65-F5344CB8AC3E}">
         <p14:creationId xmlns:p14="http://schemas.microsoft.com/office/powerpoint/2010/main" val="3607277515"/>
+      </p:ext>
+    </p:extLst>
+  </p:cSld>
+  <p:clrMapOvr>
+    <a:masterClrMapping/>
+  </p:clrMapOvr>
+</p:sld>
+</file>
+
+<file path=ppt/slides/slide8.xml><?xml version="1.0" encoding="utf-8"?>
+<p:sld xmlns:a="http://schemas.openxmlformats.org/drawingml/2006/main" xmlns:r="http://schemas.openxmlformats.org/officeDocument/2006/relationships" xmlns:p="http://schemas.openxmlformats.org/presentationml/2006/main">
+  <p:cSld>
+    <p:spTree>
+      <p:nvGrpSpPr>
+        <p:cNvPr id="1" name=""/>
+        <p:cNvGrpSpPr/>
+        <p:nvPr/>
+      </p:nvGrpSpPr>
+      <p:grpSpPr>
+        <a:xfrm>
+          <a:off x="0" y="0"/>
+          <a:ext cx="0" cy="0"/>
+          <a:chOff x="0" y="0"/>
+          <a:chExt cx="0" cy="0"/>
+        </a:xfrm>
+      </p:grpSpPr>
+      <p:sp>
+        <p:nvSpPr>
+          <p:cNvPr id="2" name="슬라이드 번호 개체 틀 1">
+            <a:extLst>
+              <a:ext uri="{FF2B5EF4-FFF2-40B4-BE49-F238E27FC236}">
+                <a16:creationId xmlns:a16="http://schemas.microsoft.com/office/drawing/2014/main" id="{9FCEE3D2-8D7C-4399-9124-487ADAD09EAF}"/>
+              </a:ext>
+            </a:extLst>
+          </p:cNvPr>
+          <p:cNvSpPr>
+            <a:spLocks noGrp="1"/>
+          </p:cNvSpPr>
+          <p:nvPr>
+            <p:ph type="sldNum" sz="quarter" idx="12"/>
+          </p:nvPr>
+        </p:nvSpPr>
+        <p:spPr/>
+        <p:txBody>
+          <a:bodyPr/>
+          <a:lstStyle/>
+          <a:p>
+            <a:fld id="{8E974B11-60DB-405B-8211-256C6E064270}" type="slidenum">
+              <a:rPr lang="ko-KR" altLang="en-US" smtClean="0"/>
+              <a:pPr/>
+              <a:t>8</a:t>
+            </a:fld>
+            <a:endParaRPr lang="ko-KR" altLang="en-US" dirty="0"/>
+          </a:p>
+        </p:txBody>
+      </p:sp>
+    </p:spTree>
+    <p:extLst>
+      <p:ext uri="{BB962C8B-B14F-4D97-AF65-F5344CB8AC3E}">
+        <p14:creationId xmlns:p14="http://schemas.microsoft.com/office/powerpoint/2010/main" val="1068778681"/>
+      </p:ext>
+    </p:extLst>
+  </p:cSld>
+  <p:clrMapOvr>
+    <a:masterClrMapping/>
+  </p:clrMapOvr>
+</p:sld>
+</file>
+
+<file path=ppt/slides/slide9.xml><?xml version="1.0" encoding="utf-8"?>
+<p:sld xmlns:a="http://schemas.openxmlformats.org/drawingml/2006/main" xmlns:r="http://schemas.openxmlformats.org/officeDocument/2006/relationships" xmlns:p="http://schemas.openxmlformats.org/presentationml/2006/main">
+  <p:cSld>
+    <p:spTree>
+      <p:nvGrpSpPr>
+        <p:cNvPr id="1" name=""/>
+        <p:cNvGrpSpPr/>
+        <p:nvPr/>
+      </p:nvGrpSpPr>
+      <p:grpSpPr>
+        <a:xfrm>
+          <a:off x="0" y="0"/>
+          <a:ext cx="0" cy="0"/>
+          <a:chOff x="0" y="0"/>
+          <a:chExt cx="0" cy="0"/>
+        </a:xfrm>
+      </p:grpSpPr>
+      <p:sp>
+        <p:nvSpPr>
+          <p:cNvPr id="2" name="슬라이드 번호 개체 틀 1"/>
+          <p:cNvSpPr>
+            <a:spLocks noGrp="1"/>
+          </p:cNvSpPr>
+          <p:nvPr>
+            <p:ph type="sldNum" sz="quarter" idx="12"/>
+          </p:nvPr>
+        </p:nvSpPr>
+        <p:spPr/>
+        <p:txBody>
+          <a:bodyPr/>
+          <a:lstStyle/>
+          <a:p>
+            <a:fld id="{8E974B11-60DB-405B-8211-256C6E064270}" type="slidenum">
+              <a:rPr lang="ko-KR" altLang="en-US" smtClean="0"/>
+              <a:pPr/>
+              <a:t>9</a:t>
+            </a:fld>
+            <a:endParaRPr lang="ko-KR" altLang="en-US" dirty="0"/>
+          </a:p>
+        </p:txBody>
+      </p:sp>
+      <p:sp>
+        <p:nvSpPr>
+          <p:cNvPr id="3" name="TextBox 2"/>
+          <p:cNvSpPr txBox="1"/>
+          <p:nvPr/>
+        </p:nvSpPr>
+        <p:spPr>
+          <a:xfrm>
+            <a:off x="285792" y="86430"/>
+            <a:ext cx="2203301" cy="300082"/>
+          </a:xfrm>
+          <a:prstGeom prst="rect">
+            <a:avLst/>
+          </a:prstGeom>
+          <a:noFill/>
+        </p:spPr>
+        <p:txBody>
+          <a:bodyPr wrap="square" rtlCol="0">
+            <a:spAutoFit/>
+          </a:bodyPr>
+          <a:lstStyle/>
+          <a:p>
+            <a:r>
+              <a:rPr lang="en-US" altLang="ko-KR" sz="1350" b="1" dirty="0">
+                <a:solidFill>
+                  <a:srgbClr val="756B5F"/>
+                </a:solidFill>
+              </a:rPr>
+              <a:t>3.  </a:t>
+            </a:r>
+            <a:r>
+              <a:rPr lang="ko-KR" altLang="en-US" sz="1350" b="1" dirty="0">
+                <a:solidFill>
+                  <a:srgbClr val="756B5F"/>
+                </a:solidFill>
+              </a:rPr>
+              <a:t>작업분할구조도</a:t>
+            </a:r>
+          </a:p>
+        </p:txBody>
+      </p:sp>
+      <p:sp>
+        <p:nvSpPr>
+          <p:cNvPr id="5" name="직사각형 4"/>
+          <p:cNvSpPr/>
+          <p:nvPr/>
+        </p:nvSpPr>
+        <p:spPr>
+          <a:xfrm>
+            <a:off x="4247934" y="632680"/>
+            <a:ext cx="594096" cy="243000"/>
+          </a:xfrm>
+          <a:prstGeom prst="rect">
+            <a:avLst/>
+          </a:prstGeom>
+          <a:solidFill>
+            <a:srgbClr val="987C4D"/>
+          </a:solidFill>
+          <a:ln>
+            <a:solidFill>
+              <a:srgbClr val="987C4D"/>
+            </a:solidFill>
+          </a:ln>
+        </p:spPr>
+        <p:style>
+          <a:lnRef idx="2">
+            <a:schemeClr val="accent1">
+              <a:shade val="50000"/>
+            </a:schemeClr>
+          </a:lnRef>
+          <a:fillRef idx="1">
+            <a:schemeClr val="accent1"/>
+          </a:fillRef>
+          <a:effectRef idx="0">
+            <a:schemeClr val="accent1"/>
+          </a:effectRef>
+          <a:fontRef idx="minor">
+            <a:schemeClr val="lt1"/>
+          </a:fontRef>
+        </p:style>
+        <p:txBody>
+          <a:bodyPr rot="0" spcFirstLastPara="0" vertOverflow="overflow" horzOverflow="overflow" vert="horz" wrap="square" lIns="0" tIns="0" rIns="0" bIns="0" numCol="1" spcCol="0" rtlCol="0" fromWordArt="0" anchor="ctr" anchorCtr="0" forceAA="0" compatLnSpc="1">
+            <a:prstTxWarp prst="textNoShape">
+              <a:avLst/>
+            </a:prstTxWarp>
+            <a:noAutofit/>
+          </a:bodyPr>
+          <a:lstStyle/>
+          <a:p>
+            <a:pPr algn="ctr"/>
+            <a:r>
+              <a:rPr lang="en-US" altLang="ko-KR" sz="750" b="1" dirty="0"/>
+              <a:t>LAS*</a:t>
+            </a:r>
+            <a:endParaRPr lang="ko-KR" altLang="en-US" sz="750" b="1" dirty="0"/>
+          </a:p>
+        </p:txBody>
+      </p:sp>
+      <p:sp>
+        <p:nvSpPr>
+          <p:cNvPr id="9" name="직사각형 8"/>
+          <p:cNvSpPr/>
+          <p:nvPr/>
+        </p:nvSpPr>
+        <p:spPr>
+          <a:xfrm>
+            <a:off x="1169622" y="1577812"/>
+            <a:ext cx="432000" cy="243000"/>
+          </a:xfrm>
+          <a:prstGeom prst="rect">
+            <a:avLst/>
+          </a:prstGeom>
+          <a:solidFill>
+            <a:srgbClr val="987C4D">
+              <a:alpha val="70000"/>
+            </a:srgbClr>
+          </a:solidFill>
+          <a:ln>
+            <a:noFill/>
+          </a:ln>
+        </p:spPr>
+        <p:style>
+          <a:lnRef idx="2">
+            <a:schemeClr val="accent1">
+              <a:shade val="50000"/>
+            </a:schemeClr>
+          </a:lnRef>
+          <a:fillRef idx="1">
+            <a:schemeClr val="accent1"/>
+          </a:fillRef>
+          <a:effectRef idx="0">
+            <a:schemeClr val="accent1"/>
+          </a:effectRef>
+          <a:fontRef idx="minor">
+            <a:schemeClr val="lt1"/>
+          </a:fontRef>
+        </p:style>
+        <p:txBody>
+          <a:bodyPr rot="0" spcFirstLastPara="0" vertOverflow="overflow" horzOverflow="overflow" vert="horz" wrap="square" lIns="0" tIns="0" rIns="0" bIns="0" numCol="1" spcCol="0" rtlCol="0" fromWordArt="0" anchor="ctr" anchorCtr="0" forceAA="0" compatLnSpc="1">
+            <a:prstTxWarp prst="textNoShape">
+              <a:avLst/>
+            </a:prstTxWarp>
+            <a:noAutofit/>
+          </a:bodyPr>
+          <a:lstStyle/>
+          <a:p>
+            <a:pPr algn="ctr"/>
+            <a:r>
+              <a:rPr lang="ko-KR" altLang="en-US" sz="750" b="1" dirty="0"/>
+              <a:t>이용자</a:t>
+            </a:r>
+          </a:p>
+        </p:txBody>
+      </p:sp>
+      <p:sp>
+        <p:nvSpPr>
+          <p:cNvPr id="10" name="직사각형 9"/>
+          <p:cNvSpPr/>
+          <p:nvPr/>
+        </p:nvSpPr>
+        <p:spPr>
+          <a:xfrm>
+            <a:off x="6084168" y="1592744"/>
+            <a:ext cx="432000" cy="243000"/>
+          </a:xfrm>
+          <a:prstGeom prst="rect">
+            <a:avLst/>
+          </a:prstGeom>
+          <a:solidFill>
+            <a:srgbClr val="987C4D"/>
+          </a:solidFill>
+          <a:ln>
+            <a:solidFill>
+              <a:srgbClr val="987C4D"/>
+            </a:solidFill>
+          </a:ln>
+        </p:spPr>
+        <p:style>
+          <a:lnRef idx="2">
+            <a:schemeClr val="accent1">
+              <a:shade val="50000"/>
+            </a:schemeClr>
+          </a:lnRef>
+          <a:fillRef idx="1">
+            <a:schemeClr val="accent1"/>
+          </a:fillRef>
+          <a:effectRef idx="0">
+            <a:schemeClr val="accent1"/>
+          </a:effectRef>
+          <a:fontRef idx="minor">
+            <a:schemeClr val="lt1"/>
+          </a:fontRef>
+        </p:style>
+        <p:txBody>
+          <a:bodyPr rot="0" spcFirstLastPara="0" vertOverflow="overflow" horzOverflow="overflow" vert="horz" wrap="square" lIns="0" tIns="0" rIns="0" bIns="0" numCol="1" spcCol="0" rtlCol="0" fromWordArt="0" anchor="ctr" anchorCtr="0" forceAA="0" compatLnSpc="1">
+            <a:prstTxWarp prst="textNoShape">
+              <a:avLst/>
+            </a:prstTxWarp>
+            <a:noAutofit/>
+          </a:bodyPr>
+          <a:lstStyle/>
+          <a:p>
+            <a:pPr algn="ctr"/>
+            <a:r>
+              <a:rPr lang="ko-KR" altLang="en-US" sz="750" b="1" dirty="0"/>
+              <a:t>관리자</a:t>
+            </a:r>
+          </a:p>
+        </p:txBody>
+      </p:sp>
+      <p:sp>
+        <p:nvSpPr>
+          <p:cNvPr id="11" name="직사각형 10"/>
+          <p:cNvSpPr/>
+          <p:nvPr/>
+        </p:nvSpPr>
+        <p:spPr>
+          <a:xfrm>
+            <a:off x="5976186" y="2215761"/>
+            <a:ext cx="270000" cy="378000"/>
+          </a:xfrm>
+          <a:prstGeom prst="rect">
+            <a:avLst/>
+          </a:prstGeom>
+          <a:solidFill>
+            <a:srgbClr val="987C4D"/>
+          </a:solidFill>
+          <a:ln>
+            <a:solidFill>
+              <a:srgbClr val="987C4D"/>
+            </a:solidFill>
+          </a:ln>
+        </p:spPr>
+        <p:style>
+          <a:lnRef idx="2">
+            <a:schemeClr val="accent1">
+              <a:shade val="50000"/>
+            </a:schemeClr>
+          </a:lnRef>
+          <a:fillRef idx="1">
+            <a:schemeClr val="accent1"/>
+          </a:fillRef>
+          <a:effectRef idx="0">
+            <a:schemeClr val="accent1"/>
+          </a:effectRef>
+          <a:fontRef idx="minor">
+            <a:schemeClr val="lt1"/>
+          </a:fontRef>
+        </p:style>
+        <p:txBody>
+          <a:bodyPr rot="0" spcFirstLastPara="0" vertOverflow="overflow" horzOverflow="overflow" vert="horz" wrap="square" lIns="0" tIns="0" rIns="0" bIns="0" numCol="1" spcCol="0" rtlCol="0" fromWordArt="0" anchor="ctr" anchorCtr="0" forceAA="0" compatLnSpc="1">
+            <a:prstTxWarp prst="textNoShape">
+              <a:avLst/>
+            </a:prstTxWarp>
+            <a:noAutofit/>
+          </a:bodyPr>
+          <a:lstStyle/>
+          <a:p>
+            <a:pPr algn="ctr"/>
+            <a:r>
+              <a:rPr lang="ko-KR" altLang="en-US" sz="750" b="1" dirty="0"/>
+              <a:t>공지사항</a:t>
+            </a:r>
+          </a:p>
+        </p:txBody>
+      </p:sp>
+      <p:sp>
+        <p:nvSpPr>
+          <p:cNvPr id="12" name="직사각형 11"/>
+          <p:cNvSpPr/>
+          <p:nvPr/>
+        </p:nvSpPr>
+        <p:spPr>
+          <a:xfrm>
+            <a:off x="1601671" y="2265371"/>
+            <a:ext cx="323116" cy="378000"/>
+          </a:xfrm>
+          <a:prstGeom prst="rect">
+            <a:avLst/>
+          </a:prstGeom>
+          <a:solidFill>
+            <a:srgbClr val="987C4D"/>
+          </a:solidFill>
+          <a:ln>
+            <a:solidFill>
+              <a:srgbClr val="987C4D"/>
+            </a:solidFill>
+          </a:ln>
+        </p:spPr>
+        <p:style>
+          <a:lnRef idx="2">
+            <a:schemeClr val="accent1">
+              <a:shade val="50000"/>
+            </a:schemeClr>
+          </a:lnRef>
+          <a:fillRef idx="1">
+            <a:schemeClr val="accent1"/>
+          </a:fillRef>
+          <a:effectRef idx="0">
+            <a:schemeClr val="accent1"/>
+          </a:effectRef>
+          <a:fontRef idx="minor">
+            <a:schemeClr val="lt1"/>
+          </a:fontRef>
+        </p:style>
+        <p:txBody>
+          <a:bodyPr rot="0" spcFirstLastPara="0" vertOverflow="overflow" horzOverflow="overflow" vert="horz" wrap="square" lIns="0" tIns="0" rIns="0" bIns="0" numCol="1" spcCol="0" rtlCol="0" fromWordArt="0" anchor="ctr" anchorCtr="0" forceAA="0" compatLnSpc="1">
+            <a:prstTxWarp prst="textNoShape">
+              <a:avLst/>
+            </a:prstTxWarp>
+            <a:noAutofit/>
+          </a:bodyPr>
+          <a:lstStyle/>
+          <a:p>
+            <a:pPr algn="ctr"/>
+            <a:r>
+              <a:rPr lang="ko-KR" altLang="en-US" sz="750" b="1" dirty="0"/>
+              <a:t>관리자관리</a:t>
+            </a:r>
+          </a:p>
+        </p:txBody>
+      </p:sp>
+      <p:sp>
+        <p:nvSpPr>
+          <p:cNvPr id="13" name="직사각형 12"/>
+          <p:cNvSpPr/>
+          <p:nvPr/>
+        </p:nvSpPr>
+        <p:spPr>
+          <a:xfrm>
+            <a:off x="2890380" y="2240566"/>
+            <a:ext cx="270000" cy="378000"/>
+          </a:xfrm>
+          <a:prstGeom prst="rect">
+            <a:avLst/>
+          </a:prstGeom>
+          <a:solidFill>
+            <a:srgbClr val="987C4D"/>
+          </a:solidFill>
+          <a:ln>
+            <a:solidFill>
+              <a:srgbClr val="987C4D"/>
+            </a:solidFill>
+          </a:ln>
+        </p:spPr>
+        <p:style>
+          <a:lnRef idx="2">
+            <a:schemeClr val="accent1">
+              <a:shade val="50000"/>
+            </a:schemeClr>
+          </a:lnRef>
+          <a:fillRef idx="1">
+            <a:schemeClr val="accent1"/>
+          </a:fillRef>
+          <a:effectRef idx="0">
+            <a:schemeClr val="accent1"/>
+          </a:effectRef>
+          <a:fontRef idx="minor">
+            <a:schemeClr val="lt1"/>
+          </a:fontRef>
+        </p:style>
+        <p:txBody>
+          <a:bodyPr rot="0" spcFirstLastPara="0" vertOverflow="overflow" horzOverflow="overflow" vert="horz" wrap="square" lIns="0" tIns="0" rIns="0" bIns="0" numCol="1" spcCol="0" rtlCol="0" fromWordArt="0" anchor="ctr" anchorCtr="0" forceAA="0" compatLnSpc="1">
+            <a:prstTxWarp prst="textNoShape">
+              <a:avLst/>
+            </a:prstTxWarp>
+            <a:noAutofit/>
+          </a:bodyPr>
+          <a:lstStyle/>
+          <a:p>
+            <a:pPr algn="ctr"/>
+            <a:r>
+              <a:rPr lang="ko-KR" altLang="en-US" sz="750" b="1" dirty="0"/>
+              <a:t>회원</a:t>
+            </a:r>
+            <a:endParaRPr lang="en-US" altLang="ko-KR" sz="750" b="1" dirty="0"/>
+          </a:p>
+          <a:p>
+            <a:pPr algn="ctr"/>
+            <a:r>
+              <a:rPr lang="ko-KR" altLang="en-US" sz="750" b="1" dirty="0"/>
+              <a:t>관리</a:t>
+            </a:r>
+          </a:p>
+        </p:txBody>
+      </p:sp>
+      <p:sp>
+        <p:nvSpPr>
+          <p:cNvPr id="14" name="직사각형 13"/>
+          <p:cNvSpPr/>
+          <p:nvPr/>
+        </p:nvSpPr>
+        <p:spPr>
+          <a:xfrm>
+            <a:off x="4626006" y="2215761"/>
+            <a:ext cx="270000" cy="378000"/>
+          </a:xfrm>
+          <a:prstGeom prst="rect">
+            <a:avLst/>
+          </a:prstGeom>
+          <a:solidFill>
+            <a:srgbClr val="987C4D"/>
+          </a:solidFill>
+          <a:ln>
+            <a:solidFill>
+              <a:srgbClr val="987C4D"/>
+            </a:solidFill>
+          </a:ln>
+        </p:spPr>
+        <p:style>
+          <a:lnRef idx="2">
+            <a:schemeClr val="accent1">
+              <a:shade val="50000"/>
+            </a:schemeClr>
+          </a:lnRef>
+          <a:fillRef idx="1">
+            <a:schemeClr val="accent1"/>
+          </a:fillRef>
+          <a:effectRef idx="0">
+            <a:schemeClr val="accent1"/>
+          </a:effectRef>
+          <a:fontRef idx="minor">
+            <a:schemeClr val="lt1"/>
+          </a:fontRef>
+        </p:style>
+        <p:txBody>
+          <a:bodyPr rot="0" spcFirstLastPara="0" vertOverflow="overflow" horzOverflow="overflow" vert="horz" wrap="square" lIns="0" tIns="0" rIns="0" bIns="0" numCol="1" spcCol="0" rtlCol="0" fromWordArt="0" anchor="ctr" anchorCtr="0" forceAA="0" compatLnSpc="1">
+            <a:prstTxWarp prst="textNoShape">
+              <a:avLst/>
+            </a:prstTxWarp>
+            <a:noAutofit/>
+          </a:bodyPr>
+          <a:lstStyle/>
+          <a:p>
+            <a:pPr algn="ctr"/>
+            <a:r>
+              <a:rPr lang="ko-KR" altLang="en-US" sz="750" b="1" dirty="0"/>
+              <a:t>도서관리</a:t>
+            </a:r>
+          </a:p>
+        </p:txBody>
+      </p:sp>
+      <p:sp>
+        <p:nvSpPr>
+          <p:cNvPr id="15" name="직사각형 14"/>
+          <p:cNvSpPr/>
+          <p:nvPr/>
+        </p:nvSpPr>
+        <p:spPr>
+          <a:xfrm>
+            <a:off x="7272330" y="2215761"/>
+            <a:ext cx="270000" cy="378000"/>
+          </a:xfrm>
+          <a:prstGeom prst="rect">
+            <a:avLst/>
+          </a:prstGeom>
+          <a:solidFill>
+            <a:srgbClr val="987C4D"/>
+          </a:solidFill>
+          <a:ln>
+            <a:solidFill>
+              <a:srgbClr val="987C4D"/>
+            </a:solidFill>
+          </a:ln>
+        </p:spPr>
+        <p:style>
+          <a:lnRef idx="2">
+            <a:schemeClr val="accent1">
+              <a:shade val="50000"/>
+            </a:schemeClr>
+          </a:lnRef>
+          <a:fillRef idx="1">
+            <a:schemeClr val="accent1"/>
+          </a:fillRef>
+          <a:effectRef idx="0">
+            <a:schemeClr val="accent1"/>
+          </a:effectRef>
+          <a:fontRef idx="minor">
+            <a:schemeClr val="lt1"/>
+          </a:fontRef>
+        </p:style>
+        <p:txBody>
+          <a:bodyPr rot="0" spcFirstLastPara="0" vertOverflow="overflow" horzOverflow="overflow" vert="horz" wrap="square" lIns="0" tIns="0" rIns="0" bIns="0" numCol="1" spcCol="0" rtlCol="0" fromWordArt="0" anchor="ctr" anchorCtr="0" forceAA="0" compatLnSpc="1">
+            <a:prstTxWarp prst="textNoShape">
+              <a:avLst/>
+            </a:prstTxWarp>
+            <a:noAutofit/>
+          </a:bodyPr>
+          <a:lstStyle/>
+          <a:p>
+            <a:pPr algn="ctr"/>
+            <a:r>
+              <a:rPr lang="ko-KR" altLang="en-US" sz="750" b="1" dirty="0"/>
+              <a:t>통계</a:t>
+            </a:r>
+          </a:p>
+        </p:txBody>
+      </p:sp>
+      <p:sp>
+        <p:nvSpPr>
+          <p:cNvPr id="16" name="직사각형 15"/>
+          <p:cNvSpPr/>
+          <p:nvPr/>
+        </p:nvSpPr>
+        <p:spPr>
+          <a:xfrm>
+            <a:off x="3815946" y="2214218"/>
+            <a:ext cx="270000" cy="378000"/>
+          </a:xfrm>
+          <a:prstGeom prst="rect">
+            <a:avLst/>
+          </a:prstGeom>
+          <a:solidFill>
+            <a:srgbClr val="987C4D"/>
+          </a:solidFill>
+          <a:ln>
+            <a:solidFill>
+              <a:srgbClr val="987C4D"/>
+            </a:solidFill>
+          </a:ln>
+        </p:spPr>
+        <p:style>
+          <a:lnRef idx="2">
+            <a:schemeClr val="accent1">
+              <a:shade val="50000"/>
+            </a:schemeClr>
+          </a:lnRef>
+          <a:fillRef idx="1">
+            <a:schemeClr val="accent1"/>
+          </a:fillRef>
+          <a:effectRef idx="0">
+            <a:schemeClr val="accent1"/>
+          </a:effectRef>
+          <a:fontRef idx="minor">
+            <a:schemeClr val="lt1"/>
+          </a:fontRef>
+        </p:style>
+        <p:txBody>
+          <a:bodyPr rot="0" spcFirstLastPara="0" vertOverflow="overflow" horzOverflow="overflow" vert="horz" wrap="square" lIns="0" tIns="0" rIns="0" bIns="0" numCol="1" spcCol="0" rtlCol="0" fromWordArt="0" anchor="ctr" anchorCtr="0" forceAA="0" compatLnSpc="1">
+            <a:prstTxWarp prst="textNoShape">
+              <a:avLst/>
+            </a:prstTxWarp>
+            <a:noAutofit/>
+          </a:bodyPr>
+          <a:lstStyle/>
+          <a:p>
+            <a:pPr algn="ctr"/>
+            <a:r>
+              <a:rPr lang="ko-KR" altLang="en-US" sz="750" b="1" dirty="0"/>
+              <a:t>대출</a:t>
+            </a:r>
+            <a:endParaRPr lang="en-US" altLang="ko-KR" sz="750" b="1" dirty="0"/>
+          </a:p>
+          <a:p>
+            <a:pPr algn="ctr"/>
+            <a:r>
+              <a:rPr lang="ko-KR" altLang="en-US" sz="750" b="1" dirty="0"/>
+              <a:t>반납</a:t>
+            </a:r>
+          </a:p>
+        </p:txBody>
+      </p:sp>
+      <p:sp>
+        <p:nvSpPr>
+          <p:cNvPr id="17" name="직사각형 16"/>
+          <p:cNvSpPr/>
+          <p:nvPr/>
+        </p:nvSpPr>
+        <p:spPr>
+          <a:xfrm>
+            <a:off x="5506945" y="3346926"/>
+            <a:ext cx="270000" cy="378000"/>
+          </a:xfrm>
+          <a:prstGeom prst="rect">
+            <a:avLst/>
+          </a:prstGeom>
+          <a:solidFill>
+            <a:srgbClr val="CDC1B6"/>
+          </a:solidFill>
+          <a:ln>
+            <a:solidFill>
+              <a:srgbClr val="CDC1B6"/>
+            </a:solidFill>
+          </a:ln>
+        </p:spPr>
+        <p:style>
+          <a:lnRef idx="2">
+            <a:schemeClr val="accent1">
+              <a:shade val="50000"/>
+            </a:schemeClr>
+          </a:lnRef>
+          <a:fillRef idx="1">
+            <a:schemeClr val="accent1"/>
+          </a:fillRef>
+          <a:effectRef idx="0">
+            <a:schemeClr val="accent1"/>
+          </a:effectRef>
+          <a:fontRef idx="minor">
+            <a:schemeClr val="lt1"/>
+          </a:fontRef>
+        </p:style>
+        <p:txBody>
+          <a:bodyPr rot="0" spcFirstLastPara="0" vertOverflow="overflow" horzOverflow="overflow" vert="horz" wrap="square" lIns="0" tIns="0" rIns="0" bIns="0" numCol="1" spcCol="0" rtlCol="0" fromWordArt="0" anchor="ctr" anchorCtr="0" forceAA="0" compatLnSpc="1">
+            <a:prstTxWarp prst="textNoShape">
+              <a:avLst/>
+            </a:prstTxWarp>
+            <a:noAutofit/>
+          </a:bodyPr>
+          <a:lstStyle/>
+          <a:p>
+            <a:pPr algn="ctr"/>
+            <a:r>
+              <a:rPr lang="ko-KR" altLang="en-US" sz="750" b="1" dirty="0" err="1">
+                <a:solidFill>
+                  <a:schemeClr val="tx1"/>
+                </a:solidFill>
+              </a:rPr>
+              <a:t>글작성</a:t>
+            </a:r>
+            <a:endParaRPr lang="ko-KR" altLang="en-US" sz="750" b="1" dirty="0">
+              <a:solidFill>
+                <a:schemeClr val="tx1"/>
+              </a:solidFill>
+            </a:endParaRPr>
+          </a:p>
+        </p:txBody>
+      </p:sp>
+      <p:sp>
+        <p:nvSpPr>
+          <p:cNvPr id="18" name="직사각형 17"/>
+          <p:cNvSpPr/>
+          <p:nvPr/>
+        </p:nvSpPr>
+        <p:spPr>
+          <a:xfrm>
+            <a:off x="1817724" y="3330209"/>
+            <a:ext cx="270000" cy="378000"/>
+          </a:xfrm>
+          <a:prstGeom prst="rect">
+            <a:avLst/>
+          </a:prstGeom>
+          <a:solidFill>
+            <a:srgbClr val="CDC1B6"/>
+          </a:solidFill>
+          <a:ln>
+            <a:solidFill>
+              <a:srgbClr val="CDC1B6"/>
+            </a:solidFill>
+          </a:ln>
+        </p:spPr>
+        <p:style>
+          <a:lnRef idx="2">
+            <a:schemeClr val="accent1">
+              <a:shade val="50000"/>
+            </a:schemeClr>
+          </a:lnRef>
+          <a:fillRef idx="1">
+            <a:schemeClr val="accent1"/>
+          </a:fillRef>
+          <a:effectRef idx="0">
+            <a:schemeClr val="accent1"/>
+          </a:effectRef>
+          <a:fontRef idx="minor">
+            <a:schemeClr val="lt1"/>
+          </a:fontRef>
+        </p:style>
+        <p:txBody>
+          <a:bodyPr rot="0" spcFirstLastPara="0" vertOverflow="overflow" horzOverflow="overflow" vert="horz" wrap="square" lIns="0" tIns="0" rIns="0" bIns="0" numCol="1" spcCol="0" rtlCol="0" fromWordArt="0" anchor="ctr" anchorCtr="0" forceAA="0" compatLnSpc="1">
+            <a:prstTxWarp prst="textNoShape">
+              <a:avLst/>
+            </a:prstTxWarp>
+            <a:noAutofit/>
+          </a:bodyPr>
+          <a:lstStyle/>
+          <a:p>
+            <a:pPr algn="ctr"/>
+            <a:r>
+              <a:rPr lang="ko-KR" altLang="en-US" sz="750" b="1" dirty="0">
+                <a:solidFill>
+                  <a:schemeClr val="tx1"/>
+                </a:solidFill>
+              </a:rPr>
+              <a:t>사서</a:t>
+            </a:r>
+            <a:endParaRPr lang="en-US" altLang="ko-KR" sz="750" b="1" dirty="0">
+              <a:solidFill>
+                <a:schemeClr val="tx1"/>
+              </a:solidFill>
+            </a:endParaRPr>
+          </a:p>
+          <a:p>
+            <a:pPr algn="ctr"/>
+            <a:r>
+              <a:rPr lang="ko-KR" altLang="en-US" sz="750" b="1" dirty="0">
+                <a:solidFill>
+                  <a:schemeClr val="tx1"/>
+                </a:solidFill>
+              </a:rPr>
+              <a:t>삭제</a:t>
+            </a:r>
+          </a:p>
+        </p:txBody>
+      </p:sp>
+      <p:sp>
+        <p:nvSpPr>
+          <p:cNvPr id="19" name="직사각형 18"/>
+          <p:cNvSpPr/>
+          <p:nvPr/>
+        </p:nvSpPr>
+        <p:spPr>
+          <a:xfrm>
+            <a:off x="2889052" y="3342620"/>
+            <a:ext cx="270000" cy="378000"/>
+          </a:xfrm>
+          <a:prstGeom prst="rect">
+            <a:avLst/>
+          </a:prstGeom>
+          <a:solidFill>
+            <a:srgbClr val="CDC1B6"/>
+          </a:solidFill>
+          <a:ln>
+            <a:solidFill>
+              <a:srgbClr val="CDC1B6"/>
+            </a:solidFill>
+          </a:ln>
+        </p:spPr>
+        <p:style>
+          <a:lnRef idx="2">
+            <a:schemeClr val="accent1">
+              <a:shade val="50000"/>
+            </a:schemeClr>
+          </a:lnRef>
+          <a:fillRef idx="1">
+            <a:schemeClr val="accent1"/>
+          </a:fillRef>
+          <a:effectRef idx="0">
+            <a:schemeClr val="accent1"/>
+          </a:effectRef>
+          <a:fontRef idx="minor">
+            <a:schemeClr val="lt1"/>
+          </a:fontRef>
+        </p:style>
+        <p:txBody>
+          <a:bodyPr rot="0" spcFirstLastPara="0" vertOverflow="overflow" horzOverflow="overflow" vert="horz" wrap="square" lIns="0" tIns="0" rIns="0" bIns="0" numCol="1" spcCol="0" rtlCol="0" fromWordArt="0" anchor="ctr" anchorCtr="0" forceAA="0" compatLnSpc="1">
+            <a:prstTxWarp prst="textNoShape">
+              <a:avLst/>
+            </a:prstTxWarp>
+            <a:noAutofit/>
+          </a:bodyPr>
+          <a:lstStyle/>
+          <a:p>
+            <a:pPr algn="ctr"/>
+            <a:r>
+              <a:rPr lang="ko-KR" altLang="en-US" sz="750" b="1" dirty="0">
+                <a:solidFill>
+                  <a:schemeClr val="tx1"/>
+                </a:solidFill>
+              </a:rPr>
+              <a:t>회원</a:t>
+            </a:r>
+            <a:endParaRPr lang="en-US" altLang="ko-KR" sz="750" b="1" dirty="0">
+              <a:solidFill>
+                <a:schemeClr val="tx1"/>
+              </a:solidFill>
+            </a:endParaRPr>
+          </a:p>
+          <a:p>
+            <a:pPr algn="ctr"/>
+            <a:r>
+              <a:rPr lang="ko-KR" altLang="en-US" sz="750" b="1" dirty="0">
+                <a:solidFill>
+                  <a:schemeClr val="tx1"/>
+                </a:solidFill>
+              </a:rPr>
+              <a:t>강등</a:t>
+            </a:r>
+          </a:p>
+        </p:txBody>
+      </p:sp>
+      <p:sp>
+        <p:nvSpPr>
+          <p:cNvPr id="20" name="직사각형 19"/>
+          <p:cNvSpPr/>
+          <p:nvPr/>
+        </p:nvSpPr>
+        <p:spPr>
+          <a:xfrm>
+            <a:off x="4464018" y="3317181"/>
+            <a:ext cx="270000" cy="378000"/>
+          </a:xfrm>
+          <a:prstGeom prst="rect">
+            <a:avLst/>
+          </a:prstGeom>
+          <a:solidFill>
+            <a:srgbClr val="CDC1B6"/>
+          </a:solidFill>
+          <a:ln>
+            <a:solidFill>
+              <a:srgbClr val="CDC1B6"/>
+            </a:solidFill>
+          </a:ln>
+        </p:spPr>
+        <p:style>
+          <a:lnRef idx="2">
+            <a:schemeClr val="accent1">
+              <a:shade val="50000"/>
+            </a:schemeClr>
+          </a:lnRef>
+          <a:fillRef idx="1">
+            <a:schemeClr val="accent1"/>
+          </a:fillRef>
+          <a:effectRef idx="0">
+            <a:schemeClr val="accent1"/>
+          </a:effectRef>
+          <a:fontRef idx="minor">
+            <a:schemeClr val="lt1"/>
+          </a:fontRef>
+        </p:style>
+        <p:txBody>
+          <a:bodyPr rot="0" spcFirstLastPara="0" vertOverflow="overflow" horzOverflow="overflow" vert="horz" wrap="square" lIns="0" tIns="0" rIns="0" bIns="0" numCol="1" spcCol="0" rtlCol="0" fromWordArt="0" anchor="ctr" anchorCtr="0" forceAA="0" compatLnSpc="1">
+            <a:prstTxWarp prst="textNoShape">
+              <a:avLst/>
+            </a:prstTxWarp>
+            <a:noAutofit/>
+          </a:bodyPr>
+          <a:lstStyle/>
+          <a:p>
+            <a:pPr algn="ctr"/>
+            <a:r>
+              <a:rPr lang="ko-KR" altLang="en-US" sz="750" b="1" dirty="0">
+                <a:solidFill>
+                  <a:schemeClr val="tx1"/>
+                </a:solidFill>
+              </a:rPr>
+              <a:t>도서목록</a:t>
+            </a:r>
+          </a:p>
+        </p:txBody>
+      </p:sp>
+      <p:sp>
+        <p:nvSpPr>
+          <p:cNvPr id="21" name="직사각형 20"/>
+          <p:cNvSpPr/>
+          <p:nvPr/>
+        </p:nvSpPr>
+        <p:spPr>
+          <a:xfrm>
+            <a:off x="6462240" y="3334245"/>
+            <a:ext cx="270000" cy="378000"/>
+          </a:xfrm>
+          <a:prstGeom prst="rect">
+            <a:avLst/>
+          </a:prstGeom>
+          <a:solidFill>
+            <a:srgbClr val="CDC1B6"/>
+          </a:solidFill>
+          <a:ln>
+            <a:solidFill>
+              <a:srgbClr val="CDC1B6"/>
+            </a:solidFill>
+          </a:ln>
+        </p:spPr>
+        <p:style>
+          <a:lnRef idx="2">
+            <a:schemeClr val="accent1">
+              <a:shade val="50000"/>
+            </a:schemeClr>
+          </a:lnRef>
+          <a:fillRef idx="1">
+            <a:schemeClr val="accent1"/>
+          </a:fillRef>
+          <a:effectRef idx="0">
+            <a:schemeClr val="accent1"/>
+          </a:effectRef>
+          <a:fontRef idx="minor">
+            <a:schemeClr val="lt1"/>
+          </a:fontRef>
+        </p:style>
+        <p:txBody>
+          <a:bodyPr rot="0" spcFirstLastPara="0" vertOverflow="overflow" horzOverflow="overflow" vert="horz" wrap="square" lIns="0" tIns="0" rIns="0" bIns="0" numCol="1" spcCol="0" rtlCol="0" fromWordArt="0" anchor="ctr" anchorCtr="0" forceAA="0" compatLnSpc="1">
+            <a:prstTxWarp prst="textNoShape">
+              <a:avLst/>
+            </a:prstTxWarp>
+            <a:noAutofit/>
+          </a:bodyPr>
+          <a:lstStyle/>
+          <a:p>
+            <a:pPr algn="ctr"/>
+            <a:r>
+              <a:rPr lang="ko-KR" altLang="en-US" sz="750" b="1" dirty="0" err="1">
+                <a:solidFill>
+                  <a:schemeClr val="tx1"/>
+                </a:solidFill>
+              </a:rPr>
+              <a:t>글보기</a:t>
+            </a:r>
+            <a:endParaRPr lang="ko-KR" altLang="en-US" sz="750" b="1" dirty="0">
+              <a:solidFill>
+                <a:schemeClr val="tx1"/>
+              </a:solidFill>
+            </a:endParaRPr>
+          </a:p>
+        </p:txBody>
+      </p:sp>
+      <p:sp>
+        <p:nvSpPr>
+          <p:cNvPr id="23" name="직사각형 22"/>
+          <p:cNvSpPr/>
+          <p:nvPr/>
+        </p:nvSpPr>
+        <p:spPr>
+          <a:xfrm>
+            <a:off x="1484496" y="3334245"/>
+            <a:ext cx="270000" cy="378000"/>
+          </a:xfrm>
+          <a:prstGeom prst="rect">
+            <a:avLst/>
+          </a:prstGeom>
+          <a:solidFill>
+            <a:srgbClr val="CDC1B6"/>
+          </a:solidFill>
+          <a:ln>
+            <a:solidFill>
+              <a:srgbClr val="CDC1B6"/>
+            </a:solidFill>
+          </a:ln>
+        </p:spPr>
+        <p:style>
+          <a:lnRef idx="2">
+            <a:schemeClr val="accent1">
+              <a:shade val="50000"/>
+            </a:schemeClr>
+          </a:lnRef>
+          <a:fillRef idx="1">
+            <a:schemeClr val="accent1"/>
+          </a:fillRef>
+          <a:effectRef idx="0">
+            <a:schemeClr val="accent1"/>
+          </a:effectRef>
+          <a:fontRef idx="minor">
+            <a:schemeClr val="lt1"/>
+          </a:fontRef>
+        </p:style>
+        <p:txBody>
+          <a:bodyPr rot="0" spcFirstLastPara="0" vertOverflow="overflow" horzOverflow="overflow" vert="horz" wrap="square" lIns="0" tIns="0" rIns="0" bIns="0" numCol="1" spcCol="0" rtlCol="0" fromWordArt="0" anchor="ctr" anchorCtr="0" forceAA="0" compatLnSpc="1">
+            <a:prstTxWarp prst="textNoShape">
+              <a:avLst/>
+            </a:prstTxWarp>
+            <a:noAutofit/>
+          </a:bodyPr>
+          <a:lstStyle/>
+          <a:p>
+            <a:pPr algn="ctr"/>
+            <a:r>
+              <a:rPr lang="ko-KR" altLang="en-US" sz="750" b="1" dirty="0">
+                <a:solidFill>
+                  <a:schemeClr val="tx1"/>
+                </a:solidFill>
+              </a:rPr>
+              <a:t>사서등록</a:t>
+            </a:r>
+          </a:p>
+        </p:txBody>
+      </p:sp>
+      <p:sp>
+        <p:nvSpPr>
+          <p:cNvPr id="25" name="직사각형 24"/>
+          <p:cNvSpPr/>
+          <p:nvPr/>
+        </p:nvSpPr>
+        <p:spPr>
+          <a:xfrm>
+            <a:off x="2573808" y="3334766"/>
+            <a:ext cx="270000" cy="378000"/>
+          </a:xfrm>
+          <a:prstGeom prst="rect">
+            <a:avLst/>
+          </a:prstGeom>
+          <a:solidFill>
+            <a:srgbClr val="CDC1B6"/>
+          </a:solidFill>
+          <a:ln>
+            <a:solidFill>
+              <a:srgbClr val="CDC1B6"/>
+            </a:solidFill>
+          </a:ln>
+        </p:spPr>
+        <p:style>
+          <a:lnRef idx="2">
+            <a:schemeClr val="accent1">
+              <a:shade val="50000"/>
+            </a:schemeClr>
+          </a:lnRef>
+          <a:fillRef idx="1">
+            <a:schemeClr val="accent1"/>
+          </a:fillRef>
+          <a:effectRef idx="0">
+            <a:schemeClr val="accent1"/>
+          </a:effectRef>
+          <a:fontRef idx="minor">
+            <a:schemeClr val="lt1"/>
+          </a:fontRef>
+        </p:style>
+        <p:txBody>
+          <a:bodyPr rot="0" spcFirstLastPara="0" vertOverflow="overflow" horzOverflow="overflow" vert="horz" wrap="square" lIns="0" tIns="0" rIns="0" bIns="0" numCol="1" spcCol="0" rtlCol="0" fromWordArt="0" anchor="ctr" anchorCtr="0" forceAA="0" compatLnSpc="1">
+            <a:prstTxWarp prst="textNoShape">
+              <a:avLst/>
+            </a:prstTxWarp>
+            <a:noAutofit/>
+          </a:bodyPr>
+          <a:lstStyle/>
+          <a:p>
+            <a:pPr algn="ctr"/>
+            <a:r>
+              <a:rPr lang="ko-KR" altLang="en-US" sz="750" b="1" dirty="0">
+                <a:solidFill>
+                  <a:schemeClr val="tx1"/>
+                </a:solidFill>
+              </a:rPr>
+              <a:t>회원</a:t>
+            </a:r>
+            <a:endParaRPr lang="en-US" altLang="ko-KR" sz="750" b="1" dirty="0">
+              <a:solidFill>
+                <a:schemeClr val="tx1"/>
+              </a:solidFill>
+            </a:endParaRPr>
+          </a:p>
+          <a:p>
+            <a:pPr algn="ctr"/>
+            <a:r>
+              <a:rPr lang="ko-KR" altLang="en-US" sz="750" b="1" dirty="0">
+                <a:solidFill>
+                  <a:schemeClr val="tx1"/>
+                </a:solidFill>
+              </a:rPr>
+              <a:t>검색</a:t>
+            </a:r>
+          </a:p>
+        </p:txBody>
+      </p:sp>
+      <p:sp>
+        <p:nvSpPr>
+          <p:cNvPr id="26" name="직사각형 25"/>
+          <p:cNvSpPr/>
+          <p:nvPr/>
+        </p:nvSpPr>
+        <p:spPr>
+          <a:xfrm>
+            <a:off x="3202087" y="3338147"/>
+            <a:ext cx="333596" cy="378000"/>
+          </a:xfrm>
+          <a:prstGeom prst="rect">
+            <a:avLst/>
+          </a:prstGeom>
+          <a:solidFill>
+            <a:srgbClr val="CDC1B6"/>
+          </a:solidFill>
+          <a:ln>
+            <a:solidFill>
+              <a:srgbClr val="CDC1B6"/>
+            </a:solidFill>
+          </a:ln>
+        </p:spPr>
+        <p:style>
+          <a:lnRef idx="2">
+            <a:schemeClr val="accent1">
+              <a:shade val="50000"/>
+            </a:schemeClr>
+          </a:lnRef>
+          <a:fillRef idx="1">
+            <a:schemeClr val="accent1"/>
+          </a:fillRef>
+          <a:effectRef idx="0">
+            <a:schemeClr val="accent1"/>
+          </a:effectRef>
+          <a:fontRef idx="minor">
+            <a:schemeClr val="lt1"/>
+          </a:fontRef>
+        </p:style>
+        <p:txBody>
+          <a:bodyPr rot="0" spcFirstLastPara="0" vertOverflow="overflow" horzOverflow="overflow" vert="horz" wrap="square" lIns="0" tIns="0" rIns="0" bIns="0" numCol="1" spcCol="0" rtlCol="0" fromWordArt="0" anchor="ctr" anchorCtr="0" forceAA="0" compatLnSpc="1">
+            <a:prstTxWarp prst="textNoShape">
+              <a:avLst/>
+            </a:prstTxWarp>
+            <a:noAutofit/>
+          </a:bodyPr>
+          <a:lstStyle/>
+          <a:p>
+            <a:pPr algn="ctr"/>
+            <a:r>
+              <a:rPr lang="ko-KR" altLang="en-US" sz="750" b="1">
+                <a:solidFill>
+                  <a:schemeClr val="tx1"/>
+                </a:solidFill>
+              </a:rPr>
+              <a:t>레벨별</a:t>
+            </a:r>
+            <a:endParaRPr lang="en-US" altLang="ko-KR" sz="750" b="1" dirty="0">
+              <a:solidFill>
+                <a:schemeClr val="tx1"/>
+              </a:solidFill>
+            </a:endParaRPr>
+          </a:p>
+          <a:p>
+            <a:pPr algn="ctr"/>
+            <a:r>
+              <a:rPr lang="ko-KR" altLang="en-US" sz="750" b="1" dirty="0">
+                <a:solidFill>
+                  <a:schemeClr val="tx1"/>
+                </a:solidFill>
+              </a:rPr>
+              <a:t>목록</a:t>
+            </a:r>
+          </a:p>
+        </p:txBody>
+      </p:sp>
+      <p:sp>
+        <p:nvSpPr>
+          <p:cNvPr id="27" name="직사각형 26"/>
+          <p:cNvSpPr/>
+          <p:nvPr/>
+        </p:nvSpPr>
+        <p:spPr>
+          <a:xfrm>
+            <a:off x="4788054" y="3321417"/>
+            <a:ext cx="270000" cy="378000"/>
+          </a:xfrm>
+          <a:prstGeom prst="rect">
+            <a:avLst/>
+          </a:prstGeom>
+          <a:solidFill>
+            <a:srgbClr val="CDC1B6"/>
+          </a:solidFill>
+          <a:ln>
+            <a:solidFill>
+              <a:srgbClr val="CDC1B6"/>
+            </a:solidFill>
+          </a:ln>
+        </p:spPr>
+        <p:style>
+          <a:lnRef idx="2">
+            <a:schemeClr val="accent1">
+              <a:shade val="50000"/>
+            </a:schemeClr>
+          </a:lnRef>
+          <a:fillRef idx="1">
+            <a:schemeClr val="accent1"/>
+          </a:fillRef>
+          <a:effectRef idx="0">
+            <a:schemeClr val="accent1"/>
+          </a:effectRef>
+          <a:fontRef idx="minor">
+            <a:schemeClr val="lt1"/>
+          </a:fontRef>
+        </p:style>
+        <p:txBody>
+          <a:bodyPr rot="0" spcFirstLastPara="0" vertOverflow="overflow" horzOverflow="overflow" vert="horz" wrap="square" lIns="0" tIns="0" rIns="0" bIns="0" numCol="1" spcCol="0" rtlCol="0" fromWordArt="0" anchor="ctr" anchorCtr="0" forceAA="0" compatLnSpc="1">
+            <a:prstTxWarp prst="textNoShape">
+              <a:avLst/>
+            </a:prstTxWarp>
+            <a:noAutofit/>
+          </a:bodyPr>
+          <a:lstStyle/>
+          <a:p>
+            <a:pPr algn="ctr"/>
+            <a:r>
+              <a:rPr lang="ko-KR" altLang="en-US" sz="750" b="1" dirty="0">
+                <a:solidFill>
+                  <a:schemeClr val="tx1"/>
+                </a:solidFill>
+              </a:rPr>
+              <a:t>도서등록</a:t>
+            </a:r>
+          </a:p>
+        </p:txBody>
+      </p:sp>
+      <p:sp>
+        <p:nvSpPr>
+          <p:cNvPr id="28" name="직사각형 27"/>
+          <p:cNvSpPr/>
+          <p:nvPr/>
+        </p:nvSpPr>
+        <p:spPr>
+          <a:xfrm>
+            <a:off x="5828362" y="3346926"/>
+            <a:ext cx="270000" cy="378000"/>
+          </a:xfrm>
+          <a:prstGeom prst="rect">
+            <a:avLst/>
+          </a:prstGeom>
+          <a:solidFill>
+            <a:srgbClr val="CDC1B6"/>
+          </a:solidFill>
+          <a:ln>
+            <a:solidFill>
+              <a:srgbClr val="CDC1B6"/>
+            </a:solidFill>
+          </a:ln>
+        </p:spPr>
+        <p:style>
+          <a:lnRef idx="2">
+            <a:schemeClr val="accent1">
+              <a:shade val="50000"/>
+            </a:schemeClr>
+          </a:lnRef>
+          <a:fillRef idx="1">
+            <a:schemeClr val="accent1"/>
+          </a:fillRef>
+          <a:effectRef idx="0">
+            <a:schemeClr val="accent1"/>
+          </a:effectRef>
+          <a:fontRef idx="minor">
+            <a:schemeClr val="lt1"/>
+          </a:fontRef>
+        </p:style>
+        <p:txBody>
+          <a:bodyPr rot="0" spcFirstLastPara="0" vertOverflow="overflow" horzOverflow="overflow" vert="horz" wrap="square" lIns="0" tIns="0" rIns="0" bIns="0" numCol="1" spcCol="0" rtlCol="0" fromWordArt="0" anchor="ctr" anchorCtr="0" forceAA="0" compatLnSpc="1">
+            <a:prstTxWarp prst="textNoShape">
+              <a:avLst/>
+            </a:prstTxWarp>
+            <a:noAutofit/>
+          </a:bodyPr>
+          <a:lstStyle/>
+          <a:p>
+            <a:pPr algn="ctr"/>
+            <a:r>
+              <a:rPr lang="ko-KR" altLang="en-US" sz="750" b="1" dirty="0" err="1">
+                <a:solidFill>
+                  <a:schemeClr val="tx1"/>
+                </a:solidFill>
+              </a:rPr>
+              <a:t>글수정</a:t>
+            </a:r>
+            <a:endParaRPr lang="ko-KR" altLang="en-US" sz="750" b="1" dirty="0">
+              <a:solidFill>
+                <a:schemeClr val="tx1"/>
+              </a:solidFill>
+            </a:endParaRPr>
+          </a:p>
+        </p:txBody>
+      </p:sp>
+      <p:sp>
+        <p:nvSpPr>
+          <p:cNvPr id="29" name="직사각형 28"/>
+          <p:cNvSpPr/>
+          <p:nvPr/>
+        </p:nvSpPr>
+        <p:spPr>
+          <a:xfrm>
+            <a:off x="6138234" y="3345089"/>
+            <a:ext cx="270000" cy="378000"/>
+          </a:xfrm>
+          <a:prstGeom prst="rect">
+            <a:avLst/>
+          </a:prstGeom>
+          <a:solidFill>
+            <a:srgbClr val="CDC1B6"/>
+          </a:solidFill>
+          <a:ln>
+            <a:solidFill>
+              <a:srgbClr val="CDC1B6"/>
+            </a:solidFill>
+          </a:ln>
+        </p:spPr>
+        <p:style>
+          <a:lnRef idx="2">
+            <a:schemeClr val="accent1">
+              <a:shade val="50000"/>
+            </a:schemeClr>
+          </a:lnRef>
+          <a:fillRef idx="1">
+            <a:schemeClr val="accent1"/>
+          </a:fillRef>
+          <a:effectRef idx="0">
+            <a:schemeClr val="accent1"/>
+          </a:effectRef>
+          <a:fontRef idx="minor">
+            <a:schemeClr val="lt1"/>
+          </a:fontRef>
+        </p:style>
+        <p:txBody>
+          <a:bodyPr rot="0" spcFirstLastPara="0" vertOverflow="overflow" horzOverflow="overflow" vert="horz" wrap="square" lIns="0" tIns="0" rIns="0" bIns="0" numCol="1" spcCol="0" rtlCol="0" fromWordArt="0" anchor="ctr" anchorCtr="0" forceAA="0" compatLnSpc="1">
+            <a:prstTxWarp prst="textNoShape">
+              <a:avLst/>
+            </a:prstTxWarp>
+            <a:noAutofit/>
+          </a:bodyPr>
+          <a:lstStyle/>
+          <a:p>
+            <a:pPr algn="ctr"/>
+            <a:r>
+              <a:rPr lang="ko-KR" altLang="en-US" sz="750" b="1" dirty="0" err="1">
+                <a:solidFill>
+                  <a:schemeClr val="tx1"/>
+                </a:solidFill>
+              </a:rPr>
+              <a:t>글삭제</a:t>
+            </a:r>
+            <a:endParaRPr lang="ko-KR" altLang="en-US" sz="750" b="1" dirty="0">
+              <a:solidFill>
+                <a:schemeClr val="tx1"/>
+              </a:solidFill>
+            </a:endParaRPr>
+          </a:p>
+        </p:txBody>
+      </p:sp>
+      <p:sp>
+        <p:nvSpPr>
+          <p:cNvPr id="31" name="직사각형 30"/>
+          <p:cNvSpPr/>
+          <p:nvPr/>
+        </p:nvSpPr>
+        <p:spPr>
+          <a:xfrm>
+            <a:off x="7110282" y="3345089"/>
+            <a:ext cx="270000" cy="378000"/>
+          </a:xfrm>
+          <a:prstGeom prst="rect">
+            <a:avLst/>
+          </a:prstGeom>
+          <a:solidFill>
+            <a:srgbClr val="CDC1B6"/>
+          </a:solidFill>
+          <a:ln>
+            <a:solidFill>
+              <a:srgbClr val="CDC1B6"/>
+            </a:solidFill>
+          </a:ln>
+        </p:spPr>
+        <p:style>
+          <a:lnRef idx="2">
+            <a:schemeClr val="accent1">
+              <a:shade val="50000"/>
+            </a:schemeClr>
+          </a:lnRef>
+          <a:fillRef idx="1">
+            <a:schemeClr val="accent1"/>
+          </a:fillRef>
+          <a:effectRef idx="0">
+            <a:schemeClr val="accent1"/>
+          </a:effectRef>
+          <a:fontRef idx="minor">
+            <a:schemeClr val="lt1"/>
+          </a:fontRef>
+        </p:style>
+        <p:txBody>
+          <a:bodyPr rot="0" spcFirstLastPara="0" vertOverflow="overflow" horzOverflow="overflow" vert="horz" wrap="square" lIns="0" tIns="0" rIns="0" bIns="0" numCol="1" spcCol="0" rtlCol="0" fromWordArt="0" anchor="ctr" anchorCtr="0" forceAA="0" compatLnSpc="1">
+            <a:prstTxWarp prst="textNoShape">
+              <a:avLst/>
+            </a:prstTxWarp>
+            <a:noAutofit/>
+          </a:bodyPr>
+          <a:lstStyle/>
+          <a:p>
+            <a:pPr algn="ctr"/>
+            <a:r>
+              <a:rPr lang="ko-KR" altLang="en-US" sz="750" b="1" dirty="0">
+                <a:solidFill>
+                  <a:schemeClr val="tx1"/>
+                </a:solidFill>
+              </a:rPr>
+              <a:t>도서통계</a:t>
+            </a:r>
+          </a:p>
+        </p:txBody>
+      </p:sp>
+      <p:sp>
+        <p:nvSpPr>
+          <p:cNvPr id="33" name="직사각형 32"/>
+          <p:cNvSpPr/>
+          <p:nvPr/>
+        </p:nvSpPr>
+        <p:spPr>
+          <a:xfrm>
+            <a:off x="7434959" y="3345089"/>
+            <a:ext cx="270000" cy="378000"/>
+          </a:xfrm>
+          <a:prstGeom prst="rect">
+            <a:avLst/>
+          </a:prstGeom>
+          <a:solidFill>
+            <a:srgbClr val="CDC1B6"/>
+          </a:solidFill>
+          <a:ln>
+            <a:solidFill>
+              <a:srgbClr val="CDC1B6"/>
+            </a:solidFill>
+          </a:ln>
+        </p:spPr>
+        <p:style>
+          <a:lnRef idx="2">
+            <a:schemeClr val="accent1">
+              <a:shade val="50000"/>
+            </a:schemeClr>
+          </a:lnRef>
+          <a:fillRef idx="1">
+            <a:schemeClr val="accent1"/>
+          </a:fillRef>
+          <a:effectRef idx="0">
+            <a:schemeClr val="accent1"/>
+          </a:effectRef>
+          <a:fontRef idx="minor">
+            <a:schemeClr val="lt1"/>
+          </a:fontRef>
+        </p:style>
+        <p:txBody>
+          <a:bodyPr rot="0" spcFirstLastPara="0" vertOverflow="overflow" horzOverflow="overflow" vert="horz" wrap="square" lIns="0" tIns="0" rIns="0" bIns="0" numCol="1" spcCol="0" rtlCol="0" fromWordArt="0" anchor="ctr" anchorCtr="0" forceAA="0" compatLnSpc="1">
+            <a:prstTxWarp prst="textNoShape">
+              <a:avLst/>
+            </a:prstTxWarp>
+            <a:noAutofit/>
+          </a:bodyPr>
+          <a:lstStyle/>
+          <a:p>
+            <a:pPr algn="ctr"/>
+            <a:r>
+              <a:rPr lang="ko-KR" altLang="en-US" sz="750" b="1" dirty="0">
+                <a:solidFill>
+                  <a:schemeClr val="tx1"/>
+                </a:solidFill>
+              </a:rPr>
+              <a:t>도서추천</a:t>
+            </a:r>
+          </a:p>
+        </p:txBody>
+      </p:sp>
+      <p:sp>
+        <p:nvSpPr>
+          <p:cNvPr id="39" name="직사각형 38"/>
+          <p:cNvSpPr/>
+          <p:nvPr/>
+        </p:nvSpPr>
+        <p:spPr>
+          <a:xfrm>
+            <a:off x="4302018" y="1035341"/>
+            <a:ext cx="432000" cy="243000"/>
+          </a:xfrm>
+          <a:prstGeom prst="rect">
+            <a:avLst/>
+          </a:prstGeom>
+          <a:solidFill>
+            <a:srgbClr val="987C4D"/>
+          </a:solidFill>
+          <a:ln>
+            <a:solidFill>
+              <a:srgbClr val="987C4D"/>
+            </a:solidFill>
+          </a:ln>
+        </p:spPr>
+        <p:style>
+          <a:lnRef idx="2">
+            <a:schemeClr val="accent1">
+              <a:shade val="50000"/>
+            </a:schemeClr>
+          </a:lnRef>
+          <a:fillRef idx="1">
+            <a:schemeClr val="accent1"/>
+          </a:fillRef>
+          <a:effectRef idx="0">
+            <a:schemeClr val="accent1"/>
+          </a:effectRef>
+          <a:fontRef idx="minor">
+            <a:schemeClr val="lt1"/>
+          </a:fontRef>
+        </p:style>
+        <p:txBody>
+          <a:bodyPr rot="0" spcFirstLastPara="0" vertOverflow="overflow" horzOverflow="overflow" vert="horz" wrap="square" lIns="0" tIns="0" rIns="0" bIns="0" numCol="1" spcCol="0" rtlCol="0" fromWordArt="0" anchor="ctr" anchorCtr="0" forceAA="0" compatLnSpc="1">
+            <a:prstTxWarp prst="textNoShape">
+              <a:avLst/>
+            </a:prstTxWarp>
+            <a:noAutofit/>
+          </a:bodyPr>
+          <a:lstStyle/>
+          <a:p>
+            <a:pPr algn="ctr"/>
+            <a:r>
+              <a:rPr lang="ko-KR" altLang="en-US" sz="750" b="1" dirty="0"/>
+              <a:t>로그인</a:t>
+            </a:r>
+            <a:r>
+              <a:rPr lang="en-US" altLang="ko-KR" sz="750" b="1" dirty="0"/>
+              <a:t>/</a:t>
+            </a:r>
+          </a:p>
+          <a:p>
+            <a:pPr algn="ctr"/>
+            <a:r>
+              <a:rPr lang="ko-KR" altLang="en-US" sz="750" b="1" dirty="0"/>
+              <a:t>로그아웃</a:t>
+            </a:r>
+          </a:p>
+        </p:txBody>
+      </p:sp>
+      <p:cxnSp>
+        <p:nvCxnSpPr>
+          <p:cNvPr id="41" name="직선 연결선 40"/>
+          <p:cNvCxnSpPr>
+            <a:stCxn id="5" idx="2"/>
+            <a:endCxn id="39" idx="0"/>
+          </p:cNvCxnSpPr>
+          <p:nvPr/>
+        </p:nvCxnSpPr>
+        <p:spPr>
+          <a:xfrm flipH="1">
+            <a:off x="4518018" y="875681"/>
+            <a:ext cx="26964" cy="159661"/>
+          </a:xfrm>
+          <a:prstGeom prst="line">
+            <a:avLst/>
+          </a:prstGeom>
+          <a:ln w="12700">
+            <a:solidFill>
+              <a:srgbClr val="756B5F"/>
+            </a:solidFill>
+            <a:tailEnd type="none"/>
+          </a:ln>
+        </p:spPr>
+        <p:style>
+          <a:lnRef idx="1">
+            <a:schemeClr val="accent1"/>
+          </a:lnRef>
+          <a:fillRef idx="0">
+            <a:schemeClr val="accent1"/>
+          </a:fillRef>
+          <a:effectRef idx="0">
+            <a:schemeClr val="accent1"/>
+          </a:effectRef>
+          <a:fontRef idx="minor">
+            <a:schemeClr val="tx1"/>
+          </a:fontRef>
+        </p:style>
+      </p:cxnSp>
+      <p:cxnSp>
+        <p:nvCxnSpPr>
+          <p:cNvPr id="67" name="꺾인 연결선 66"/>
+          <p:cNvCxnSpPr>
+            <a:stCxn id="12" idx="2"/>
+            <a:endCxn id="23" idx="0"/>
+          </p:cNvCxnSpPr>
+          <p:nvPr/>
+        </p:nvCxnSpPr>
+        <p:spPr>
+          <a:xfrm rot="5400000">
+            <a:off x="1345925" y="2916943"/>
+            <a:ext cx="690875" cy="143732"/>
+          </a:xfrm>
+          <a:prstGeom prst="bentConnector3">
+            <a:avLst/>
+          </a:prstGeom>
+          <a:ln w="12700">
+            <a:solidFill>
+              <a:srgbClr val="756B5F"/>
+            </a:solidFill>
+            <a:tailEnd type="none"/>
+          </a:ln>
+        </p:spPr>
+        <p:style>
+          <a:lnRef idx="1">
+            <a:schemeClr val="accent1"/>
+          </a:lnRef>
+          <a:fillRef idx="0">
+            <a:schemeClr val="accent1"/>
+          </a:fillRef>
+          <a:effectRef idx="0">
+            <a:schemeClr val="accent1"/>
+          </a:effectRef>
+          <a:fontRef idx="minor">
+            <a:schemeClr val="tx1"/>
+          </a:fontRef>
+        </p:style>
+      </p:cxnSp>
+      <p:cxnSp>
+        <p:nvCxnSpPr>
+          <p:cNvPr id="71" name="꺾인 연결선 70"/>
+          <p:cNvCxnSpPr>
+            <a:stCxn id="12" idx="2"/>
+            <a:endCxn id="18" idx="0"/>
+          </p:cNvCxnSpPr>
+          <p:nvPr/>
+        </p:nvCxnSpPr>
+        <p:spPr>
+          <a:xfrm rot="16200000" flipH="1">
+            <a:off x="1514558" y="2892042"/>
+            <a:ext cx="686839" cy="189496"/>
+          </a:xfrm>
+          <a:prstGeom prst="bentConnector3">
+            <a:avLst/>
+          </a:prstGeom>
+          <a:ln w="12700">
+            <a:solidFill>
+              <a:srgbClr val="756B5F"/>
+            </a:solidFill>
+            <a:tailEnd type="none"/>
+          </a:ln>
+        </p:spPr>
+        <p:style>
+          <a:lnRef idx="1">
+            <a:schemeClr val="accent1"/>
+          </a:lnRef>
+          <a:fillRef idx="0">
+            <a:schemeClr val="accent1"/>
+          </a:fillRef>
+          <a:effectRef idx="0">
+            <a:schemeClr val="accent1"/>
+          </a:effectRef>
+          <a:fontRef idx="minor">
+            <a:schemeClr val="tx1"/>
+          </a:fontRef>
+        </p:style>
+      </p:cxnSp>
+      <p:cxnSp>
+        <p:nvCxnSpPr>
+          <p:cNvPr id="73" name="꺾인 연결선 72"/>
+          <p:cNvCxnSpPr>
+            <a:stCxn id="10" idx="2"/>
+            <a:endCxn id="12" idx="0"/>
+          </p:cNvCxnSpPr>
+          <p:nvPr/>
+        </p:nvCxnSpPr>
+        <p:spPr>
+          <a:xfrm rot="5400000">
+            <a:off x="3816885" y="-217912"/>
+            <a:ext cx="429627" cy="4536940"/>
+          </a:xfrm>
+          <a:prstGeom prst="bentConnector3">
+            <a:avLst/>
+          </a:prstGeom>
+          <a:ln w="12700">
+            <a:solidFill>
+              <a:srgbClr val="756B5F"/>
+            </a:solidFill>
+            <a:tailEnd type="none"/>
+          </a:ln>
+        </p:spPr>
+        <p:style>
+          <a:lnRef idx="1">
+            <a:schemeClr val="accent1"/>
+          </a:lnRef>
+          <a:fillRef idx="0">
+            <a:schemeClr val="accent1"/>
+          </a:fillRef>
+          <a:effectRef idx="0">
+            <a:schemeClr val="accent1"/>
+          </a:effectRef>
+          <a:fontRef idx="minor">
+            <a:schemeClr val="tx1"/>
+          </a:fontRef>
+        </p:style>
+      </p:cxnSp>
+      <p:cxnSp>
+        <p:nvCxnSpPr>
+          <p:cNvPr id="83" name="꺾인 연결선 82"/>
+          <p:cNvCxnSpPr>
+            <a:stCxn id="10" idx="2"/>
+            <a:endCxn id="15" idx="0"/>
+          </p:cNvCxnSpPr>
+          <p:nvPr/>
+        </p:nvCxnSpPr>
+        <p:spPr>
+          <a:xfrm rot="16200000" flipH="1">
+            <a:off x="6663740" y="1472171"/>
+            <a:ext cx="380018" cy="1107162"/>
+          </a:xfrm>
+          <a:prstGeom prst="bentConnector3">
+            <a:avLst>
+              <a:gd name="adj1" fmla="val 56445"/>
+            </a:avLst>
+          </a:prstGeom>
+          <a:ln w="12700">
+            <a:solidFill>
+              <a:srgbClr val="756B5F"/>
+            </a:solidFill>
+            <a:tailEnd type="none"/>
+          </a:ln>
+        </p:spPr>
+        <p:style>
+          <a:lnRef idx="1">
+            <a:schemeClr val="accent1"/>
+          </a:lnRef>
+          <a:fillRef idx="0">
+            <a:schemeClr val="accent1"/>
+          </a:fillRef>
+          <a:effectRef idx="0">
+            <a:schemeClr val="accent1"/>
+          </a:effectRef>
+          <a:fontRef idx="minor">
+            <a:schemeClr val="tx1"/>
+          </a:fontRef>
+        </p:style>
+      </p:cxnSp>
+      <p:cxnSp>
+        <p:nvCxnSpPr>
+          <p:cNvPr id="87" name="꺾인 연결선 86"/>
+          <p:cNvCxnSpPr>
+            <a:stCxn id="15" idx="2"/>
+            <a:endCxn id="31" idx="0"/>
+          </p:cNvCxnSpPr>
+          <p:nvPr/>
+        </p:nvCxnSpPr>
+        <p:spPr>
+          <a:xfrm rot="5400000">
+            <a:off x="6950642" y="2888401"/>
+            <a:ext cx="751328" cy="162048"/>
+          </a:xfrm>
+          <a:prstGeom prst="bentConnector3">
+            <a:avLst/>
+          </a:prstGeom>
+          <a:ln w="12700">
+            <a:solidFill>
+              <a:srgbClr val="756B5F"/>
+            </a:solidFill>
+            <a:tailEnd type="none"/>
+          </a:ln>
+        </p:spPr>
+        <p:style>
+          <a:lnRef idx="1">
+            <a:schemeClr val="accent1"/>
+          </a:lnRef>
+          <a:fillRef idx="0">
+            <a:schemeClr val="accent1"/>
+          </a:fillRef>
+          <a:effectRef idx="0">
+            <a:schemeClr val="accent1"/>
+          </a:effectRef>
+          <a:fontRef idx="minor">
+            <a:schemeClr val="tx1"/>
+          </a:fontRef>
+        </p:style>
+      </p:cxnSp>
+      <p:cxnSp>
+        <p:nvCxnSpPr>
+          <p:cNvPr id="96" name="꺾인 연결선 95"/>
+          <p:cNvCxnSpPr>
+            <a:stCxn id="33" idx="0"/>
+            <a:endCxn id="15" idx="2"/>
+          </p:cNvCxnSpPr>
+          <p:nvPr/>
+        </p:nvCxnSpPr>
+        <p:spPr>
+          <a:xfrm rot="16200000" flipV="1">
+            <a:off x="7112981" y="2888111"/>
+            <a:ext cx="751328" cy="162629"/>
+          </a:xfrm>
+          <a:prstGeom prst="bentConnector3">
+            <a:avLst/>
+          </a:prstGeom>
+          <a:ln w="12700">
+            <a:solidFill>
+              <a:srgbClr val="756B5F"/>
+            </a:solidFill>
+            <a:tailEnd type="none"/>
+          </a:ln>
+        </p:spPr>
+        <p:style>
+          <a:lnRef idx="1">
+            <a:schemeClr val="accent1"/>
+          </a:lnRef>
+          <a:fillRef idx="0">
+            <a:schemeClr val="accent1"/>
+          </a:fillRef>
+          <a:effectRef idx="0">
+            <a:schemeClr val="accent1"/>
+          </a:effectRef>
+          <a:fontRef idx="minor">
+            <a:schemeClr val="tx1"/>
+          </a:fontRef>
+        </p:style>
+      </p:cxnSp>
+      <p:cxnSp>
+        <p:nvCxnSpPr>
+          <p:cNvPr id="100" name="꺾인 연결선 99"/>
+          <p:cNvCxnSpPr>
+            <a:stCxn id="11" idx="2"/>
+            <a:endCxn id="21" idx="0"/>
+          </p:cNvCxnSpPr>
+          <p:nvPr/>
+        </p:nvCxnSpPr>
+        <p:spPr>
+          <a:xfrm rot="16200000" flipH="1">
+            <a:off x="5983971" y="2720976"/>
+            <a:ext cx="740484" cy="486054"/>
+          </a:xfrm>
+          <a:prstGeom prst="bentConnector3">
+            <a:avLst/>
+          </a:prstGeom>
+          <a:ln w="12700">
+            <a:solidFill>
+              <a:srgbClr val="756B5F"/>
+            </a:solidFill>
+            <a:tailEnd type="none"/>
+          </a:ln>
+        </p:spPr>
+        <p:style>
+          <a:lnRef idx="1">
+            <a:schemeClr val="accent1"/>
+          </a:lnRef>
+          <a:fillRef idx="0">
+            <a:schemeClr val="accent1"/>
+          </a:fillRef>
+          <a:effectRef idx="0">
+            <a:schemeClr val="accent1"/>
+          </a:effectRef>
+          <a:fontRef idx="minor">
+            <a:schemeClr val="tx1"/>
+          </a:fontRef>
+        </p:style>
+      </p:cxnSp>
+      <p:cxnSp>
+        <p:nvCxnSpPr>
+          <p:cNvPr id="102" name="꺾인 연결선 101"/>
+          <p:cNvCxnSpPr>
+            <a:stCxn id="11" idx="2"/>
+            <a:endCxn id="17" idx="0"/>
+          </p:cNvCxnSpPr>
+          <p:nvPr/>
+        </p:nvCxnSpPr>
+        <p:spPr>
+          <a:xfrm rot="5400000">
+            <a:off x="5499983" y="2735725"/>
+            <a:ext cx="753165" cy="469241"/>
+          </a:xfrm>
+          <a:prstGeom prst="bentConnector3">
+            <a:avLst/>
+          </a:prstGeom>
+          <a:ln w="12700">
+            <a:solidFill>
+              <a:srgbClr val="756B5F"/>
+            </a:solidFill>
+            <a:tailEnd type="none"/>
+          </a:ln>
+        </p:spPr>
+        <p:style>
+          <a:lnRef idx="1">
+            <a:schemeClr val="accent1"/>
+          </a:lnRef>
+          <a:fillRef idx="0">
+            <a:schemeClr val="accent1"/>
+          </a:fillRef>
+          <a:effectRef idx="0">
+            <a:schemeClr val="accent1"/>
+          </a:effectRef>
+          <a:fontRef idx="minor">
+            <a:schemeClr val="tx1"/>
+          </a:fontRef>
+        </p:style>
+      </p:cxnSp>
+      <p:cxnSp>
+        <p:nvCxnSpPr>
+          <p:cNvPr id="104" name="꺾인 연결선 103"/>
+          <p:cNvCxnSpPr>
+            <a:stCxn id="11" idx="2"/>
+            <a:endCxn id="29" idx="0"/>
+          </p:cNvCxnSpPr>
+          <p:nvPr/>
+        </p:nvCxnSpPr>
+        <p:spPr>
+          <a:xfrm rot="16200000" flipH="1">
+            <a:off x="5816546" y="2888401"/>
+            <a:ext cx="751328" cy="162048"/>
+          </a:xfrm>
+          <a:prstGeom prst="bentConnector3">
+            <a:avLst/>
+          </a:prstGeom>
+          <a:ln w="12700">
+            <a:solidFill>
+              <a:srgbClr val="756B5F"/>
+            </a:solidFill>
+            <a:tailEnd type="none"/>
+          </a:ln>
+        </p:spPr>
+        <p:style>
+          <a:lnRef idx="1">
+            <a:schemeClr val="accent1"/>
+          </a:lnRef>
+          <a:fillRef idx="0">
+            <a:schemeClr val="accent1"/>
+          </a:fillRef>
+          <a:effectRef idx="0">
+            <a:schemeClr val="accent1"/>
+          </a:effectRef>
+          <a:fontRef idx="minor">
+            <a:schemeClr val="tx1"/>
+          </a:fontRef>
+        </p:style>
+      </p:cxnSp>
+      <p:cxnSp>
+        <p:nvCxnSpPr>
+          <p:cNvPr id="106" name="꺾인 연결선 105"/>
+          <p:cNvCxnSpPr>
+            <a:stCxn id="11" idx="2"/>
+            <a:endCxn id="28" idx="0"/>
+          </p:cNvCxnSpPr>
+          <p:nvPr/>
+        </p:nvCxnSpPr>
+        <p:spPr>
+          <a:xfrm rot="5400000">
+            <a:off x="5660692" y="2896433"/>
+            <a:ext cx="753165" cy="147824"/>
+          </a:xfrm>
+          <a:prstGeom prst="bentConnector3">
+            <a:avLst/>
+          </a:prstGeom>
+          <a:ln w="12700">
+            <a:solidFill>
+              <a:srgbClr val="756B5F"/>
+            </a:solidFill>
+            <a:tailEnd type="none"/>
+          </a:ln>
+        </p:spPr>
+        <p:style>
+          <a:lnRef idx="1">
+            <a:schemeClr val="accent1"/>
+          </a:lnRef>
+          <a:fillRef idx="0">
+            <a:schemeClr val="accent1"/>
+          </a:fillRef>
+          <a:effectRef idx="0">
+            <a:schemeClr val="accent1"/>
+          </a:effectRef>
+          <a:fontRef idx="minor">
+            <a:schemeClr val="tx1"/>
+          </a:fontRef>
+        </p:style>
+      </p:cxnSp>
+      <p:cxnSp>
+        <p:nvCxnSpPr>
+          <p:cNvPr id="108" name="꺾인 연결선 107"/>
+          <p:cNvCxnSpPr>
+            <a:stCxn id="14" idx="2"/>
+            <a:endCxn id="27" idx="0"/>
+          </p:cNvCxnSpPr>
+          <p:nvPr/>
+        </p:nvCxnSpPr>
+        <p:spPr>
+          <a:xfrm rot="16200000" flipH="1">
+            <a:off x="4478202" y="2876565"/>
+            <a:ext cx="727656" cy="162048"/>
+          </a:xfrm>
+          <a:prstGeom prst="bentConnector3">
+            <a:avLst/>
+          </a:prstGeom>
+          <a:ln w="12700">
+            <a:solidFill>
+              <a:srgbClr val="756B5F"/>
+            </a:solidFill>
+            <a:tailEnd type="none"/>
+          </a:ln>
+        </p:spPr>
+        <p:style>
+          <a:lnRef idx="1">
+            <a:schemeClr val="accent1"/>
+          </a:lnRef>
+          <a:fillRef idx="0">
+            <a:schemeClr val="accent1"/>
+          </a:fillRef>
+          <a:effectRef idx="0">
+            <a:schemeClr val="accent1"/>
+          </a:effectRef>
+          <a:fontRef idx="minor">
+            <a:schemeClr val="tx1"/>
+          </a:fontRef>
+        </p:style>
+      </p:cxnSp>
+      <p:cxnSp>
+        <p:nvCxnSpPr>
+          <p:cNvPr id="110" name="꺾인 연결선 109"/>
+          <p:cNvCxnSpPr>
+            <a:stCxn id="14" idx="2"/>
+            <a:endCxn id="20" idx="0"/>
+          </p:cNvCxnSpPr>
+          <p:nvPr/>
+        </p:nvCxnSpPr>
+        <p:spPr>
+          <a:xfrm rot="5400000">
+            <a:off x="4318302" y="2874477"/>
+            <a:ext cx="723420" cy="161988"/>
+          </a:xfrm>
+          <a:prstGeom prst="bentConnector3">
+            <a:avLst/>
+          </a:prstGeom>
+          <a:ln w="12700">
+            <a:solidFill>
+              <a:srgbClr val="756B5F"/>
+            </a:solidFill>
+            <a:tailEnd type="none"/>
+          </a:ln>
+        </p:spPr>
+        <p:style>
+          <a:lnRef idx="1">
+            <a:schemeClr val="accent1"/>
+          </a:lnRef>
+          <a:fillRef idx="0">
+            <a:schemeClr val="accent1"/>
+          </a:fillRef>
+          <a:effectRef idx="0">
+            <a:schemeClr val="accent1"/>
+          </a:effectRef>
+          <a:fontRef idx="minor">
+            <a:schemeClr val="tx1"/>
+          </a:fontRef>
+        </p:style>
+      </p:cxnSp>
+      <p:cxnSp>
+        <p:nvCxnSpPr>
+          <p:cNvPr id="112" name="꺾인 연결선 111"/>
+          <p:cNvCxnSpPr>
+            <a:stCxn id="13" idx="2"/>
+            <a:endCxn id="26" idx="0"/>
+          </p:cNvCxnSpPr>
+          <p:nvPr/>
+        </p:nvCxnSpPr>
+        <p:spPr>
+          <a:xfrm rot="16200000" flipH="1">
+            <a:off x="2837343" y="2806605"/>
+            <a:ext cx="719581" cy="343504"/>
+          </a:xfrm>
+          <a:prstGeom prst="bentConnector3">
+            <a:avLst/>
+          </a:prstGeom>
+          <a:ln w="12700">
+            <a:solidFill>
+              <a:srgbClr val="756B5F"/>
+            </a:solidFill>
+            <a:tailEnd type="none"/>
+          </a:ln>
+        </p:spPr>
+        <p:style>
+          <a:lnRef idx="1">
+            <a:schemeClr val="accent1"/>
+          </a:lnRef>
+          <a:fillRef idx="0">
+            <a:schemeClr val="accent1"/>
+          </a:fillRef>
+          <a:effectRef idx="0">
+            <a:schemeClr val="accent1"/>
+          </a:effectRef>
+          <a:fontRef idx="minor">
+            <a:schemeClr val="tx1"/>
+          </a:fontRef>
+        </p:style>
+      </p:cxnSp>
+      <p:cxnSp>
+        <p:nvCxnSpPr>
+          <p:cNvPr id="116" name="꺾인 연결선 115"/>
+          <p:cNvCxnSpPr>
+            <a:stCxn id="13" idx="2"/>
+            <a:endCxn id="25" idx="0"/>
+          </p:cNvCxnSpPr>
+          <p:nvPr/>
+        </p:nvCxnSpPr>
+        <p:spPr>
+          <a:xfrm rot="5400000">
+            <a:off x="2508996" y="2818379"/>
+            <a:ext cx="716200" cy="316572"/>
+          </a:xfrm>
+          <a:prstGeom prst="bentConnector3">
+            <a:avLst/>
+          </a:prstGeom>
+          <a:ln w="12700">
+            <a:solidFill>
+              <a:srgbClr val="756B5F"/>
+            </a:solidFill>
+            <a:tailEnd type="none"/>
+          </a:ln>
+        </p:spPr>
+        <p:style>
+          <a:lnRef idx="1">
+            <a:schemeClr val="accent1"/>
+          </a:lnRef>
+          <a:fillRef idx="0">
+            <a:schemeClr val="accent1"/>
+          </a:fillRef>
+          <a:effectRef idx="0">
+            <a:schemeClr val="accent1"/>
+          </a:effectRef>
+          <a:fontRef idx="minor">
+            <a:schemeClr val="tx1"/>
+          </a:fontRef>
+        </p:style>
+      </p:cxnSp>
+      <p:cxnSp>
+        <p:nvCxnSpPr>
+          <p:cNvPr id="122" name="꺾인 연결선 121"/>
+          <p:cNvCxnSpPr>
+            <a:stCxn id="39" idx="2"/>
+            <a:endCxn id="10" idx="0"/>
+          </p:cNvCxnSpPr>
+          <p:nvPr/>
+        </p:nvCxnSpPr>
+        <p:spPr>
+          <a:xfrm rot="16200000" flipH="1">
+            <a:off x="5251892" y="544467"/>
+            <a:ext cx="314403" cy="1782150"/>
+          </a:xfrm>
+          <a:prstGeom prst="bentConnector3">
+            <a:avLst/>
+          </a:prstGeom>
+          <a:ln w="12700">
+            <a:solidFill>
+              <a:srgbClr val="756B5F"/>
+            </a:solidFill>
+            <a:tailEnd type="none"/>
+          </a:ln>
+        </p:spPr>
+        <p:style>
+          <a:lnRef idx="1">
+            <a:schemeClr val="accent1"/>
+          </a:lnRef>
+          <a:fillRef idx="0">
+            <a:schemeClr val="accent1"/>
+          </a:fillRef>
+          <a:effectRef idx="0">
+            <a:schemeClr val="accent1"/>
+          </a:effectRef>
+          <a:fontRef idx="minor">
+            <a:schemeClr val="tx1"/>
+          </a:fontRef>
+        </p:style>
+      </p:cxnSp>
+      <p:cxnSp>
+        <p:nvCxnSpPr>
+          <p:cNvPr id="124" name="꺾인 연결선 123"/>
+          <p:cNvCxnSpPr>
+            <a:stCxn id="39" idx="2"/>
+            <a:endCxn id="9" idx="0"/>
+          </p:cNvCxnSpPr>
+          <p:nvPr/>
+        </p:nvCxnSpPr>
+        <p:spPr>
+          <a:xfrm rot="5400000">
+            <a:off x="2802086" y="-138122"/>
+            <a:ext cx="299471" cy="3132396"/>
+          </a:xfrm>
+          <a:prstGeom prst="bentConnector3">
+            <a:avLst/>
+          </a:prstGeom>
+          <a:ln w="12700">
+            <a:solidFill>
+              <a:srgbClr val="756B5F"/>
+            </a:solidFill>
+            <a:tailEnd type="none"/>
+          </a:ln>
+        </p:spPr>
+        <p:style>
+          <a:lnRef idx="1">
+            <a:schemeClr val="accent1"/>
+          </a:lnRef>
+          <a:fillRef idx="0">
+            <a:schemeClr val="accent1"/>
+          </a:fillRef>
+          <a:effectRef idx="0">
+            <a:schemeClr val="accent1"/>
+          </a:effectRef>
+          <a:fontRef idx="minor">
+            <a:schemeClr val="tx1"/>
+          </a:fontRef>
+        </p:style>
+      </p:cxnSp>
+      <p:sp>
+        <p:nvSpPr>
+          <p:cNvPr id="86" name="직사각형 85"/>
+          <p:cNvSpPr/>
+          <p:nvPr/>
+        </p:nvSpPr>
+        <p:spPr>
+          <a:xfrm>
+            <a:off x="4141205" y="4245978"/>
+            <a:ext cx="270000" cy="378000"/>
+          </a:xfrm>
+          <a:prstGeom prst="rect">
+            <a:avLst/>
+          </a:prstGeom>
+          <a:solidFill>
+            <a:srgbClr val="CDC1B6"/>
+          </a:solidFill>
+          <a:ln>
+            <a:solidFill>
+              <a:srgbClr val="CDC1B6"/>
+            </a:solidFill>
+          </a:ln>
+        </p:spPr>
+        <p:style>
+          <a:lnRef idx="2">
+            <a:schemeClr val="accent1">
+              <a:shade val="50000"/>
+            </a:schemeClr>
+          </a:lnRef>
+          <a:fillRef idx="1">
+            <a:schemeClr val="accent1"/>
+          </a:fillRef>
+          <a:effectRef idx="0">
+            <a:schemeClr val="accent1"/>
+          </a:effectRef>
+          <a:fontRef idx="minor">
+            <a:schemeClr val="lt1"/>
+          </a:fontRef>
+        </p:style>
+        <p:txBody>
+          <a:bodyPr rot="0" spcFirstLastPara="0" vertOverflow="overflow" horzOverflow="overflow" vert="horz" wrap="square" lIns="0" tIns="0" rIns="0" bIns="0" numCol="1" spcCol="0" rtlCol="0" fromWordArt="0" anchor="ctr" anchorCtr="0" forceAA="0" compatLnSpc="1">
+            <a:prstTxWarp prst="textNoShape">
+              <a:avLst/>
+            </a:prstTxWarp>
+            <a:noAutofit/>
+          </a:bodyPr>
+          <a:lstStyle/>
+          <a:p>
+            <a:pPr algn="ctr"/>
+            <a:r>
+              <a:rPr lang="ko-KR" altLang="en-US" sz="750" b="1">
+                <a:solidFill>
+                  <a:schemeClr val="tx1"/>
+                </a:solidFill>
+              </a:rPr>
+              <a:t>도서수정</a:t>
+            </a:r>
+            <a:endParaRPr lang="ko-KR" altLang="en-US" sz="750" b="1" dirty="0">
+              <a:solidFill>
+                <a:schemeClr val="tx1"/>
+              </a:solidFill>
+            </a:endParaRPr>
+          </a:p>
+        </p:txBody>
+      </p:sp>
+      <p:sp>
+        <p:nvSpPr>
+          <p:cNvPr id="88" name="직사각형 87"/>
+          <p:cNvSpPr/>
+          <p:nvPr/>
+        </p:nvSpPr>
+        <p:spPr>
+          <a:xfrm>
+            <a:off x="4465271" y="4245936"/>
+            <a:ext cx="270000" cy="378000"/>
+          </a:xfrm>
+          <a:prstGeom prst="rect">
+            <a:avLst/>
+          </a:prstGeom>
+          <a:solidFill>
+            <a:srgbClr val="CDC1B6"/>
+          </a:solidFill>
+          <a:ln>
+            <a:solidFill>
+              <a:srgbClr val="CDC1B6"/>
+            </a:solidFill>
+          </a:ln>
+        </p:spPr>
+        <p:style>
+          <a:lnRef idx="2">
+            <a:schemeClr val="accent1">
+              <a:shade val="50000"/>
+            </a:schemeClr>
+          </a:lnRef>
+          <a:fillRef idx="1">
+            <a:schemeClr val="accent1"/>
+          </a:fillRef>
+          <a:effectRef idx="0">
+            <a:schemeClr val="accent1"/>
+          </a:effectRef>
+          <a:fontRef idx="minor">
+            <a:schemeClr val="lt1"/>
+          </a:fontRef>
+        </p:style>
+        <p:txBody>
+          <a:bodyPr rot="0" spcFirstLastPara="0" vertOverflow="overflow" horzOverflow="overflow" vert="horz" wrap="square" lIns="0" tIns="0" rIns="0" bIns="0" numCol="1" spcCol="0" rtlCol="0" fromWordArt="0" anchor="ctr" anchorCtr="0" forceAA="0" compatLnSpc="1">
+            <a:prstTxWarp prst="textNoShape">
+              <a:avLst/>
+            </a:prstTxWarp>
+            <a:noAutofit/>
+          </a:bodyPr>
+          <a:lstStyle/>
+          <a:p>
+            <a:pPr algn="ctr"/>
+            <a:r>
+              <a:rPr lang="ko-KR" altLang="en-US" sz="750" b="1" dirty="0">
+                <a:solidFill>
+                  <a:schemeClr val="tx1"/>
+                </a:solidFill>
+              </a:rPr>
+              <a:t>도서삭제</a:t>
+            </a:r>
+          </a:p>
+        </p:txBody>
+      </p:sp>
+      <p:sp>
+        <p:nvSpPr>
+          <p:cNvPr id="90" name="직사각형 89"/>
+          <p:cNvSpPr/>
+          <p:nvPr/>
+        </p:nvSpPr>
+        <p:spPr>
+          <a:xfrm>
+            <a:off x="4139952" y="3327834"/>
+            <a:ext cx="270000" cy="378000"/>
+          </a:xfrm>
+          <a:prstGeom prst="rect">
+            <a:avLst/>
+          </a:prstGeom>
+          <a:solidFill>
+            <a:srgbClr val="CDC1B6"/>
+          </a:solidFill>
+          <a:ln>
+            <a:solidFill>
+              <a:srgbClr val="CDC1B6"/>
+            </a:solidFill>
+          </a:ln>
+        </p:spPr>
+        <p:style>
+          <a:lnRef idx="2">
+            <a:schemeClr val="accent1">
+              <a:shade val="50000"/>
+            </a:schemeClr>
+          </a:lnRef>
+          <a:fillRef idx="1">
+            <a:schemeClr val="accent1"/>
+          </a:fillRef>
+          <a:effectRef idx="0">
+            <a:schemeClr val="accent1"/>
+          </a:effectRef>
+          <a:fontRef idx="minor">
+            <a:schemeClr val="lt1"/>
+          </a:fontRef>
+        </p:style>
+        <p:txBody>
+          <a:bodyPr rot="0" spcFirstLastPara="0" vertOverflow="overflow" horzOverflow="overflow" vert="horz" wrap="square" lIns="0" tIns="0" rIns="0" bIns="0" numCol="1" spcCol="0" rtlCol="0" fromWordArt="0" anchor="ctr" anchorCtr="0" forceAA="0" compatLnSpc="1">
+            <a:prstTxWarp prst="textNoShape">
+              <a:avLst/>
+            </a:prstTxWarp>
+            <a:noAutofit/>
+          </a:bodyPr>
+          <a:lstStyle/>
+          <a:p>
+            <a:pPr algn="ctr"/>
+            <a:r>
+              <a:rPr lang="ko-KR" altLang="en-US" sz="750" b="1" dirty="0">
+                <a:solidFill>
+                  <a:schemeClr val="tx1"/>
+                </a:solidFill>
+              </a:rPr>
+              <a:t>도서검색</a:t>
+            </a:r>
+          </a:p>
+        </p:txBody>
+      </p:sp>
+      <p:cxnSp>
+        <p:nvCxnSpPr>
+          <p:cNvPr id="59" name="꺾인 연결선 58"/>
+          <p:cNvCxnSpPr>
+            <a:stCxn id="90" idx="2"/>
+            <a:endCxn id="86" idx="0"/>
+          </p:cNvCxnSpPr>
+          <p:nvPr/>
+        </p:nvCxnSpPr>
+        <p:spPr>
+          <a:xfrm rot="16200000" flipH="1">
+            <a:off x="4005506" y="3975280"/>
+            <a:ext cx="540144" cy="1253"/>
+          </a:xfrm>
+          <a:prstGeom prst="bentConnector3">
+            <a:avLst/>
+          </a:prstGeom>
+          <a:ln w="12700">
+            <a:solidFill>
+              <a:srgbClr val="756B5F"/>
+            </a:solidFill>
+            <a:tailEnd type="none"/>
+          </a:ln>
+        </p:spPr>
+        <p:style>
+          <a:lnRef idx="1">
+            <a:schemeClr val="accent1"/>
+          </a:lnRef>
+          <a:fillRef idx="0">
+            <a:schemeClr val="accent1"/>
+          </a:fillRef>
+          <a:effectRef idx="0">
+            <a:schemeClr val="accent1"/>
+          </a:effectRef>
+          <a:fontRef idx="minor">
+            <a:schemeClr val="tx1"/>
+          </a:fontRef>
+        </p:style>
+      </p:cxnSp>
+      <p:cxnSp>
+        <p:nvCxnSpPr>
+          <p:cNvPr id="62" name="꺾인 연결선 61"/>
+          <p:cNvCxnSpPr>
+            <a:stCxn id="20" idx="2"/>
+            <a:endCxn id="88" idx="0"/>
+          </p:cNvCxnSpPr>
+          <p:nvPr/>
+        </p:nvCxnSpPr>
+        <p:spPr>
+          <a:xfrm rot="16200000" flipH="1">
+            <a:off x="4324267" y="3969932"/>
+            <a:ext cx="550755" cy="1253"/>
+          </a:xfrm>
+          <a:prstGeom prst="bentConnector3">
+            <a:avLst/>
+          </a:prstGeom>
+          <a:ln w="12700">
+            <a:solidFill>
+              <a:srgbClr val="756B5F"/>
+            </a:solidFill>
+            <a:tailEnd type="none"/>
+          </a:ln>
+        </p:spPr>
+        <p:style>
+          <a:lnRef idx="1">
+            <a:schemeClr val="accent1"/>
+          </a:lnRef>
+          <a:fillRef idx="0">
+            <a:schemeClr val="accent1"/>
+          </a:fillRef>
+          <a:effectRef idx="0">
+            <a:schemeClr val="accent1"/>
+          </a:effectRef>
+          <a:fontRef idx="minor">
+            <a:schemeClr val="tx1"/>
+          </a:fontRef>
+        </p:style>
+      </p:cxnSp>
+      <p:cxnSp>
+        <p:nvCxnSpPr>
+          <p:cNvPr id="34" name="꺾인 연결선 33"/>
+          <p:cNvCxnSpPr>
+            <a:stCxn id="14" idx="2"/>
+            <a:endCxn id="90" idx="0"/>
+          </p:cNvCxnSpPr>
+          <p:nvPr/>
+        </p:nvCxnSpPr>
+        <p:spPr>
+          <a:xfrm rot="5400000">
+            <a:off x="4150943" y="2717771"/>
+            <a:ext cx="734073" cy="486054"/>
+          </a:xfrm>
+          <a:prstGeom prst="bentConnector3">
+            <a:avLst/>
+          </a:prstGeom>
+          <a:ln w="12700">
+            <a:solidFill>
+              <a:srgbClr val="756B5F"/>
+            </a:solidFill>
+            <a:tailEnd type="none"/>
+          </a:ln>
+        </p:spPr>
+        <p:style>
+          <a:lnRef idx="1">
+            <a:schemeClr val="accent1"/>
+          </a:lnRef>
+          <a:fillRef idx="0">
+            <a:schemeClr val="accent1"/>
+          </a:fillRef>
+          <a:effectRef idx="0">
+            <a:schemeClr val="accent1"/>
+          </a:effectRef>
+          <a:fontRef idx="minor">
+            <a:schemeClr val="tx1"/>
+          </a:fontRef>
+        </p:style>
+      </p:cxnSp>
+      <p:cxnSp>
+        <p:nvCxnSpPr>
+          <p:cNvPr id="7" name="꺾인 연결선 6"/>
+          <p:cNvCxnSpPr>
+            <a:stCxn id="13" idx="2"/>
+            <a:endCxn id="19" idx="0"/>
+          </p:cNvCxnSpPr>
+          <p:nvPr/>
+        </p:nvCxnSpPr>
+        <p:spPr>
+          <a:xfrm rot="5400000">
+            <a:off x="2662689" y="2979931"/>
+            <a:ext cx="724055" cy="1328"/>
+          </a:xfrm>
+          <a:prstGeom prst="bentConnector3">
+            <a:avLst/>
+          </a:prstGeom>
+          <a:ln w="12700">
+            <a:solidFill>
+              <a:srgbClr val="756B5F"/>
+            </a:solidFill>
+            <a:tailEnd type="none"/>
+          </a:ln>
+        </p:spPr>
+        <p:style>
+          <a:lnRef idx="1">
+            <a:schemeClr val="accent1"/>
+          </a:lnRef>
+          <a:fillRef idx="0">
+            <a:schemeClr val="accent1"/>
+          </a:fillRef>
+          <a:effectRef idx="0">
+            <a:schemeClr val="accent1"/>
+          </a:effectRef>
+          <a:fontRef idx="minor">
+            <a:schemeClr val="tx1"/>
+          </a:fontRef>
+        </p:style>
+      </p:cxnSp>
+      <p:cxnSp>
+        <p:nvCxnSpPr>
+          <p:cNvPr id="22" name="직선 연결선 21"/>
+          <p:cNvCxnSpPr>
+            <a:stCxn id="13" idx="0"/>
+          </p:cNvCxnSpPr>
+          <p:nvPr/>
+        </p:nvCxnSpPr>
+        <p:spPr>
+          <a:xfrm flipV="1">
+            <a:off x="3025381" y="2050558"/>
+            <a:ext cx="1" cy="190009"/>
+          </a:xfrm>
+          <a:prstGeom prst="line">
+            <a:avLst/>
+          </a:prstGeom>
+          <a:ln w="12700">
+            <a:solidFill>
+              <a:srgbClr val="756B5F"/>
+            </a:solidFill>
+            <a:tailEnd type="none"/>
+          </a:ln>
+        </p:spPr>
+        <p:style>
+          <a:lnRef idx="1">
+            <a:schemeClr val="accent1"/>
+          </a:lnRef>
+          <a:fillRef idx="0">
+            <a:schemeClr val="accent1"/>
+          </a:fillRef>
+          <a:effectRef idx="0">
+            <a:schemeClr val="accent1"/>
+          </a:effectRef>
+          <a:fontRef idx="minor">
+            <a:schemeClr val="tx1"/>
+          </a:fontRef>
+        </p:style>
+      </p:cxnSp>
+      <p:cxnSp>
+        <p:nvCxnSpPr>
+          <p:cNvPr id="30" name="직선 연결선 29"/>
+          <p:cNvCxnSpPr>
+            <a:stCxn id="16" idx="0"/>
+          </p:cNvCxnSpPr>
+          <p:nvPr/>
+        </p:nvCxnSpPr>
+        <p:spPr>
+          <a:xfrm flipV="1">
+            <a:off x="3950946" y="2050558"/>
+            <a:ext cx="0" cy="163661"/>
+          </a:xfrm>
+          <a:prstGeom prst="line">
+            <a:avLst/>
+          </a:prstGeom>
+          <a:ln w="12700">
+            <a:solidFill>
+              <a:srgbClr val="756B5F"/>
+            </a:solidFill>
+            <a:tailEnd type="none"/>
+          </a:ln>
+        </p:spPr>
+        <p:style>
+          <a:lnRef idx="1">
+            <a:schemeClr val="accent1"/>
+          </a:lnRef>
+          <a:fillRef idx="0">
+            <a:schemeClr val="accent1"/>
+          </a:fillRef>
+          <a:effectRef idx="0">
+            <a:schemeClr val="accent1"/>
+          </a:effectRef>
+          <a:fontRef idx="minor">
+            <a:schemeClr val="tx1"/>
+          </a:fontRef>
+        </p:style>
+      </p:cxnSp>
+      <p:cxnSp>
+        <p:nvCxnSpPr>
+          <p:cNvPr id="35" name="직선 연결선 34"/>
+          <p:cNvCxnSpPr>
+            <a:stCxn id="14" idx="0"/>
+          </p:cNvCxnSpPr>
+          <p:nvPr/>
+        </p:nvCxnSpPr>
+        <p:spPr>
+          <a:xfrm flipV="1">
+            <a:off x="4761006" y="2050557"/>
+            <a:ext cx="0" cy="165204"/>
+          </a:xfrm>
+          <a:prstGeom prst="line">
+            <a:avLst/>
+          </a:prstGeom>
+          <a:ln w="12700">
+            <a:solidFill>
+              <a:srgbClr val="756B5F"/>
+            </a:solidFill>
+            <a:tailEnd type="none"/>
+          </a:ln>
+        </p:spPr>
+        <p:style>
+          <a:lnRef idx="1">
+            <a:schemeClr val="accent1"/>
+          </a:lnRef>
+          <a:fillRef idx="0">
+            <a:schemeClr val="accent1"/>
+          </a:fillRef>
+          <a:effectRef idx="0">
+            <a:schemeClr val="accent1"/>
+          </a:effectRef>
+          <a:fontRef idx="minor">
+            <a:schemeClr val="tx1"/>
+          </a:fontRef>
+        </p:style>
+      </p:cxnSp>
+      <p:cxnSp>
+        <p:nvCxnSpPr>
+          <p:cNvPr id="37" name="직선 연결선 36"/>
+          <p:cNvCxnSpPr>
+            <a:stCxn id="11" idx="0"/>
+          </p:cNvCxnSpPr>
+          <p:nvPr/>
+        </p:nvCxnSpPr>
+        <p:spPr>
+          <a:xfrm flipV="1">
+            <a:off x="6111187" y="2050557"/>
+            <a:ext cx="1" cy="165204"/>
+          </a:xfrm>
+          <a:prstGeom prst="line">
+            <a:avLst/>
+          </a:prstGeom>
+          <a:ln w="12700">
+            <a:solidFill>
+              <a:srgbClr val="756B5F"/>
+            </a:solidFill>
+            <a:tailEnd type="none"/>
+          </a:ln>
+        </p:spPr>
+        <p:style>
+          <a:lnRef idx="1">
+            <a:schemeClr val="accent1"/>
+          </a:lnRef>
+          <a:fillRef idx="0">
+            <a:schemeClr val="accent1"/>
+          </a:fillRef>
+          <a:effectRef idx="0">
+            <a:schemeClr val="accent1"/>
+          </a:effectRef>
+          <a:fontRef idx="minor">
+            <a:schemeClr val="tx1"/>
+          </a:fontRef>
+        </p:style>
+      </p:cxnSp>
+    </p:spTree>
+    <p:extLst>
+      <p:ext uri="{BB962C8B-B14F-4D97-AF65-F5344CB8AC3E}">
+        <p14:creationId xmlns:p14="http://schemas.microsoft.com/office/powerpoint/2010/main" val="3323650795"/>
       </p:ext>
     </p:extLst>
   </p:cSld>

--- a/lecNote/project(1stPersonal)/sample_ver1.pptx
+++ b/lecNote/project(1stPersonal)/sample_ver1.pptx
@@ -238,7 +238,7 @@
           <a:p>
             <a:fld id="{684ABEAC-FD1E-446D-854E-09142DFB339C}" type="datetimeFigureOut">
               <a:rPr lang="ko-KR" altLang="en-US" smtClean="0"/>
-              <a:t>2025-01-14</a:t>
+              <a:t>2025-01-23</a:t>
             </a:fld>
             <a:endParaRPr lang="ko-KR" altLang="en-US"/>
           </a:p>
@@ -403,7 +403,7 @@
           <a:p>
             <a:fld id="{E299D967-67B2-4132-B52D-A253871A1F24}" type="datetimeFigureOut">
               <a:rPr lang="ko-KR" altLang="en-US" smtClean="0"/>
-              <a:t>2025-01-14</a:t>
+              <a:t>2025-01-23</a:t>
             </a:fld>
             <a:endParaRPr lang="ko-KR" altLang="en-US"/>
           </a:p>
@@ -1245,7 +1245,7 @@
           <a:p>
             <a:fld id="{20303F18-CB98-4E85-A37B-EF5A4E6C8DE7}" type="datetime1">
               <a:rPr lang="ko-KR" altLang="en-US" smtClean="0"/>
-              <a:t>2025-01-14</a:t>
+              <a:t>2025-01-23</a:t>
             </a:fld>
             <a:endParaRPr lang="ko-KR" altLang="en-US"/>
           </a:p>
@@ -1418,7 +1418,7 @@
           <a:p>
             <a:fld id="{CCA16C65-58A5-46D5-A762-12670B92641B}" type="datetime1">
               <a:rPr lang="ko-KR" altLang="en-US" smtClean="0"/>
-              <a:t>2025-01-14</a:t>
+              <a:t>2025-01-23</a:t>
             </a:fld>
             <a:endParaRPr lang="ko-KR" altLang="en-US"/>
           </a:p>
@@ -1596,7 +1596,7 @@
           <a:p>
             <a:fld id="{2D09A68A-AC6E-41FE-B28C-2BB812CC2E01}" type="datetime1">
               <a:rPr lang="ko-KR" altLang="en-US" smtClean="0"/>
-              <a:t>2025-01-14</a:t>
+              <a:t>2025-01-23</a:t>
             </a:fld>
             <a:endParaRPr lang="ko-KR" altLang="en-US"/>
           </a:p>
@@ -1764,7 +1764,7 @@
           <a:p>
             <a:fld id="{690B8B09-A0F3-4880-B090-7FDDEE5B5065}" type="datetime1">
               <a:rPr lang="ko-KR" altLang="en-US" smtClean="0"/>
-              <a:t>2025-01-14</a:t>
+              <a:t>2025-01-23</a:t>
             </a:fld>
             <a:endParaRPr lang="ko-KR" altLang="en-US"/>
           </a:p>
@@ -2009,7 +2009,7 @@
           <a:p>
             <a:fld id="{82F7D3F4-816B-4FA6-91FC-91836ECD0E53}" type="datetime1">
               <a:rPr lang="ko-KR" altLang="en-US" smtClean="0"/>
-              <a:t>2025-01-14</a:t>
+              <a:t>2025-01-23</a:t>
             </a:fld>
             <a:endParaRPr lang="ko-KR" altLang="en-US"/>
           </a:p>
@@ -2294,7 +2294,7 @@
           <a:p>
             <a:fld id="{2FB9FCFF-984A-4549-AB53-391F9EC1244A}" type="datetime1">
               <a:rPr lang="ko-KR" altLang="en-US" smtClean="0"/>
-              <a:t>2025-01-14</a:t>
+              <a:t>2025-01-23</a:t>
             </a:fld>
             <a:endParaRPr lang="ko-KR" altLang="en-US"/>
           </a:p>
@@ -2713,7 +2713,7 @@
           <a:p>
             <a:fld id="{94618DE4-C4FE-4171-90C7-38CF01638033}" type="datetime1">
               <a:rPr lang="ko-KR" altLang="en-US" smtClean="0"/>
-              <a:t>2025-01-14</a:t>
+              <a:t>2025-01-23</a:t>
             </a:fld>
             <a:endParaRPr lang="ko-KR" altLang="en-US"/>
           </a:p>
@@ -2830,7 +2830,7 @@
           <a:p>
             <a:fld id="{33587621-9D18-4C20-9B84-3E938621A025}" type="datetime1">
               <a:rPr lang="ko-KR" altLang="en-US" smtClean="0"/>
-              <a:t>2025-01-14</a:t>
+              <a:t>2025-01-23</a:t>
             </a:fld>
             <a:endParaRPr lang="ko-KR" altLang="en-US"/>
           </a:p>
@@ -3275,7 +3275,7 @@
           <a:p>
             <a:fld id="{B517649B-2577-404C-858E-51E9DEBB2548}" type="datetime1">
               <a:rPr lang="ko-KR" altLang="en-US" smtClean="0"/>
-              <a:t>2025-01-14</a:t>
+              <a:t>2025-01-23</a:t>
             </a:fld>
             <a:endParaRPr lang="ko-KR" altLang="en-US"/>
           </a:p>
@@ -3527,7 +3527,7 @@
           <a:p>
             <a:fld id="{8D84C674-EF46-4F27-9E3E-4F6A170B0DC6}" type="datetime1">
               <a:rPr lang="ko-KR" altLang="en-US" smtClean="0"/>
-              <a:t>2025-01-14</a:t>
+              <a:t>2025-01-23</a:t>
             </a:fld>
             <a:endParaRPr lang="ko-KR" altLang="en-US"/>
           </a:p>
@@ -3738,7 +3738,7 @@
           <a:p>
             <a:fld id="{B40F11ED-9D7B-4CCE-A57D-CC1D7760FB25}" type="datetime1">
               <a:rPr lang="ko-KR" altLang="en-US" smtClean="0"/>
-              <a:t>2025-01-14</a:t>
+              <a:t>2025-01-23</a:t>
             </a:fld>
             <a:endParaRPr lang="ko-KR" altLang="en-US"/>
           </a:p>
@@ -7308,7 +7308,7 @@
         </p:nvGrpSpPr>
         <p:grpSpPr bwMode="auto">
           <a:xfrm>
-            <a:off x="827088" y="3003798"/>
+            <a:off x="822329" y="2860972"/>
             <a:ext cx="7364412" cy="1152128"/>
             <a:chOff x="827088" y="5229201"/>
             <a:chExt cx="7364600" cy="924005"/>
@@ -8249,6 +8249,367 @@
           </a:p>
         </p:txBody>
       </p:sp>
+      <p:grpSp>
+        <p:nvGrpSpPr>
+          <p:cNvPr id="18" name="그룹 26">
+            <a:extLst>
+              <a:ext uri="{FF2B5EF4-FFF2-40B4-BE49-F238E27FC236}">
+                <a16:creationId xmlns:a16="http://schemas.microsoft.com/office/drawing/2014/main" id="{2AB25CD1-A473-40BF-BD0A-17F3118012B9}"/>
+              </a:ext>
+            </a:extLst>
+          </p:cNvPr>
+          <p:cNvGrpSpPr>
+            <a:grpSpLocks/>
+          </p:cNvGrpSpPr>
+          <p:nvPr/>
+        </p:nvGrpSpPr>
+        <p:grpSpPr bwMode="auto">
+          <a:xfrm>
+            <a:off x="788654" y="4149011"/>
+            <a:ext cx="7364412" cy="430576"/>
+            <a:chOff x="827088" y="5229201"/>
+            <a:chExt cx="7364600" cy="345321"/>
+          </a:xfrm>
+          <a:solidFill>
+            <a:srgbClr val="CDC1B6"/>
+          </a:solidFill>
+        </p:grpSpPr>
+        <p:sp>
+          <p:nvSpPr>
+            <p:cNvPr id="19" name="직사각형 18">
+              <a:extLst>
+                <a:ext uri="{FF2B5EF4-FFF2-40B4-BE49-F238E27FC236}">
+                  <a16:creationId xmlns:a16="http://schemas.microsoft.com/office/drawing/2014/main" id="{AF1ABD10-2DBC-44C1-89CA-5729CE92E0F9}"/>
+                </a:ext>
+              </a:extLst>
+            </p:cNvPr>
+            <p:cNvSpPr/>
+            <p:nvPr/>
+          </p:nvSpPr>
+          <p:spPr>
+            <a:xfrm>
+              <a:off x="2071720" y="5229201"/>
+              <a:ext cx="6119968" cy="345321"/>
+            </a:xfrm>
+            <a:prstGeom prst="rect">
+              <a:avLst/>
+            </a:prstGeom>
+            <a:solidFill>
+              <a:schemeClr val="bg1"/>
+            </a:solidFill>
+            <a:ln w="19050">
+              <a:solidFill>
+                <a:srgbClr val="CDC1B6"/>
+              </a:solidFill>
+            </a:ln>
+          </p:spPr>
+          <p:style>
+            <a:lnRef idx="2">
+              <a:schemeClr val="dk1"/>
+            </a:lnRef>
+            <a:fillRef idx="1">
+              <a:schemeClr val="lt1"/>
+            </a:fillRef>
+            <a:effectRef idx="0">
+              <a:schemeClr val="dk1"/>
+            </a:effectRef>
+            <a:fontRef idx="minor">
+              <a:schemeClr val="dk1"/>
+            </a:fontRef>
+          </p:style>
+          <p:txBody>
+            <a:bodyPr lIns="0" rIns="0" anchor="t"/>
+            <a:lstStyle>
+              <a:defPPr>
+                <a:defRPr lang="ko-KR"/>
+              </a:defPPr>
+              <a:lvl1pPr marL="0" algn="l" defTabSz="914400" rtl="0" eaLnBrk="1" latinLnBrk="1" hangingPunct="1">
+                <a:defRPr sz="1800" kern="1200">
+                  <a:solidFill>
+                    <a:schemeClr val="lt1"/>
+                  </a:solidFill>
+                  <a:latin typeface="+mn-lt"/>
+                  <a:ea typeface="+mn-ea"/>
+                  <a:cs typeface="+mn-cs"/>
+                </a:defRPr>
+              </a:lvl1pPr>
+              <a:lvl2pPr marL="457200" algn="l" defTabSz="914400" rtl="0" eaLnBrk="1" latinLnBrk="1" hangingPunct="1">
+                <a:defRPr sz="1800" kern="1200">
+                  <a:solidFill>
+                    <a:schemeClr val="lt1"/>
+                  </a:solidFill>
+                  <a:latin typeface="+mn-lt"/>
+                  <a:ea typeface="+mn-ea"/>
+                  <a:cs typeface="+mn-cs"/>
+                </a:defRPr>
+              </a:lvl2pPr>
+              <a:lvl3pPr marL="914400" algn="l" defTabSz="914400" rtl="0" eaLnBrk="1" latinLnBrk="1" hangingPunct="1">
+                <a:defRPr sz="1800" kern="1200">
+                  <a:solidFill>
+                    <a:schemeClr val="lt1"/>
+                  </a:solidFill>
+                  <a:latin typeface="+mn-lt"/>
+                  <a:ea typeface="+mn-ea"/>
+                  <a:cs typeface="+mn-cs"/>
+                </a:defRPr>
+              </a:lvl3pPr>
+              <a:lvl4pPr marL="1371600" algn="l" defTabSz="914400" rtl="0" eaLnBrk="1" latinLnBrk="1" hangingPunct="1">
+                <a:defRPr sz="1800" kern="1200">
+                  <a:solidFill>
+                    <a:schemeClr val="lt1"/>
+                  </a:solidFill>
+                  <a:latin typeface="+mn-lt"/>
+                  <a:ea typeface="+mn-ea"/>
+                  <a:cs typeface="+mn-cs"/>
+                </a:defRPr>
+              </a:lvl4pPr>
+              <a:lvl5pPr marL="1828800" algn="l" defTabSz="914400" rtl="0" eaLnBrk="1" latinLnBrk="1" hangingPunct="1">
+                <a:defRPr sz="1800" kern="1200">
+                  <a:solidFill>
+                    <a:schemeClr val="lt1"/>
+                  </a:solidFill>
+                  <a:latin typeface="+mn-lt"/>
+                  <a:ea typeface="+mn-ea"/>
+                  <a:cs typeface="+mn-cs"/>
+                </a:defRPr>
+              </a:lvl5pPr>
+              <a:lvl6pPr marL="2286000" algn="l" defTabSz="914400" rtl="0" eaLnBrk="1" latinLnBrk="1" hangingPunct="1">
+                <a:defRPr sz="1800" kern="1200">
+                  <a:solidFill>
+                    <a:schemeClr val="lt1"/>
+                  </a:solidFill>
+                  <a:latin typeface="+mn-lt"/>
+                  <a:ea typeface="+mn-ea"/>
+                  <a:cs typeface="+mn-cs"/>
+                </a:defRPr>
+              </a:lvl6pPr>
+              <a:lvl7pPr marL="2743200" algn="l" defTabSz="914400" rtl="0" eaLnBrk="1" latinLnBrk="1" hangingPunct="1">
+                <a:defRPr sz="1800" kern="1200">
+                  <a:solidFill>
+                    <a:schemeClr val="lt1"/>
+                  </a:solidFill>
+                  <a:latin typeface="+mn-lt"/>
+                  <a:ea typeface="+mn-ea"/>
+                  <a:cs typeface="+mn-cs"/>
+                </a:defRPr>
+              </a:lvl7pPr>
+              <a:lvl8pPr marL="3200400" algn="l" defTabSz="914400" rtl="0" eaLnBrk="1" latinLnBrk="1" hangingPunct="1">
+                <a:defRPr sz="1800" kern="1200">
+                  <a:solidFill>
+                    <a:schemeClr val="lt1"/>
+                  </a:solidFill>
+                  <a:latin typeface="+mn-lt"/>
+                  <a:ea typeface="+mn-ea"/>
+                  <a:cs typeface="+mn-cs"/>
+                </a:defRPr>
+              </a:lvl8pPr>
+              <a:lvl9pPr marL="3657600" algn="l" defTabSz="914400" rtl="0" eaLnBrk="1" latinLnBrk="1" hangingPunct="1">
+                <a:defRPr sz="1800" kern="1200">
+                  <a:solidFill>
+                    <a:schemeClr val="lt1"/>
+                  </a:solidFill>
+                  <a:latin typeface="+mn-lt"/>
+                  <a:ea typeface="+mn-ea"/>
+                  <a:cs typeface="+mn-cs"/>
+                </a:defRPr>
+              </a:lvl9pPr>
+            </a:lstStyle>
+            <a:p>
+              <a:pPr marL="180000" fontAlgn="auto">
+                <a:lnSpc>
+                  <a:spcPct val="150000"/>
+                </a:lnSpc>
+                <a:spcBef>
+                  <a:spcPts val="0"/>
+                </a:spcBef>
+                <a:spcAft>
+                  <a:spcPts val="0"/>
+                </a:spcAft>
+                <a:defRPr/>
+              </a:pPr>
+              <a:r>
+                <a:rPr kumimoji="0" lang="en-US" altLang="ko-KR" sz="1200">
+                  <a:solidFill>
+                    <a:srgbClr val="3F3F48"/>
+                  </a:solidFill>
+                  <a:latin typeface="+mn-ea"/>
+                </a:rPr>
+                <a:t>fastAPI x.x.</a:t>
+              </a:r>
+              <a:endParaRPr kumimoji="0" lang="en-US" altLang="ko-KR" sz="1200" dirty="0">
+                <a:solidFill>
+                  <a:srgbClr val="3F3F48"/>
+                </a:solidFill>
+                <a:latin typeface="+mn-ea"/>
+              </a:endParaRPr>
+            </a:p>
+          </p:txBody>
+        </p:sp>
+        <p:sp>
+          <p:nvSpPr>
+            <p:cNvPr id="27" name="직사각형 26">
+              <a:extLst>
+                <a:ext uri="{FF2B5EF4-FFF2-40B4-BE49-F238E27FC236}">
+                  <a16:creationId xmlns:a16="http://schemas.microsoft.com/office/drawing/2014/main" id="{DEFBF629-EB7A-4037-B408-B7F7F3996B65}"/>
+                </a:ext>
+              </a:extLst>
+            </p:cNvPr>
+            <p:cNvSpPr/>
+            <p:nvPr/>
+          </p:nvSpPr>
+          <p:spPr>
+            <a:xfrm>
+              <a:off x="827088" y="5229201"/>
+              <a:ext cx="1081115" cy="345321"/>
+            </a:xfrm>
+            <a:prstGeom prst="rect">
+              <a:avLst/>
+            </a:prstGeom>
+            <a:grpFill/>
+            <a:ln>
+              <a:noFill/>
+            </a:ln>
+          </p:spPr>
+          <p:style>
+            <a:lnRef idx="2">
+              <a:schemeClr val="dk1"/>
+            </a:lnRef>
+            <a:fillRef idx="1">
+              <a:schemeClr val="lt1"/>
+            </a:fillRef>
+            <a:effectRef idx="0">
+              <a:schemeClr val="dk1"/>
+            </a:effectRef>
+            <a:fontRef idx="minor">
+              <a:schemeClr val="dk1"/>
+            </a:fontRef>
+          </p:style>
+          <p:txBody>
+            <a:bodyPr lIns="0" tIns="0" rIns="0" bIns="0" anchor="ctr"/>
+            <a:lstStyle>
+              <a:defPPr>
+                <a:defRPr lang="ko-KR"/>
+              </a:defPPr>
+              <a:lvl1pPr marL="0" algn="l" defTabSz="914400" rtl="0" eaLnBrk="1" latinLnBrk="1" hangingPunct="1">
+                <a:defRPr sz="1800" kern="1200">
+                  <a:solidFill>
+                    <a:schemeClr val="lt1"/>
+                  </a:solidFill>
+                  <a:latin typeface="+mn-lt"/>
+                  <a:ea typeface="+mn-ea"/>
+                  <a:cs typeface="+mn-cs"/>
+                </a:defRPr>
+              </a:lvl1pPr>
+              <a:lvl2pPr marL="457200" algn="l" defTabSz="914400" rtl="0" eaLnBrk="1" latinLnBrk="1" hangingPunct="1">
+                <a:defRPr sz="1800" kern="1200">
+                  <a:solidFill>
+                    <a:schemeClr val="lt1"/>
+                  </a:solidFill>
+                  <a:latin typeface="+mn-lt"/>
+                  <a:ea typeface="+mn-ea"/>
+                  <a:cs typeface="+mn-cs"/>
+                </a:defRPr>
+              </a:lvl2pPr>
+              <a:lvl3pPr marL="914400" algn="l" defTabSz="914400" rtl="0" eaLnBrk="1" latinLnBrk="1" hangingPunct="1">
+                <a:defRPr sz="1800" kern="1200">
+                  <a:solidFill>
+                    <a:schemeClr val="lt1"/>
+                  </a:solidFill>
+                  <a:latin typeface="+mn-lt"/>
+                  <a:ea typeface="+mn-ea"/>
+                  <a:cs typeface="+mn-cs"/>
+                </a:defRPr>
+              </a:lvl3pPr>
+              <a:lvl4pPr marL="1371600" algn="l" defTabSz="914400" rtl="0" eaLnBrk="1" latinLnBrk="1" hangingPunct="1">
+                <a:defRPr sz="1800" kern="1200">
+                  <a:solidFill>
+                    <a:schemeClr val="lt1"/>
+                  </a:solidFill>
+                  <a:latin typeface="+mn-lt"/>
+                  <a:ea typeface="+mn-ea"/>
+                  <a:cs typeface="+mn-cs"/>
+                </a:defRPr>
+              </a:lvl4pPr>
+              <a:lvl5pPr marL="1828800" algn="l" defTabSz="914400" rtl="0" eaLnBrk="1" latinLnBrk="1" hangingPunct="1">
+                <a:defRPr sz="1800" kern="1200">
+                  <a:solidFill>
+                    <a:schemeClr val="lt1"/>
+                  </a:solidFill>
+                  <a:latin typeface="+mn-lt"/>
+                  <a:ea typeface="+mn-ea"/>
+                  <a:cs typeface="+mn-cs"/>
+                </a:defRPr>
+              </a:lvl5pPr>
+              <a:lvl6pPr marL="2286000" algn="l" defTabSz="914400" rtl="0" eaLnBrk="1" latinLnBrk="1" hangingPunct="1">
+                <a:defRPr sz="1800" kern="1200">
+                  <a:solidFill>
+                    <a:schemeClr val="lt1"/>
+                  </a:solidFill>
+                  <a:latin typeface="+mn-lt"/>
+                  <a:ea typeface="+mn-ea"/>
+                  <a:cs typeface="+mn-cs"/>
+                </a:defRPr>
+              </a:lvl6pPr>
+              <a:lvl7pPr marL="2743200" algn="l" defTabSz="914400" rtl="0" eaLnBrk="1" latinLnBrk="1" hangingPunct="1">
+                <a:defRPr sz="1800" kern="1200">
+                  <a:solidFill>
+                    <a:schemeClr val="lt1"/>
+                  </a:solidFill>
+                  <a:latin typeface="+mn-lt"/>
+                  <a:ea typeface="+mn-ea"/>
+                  <a:cs typeface="+mn-cs"/>
+                </a:defRPr>
+              </a:lvl7pPr>
+              <a:lvl8pPr marL="3200400" algn="l" defTabSz="914400" rtl="0" eaLnBrk="1" latinLnBrk="1" hangingPunct="1">
+                <a:defRPr sz="1800" kern="1200">
+                  <a:solidFill>
+                    <a:schemeClr val="lt1"/>
+                  </a:solidFill>
+                  <a:latin typeface="+mn-lt"/>
+                  <a:ea typeface="+mn-ea"/>
+                  <a:cs typeface="+mn-cs"/>
+                </a:defRPr>
+              </a:lvl8pPr>
+              <a:lvl9pPr marL="3657600" algn="l" defTabSz="914400" rtl="0" eaLnBrk="1" latinLnBrk="1" hangingPunct="1">
+                <a:defRPr sz="1800" kern="1200">
+                  <a:solidFill>
+                    <a:schemeClr val="lt1"/>
+                  </a:solidFill>
+                  <a:latin typeface="+mn-lt"/>
+                  <a:ea typeface="+mn-ea"/>
+                  <a:cs typeface="+mn-cs"/>
+                </a:defRPr>
+              </a:lvl9pPr>
+            </a:lstStyle>
+            <a:p>
+              <a:pPr algn="ctr" fontAlgn="auto">
+                <a:spcBef>
+                  <a:spcPts val="0"/>
+                </a:spcBef>
+                <a:spcAft>
+                  <a:spcPts val="0"/>
+                </a:spcAft>
+                <a:defRPr/>
+              </a:pPr>
+              <a:r>
+                <a:rPr kumimoji="0" lang="en-US" altLang="ko-KR" sz="1400" b="1" spc="-100">
+                  <a:solidFill>
+                    <a:schemeClr val="bg1"/>
+                  </a:solidFill>
+                  <a:latin typeface="+mn-ea"/>
+                </a:rPr>
+                <a:t>Framework</a:t>
+              </a:r>
+              <a:endParaRPr kumimoji="0" lang="en-US" altLang="ko-KR" sz="1400" b="1" spc="-100" dirty="0">
+                <a:solidFill>
+                  <a:schemeClr val="bg1"/>
+                </a:solidFill>
+                <a:latin typeface="+mn-ea"/>
+              </a:endParaRPr>
+            </a:p>
+          </p:txBody>
+        </p:sp>
+      </p:grpSp>
     </p:spTree>
     <p:extLst>
       <p:ext uri="{BB962C8B-B14F-4D97-AF65-F5344CB8AC3E}">
@@ -8386,21 +8747,18 @@
           <a:lstStyle/>
           <a:p>
             <a:r>
-              <a:rPr lang="en-US" altLang="ko-KR" sz="1350" b="1" dirty="0">
+              <a:rPr lang="ko-KR" altLang="en-US" sz="1350" b="1">
                 <a:solidFill>
                   <a:srgbClr val="756B5F"/>
                 </a:solidFill>
               </a:rPr>
-              <a:t>3.  </a:t>
-            </a:r>
-            <a:r>
-              <a:rPr lang="ko-KR" altLang="en-US" sz="1350" b="1" dirty="0">
-                <a:solidFill>
-                  <a:srgbClr val="756B5F"/>
-                </a:solidFill>
-              </a:rPr>
               <a:t>작업분할구조도</a:t>
             </a:r>
+            <a:endParaRPr lang="ko-KR" altLang="en-US" sz="1350" b="1" dirty="0">
+              <a:solidFill>
+                <a:srgbClr val="756B5F"/>
+              </a:solidFill>
+            </a:endParaRPr>
           </a:p>
         </p:txBody>
       </p:sp>

--- a/lecNote/project(1stPersonal)/sample_ver1.pptx
+++ b/lecNote/project(1stPersonal)/sample_ver1.pptx
@@ -5,10 +5,10 @@
     <p:sldMasterId id="2147483648" r:id="rId1"/>
   </p:sldMasterIdLst>
   <p:notesMasterIdLst>
-    <p:notesMasterId r:id="rId11"/>
+    <p:notesMasterId r:id="rId15"/>
   </p:notesMasterIdLst>
   <p:handoutMasterIdLst>
-    <p:handoutMasterId r:id="rId12"/>
+    <p:handoutMasterId r:id="rId16"/>
   </p:handoutMasterIdLst>
   <p:sldIdLst>
     <p:sldId id="256" r:id="rId2"/>
@@ -20,6 +20,10 @@
     <p:sldId id="347" r:id="rId8"/>
     <p:sldId id="349" r:id="rId9"/>
     <p:sldId id="317" r:id="rId10"/>
+    <p:sldId id="350" r:id="rId11"/>
+    <p:sldId id="344" r:id="rId12"/>
+    <p:sldId id="346" r:id="rId13"/>
+    <p:sldId id="341" r:id="rId14"/>
   </p:sldIdLst>
   <p:sldSz cx="9144000" cy="5143500" type="screen16x9"/>
   <p:notesSz cx="6858000" cy="9144000"/>
@@ -238,7 +242,7 @@
           <a:p>
             <a:fld id="{684ABEAC-FD1E-446D-854E-09142DFB339C}" type="datetimeFigureOut">
               <a:rPr lang="ko-KR" altLang="en-US" smtClean="0"/>
-              <a:t>2025-01-23</a:t>
+              <a:t>2025-01-24</a:t>
             </a:fld>
             <a:endParaRPr lang="ko-KR" altLang="en-US"/>
           </a:p>
@@ -403,7 +407,7 @@
           <a:p>
             <a:fld id="{E299D967-67B2-4132-B52D-A253871A1F24}" type="datetimeFigureOut">
               <a:rPr lang="ko-KR" altLang="en-US" smtClean="0"/>
-              <a:t>2025-01-23</a:t>
+              <a:t>2025-01-24</a:t>
             </a:fld>
             <a:endParaRPr lang="ko-KR" altLang="en-US"/>
           </a:p>
@@ -1245,7 +1249,7 @@
           <a:p>
             <a:fld id="{20303F18-CB98-4E85-A37B-EF5A4E6C8DE7}" type="datetime1">
               <a:rPr lang="ko-KR" altLang="en-US" smtClean="0"/>
-              <a:t>2025-01-23</a:t>
+              <a:t>2025-01-24</a:t>
             </a:fld>
             <a:endParaRPr lang="ko-KR" altLang="en-US"/>
           </a:p>
@@ -1418,7 +1422,7 @@
           <a:p>
             <a:fld id="{CCA16C65-58A5-46D5-A762-12670B92641B}" type="datetime1">
               <a:rPr lang="ko-KR" altLang="en-US" smtClean="0"/>
-              <a:t>2025-01-23</a:t>
+              <a:t>2025-01-24</a:t>
             </a:fld>
             <a:endParaRPr lang="ko-KR" altLang="en-US"/>
           </a:p>
@@ -1596,7 +1600,7 @@
           <a:p>
             <a:fld id="{2D09A68A-AC6E-41FE-B28C-2BB812CC2E01}" type="datetime1">
               <a:rPr lang="ko-KR" altLang="en-US" smtClean="0"/>
-              <a:t>2025-01-23</a:t>
+              <a:t>2025-01-24</a:t>
             </a:fld>
             <a:endParaRPr lang="ko-KR" altLang="en-US"/>
           </a:p>
@@ -1764,7 +1768,7 @@
           <a:p>
             <a:fld id="{690B8B09-A0F3-4880-B090-7FDDEE5B5065}" type="datetime1">
               <a:rPr lang="ko-KR" altLang="en-US" smtClean="0"/>
-              <a:t>2025-01-23</a:t>
+              <a:t>2025-01-24</a:t>
             </a:fld>
             <a:endParaRPr lang="ko-KR" altLang="en-US"/>
           </a:p>
@@ -2009,7 +2013,7 @@
           <a:p>
             <a:fld id="{82F7D3F4-816B-4FA6-91FC-91836ECD0E53}" type="datetime1">
               <a:rPr lang="ko-KR" altLang="en-US" smtClean="0"/>
-              <a:t>2025-01-23</a:t>
+              <a:t>2025-01-24</a:t>
             </a:fld>
             <a:endParaRPr lang="ko-KR" altLang="en-US"/>
           </a:p>
@@ -2294,7 +2298,7 @@
           <a:p>
             <a:fld id="{2FB9FCFF-984A-4549-AB53-391F9EC1244A}" type="datetime1">
               <a:rPr lang="ko-KR" altLang="en-US" smtClean="0"/>
-              <a:t>2025-01-23</a:t>
+              <a:t>2025-01-24</a:t>
             </a:fld>
             <a:endParaRPr lang="ko-KR" altLang="en-US"/>
           </a:p>
@@ -2713,7 +2717,7 @@
           <a:p>
             <a:fld id="{94618DE4-C4FE-4171-90C7-38CF01638033}" type="datetime1">
               <a:rPr lang="ko-KR" altLang="en-US" smtClean="0"/>
-              <a:t>2025-01-23</a:t>
+              <a:t>2025-01-24</a:t>
             </a:fld>
             <a:endParaRPr lang="ko-KR" altLang="en-US"/>
           </a:p>
@@ -2830,7 +2834,7 @@
           <a:p>
             <a:fld id="{33587621-9D18-4C20-9B84-3E938621A025}" type="datetime1">
               <a:rPr lang="ko-KR" altLang="en-US" smtClean="0"/>
-              <a:t>2025-01-23</a:t>
+              <a:t>2025-01-24</a:t>
             </a:fld>
             <a:endParaRPr lang="ko-KR" altLang="en-US"/>
           </a:p>
@@ -3275,7 +3279,7 @@
           <a:p>
             <a:fld id="{B517649B-2577-404C-858E-51E9DEBB2548}" type="datetime1">
               <a:rPr lang="ko-KR" altLang="en-US" smtClean="0"/>
-              <a:t>2025-01-23</a:t>
+              <a:t>2025-01-24</a:t>
             </a:fld>
             <a:endParaRPr lang="ko-KR" altLang="en-US"/>
           </a:p>
@@ -3527,7 +3531,7 @@
           <a:p>
             <a:fld id="{8D84C674-EF46-4F27-9E3E-4F6A170B0DC6}" type="datetime1">
               <a:rPr lang="ko-KR" altLang="en-US" smtClean="0"/>
-              <a:t>2025-01-23</a:t>
+              <a:t>2025-01-24</a:t>
             </a:fld>
             <a:endParaRPr lang="ko-KR" altLang="en-US"/>
           </a:p>
@@ -3738,7 +3742,7 @@
           <a:p>
             <a:fld id="{B40F11ED-9D7B-4CCE-A57D-CC1D7760FB25}" type="datetime1">
               <a:rPr lang="ko-KR" altLang="en-US" smtClean="0"/>
-              <a:t>2025-01-23</a:t>
+              <a:t>2025-01-24</a:t>
             </a:fld>
             <a:endParaRPr lang="ko-KR" altLang="en-US"/>
           </a:p>
@@ -4535,6 +4539,3119 @@
     <p:extLst>
       <p:ext uri="{BB962C8B-B14F-4D97-AF65-F5344CB8AC3E}">
         <p14:creationId xmlns:p14="http://schemas.microsoft.com/office/powerpoint/2010/main" val="2187616090"/>
+      </p:ext>
+    </p:extLst>
+  </p:cSld>
+  <p:clrMapOvr>
+    <a:masterClrMapping/>
+  </p:clrMapOvr>
+</p:sld>
+</file>
+
+<file path=ppt/slides/slide10.xml><?xml version="1.0" encoding="utf-8"?>
+<p:sld xmlns:a="http://schemas.openxmlformats.org/drawingml/2006/main" xmlns:r="http://schemas.openxmlformats.org/officeDocument/2006/relationships" xmlns:p="http://schemas.openxmlformats.org/presentationml/2006/main">
+  <p:cSld>
+    <p:spTree>
+      <p:nvGrpSpPr>
+        <p:cNvPr id="1" name=""/>
+        <p:cNvGrpSpPr/>
+        <p:nvPr/>
+      </p:nvGrpSpPr>
+      <p:grpSpPr>
+        <a:xfrm>
+          <a:off x="0" y="0"/>
+          <a:ext cx="0" cy="0"/>
+          <a:chOff x="0" y="0"/>
+          <a:chExt cx="0" cy="0"/>
+        </a:xfrm>
+      </p:grpSpPr>
+      <p:sp>
+        <p:nvSpPr>
+          <p:cNvPr id="2" name="슬라이드 번호 개체 틀 1"/>
+          <p:cNvSpPr>
+            <a:spLocks noGrp="1"/>
+          </p:cNvSpPr>
+          <p:nvPr>
+            <p:ph type="sldNum" sz="quarter" idx="12"/>
+          </p:nvPr>
+        </p:nvSpPr>
+        <p:spPr/>
+        <p:txBody>
+          <a:bodyPr/>
+          <a:lstStyle/>
+          <a:p>
+            <a:fld id="{8E974B11-60DB-405B-8211-256C6E064270}" type="slidenum">
+              <a:rPr lang="ko-KR" altLang="en-US" smtClean="0"/>
+              <a:pPr/>
+              <a:t>10</a:t>
+            </a:fld>
+            <a:endParaRPr lang="ko-KR" altLang="en-US" dirty="0"/>
+          </a:p>
+        </p:txBody>
+      </p:sp>
+      <p:sp>
+        <p:nvSpPr>
+          <p:cNvPr id="45" name="TextBox 44"/>
+          <p:cNvSpPr txBox="1"/>
+          <p:nvPr/>
+        </p:nvSpPr>
+        <p:spPr>
+          <a:xfrm>
+            <a:off x="323528" y="80505"/>
+            <a:ext cx="4464497" cy="369332"/>
+          </a:xfrm>
+          <a:prstGeom prst="rect">
+            <a:avLst/>
+          </a:prstGeom>
+          <a:noFill/>
+        </p:spPr>
+        <p:txBody>
+          <a:bodyPr wrap="square" rtlCol="0">
+            <a:spAutoFit/>
+          </a:bodyPr>
+          <a:lstStyle/>
+          <a:p>
+            <a:r>
+              <a:rPr lang="en-US" altLang="ko-KR" b="1" dirty="0">
+                <a:solidFill>
+                  <a:srgbClr val="756B5F"/>
+                </a:solidFill>
+              </a:rPr>
+              <a:t>11. UI </a:t>
+            </a:r>
+            <a:r>
+              <a:rPr lang="ko-KR" altLang="en-US" b="1" dirty="0">
+                <a:solidFill>
+                  <a:srgbClr val="756B5F"/>
+                </a:solidFill>
+              </a:rPr>
+              <a:t>시연 및 핵심기능 </a:t>
+            </a:r>
+            <a:r>
+              <a:rPr lang="en-US" altLang="ko-KR" b="1" dirty="0">
+                <a:solidFill>
+                  <a:srgbClr val="756B5F"/>
+                </a:solidFill>
+              </a:rPr>
+              <a:t>– </a:t>
+            </a:r>
+            <a:r>
+              <a:rPr lang="ko-KR" altLang="en-US" b="1" dirty="0" err="1">
+                <a:solidFill>
+                  <a:srgbClr val="756B5F"/>
+                </a:solidFill>
+              </a:rPr>
+              <a:t>메인페이지</a:t>
+            </a:r>
+            <a:endParaRPr lang="ko-KR" altLang="en-US" b="1" dirty="0">
+              <a:solidFill>
+                <a:srgbClr val="756B5F"/>
+              </a:solidFill>
+            </a:endParaRPr>
+          </a:p>
+        </p:txBody>
+      </p:sp>
+      <p:grpSp>
+        <p:nvGrpSpPr>
+          <p:cNvPr id="40" name="그룹 39"/>
+          <p:cNvGrpSpPr/>
+          <p:nvPr/>
+        </p:nvGrpSpPr>
+        <p:grpSpPr>
+          <a:xfrm>
+            <a:off x="179512" y="789552"/>
+            <a:ext cx="5040560" cy="3402378"/>
+            <a:chOff x="323528" y="980728"/>
+            <a:chExt cx="5040560" cy="4536504"/>
+          </a:xfrm>
+        </p:grpSpPr>
+        <p:pic>
+          <p:nvPicPr>
+            <p:cNvPr id="2063" name="Picture 2"/>
+            <p:cNvPicPr>
+              <a:picLocks noChangeAspect="1" noChangeArrowheads="1"/>
+            </p:cNvPicPr>
+            <p:nvPr/>
+          </p:nvPicPr>
+          <p:blipFill>
+            <a:blip r:embed="rId2" cstate="print">
+              <a:extLst>
+                <a:ext uri="{28A0092B-C50C-407E-A947-70E740481C1C}">
+                  <a14:useLocalDpi xmlns:a14="http://schemas.microsoft.com/office/drawing/2010/main" val="0"/>
+                </a:ext>
+              </a:extLst>
+            </a:blip>
+            <a:srcRect l="23927" t="9653" r="23750" b="2136"/>
+            <a:stretch>
+              <a:fillRect/>
+            </a:stretch>
+          </p:blipFill>
+          <p:spPr bwMode="auto">
+            <a:xfrm>
+              <a:off x="755576" y="1052736"/>
+              <a:ext cx="4176464" cy="4464496"/>
+            </a:xfrm>
+            <a:prstGeom prst="rect">
+              <a:avLst/>
+            </a:prstGeom>
+            <a:noFill/>
+            <a:ln>
+              <a:noFill/>
+            </a:ln>
+            <a:extLst>
+              <a:ext uri="{909E8E84-426E-40DD-AFC4-6F175D3DCCD1}">
+                <a14:hiddenFill xmlns:a14="http://schemas.microsoft.com/office/drawing/2010/main">
+                  <a:solidFill>
+                    <a:srgbClr val="FFFFFF"/>
+                  </a:solidFill>
+                </a14:hiddenFill>
+              </a:ext>
+              <a:ext uri="{91240B29-F687-4F45-9708-019B960494DF}">
+                <a14:hiddenLine xmlns:a14="http://schemas.microsoft.com/office/drawing/2010/main" w="9525">
+                  <a:solidFill>
+                    <a:srgbClr val="000000"/>
+                  </a:solidFill>
+                  <a:miter lim="800000"/>
+                  <a:headEnd/>
+                  <a:tailEnd/>
+                </a14:hiddenLine>
+              </a:ext>
+            </a:extLst>
+          </p:spPr>
+        </p:pic>
+        <p:sp>
+          <p:nvSpPr>
+            <p:cNvPr id="28" name="TextBox 27"/>
+            <p:cNvSpPr txBox="1"/>
+            <p:nvPr/>
+          </p:nvSpPr>
+          <p:spPr>
+            <a:xfrm>
+              <a:off x="323528" y="1012667"/>
+              <a:ext cx="441146" cy="533480"/>
+            </a:xfrm>
+            <a:prstGeom prst="rect">
+              <a:avLst/>
+            </a:prstGeom>
+            <a:noFill/>
+          </p:spPr>
+          <p:txBody>
+            <a:bodyPr wrap="none" rtlCol="0">
+              <a:spAutoFit/>
+            </a:bodyPr>
+            <a:lstStyle/>
+            <a:p>
+              <a:r>
+                <a:rPr lang="ko-KR" altLang="en-US" sz="2000" b="1" dirty="0">
+                  <a:solidFill>
+                    <a:srgbClr val="FF0000"/>
+                  </a:solidFill>
+                </a:rPr>
+                <a:t>①</a:t>
+              </a:r>
+            </a:p>
+          </p:txBody>
+        </p:sp>
+        <p:sp>
+          <p:nvSpPr>
+            <p:cNvPr id="29" name="직사각형 28"/>
+            <p:cNvSpPr/>
+            <p:nvPr/>
+          </p:nvSpPr>
+          <p:spPr>
+            <a:xfrm>
+              <a:off x="704244" y="980728"/>
+              <a:ext cx="4227796" cy="576064"/>
+            </a:xfrm>
+            <a:prstGeom prst="rect">
+              <a:avLst/>
+            </a:prstGeom>
+            <a:noFill/>
+            <a:ln w="38100">
+              <a:solidFill>
+                <a:srgbClr val="FF0000"/>
+              </a:solidFill>
+            </a:ln>
+          </p:spPr>
+          <p:style>
+            <a:lnRef idx="2">
+              <a:schemeClr val="accent1">
+                <a:shade val="50000"/>
+              </a:schemeClr>
+            </a:lnRef>
+            <a:fillRef idx="1">
+              <a:schemeClr val="accent1"/>
+            </a:fillRef>
+            <a:effectRef idx="0">
+              <a:schemeClr val="accent1"/>
+            </a:effectRef>
+            <a:fontRef idx="minor">
+              <a:schemeClr val="lt1"/>
+            </a:fontRef>
+          </p:style>
+          <p:txBody>
+            <a:bodyPr rot="0" spcFirstLastPara="0" vertOverflow="overflow" horzOverflow="overflow" vert="horz" wrap="square" lIns="0" tIns="0" rIns="0" bIns="0" numCol="1" spcCol="0" rtlCol="0" fromWordArt="0" anchor="ctr" anchorCtr="0" forceAA="0" compatLnSpc="1">
+              <a:prstTxWarp prst="textNoShape">
+                <a:avLst/>
+              </a:prstTxWarp>
+              <a:noAutofit/>
+            </a:bodyPr>
+            <a:lstStyle/>
+            <a:p>
+              <a:pPr algn="ctr"/>
+              <a:endParaRPr lang="ko-KR" altLang="en-US" sz="1000" b="1" dirty="0"/>
+            </a:p>
+          </p:txBody>
+        </p:sp>
+        <p:sp>
+          <p:nvSpPr>
+            <p:cNvPr id="33" name="TextBox 32"/>
+            <p:cNvSpPr txBox="1"/>
+            <p:nvPr/>
+          </p:nvSpPr>
+          <p:spPr>
+            <a:xfrm>
+              <a:off x="2325699" y="1743199"/>
+              <a:ext cx="492443" cy="615553"/>
+            </a:xfrm>
+            <a:prstGeom prst="rect">
+              <a:avLst/>
+            </a:prstGeom>
+            <a:noFill/>
+          </p:spPr>
+          <p:txBody>
+            <a:bodyPr wrap="none" rtlCol="0">
+              <a:spAutoFit/>
+            </a:bodyPr>
+            <a:lstStyle/>
+            <a:p>
+              <a:r>
+                <a:rPr lang="ko-KR" altLang="en-US" sz="2400" b="1" dirty="0">
+                  <a:solidFill>
+                    <a:srgbClr val="FF0000"/>
+                  </a:solidFill>
+                </a:rPr>
+                <a:t>②</a:t>
+              </a:r>
+            </a:p>
+          </p:txBody>
+        </p:sp>
+        <p:sp>
+          <p:nvSpPr>
+            <p:cNvPr id="34" name="직사각형 33"/>
+            <p:cNvSpPr/>
+            <p:nvPr/>
+          </p:nvSpPr>
+          <p:spPr>
+            <a:xfrm>
+              <a:off x="1763688" y="1815207"/>
+              <a:ext cx="2232248" cy="648072"/>
+            </a:xfrm>
+            <a:prstGeom prst="rect">
+              <a:avLst/>
+            </a:prstGeom>
+            <a:noFill/>
+            <a:ln w="38100">
+              <a:solidFill>
+                <a:srgbClr val="FF0000"/>
+              </a:solidFill>
+            </a:ln>
+          </p:spPr>
+          <p:style>
+            <a:lnRef idx="2">
+              <a:schemeClr val="accent1">
+                <a:shade val="50000"/>
+              </a:schemeClr>
+            </a:lnRef>
+            <a:fillRef idx="1">
+              <a:schemeClr val="accent1"/>
+            </a:fillRef>
+            <a:effectRef idx="0">
+              <a:schemeClr val="accent1"/>
+            </a:effectRef>
+            <a:fontRef idx="minor">
+              <a:schemeClr val="lt1"/>
+            </a:fontRef>
+          </p:style>
+          <p:txBody>
+            <a:bodyPr rot="0" spcFirstLastPara="0" vertOverflow="overflow" horzOverflow="overflow" vert="horz" wrap="square" lIns="0" tIns="0" rIns="0" bIns="0" numCol="1" spcCol="0" rtlCol="0" fromWordArt="0" anchor="ctr" anchorCtr="0" forceAA="0" compatLnSpc="1">
+              <a:prstTxWarp prst="textNoShape">
+                <a:avLst/>
+              </a:prstTxWarp>
+              <a:noAutofit/>
+            </a:bodyPr>
+            <a:lstStyle/>
+            <a:p>
+              <a:pPr algn="ctr"/>
+              <a:endParaRPr lang="ko-KR" altLang="en-US" sz="1000" b="1" dirty="0"/>
+            </a:p>
+          </p:txBody>
+        </p:sp>
+        <p:sp>
+          <p:nvSpPr>
+            <p:cNvPr id="42" name="TextBox 41"/>
+            <p:cNvSpPr txBox="1"/>
+            <p:nvPr/>
+          </p:nvSpPr>
+          <p:spPr>
+            <a:xfrm>
+              <a:off x="323528" y="2463279"/>
+              <a:ext cx="492443" cy="615553"/>
+            </a:xfrm>
+            <a:prstGeom prst="rect">
+              <a:avLst/>
+            </a:prstGeom>
+            <a:noFill/>
+          </p:spPr>
+          <p:txBody>
+            <a:bodyPr wrap="none" rtlCol="0">
+              <a:spAutoFit/>
+            </a:bodyPr>
+            <a:lstStyle/>
+            <a:p>
+              <a:r>
+                <a:rPr lang="ko-KR" altLang="en-US" sz="2400" b="1" dirty="0">
+                  <a:solidFill>
+                    <a:srgbClr val="FF0000"/>
+                  </a:solidFill>
+                </a:rPr>
+                <a:t>③</a:t>
+              </a:r>
+            </a:p>
+          </p:txBody>
+        </p:sp>
+        <p:sp>
+          <p:nvSpPr>
+            <p:cNvPr id="35" name="직사각형 34"/>
+            <p:cNvSpPr/>
+            <p:nvPr/>
+          </p:nvSpPr>
+          <p:spPr>
+            <a:xfrm>
+              <a:off x="704244" y="2564904"/>
+              <a:ext cx="4227796" cy="288032"/>
+            </a:xfrm>
+            <a:prstGeom prst="rect">
+              <a:avLst/>
+            </a:prstGeom>
+            <a:noFill/>
+            <a:ln w="38100">
+              <a:solidFill>
+                <a:srgbClr val="FF0000"/>
+              </a:solidFill>
+            </a:ln>
+          </p:spPr>
+          <p:style>
+            <a:lnRef idx="2">
+              <a:schemeClr val="accent1">
+                <a:shade val="50000"/>
+              </a:schemeClr>
+            </a:lnRef>
+            <a:fillRef idx="1">
+              <a:schemeClr val="accent1"/>
+            </a:fillRef>
+            <a:effectRef idx="0">
+              <a:schemeClr val="accent1"/>
+            </a:effectRef>
+            <a:fontRef idx="minor">
+              <a:schemeClr val="lt1"/>
+            </a:fontRef>
+          </p:style>
+          <p:txBody>
+            <a:bodyPr rot="0" spcFirstLastPara="0" vertOverflow="overflow" horzOverflow="overflow" vert="horz" wrap="square" lIns="0" tIns="0" rIns="0" bIns="0" numCol="1" spcCol="0" rtlCol="0" fromWordArt="0" anchor="ctr" anchorCtr="0" forceAA="0" compatLnSpc="1">
+              <a:prstTxWarp prst="textNoShape">
+                <a:avLst/>
+              </a:prstTxWarp>
+              <a:noAutofit/>
+            </a:bodyPr>
+            <a:lstStyle/>
+            <a:p>
+              <a:pPr algn="ctr"/>
+              <a:endParaRPr lang="ko-KR" altLang="en-US" sz="1000" b="1" dirty="0"/>
+            </a:p>
+          </p:txBody>
+        </p:sp>
+        <p:sp>
+          <p:nvSpPr>
+            <p:cNvPr id="36" name="직사각형 35"/>
+            <p:cNvSpPr/>
+            <p:nvPr/>
+          </p:nvSpPr>
+          <p:spPr>
+            <a:xfrm>
+              <a:off x="704244" y="2924944"/>
+              <a:ext cx="1995548" cy="1080120"/>
+            </a:xfrm>
+            <a:prstGeom prst="rect">
+              <a:avLst/>
+            </a:prstGeom>
+            <a:noFill/>
+            <a:ln w="38100">
+              <a:solidFill>
+                <a:srgbClr val="FF0000"/>
+              </a:solidFill>
+            </a:ln>
+          </p:spPr>
+          <p:style>
+            <a:lnRef idx="2">
+              <a:schemeClr val="accent1">
+                <a:shade val="50000"/>
+              </a:schemeClr>
+            </a:lnRef>
+            <a:fillRef idx="1">
+              <a:schemeClr val="accent1"/>
+            </a:fillRef>
+            <a:effectRef idx="0">
+              <a:schemeClr val="accent1"/>
+            </a:effectRef>
+            <a:fontRef idx="minor">
+              <a:schemeClr val="lt1"/>
+            </a:fontRef>
+          </p:style>
+          <p:txBody>
+            <a:bodyPr rot="0" spcFirstLastPara="0" vertOverflow="overflow" horzOverflow="overflow" vert="horz" wrap="square" lIns="0" tIns="0" rIns="0" bIns="0" numCol="1" spcCol="0" rtlCol="0" fromWordArt="0" anchor="ctr" anchorCtr="0" forceAA="0" compatLnSpc="1">
+              <a:prstTxWarp prst="textNoShape">
+                <a:avLst/>
+              </a:prstTxWarp>
+              <a:noAutofit/>
+            </a:bodyPr>
+            <a:lstStyle/>
+            <a:p>
+              <a:pPr algn="ctr"/>
+              <a:endParaRPr lang="ko-KR" altLang="en-US" sz="1000" b="1" dirty="0"/>
+            </a:p>
+          </p:txBody>
+        </p:sp>
+        <p:sp>
+          <p:nvSpPr>
+            <p:cNvPr id="46" name="직사각형 45"/>
+            <p:cNvSpPr/>
+            <p:nvPr/>
+          </p:nvSpPr>
+          <p:spPr>
+            <a:xfrm>
+              <a:off x="2818142" y="2924944"/>
+              <a:ext cx="2139564" cy="1080120"/>
+            </a:xfrm>
+            <a:prstGeom prst="rect">
+              <a:avLst/>
+            </a:prstGeom>
+            <a:noFill/>
+            <a:ln w="38100">
+              <a:solidFill>
+                <a:srgbClr val="FF0000"/>
+              </a:solidFill>
+            </a:ln>
+          </p:spPr>
+          <p:style>
+            <a:lnRef idx="2">
+              <a:schemeClr val="accent1">
+                <a:shade val="50000"/>
+              </a:schemeClr>
+            </a:lnRef>
+            <a:fillRef idx="1">
+              <a:schemeClr val="accent1"/>
+            </a:fillRef>
+            <a:effectRef idx="0">
+              <a:schemeClr val="accent1"/>
+            </a:effectRef>
+            <a:fontRef idx="minor">
+              <a:schemeClr val="lt1"/>
+            </a:fontRef>
+          </p:style>
+          <p:txBody>
+            <a:bodyPr rot="0" spcFirstLastPara="0" vertOverflow="overflow" horzOverflow="overflow" vert="horz" wrap="square" lIns="0" tIns="0" rIns="0" bIns="0" numCol="1" spcCol="0" rtlCol="0" fromWordArt="0" anchor="ctr" anchorCtr="0" forceAA="0" compatLnSpc="1">
+              <a:prstTxWarp prst="textNoShape">
+                <a:avLst/>
+              </a:prstTxWarp>
+              <a:noAutofit/>
+            </a:bodyPr>
+            <a:lstStyle/>
+            <a:p>
+              <a:pPr algn="ctr"/>
+              <a:endParaRPr lang="ko-KR" altLang="en-US" sz="1000" b="1" dirty="0"/>
+            </a:p>
+          </p:txBody>
+        </p:sp>
+        <p:sp>
+          <p:nvSpPr>
+            <p:cNvPr id="37" name="직사각형 36"/>
+            <p:cNvSpPr/>
+            <p:nvPr/>
+          </p:nvSpPr>
+          <p:spPr>
+            <a:xfrm>
+              <a:off x="691411" y="4077072"/>
+              <a:ext cx="4253462" cy="864096"/>
+            </a:xfrm>
+            <a:prstGeom prst="rect">
+              <a:avLst/>
+            </a:prstGeom>
+            <a:noFill/>
+            <a:ln w="38100">
+              <a:solidFill>
+                <a:srgbClr val="FF0000"/>
+              </a:solidFill>
+            </a:ln>
+          </p:spPr>
+          <p:style>
+            <a:lnRef idx="2">
+              <a:schemeClr val="accent1">
+                <a:shade val="50000"/>
+              </a:schemeClr>
+            </a:lnRef>
+            <a:fillRef idx="1">
+              <a:schemeClr val="accent1"/>
+            </a:fillRef>
+            <a:effectRef idx="0">
+              <a:schemeClr val="accent1"/>
+            </a:effectRef>
+            <a:fontRef idx="minor">
+              <a:schemeClr val="lt1"/>
+            </a:fontRef>
+          </p:style>
+          <p:txBody>
+            <a:bodyPr rot="0" spcFirstLastPara="0" vertOverflow="overflow" horzOverflow="overflow" vert="horz" wrap="square" lIns="0" tIns="0" rIns="0" bIns="0" numCol="1" spcCol="0" rtlCol="0" fromWordArt="0" anchor="ctr" anchorCtr="0" forceAA="0" compatLnSpc="1">
+              <a:prstTxWarp prst="textNoShape">
+                <a:avLst/>
+              </a:prstTxWarp>
+              <a:noAutofit/>
+            </a:bodyPr>
+            <a:lstStyle/>
+            <a:p>
+              <a:pPr algn="ctr"/>
+              <a:endParaRPr lang="ko-KR" altLang="en-US" sz="1000" b="1" dirty="0"/>
+            </a:p>
+          </p:txBody>
+        </p:sp>
+        <p:sp>
+          <p:nvSpPr>
+            <p:cNvPr id="38" name="직사각형 37"/>
+            <p:cNvSpPr/>
+            <p:nvPr/>
+          </p:nvSpPr>
+          <p:spPr>
+            <a:xfrm>
+              <a:off x="691411" y="4941168"/>
+              <a:ext cx="4266295" cy="288032"/>
+            </a:xfrm>
+            <a:prstGeom prst="rect">
+              <a:avLst/>
+            </a:prstGeom>
+            <a:noFill/>
+            <a:ln w="38100">
+              <a:solidFill>
+                <a:srgbClr val="FF0000"/>
+              </a:solidFill>
+            </a:ln>
+          </p:spPr>
+          <p:style>
+            <a:lnRef idx="2">
+              <a:schemeClr val="accent1">
+                <a:shade val="50000"/>
+              </a:schemeClr>
+            </a:lnRef>
+            <a:fillRef idx="1">
+              <a:schemeClr val="accent1"/>
+            </a:fillRef>
+            <a:effectRef idx="0">
+              <a:schemeClr val="accent1"/>
+            </a:effectRef>
+            <a:fontRef idx="minor">
+              <a:schemeClr val="lt1"/>
+            </a:fontRef>
+          </p:style>
+          <p:txBody>
+            <a:bodyPr rot="0" spcFirstLastPara="0" vertOverflow="overflow" horzOverflow="overflow" vert="horz" wrap="square" lIns="0" tIns="0" rIns="0" bIns="0" numCol="1" spcCol="0" rtlCol="0" fromWordArt="0" anchor="ctr" anchorCtr="0" forceAA="0" compatLnSpc="1">
+              <a:prstTxWarp prst="textNoShape">
+                <a:avLst/>
+              </a:prstTxWarp>
+              <a:noAutofit/>
+            </a:bodyPr>
+            <a:lstStyle/>
+            <a:p>
+              <a:pPr algn="ctr"/>
+              <a:endParaRPr lang="ko-KR" altLang="en-US" sz="1000" b="1" dirty="0"/>
+            </a:p>
+          </p:txBody>
+        </p:sp>
+        <p:sp>
+          <p:nvSpPr>
+            <p:cNvPr id="47" name="TextBox 46"/>
+            <p:cNvSpPr txBox="1"/>
+            <p:nvPr/>
+          </p:nvSpPr>
+          <p:spPr>
+            <a:xfrm>
+              <a:off x="323528" y="3054151"/>
+              <a:ext cx="492443" cy="615553"/>
+            </a:xfrm>
+            <a:prstGeom prst="rect">
+              <a:avLst/>
+            </a:prstGeom>
+            <a:noFill/>
+          </p:spPr>
+          <p:txBody>
+            <a:bodyPr wrap="none" rtlCol="0">
+              <a:spAutoFit/>
+            </a:bodyPr>
+            <a:lstStyle/>
+            <a:p>
+              <a:r>
+                <a:rPr lang="ko-KR" altLang="en-US" sz="2400" b="1" dirty="0">
+                  <a:solidFill>
+                    <a:srgbClr val="FF0000"/>
+                  </a:solidFill>
+                </a:rPr>
+                <a:t>④</a:t>
+              </a:r>
+            </a:p>
+          </p:txBody>
+        </p:sp>
+        <p:sp>
+          <p:nvSpPr>
+            <p:cNvPr id="48" name="TextBox 47"/>
+            <p:cNvSpPr txBox="1"/>
+            <p:nvPr/>
+          </p:nvSpPr>
+          <p:spPr>
+            <a:xfrm>
+              <a:off x="4871645" y="3068960"/>
+              <a:ext cx="492443" cy="615553"/>
+            </a:xfrm>
+            <a:prstGeom prst="rect">
+              <a:avLst/>
+            </a:prstGeom>
+            <a:noFill/>
+          </p:spPr>
+          <p:txBody>
+            <a:bodyPr wrap="none" rtlCol="0">
+              <a:spAutoFit/>
+            </a:bodyPr>
+            <a:lstStyle/>
+            <a:p>
+              <a:r>
+                <a:rPr lang="ko-KR" altLang="en-US" sz="2400" b="1" dirty="0">
+                  <a:solidFill>
+                    <a:srgbClr val="FF0000"/>
+                  </a:solidFill>
+                </a:rPr>
+                <a:t>⑤</a:t>
+              </a:r>
+            </a:p>
+          </p:txBody>
+        </p:sp>
+        <p:sp>
+          <p:nvSpPr>
+            <p:cNvPr id="49" name="TextBox 48"/>
+            <p:cNvSpPr txBox="1"/>
+            <p:nvPr/>
+          </p:nvSpPr>
+          <p:spPr>
+            <a:xfrm>
+              <a:off x="323528" y="4119463"/>
+              <a:ext cx="492443" cy="615553"/>
+            </a:xfrm>
+            <a:prstGeom prst="rect">
+              <a:avLst/>
+            </a:prstGeom>
+            <a:noFill/>
+          </p:spPr>
+          <p:txBody>
+            <a:bodyPr wrap="none" rtlCol="0">
+              <a:spAutoFit/>
+            </a:bodyPr>
+            <a:lstStyle/>
+            <a:p>
+              <a:r>
+                <a:rPr lang="ko-KR" altLang="en-US" sz="2400" b="1" dirty="0">
+                  <a:solidFill>
+                    <a:srgbClr val="FF0000"/>
+                  </a:solidFill>
+                </a:rPr>
+                <a:t>⑥</a:t>
+              </a:r>
+            </a:p>
+          </p:txBody>
+        </p:sp>
+        <p:sp>
+          <p:nvSpPr>
+            <p:cNvPr id="50" name="TextBox 49"/>
+            <p:cNvSpPr txBox="1"/>
+            <p:nvPr/>
+          </p:nvSpPr>
+          <p:spPr>
+            <a:xfrm>
+              <a:off x="323528" y="4797152"/>
+              <a:ext cx="492443" cy="615553"/>
+            </a:xfrm>
+            <a:prstGeom prst="rect">
+              <a:avLst/>
+            </a:prstGeom>
+            <a:noFill/>
+          </p:spPr>
+          <p:txBody>
+            <a:bodyPr wrap="none" rtlCol="0">
+              <a:spAutoFit/>
+            </a:bodyPr>
+            <a:lstStyle/>
+            <a:p>
+              <a:r>
+                <a:rPr lang="ko-KR" altLang="en-US" sz="2400" b="1" dirty="0">
+                  <a:solidFill>
+                    <a:srgbClr val="FF0000"/>
+                  </a:solidFill>
+                </a:rPr>
+                <a:t>⑦</a:t>
+              </a:r>
+            </a:p>
+          </p:txBody>
+        </p:sp>
+      </p:grpSp>
+      <p:sp>
+        <p:nvSpPr>
+          <p:cNvPr id="39" name="모서리가 둥근 직사각형 38"/>
+          <p:cNvSpPr/>
+          <p:nvPr/>
+        </p:nvSpPr>
+        <p:spPr>
+          <a:xfrm>
+            <a:off x="5239208" y="195486"/>
+            <a:ext cx="3539617" cy="4752528"/>
+          </a:xfrm>
+          <a:prstGeom prst="roundRect">
+            <a:avLst>
+              <a:gd name="adj" fmla="val 10188"/>
+            </a:avLst>
+          </a:prstGeom>
+          <a:noFill/>
+          <a:ln w="38100">
+            <a:solidFill>
+              <a:schemeClr val="bg1">
+                <a:lumMod val="75000"/>
+              </a:schemeClr>
+            </a:solidFill>
+          </a:ln>
+        </p:spPr>
+        <p:style>
+          <a:lnRef idx="2">
+            <a:schemeClr val="accent1">
+              <a:shade val="50000"/>
+            </a:schemeClr>
+          </a:lnRef>
+          <a:fillRef idx="1">
+            <a:schemeClr val="accent1"/>
+          </a:fillRef>
+          <a:effectRef idx="0">
+            <a:schemeClr val="accent1"/>
+          </a:effectRef>
+          <a:fontRef idx="minor">
+            <a:schemeClr val="lt1"/>
+          </a:fontRef>
+        </p:style>
+        <p:txBody>
+          <a:bodyPr rot="0" spcFirstLastPara="0" vertOverflow="overflow" horzOverflow="overflow" vert="horz" wrap="square" lIns="0" tIns="0" rIns="0" bIns="0" numCol="1" spcCol="0" rtlCol="0" fromWordArt="0" anchor="ctr" anchorCtr="0" forceAA="0" compatLnSpc="1">
+            <a:prstTxWarp prst="textNoShape">
+              <a:avLst/>
+            </a:prstTxWarp>
+            <a:noAutofit/>
+          </a:bodyPr>
+          <a:lstStyle/>
+          <a:p>
+            <a:pPr marL="228600" indent="-228600">
+              <a:lnSpc>
+                <a:spcPct val="200000"/>
+              </a:lnSpc>
+              <a:buFont typeface="+mj-ea"/>
+              <a:buAutoNum type="circleNumDbPlain"/>
+            </a:pPr>
+            <a:r>
+              <a:rPr lang="ko-KR" altLang="en-US" sz="1200" b="1" dirty="0" err="1">
+                <a:solidFill>
+                  <a:schemeClr val="tx1"/>
+                </a:solidFill>
+              </a:rPr>
+              <a:t>로그인전</a:t>
+            </a:r>
+            <a:r>
+              <a:rPr lang="en-US" altLang="ko-KR" sz="1200" b="1" dirty="0">
+                <a:solidFill>
+                  <a:schemeClr val="tx1"/>
+                </a:solidFill>
+              </a:rPr>
+              <a:t>, </a:t>
+            </a:r>
+            <a:r>
+              <a:rPr lang="ko-KR" altLang="en-US" sz="1200" b="1" dirty="0">
+                <a:solidFill>
+                  <a:schemeClr val="tx1"/>
+                </a:solidFill>
+              </a:rPr>
+              <a:t>회원로그인후</a:t>
+            </a:r>
+            <a:r>
+              <a:rPr lang="en-US" altLang="ko-KR" sz="1200" b="1" dirty="0">
+                <a:solidFill>
+                  <a:schemeClr val="tx1"/>
+                </a:solidFill>
+              </a:rPr>
+              <a:t>, </a:t>
+            </a:r>
+            <a:r>
+              <a:rPr lang="ko-KR" altLang="en-US" sz="1200" b="1" dirty="0">
+                <a:solidFill>
+                  <a:schemeClr val="tx1"/>
+                </a:solidFill>
+              </a:rPr>
+              <a:t>관리자로그인 후</a:t>
+            </a:r>
+            <a:r>
+              <a:rPr lang="en-US" altLang="ko-KR" sz="1200" b="1" dirty="0">
+                <a:solidFill>
+                  <a:schemeClr val="tx1"/>
+                </a:solidFill>
+              </a:rPr>
+              <a:t> </a:t>
+            </a:r>
+            <a:r>
+              <a:rPr lang="ko-KR" altLang="en-US" sz="1200" b="1" dirty="0" err="1">
+                <a:solidFill>
+                  <a:schemeClr val="tx1"/>
+                </a:solidFill>
+              </a:rPr>
+              <a:t>해더의</a:t>
+            </a:r>
+            <a:r>
+              <a:rPr lang="ko-KR" altLang="en-US" sz="1200" b="1" dirty="0">
+                <a:solidFill>
+                  <a:schemeClr val="tx1"/>
+                </a:solidFill>
+              </a:rPr>
+              <a:t> 메뉴가 다르게 보인다</a:t>
+            </a:r>
+            <a:endParaRPr lang="en-US" altLang="ko-KR" sz="1200" b="1" dirty="0">
+              <a:solidFill>
+                <a:schemeClr val="tx1"/>
+              </a:solidFill>
+            </a:endParaRPr>
+          </a:p>
+          <a:p>
+            <a:pPr marL="228600" indent="-228600">
+              <a:lnSpc>
+                <a:spcPct val="200000"/>
+              </a:lnSpc>
+              <a:buFont typeface="+mj-ea"/>
+              <a:buAutoNum type="circleNumDbPlain"/>
+            </a:pPr>
+            <a:r>
+              <a:rPr lang="ko-KR" altLang="en-US" sz="1200" b="1" dirty="0">
+                <a:solidFill>
+                  <a:schemeClr val="tx1"/>
+                </a:solidFill>
+              </a:rPr>
+              <a:t>검색하기</a:t>
+            </a:r>
+            <a:endParaRPr lang="en-US" altLang="ko-KR" sz="1200" b="1" dirty="0">
+              <a:solidFill>
+                <a:schemeClr val="tx1"/>
+              </a:solidFill>
+            </a:endParaRPr>
+          </a:p>
+          <a:p>
+            <a:pPr marL="360000" lvl="1" indent="-228600">
+              <a:lnSpc>
+                <a:spcPct val="200000"/>
+              </a:lnSpc>
+              <a:buFont typeface="맑은 고딕" panose="020B0503020000020004" pitchFamily="50" charset="-127"/>
+              <a:buChar char="–"/>
+            </a:pPr>
+            <a:r>
+              <a:rPr lang="ko-KR" altLang="en-US" sz="1200" b="1" dirty="0">
+                <a:solidFill>
+                  <a:schemeClr val="tx1"/>
+                </a:solidFill>
+              </a:rPr>
+              <a:t>비회원</a:t>
+            </a:r>
+            <a:r>
+              <a:rPr lang="en-US" altLang="ko-KR" sz="1200" b="1" dirty="0">
+                <a:solidFill>
+                  <a:schemeClr val="tx1"/>
+                </a:solidFill>
+              </a:rPr>
+              <a:t>, </a:t>
+            </a:r>
+            <a:r>
+              <a:rPr lang="ko-KR" altLang="en-US" sz="1200" b="1" dirty="0">
+                <a:solidFill>
+                  <a:schemeClr val="tx1"/>
+                </a:solidFill>
+              </a:rPr>
+              <a:t>회원</a:t>
+            </a:r>
+            <a:r>
+              <a:rPr lang="en-US" altLang="ko-KR" sz="1200" b="1" dirty="0">
+                <a:solidFill>
+                  <a:schemeClr val="tx1"/>
+                </a:solidFill>
+              </a:rPr>
+              <a:t>, </a:t>
+            </a:r>
+            <a:r>
+              <a:rPr lang="ko-KR" altLang="en-US" sz="1200" b="1" dirty="0">
+                <a:solidFill>
+                  <a:schemeClr val="tx1"/>
+                </a:solidFill>
+              </a:rPr>
+              <a:t>관리자 모두 이용가능</a:t>
+            </a:r>
+            <a:endParaRPr lang="en-US" altLang="ko-KR" sz="1200" b="1" dirty="0">
+              <a:solidFill>
+                <a:schemeClr val="tx1"/>
+              </a:solidFill>
+            </a:endParaRPr>
+          </a:p>
+          <a:p>
+            <a:pPr marL="360000" lvl="1" indent="-228600">
+              <a:lnSpc>
+                <a:spcPct val="200000"/>
+              </a:lnSpc>
+              <a:buFont typeface="맑은 고딕" panose="020B0503020000020004" pitchFamily="50" charset="-127"/>
+              <a:buChar char="–"/>
+            </a:pPr>
+            <a:r>
+              <a:rPr lang="ko-KR" altLang="en-US" sz="1200" b="1" dirty="0">
+                <a:solidFill>
+                  <a:schemeClr val="tx1"/>
+                </a:solidFill>
+              </a:rPr>
+              <a:t>검색조건 </a:t>
+            </a:r>
+            <a:r>
+              <a:rPr lang="en-US" altLang="ko-KR" sz="1200" b="1" dirty="0">
+                <a:solidFill>
+                  <a:schemeClr val="tx1"/>
+                </a:solidFill>
+              </a:rPr>
+              <a:t>: </a:t>
+            </a:r>
+            <a:r>
+              <a:rPr lang="ko-KR" altLang="en-US" sz="1200" b="1" dirty="0">
+                <a:solidFill>
+                  <a:schemeClr val="tx1"/>
+                </a:solidFill>
+              </a:rPr>
+              <a:t>전체</a:t>
+            </a:r>
+            <a:r>
+              <a:rPr lang="en-US" altLang="ko-KR" sz="1200" b="1" dirty="0">
+                <a:solidFill>
+                  <a:schemeClr val="tx1"/>
+                </a:solidFill>
+              </a:rPr>
+              <a:t>, </a:t>
+            </a:r>
+            <a:r>
+              <a:rPr lang="ko-KR" altLang="en-US" sz="1200" b="1" dirty="0">
+                <a:solidFill>
+                  <a:schemeClr val="tx1"/>
+                </a:solidFill>
+              </a:rPr>
+              <a:t>서명</a:t>
+            </a:r>
+            <a:r>
+              <a:rPr lang="en-US" altLang="ko-KR" sz="1200" b="1" dirty="0">
+                <a:solidFill>
+                  <a:schemeClr val="tx1"/>
+                </a:solidFill>
+              </a:rPr>
+              <a:t>, </a:t>
+            </a:r>
+            <a:r>
+              <a:rPr lang="ko-KR" altLang="en-US" sz="1200" b="1" dirty="0">
+                <a:solidFill>
+                  <a:schemeClr val="tx1"/>
+                </a:solidFill>
+              </a:rPr>
+              <a:t>저자</a:t>
+            </a:r>
+            <a:r>
+              <a:rPr lang="en-US" altLang="ko-KR" sz="1200" b="1" dirty="0">
+                <a:solidFill>
+                  <a:schemeClr val="tx1"/>
+                </a:solidFill>
+              </a:rPr>
+              <a:t>, </a:t>
+            </a:r>
+            <a:r>
+              <a:rPr lang="ko-KR" altLang="en-US" sz="1200" b="1" dirty="0">
+                <a:solidFill>
+                  <a:schemeClr val="tx1"/>
+                </a:solidFill>
+              </a:rPr>
+              <a:t>출판사 </a:t>
+            </a:r>
+            <a:endParaRPr lang="en-US" altLang="ko-KR" sz="1200" b="1" dirty="0">
+              <a:solidFill>
+                <a:schemeClr val="tx1"/>
+              </a:solidFill>
+            </a:endParaRPr>
+          </a:p>
+          <a:p>
+            <a:pPr marL="228600" indent="-228600">
+              <a:lnSpc>
+                <a:spcPct val="200000"/>
+              </a:lnSpc>
+              <a:buFont typeface="+mj-ea"/>
+              <a:buAutoNum type="circleNumDbPlain"/>
+            </a:pPr>
+            <a:r>
+              <a:rPr lang="en-US" altLang="ko-KR" sz="1200" b="1" dirty="0">
+                <a:solidFill>
+                  <a:schemeClr val="tx1"/>
+                </a:solidFill>
+              </a:rPr>
+              <a:t>Hit Menu</a:t>
+            </a:r>
+          </a:p>
+          <a:p>
+            <a:pPr marL="360000" lvl="1" indent="-228600">
+              <a:lnSpc>
+                <a:spcPct val="200000"/>
+              </a:lnSpc>
+              <a:buFont typeface="맑은 고딕" panose="020B0503020000020004" pitchFamily="50" charset="-127"/>
+              <a:buChar char="–"/>
+            </a:pPr>
+            <a:r>
+              <a:rPr lang="ko-KR" altLang="en-US" sz="1200" b="1" dirty="0">
+                <a:solidFill>
+                  <a:schemeClr val="tx1"/>
+                </a:solidFill>
+              </a:rPr>
+              <a:t>도서신청</a:t>
+            </a:r>
+            <a:r>
+              <a:rPr lang="en-US" altLang="ko-KR" sz="1200" b="1" dirty="0">
+                <a:solidFill>
+                  <a:schemeClr val="tx1"/>
+                </a:solidFill>
+              </a:rPr>
+              <a:t>, </a:t>
+            </a:r>
+            <a:r>
+              <a:rPr lang="ko-KR" altLang="en-US" sz="1200" b="1" dirty="0">
+                <a:solidFill>
+                  <a:schemeClr val="tx1"/>
+                </a:solidFill>
+              </a:rPr>
+              <a:t>좌석예약</a:t>
+            </a:r>
+            <a:r>
+              <a:rPr lang="en-US" altLang="ko-KR" sz="1200" b="1" dirty="0">
+                <a:solidFill>
+                  <a:schemeClr val="tx1"/>
+                </a:solidFill>
+              </a:rPr>
+              <a:t>, </a:t>
+            </a:r>
+            <a:r>
+              <a:rPr lang="ko-KR" altLang="en-US" sz="1200" b="1" dirty="0" err="1">
+                <a:solidFill>
+                  <a:schemeClr val="tx1"/>
+                </a:solidFill>
+              </a:rPr>
+              <a:t>신착자료</a:t>
+            </a:r>
+            <a:r>
+              <a:rPr lang="en-US" altLang="ko-KR" sz="1200" b="1" dirty="0">
+                <a:solidFill>
+                  <a:schemeClr val="tx1"/>
+                </a:solidFill>
+              </a:rPr>
+              <a:t>, </a:t>
+            </a:r>
+            <a:r>
+              <a:rPr lang="ko-KR" altLang="en-US" sz="1200" b="1" dirty="0">
+                <a:solidFill>
+                  <a:schemeClr val="tx1"/>
+                </a:solidFill>
+              </a:rPr>
+              <a:t>도서추천</a:t>
+            </a:r>
+            <a:r>
+              <a:rPr lang="en-US" altLang="ko-KR" sz="1200" b="1" dirty="0">
+                <a:solidFill>
+                  <a:schemeClr val="tx1"/>
+                </a:solidFill>
+              </a:rPr>
+              <a:t>, </a:t>
+            </a:r>
+            <a:r>
+              <a:rPr lang="ko-KR" altLang="en-US" sz="1200" b="1" dirty="0">
+                <a:solidFill>
+                  <a:schemeClr val="tx1"/>
+                </a:solidFill>
+              </a:rPr>
+              <a:t>인기도서</a:t>
+            </a:r>
+            <a:r>
+              <a:rPr lang="en-US" altLang="ko-KR" sz="1200" b="1" dirty="0">
+                <a:solidFill>
+                  <a:schemeClr val="tx1"/>
+                </a:solidFill>
+              </a:rPr>
+              <a:t>, </a:t>
+            </a:r>
+            <a:r>
+              <a:rPr lang="ko-KR" altLang="en-US" sz="1200" b="1" dirty="0">
+                <a:solidFill>
+                  <a:schemeClr val="tx1"/>
+                </a:solidFill>
+              </a:rPr>
+              <a:t>이용문의</a:t>
+            </a:r>
+            <a:endParaRPr lang="en-US" altLang="ko-KR" sz="1200" b="1" dirty="0">
+              <a:solidFill>
+                <a:schemeClr val="tx1"/>
+              </a:solidFill>
+            </a:endParaRPr>
+          </a:p>
+          <a:p>
+            <a:pPr marL="228600" indent="-228600">
+              <a:lnSpc>
+                <a:spcPct val="200000"/>
+              </a:lnSpc>
+              <a:buFont typeface="+mj-ea"/>
+              <a:buAutoNum type="circleNumDbPlain"/>
+            </a:pPr>
+            <a:r>
+              <a:rPr lang="ko-KR" altLang="en-US" sz="1200" b="1" dirty="0">
+                <a:solidFill>
+                  <a:schemeClr val="tx1"/>
+                </a:solidFill>
+              </a:rPr>
+              <a:t>최근 공지사항 </a:t>
+            </a:r>
+            <a:r>
+              <a:rPr lang="en-US" altLang="ko-KR" sz="1200" b="1" dirty="0">
+                <a:solidFill>
+                  <a:schemeClr val="tx1"/>
+                </a:solidFill>
+              </a:rPr>
+              <a:t>top5 </a:t>
+            </a:r>
+            <a:r>
+              <a:rPr lang="ko-KR" altLang="en-US" sz="1200" b="1" dirty="0">
+                <a:solidFill>
+                  <a:schemeClr val="tx1"/>
+                </a:solidFill>
+              </a:rPr>
+              <a:t>출력</a:t>
+            </a:r>
+            <a:endParaRPr lang="en-US" altLang="ko-KR" sz="1200" b="1" dirty="0">
+              <a:solidFill>
+                <a:schemeClr val="tx1"/>
+              </a:solidFill>
+            </a:endParaRPr>
+          </a:p>
+          <a:p>
+            <a:pPr marL="228600" indent="-228600">
+              <a:lnSpc>
+                <a:spcPct val="200000"/>
+              </a:lnSpc>
+              <a:buFont typeface="+mj-ea"/>
+              <a:buAutoNum type="circleNumDbPlain"/>
+            </a:pPr>
+            <a:r>
+              <a:rPr lang="ko-KR" altLang="en-US" sz="1200" b="1" dirty="0">
+                <a:solidFill>
+                  <a:schemeClr val="tx1"/>
+                </a:solidFill>
+              </a:rPr>
+              <a:t>달력</a:t>
+            </a:r>
+            <a:r>
+              <a:rPr lang="en-US" altLang="ko-KR" sz="1200" b="1" dirty="0">
+                <a:solidFill>
+                  <a:schemeClr val="tx1"/>
+                </a:solidFill>
+              </a:rPr>
+              <a:t> </a:t>
+            </a:r>
+            <a:r>
+              <a:rPr lang="ko-KR" altLang="en-US" sz="1200" b="1" dirty="0">
+                <a:solidFill>
+                  <a:schemeClr val="tx1"/>
+                </a:solidFill>
+              </a:rPr>
+              <a:t>및 일정</a:t>
+            </a:r>
+            <a:r>
+              <a:rPr lang="en-US" altLang="ko-KR" sz="1200" b="1" dirty="0">
+                <a:solidFill>
+                  <a:schemeClr val="tx1"/>
+                </a:solidFill>
+              </a:rPr>
+              <a:t>, </a:t>
+            </a:r>
+            <a:r>
+              <a:rPr lang="ko-KR" altLang="en-US" sz="1200" b="1" dirty="0">
+                <a:solidFill>
+                  <a:schemeClr val="tx1"/>
+                </a:solidFill>
+              </a:rPr>
+              <a:t>이용시간 출력</a:t>
+            </a:r>
+            <a:endParaRPr lang="en-US" altLang="ko-KR" sz="1200" b="1" dirty="0">
+              <a:solidFill>
+                <a:schemeClr val="tx1"/>
+              </a:solidFill>
+            </a:endParaRPr>
+          </a:p>
+          <a:p>
+            <a:pPr marL="228600" indent="-228600">
+              <a:lnSpc>
+                <a:spcPct val="200000"/>
+              </a:lnSpc>
+              <a:buFont typeface="+mj-ea"/>
+              <a:buAutoNum type="circleNumDbPlain"/>
+            </a:pPr>
+            <a:r>
+              <a:rPr lang="ko-KR" altLang="en-US" sz="1200" b="1" dirty="0">
+                <a:solidFill>
+                  <a:schemeClr val="tx1"/>
+                </a:solidFill>
+              </a:rPr>
+              <a:t>대출 인기 도서 </a:t>
+            </a:r>
+            <a:r>
+              <a:rPr lang="en-US" altLang="ko-KR" sz="1200" b="1" dirty="0">
+                <a:solidFill>
+                  <a:schemeClr val="tx1"/>
+                </a:solidFill>
+              </a:rPr>
+              <a:t>top 5 </a:t>
+            </a:r>
+            <a:r>
+              <a:rPr lang="ko-KR" altLang="en-US" sz="1200" b="1" dirty="0">
+                <a:solidFill>
+                  <a:schemeClr val="tx1"/>
+                </a:solidFill>
+              </a:rPr>
+              <a:t>출력</a:t>
+            </a:r>
+            <a:endParaRPr lang="en-US" altLang="ko-KR" sz="1200" b="1" dirty="0">
+              <a:solidFill>
+                <a:schemeClr val="tx1"/>
+              </a:solidFill>
+            </a:endParaRPr>
+          </a:p>
+          <a:p>
+            <a:pPr marL="228600" indent="-228600">
+              <a:lnSpc>
+                <a:spcPct val="200000"/>
+              </a:lnSpc>
+              <a:buFont typeface="+mj-ea"/>
+              <a:buAutoNum type="circleNumDbPlain"/>
+            </a:pPr>
+            <a:r>
+              <a:rPr lang="en-US" altLang="ko-KR" sz="1200" b="1" dirty="0">
+                <a:solidFill>
+                  <a:schemeClr val="tx1"/>
+                </a:solidFill>
+              </a:rPr>
+              <a:t>Hit URL : </a:t>
+            </a:r>
+            <a:r>
+              <a:rPr lang="ko-KR" altLang="en-US" sz="1200" b="1" dirty="0" err="1">
+                <a:solidFill>
+                  <a:schemeClr val="tx1"/>
+                </a:solidFill>
+              </a:rPr>
+              <a:t>사이트맵</a:t>
+            </a:r>
+            <a:r>
+              <a:rPr lang="ko-KR" altLang="en-US" sz="1200" b="1" dirty="0">
+                <a:solidFill>
+                  <a:schemeClr val="tx1"/>
+                </a:solidFill>
+              </a:rPr>
+              <a:t> </a:t>
+            </a:r>
+            <a:r>
+              <a:rPr lang="en-US" altLang="ko-KR" sz="1200" b="1" dirty="0">
+                <a:solidFill>
+                  <a:schemeClr val="tx1"/>
+                </a:solidFill>
+              </a:rPr>
+              <a:t>, RISS, NDSL, KOLAS, </a:t>
+            </a:r>
+            <a:r>
+              <a:rPr lang="ko-KR" altLang="en-US" sz="1200" b="1" dirty="0">
+                <a:solidFill>
+                  <a:schemeClr val="tx1"/>
+                </a:solidFill>
+              </a:rPr>
+              <a:t>국립중앙도서관 등 링크</a:t>
+            </a:r>
+          </a:p>
+        </p:txBody>
+      </p:sp>
+    </p:spTree>
+    <p:extLst>
+      <p:ext uri="{BB962C8B-B14F-4D97-AF65-F5344CB8AC3E}">
+        <p14:creationId xmlns:p14="http://schemas.microsoft.com/office/powerpoint/2010/main" val="1411309825"/>
+      </p:ext>
+    </p:extLst>
+  </p:cSld>
+  <p:clrMapOvr>
+    <a:masterClrMapping/>
+  </p:clrMapOvr>
+</p:sld>
+</file>
+
+<file path=ppt/slides/slide11.xml><?xml version="1.0" encoding="utf-8"?>
+<p:sld xmlns:a="http://schemas.openxmlformats.org/drawingml/2006/main" xmlns:r="http://schemas.openxmlformats.org/officeDocument/2006/relationships" xmlns:p="http://schemas.openxmlformats.org/presentationml/2006/main">
+  <p:cSld>
+    <p:spTree>
+      <p:nvGrpSpPr>
+        <p:cNvPr id="1" name=""/>
+        <p:cNvGrpSpPr/>
+        <p:nvPr/>
+      </p:nvGrpSpPr>
+      <p:grpSpPr>
+        <a:xfrm>
+          <a:off x="0" y="0"/>
+          <a:ext cx="0" cy="0"/>
+          <a:chOff x="0" y="0"/>
+          <a:chExt cx="0" cy="0"/>
+        </a:xfrm>
+      </p:grpSpPr>
+      <p:sp>
+        <p:nvSpPr>
+          <p:cNvPr id="2" name="슬라이드 번호 개체 틀 1"/>
+          <p:cNvSpPr>
+            <a:spLocks noGrp="1"/>
+          </p:cNvSpPr>
+          <p:nvPr>
+            <p:ph type="sldNum" sz="quarter" idx="12"/>
+          </p:nvPr>
+        </p:nvSpPr>
+        <p:spPr/>
+        <p:txBody>
+          <a:bodyPr/>
+          <a:lstStyle/>
+          <a:p>
+            <a:fld id="{8E974B11-60DB-405B-8211-256C6E064270}" type="slidenum">
+              <a:rPr lang="ko-KR" altLang="en-US" smtClean="0"/>
+              <a:pPr/>
+              <a:t>11</a:t>
+            </a:fld>
+            <a:endParaRPr lang="ko-KR" altLang="en-US" dirty="0"/>
+          </a:p>
+        </p:txBody>
+      </p:sp>
+      <p:sp>
+        <p:nvSpPr>
+          <p:cNvPr id="45" name="TextBox 44"/>
+          <p:cNvSpPr txBox="1"/>
+          <p:nvPr/>
+        </p:nvSpPr>
+        <p:spPr>
+          <a:xfrm>
+            <a:off x="323528" y="80505"/>
+            <a:ext cx="5760641" cy="369332"/>
+          </a:xfrm>
+          <a:prstGeom prst="rect">
+            <a:avLst/>
+          </a:prstGeom>
+          <a:noFill/>
+        </p:spPr>
+        <p:txBody>
+          <a:bodyPr wrap="square" rtlCol="0">
+            <a:spAutoFit/>
+          </a:bodyPr>
+          <a:lstStyle/>
+          <a:p>
+            <a:r>
+              <a:rPr lang="en-US" altLang="ko-KR" b="1" dirty="0">
+                <a:solidFill>
+                  <a:srgbClr val="756B5F"/>
+                </a:solidFill>
+              </a:rPr>
+              <a:t>11. UI </a:t>
+            </a:r>
+            <a:r>
+              <a:rPr lang="ko-KR" altLang="en-US" b="1" dirty="0">
+                <a:solidFill>
+                  <a:srgbClr val="756B5F"/>
+                </a:solidFill>
+              </a:rPr>
+              <a:t>시연 및 핵심기능 </a:t>
+            </a:r>
+            <a:r>
+              <a:rPr lang="en-US" altLang="ko-KR" b="1" dirty="0">
+                <a:solidFill>
+                  <a:srgbClr val="756B5F"/>
+                </a:solidFill>
+              </a:rPr>
+              <a:t>– </a:t>
+            </a:r>
+            <a:r>
+              <a:rPr lang="ko-KR" altLang="en-US" b="1" dirty="0">
+                <a:solidFill>
+                  <a:srgbClr val="756B5F"/>
+                </a:solidFill>
+              </a:rPr>
+              <a:t>관리자</a:t>
+            </a:r>
+            <a:r>
+              <a:rPr lang="en-US" altLang="ko-KR" b="1" dirty="0">
+                <a:solidFill>
+                  <a:srgbClr val="756B5F"/>
+                </a:solidFill>
+              </a:rPr>
+              <a:t>(</a:t>
+            </a:r>
+            <a:r>
+              <a:rPr lang="ko-KR" altLang="en-US" b="1" dirty="0">
+                <a:solidFill>
+                  <a:srgbClr val="756B5F"/>
+                </a:solidFill>
+              </a:rPr>
+              <a:t>사서</a:t>
+            </a:r>
+            <a:r>
+              <a:rPr lang="en-US" altLang="ko-KR" b="1" dirty="0">
+                <a:solidFill>
+                  <a:srgbClr val="756B5F"/>
+                </a:solidFill>
+              </a:rPr>
+              <a:t>) </a:t>
+            </a:r>
+            <a:r>
+              <a:rPr lang="ko-KR" altLang="en-US" b="1" dirty="0">
+                <a:solidFill>
+                  <a:srgbClr val="756B5F"/>
+                </a:solidFill>
+              </a:rPr>
+              <a:t>등록 및 삭제</a:t>
+            </a:r>
+          </a:p>
+        </p:txBody>
+      </p:sp>
+      <p:sp>
+        <p:nvSpPr>
+          <p:cNvPr id="39" name="모서리가 둥근 직사각형 38"/>
+          <p:cNvSpPr/>
+          <p:nvPr/>
+        </p:nvSpPr>
+        <p:spPr>
+          <a:xfrm>
+            <a:off x="5239208" y="681539"/>
+            <a:ext cx="3539617" cy="4170331"/>
+          </a:xfrm>
+          <a:prstGeom prst="roundRect">
+            <a:avLst>
+              <a:gd name="adj" fmla="val 10188"/>
+            </a:avLst>
+          </a:prstGeom>
+          <a:noFill/>
+          <a:ln w="38100">
+            <a:solidFill>
+              <a:schemeClr val="bg1">
+                <a:lumMod val="75000"/>
+              </a:schemeClr>
+            </a:solidFill>
+          </a:ln>
+        </p:spPr>
+        <p:style>
+          <a:lnRef idx="2">
+            <a:schemeClr val="accent1">
+              <a:shade val="50000"/>
+            </a:schemeClr>
+          </a:lnRef>
+          <a:fillRef idx="1">
+            <a:schemeClr val="accent1"/>
+          </a:fillRef>
+          <a:effectRef idx="0">
+            <a:schemeClr val="accent1"/>
+          </a:effectRef>
+          <a:fontRef idx="minor">
+            <a:schemeClr val="lt1"/>
+          </a:fontRef>
+        </p:style>
+        <p:txBody>
+          <a:bodyPr rot="0" spcFirstLastPara="0" vertOverflow="overflow" horzOverflow="overflow" vert="horz" wrap="square" lIns="0" tIns="0" rIns="0" bIns="0" numCol="1" spcCol="0" rtlCol="0" fromWordArt="0" anchor="ctr" anchorCtr="0" forceAA="0" compatLnSpc="1">
+            <a:prstTxWarp prst="textNoShape">
+              <a:avLst/>
+            </a:prstTxWarp>
+            <a:noAutofit/>
+          </a:bodyPr>
+          <a:lstStyle/>
+          <a:p>
+            <a:pPr marL="228600" indent="-228600">
+              <a:lnSpc>
+                <a:spcPct val="200000"/>
+              </a:lnSpc>
+              <a:buFont typeface="+mj-ea"/>
+              <a:buAutoNum type="circleNumDbPlain"/>
+            </a:pPr>
+            <a:r>
+              <a:rPr lang="ko-KR" altLang="en-US" sz="1200" b="1" dirty="0">
+                <a:solidFill>
+                  <a:schemeClr val="tx1"/>
+                </a:solidFill>
+              </a:rPr>
+              <a:t>서비스의 사이트에서 현재 위치를 알려주고</a:t>
+            </a:r>
+            <a:r>
+              <a:rPr lang="en-US" altLang="ko-KR" sz="1200" b="1" dirty="0">
+                <a:solidFill>
+                  <a:schemeClr val="tx1"/>
+                </a:solidFill>
+              </a:rPr>
+              <a:t>, </a:t>
+            </a:r>
+            <a:r>
+              <a:rPr lang="ko-KR" altLang="en-US" sz="1200" b="1" dirty="0">
+                <a:solidFill>
+                  <a:schemeClr val="tx1"/>
+                </a:solidFill>
+              </a:rPr>
+              <a:t>좌측 메뉴도 현재 위치를 달리 표현한다</a:t>
+            </a:r>
+            <a:endParaRPr lang="en-US" altLang="ko-KR" sz="1200" b="1" dirty="0">
+              <a:solidFill>
+                <a:schemeClr val="tx1"/>
+              </a:solidFill>
+            </a:endParaRPr>
+          </a:p>
+          <a:p>
+            <a:pPr marL="228600" indent="-228600">
+              <a:lnSpc>
+                <a:spcPct val="200000"/>
+              </a:lnSpc>
+              <a:buFont typeface="+mj-ea"/>
+              <a:buAutoNum type="circleNumDbPlain"/>
+            </a:pPr>
+            <a:r>
+              <a:rPr lang="ko-KR" altLang="en-US" sz="1200" b="1" dirty="0">
+                <a:solidFill>
+                  <a:schemeClr val="tx1"/>
+                </a:solidFill>
+              </a:rPr>
+              <a:t>관리자 관리메뉴 </a:t>
+            </a:r>
+            <a:r>
+              <a:rPr lang="en-US" altLang="ko-KR" sz="1200" b="1" dirty="0">
+                <a:solidFill>
+                  <a:schemeClr val="tx1"/>
+                </a:solidFill>
+              </a:rPr>
+              <a:t>: </a:t>
+            </a:r>
+            <a:r>
+              <a:rPr lang="ko-KR" altLang="en-US" sz="1200" b="1" dirty="0">
+                <a:solidFill>
+                  <a:schemeClr val="tx1"/>
+                </a:solidFill>
+              </a:rPr>
+              <a:t>관리자 등록 및 관리자 삭제</a:t>
+            </a:r>
+            <a:r>
+              <a:rPr lang="en-US" altLang="ko-KR" sz="1200" b="1" dirty="0">
+                <a:solidFill>
+                  <a:schemeClr val="tx1"/>
+                </a:solidFill>
+              </a:rPr>
+              <a:t>. </a:t>
+            </a:r>
+            <a:r>
+              <a:rPr lang="ko-KR" altLang="en-US" sz="1200" b="1" dirty="0">
+                <a:solidFill>
+                  <a:schemeClr val="tx1"/>
+                </a:solidFill>
+              </a:rPr>
+              <a:t>현재 위치 메뉴는 </a:t>
+            </a:r>
+            <a:r>
+              <a:rPr lang="en-US" altLang="ko-KR" sz="1200" b="1" dirty="0">
+                <a:solidFill>
+                  <a:schemeClr val="tx1"/>
+                </a:solidFill>
+              </a:rPr>
+              <a:t>CSS</a:t>
+            </a:r>
+            <a:r>
+              <a:rPr lang="ko-KR" altLang="en-US" sz="1200" b="1" dirty="0">
+                <a:solidFill>
+                  <a:schemeClr val="tx1"/>
+                </a:solidFill>
+              </a:rPr>
+              <a:t>를 달리 한다</a:t>
+            </a:r>
+            <a:r>
+              <a:rPr lang="en-US" altLang="ko-KR" sz="1200" b="1" dirty="0">
+                <a:solidFill>
+                  <a:schemeClr val="tx1"/>
+                </a:solidFill>
+              </a:rPr>
+              <a:t>.</a:t>
+            </a:r>
+          </a:p>
+          <a:p>
+            <a:pPr marL="228600" indent="-228600">
+              <a:lnSpc>
+                <a:spcPct val="200000"/>
+              </a:lnSpc>
+              <a:buFont typeface="+mj-ea"/>
+              <a:buAutoNum type="circleNumDbPlain"/>
+            </a:pPr>
+            <a:r>
+              <a:rPr lang="ko-KR" altLang="en-US" sz="1200" b="1" dirty="0">
+                <a:solidFill>
+                  <a:schemeClr val="tx1"/>
+                </a:solidFill>
+              </a:rPr>
+              <a:t>새로운 사서가 입사하여 관리자를 등록하는 화면에서 관리자의 </a:t>
+            </a:r>
+            <a:r>
+              <a:rPr lang="en-US" altLang="ko-KR" sz="1200" b="1" dirty="0">
+                <a:solidFill>
+                  <a:schemeClr val="tx1"/>
+                </a:solidFill>
+              </a:rPr>
+              <a:t>ID</a:t>
+            </a:r>
+            <a:r>
+              <a:rPr lang="ko-KR" altLang="en-US" sz="1200" b="1" dirty="0">
+                <a:solidFill>
+                  <a:schemeClr val="tx1"/>
+                </a:solidFill>
+              </a:rPr>
+              <a:t>중복체크</a:t>
+            </a:r>
+            <a:r>
+              <a:rPr lang="en-US" altLang="ko-KR" sz="1200" b="1" dirty="0">
+                <a:solidFill>
+                  <a:schemeClr val="tx1"/>
+                </a:solidFill>
+              </a:rPr>
+              <a:t>(Ajax </a:t>
+            </a:r>
+            <a:r>
+              <a:rPr lang="ko-KR" altLang="en-US" sz="1200" b="1" dirty="0">
+                <a:solidFill>
+                  <a:schemeClr val="tx1"/>
+                </a:solidFill>
+              </a:rPr>
+              <a:t>이용</a:t>
+            </a:r>
+            <a:r>
+              <a:rPr lang="en-US" altLang="ko-KR" sz="1200" b="1" dirty="0">
+                <a:solidFill>
+                  <a:schemeClr val="tx1"/>
+                </a:solidFill>
+              </a:rPr>
+              <a:t>)</a:t>
+            </a:r>
+          </a:p>
+          <a:p>
+            <a:pPr marL="228600" indent="-228600">
+              <a:lnSpc>
+                <a:spcPct val="200000"/>
+              </a:lnSpc>
+              <a:buFont typeface="+mj-ea"/>
+              <a:buAutoNum type="circleNumDbPlain"/>
+            </a:pPr>
+            <a:r>
+              <a:rPr lang="en-US" altLang="ko-KR" sz="1200" b="1" dirty="0" err="1">
+                <a:solidFill>
+                  <a:schemeClr val="tx1"/>
+                </a:solidFill>
+              </a:rPr>
+              <a:t>jQueryUI</a:t>
+            </a:r>
+            <a:r>
+              <a:rPr lang="en-US" altLang="ko-KR" sz="1200" b="1" dirty="0">
+                <a:solidFill>
+                  <a:schemeClr val="tx1"/>
+                </a:solidFill>
+              </a:rPr>
+              <a:t>, </a:t>
+            </a:r>
+            <a:r>
+              <a:rPr lang="en-US" altLang="ko-KR" sz="1200" b="1" dirty="0" err="1">
+                <a:solidFill>
+                  <a:schemeClr val="tx1"/>
+                </a:solidFill>
+              </a:rPr>
+              <a:t>daum</a:t>
+            </a:r>
+            <a:r>
+              <a:rPr lang="en-US" altLang="ko-KR" sz="1200" b="1" dirty="0">
+                <a:solidFill>
+                  <a:schemeClr val="tx1"/>
+                </a:solidFill>
+              </a:rPr>
+              <a:t> postcode API </a:t>
+            </a:r>
+            <a:r>
+              <a:rPr lang="ko-KR" altLang="en-US" sz="1200" b="1" dirty="0">
+                <a:solidFill>
+                  <a:schemeClr val="tx1"/>
+                </a:solidFill>
+              </a:rPr>
+              <a:t>이용</a:t>
+            </a:r>
+            <a:endParaRPr lang="en-US" altLang="ko-KR" sz="1200" b="1" dirty="0">
+              <a:solidFill>
+                <a:schemeClr val="tx1"/>
+              </a:solidFill>
+            </a:endParaRPr>
+          </a:p>
+          <a:p>
+            <a:pPr marL="228600" indent="-228600">
+              <a:lnSpc>
+                <a:spcPct val="200000"/>
+              </a:lnSpc>
+              <a:buFont typeface="+mj-ea"/>
+              <a:buAutoNum type="circleNumDbPlain"/>
+            </a:pPr>
+            <a:r>
+              <a:rPr lang="ko-KR" altLang="en-US" sz="1200" b="1" dirty="0">
+                <a:solidFill>
+                  <a:schemeClr val="tx1"/>
+                </a:solidFill>
+              </a:rPr>
+              <a:t>사서가 퇴사하여 관리자를 삭제할 경우 </a:t>
+            </a:r>
+            <a:r>
+              <a:rPr lang="en-US" altLang="ko-KR" sz="1200" b="1" dirty="0">
+                <a:solidFill>
+                  <a:schemeClr val="tx1"/>
+                </a:solidFill>
+              </a:rPr>
+              <a:t>X</a:t>
+            </a:r>
+            <a:r>
+              <a:rPr lang="ko-KR" altLang="en-US" sz="1200" b="1" dirty="0">
+                <a:solidFill>
+                  <a:schemeClr val="tx1"/>
+                </a:solidFill>
+              </a:rPr>
+              <a:t>를 클릭하면 해당 </a:t>
+            </a:r>
+            <a:r>
+              <a:rPr lang="en-US" altLang="ko-KR" sz="1200" b="1" dirty="0">
+                <a:solidFill>
+                  <a:schemeClr val="tx1"/>
+                </a:solidFill>
+              </a:rPr>
+              <a:t>ID</a:t>
+            </a:r>
+            <a:r>
+              <a:rPr lang="ko-KR" altLang="en-US" sz="1200" b="1" dirty="0">
+                <a:solidFill>
+                  <a:schemeClr val="tx1"/>
+                </a:solidFill>
+              </a:rPr>
+              <a:t>만 삭제된다</a:t>
+            </a:r>
+            <a:endParaRPr lang="en-US" altLang="ko-KR" sz="1200" b="1" dirty="0">
+              <a:solidFill>
+                <a:schemeClr val="tx1"/>
+              </a:solidFill>
+            </a:endParaRPr>
+          </a:p>
+          <a:p>
+            <a:pPr marL="228600" indent="-228600">
+              <a:lnSpc>
+                <a:spcPct val="200000"/>
+              </a:lnSpc>
+              <a:buFont typeface="+mj-ea"/>
+              <a:buAutoNum type="circleNumDbPlain"/>
+            </a:pPr>
+            <a:r>
+              <a:rPr lang="ko-KR" altLang="en-US" sz="1200" b="1" dirty="0">
+                <a:solidFill>
+                  <a:schemeClr val="tx1"/>
+                </a:solidFill>
+              </a:rPr>
+              <a:t>본 서비스의 모든 리스트 출력은 </a:t>
+            </a:r>
+            <a:r>
+              <a:rPr lang="ko-KR" altLang="en-US" sz="1200" b="1" dirty="0" err="1">
+                <a:solidFill>
+                  <a:schemeClr val="tx1"/>
+                </a:solidFill>
+              </a:rPr>
+              <a:t>페이징</a:t>
+            </a:r>
+            <a:r>
+              <a:rPr lang="ko-KR" altLang="en-US" sz="1200" b="1" dirty="0">
+                <a:solidFill>
+                  <a:schemeClr val="tx1"/>
+                </a:solidFill>
+              </a:rPr>
+              <a:t> 처리된다</a:t>
+            </a:r>
+          </a:p>
+        </p:txBody>
+      </p:sp>
+      <p:pic>
+        <p:nvPicPr>
+          <p:cNvPr id="3074" name="Picture 2" descr="test"/>
+          <p:cNvPicPr>
+            <a:picLocks noChangeAspect="1" noChangeArrowheads="1"/>
+          </p:cNvPicPr>
+          <p:nvPr/>
+        </p:nvPicPr>
+        <p:blipFill>
+          <a:blip r:embed="rId2">
+            <a:extLst>
+              <a:ext uri="{28A0092B-C50C-407E-A947-70E740481C1C}">
+                <a14:useLocalDpi xmlns:a14="http://schemas.microsoft.com/office/drawing/2010/main" val="0"/>
+              </a:ext>
+            </a:extLst>
+          </a:blip>
+          <a:srcRect/>
+          <a:stretch>
+            <a:fillRect/>
+          </a:stretch>
+        </p:blipFill>
+        <p:spPr bwMode="auto">
+          <a:xfrm>
+            <a:off x="473718" y="573528"/>
+            <a:ext cx="4530331" cy="2592288"/>
+          </a:xfrm>
+          <a:prstGeom prst="rect">
+            <a:avLst/>
+          </a:prstGeom>
+          <a:noFill/>
+          <a:ln w="9525">
+            <a:solidFill>
+              <a:srgbClr val="756B5F"/>
+            </a:solidFill>
+            <a:miter lim="800000"/>
+            <a:headEnd/>
+            <a:tailEnd/>
+          </a:ln>
+          <a:extLst>
+            <a:ext uri="{909E8E84-426E-40DD-AFC4-6F175D3DCCD1}">
+              <a14:hiddenFill xmlns:a14="http://schemas.microsoft.com/office/drawing/2010/main">
+                <a:solidFill>
+                  <a:srgbClr val="FFFFFF"/>
+                </a:solidFill>
+              </a14:hiddenFill>
+            </a:ext>
+          </a:extLst>
+        </p:spPr>
+      </p:pic>
+      <p:pic>
+        <p:nvPicPr>
+          <p:cNvPr id="3075" name="Picture 3" descr="test"/>
+          <p:cNvPicPr>
+            <a:picLocks noChangeAspect="1" noChangeArrowheads="1"/>
+          </p:cNvPicPr>
+          <p:nvPr/>
+        </p:nvPicPr>
+        <p:blipFill>
+          <a:blip r:embed="rId3" cstate="print">
+            <a:extLst>
+              <a:ext uri="{28A0092B-C50C-407E-A947-70E740481C1C}">
+                <a14:useLocalDpi xmlns:a14="http://schemas.microsoft.com/office/drawing/2010/main" val="0"/>
+              </a:ext>
+            </a:extLst>
+          </a:blip>
+          <a:srcRect/>
+          <a:stretch>
+            <a:fillRect/>
+          </a:stretch>
+        </p:blipFill>
+        <p:spPr bwMode="auto">
+          <a:xfrm>
+            <a:off x="898967" y="3219822"/>
+            <a:ext cx="4145654" cy="1674186"/>
+          </a:xfrm>
+          <a:prstGeom prst="rect">
+            <a:avLst/>
+          </a:prstGeom>
+          <a:noFill/>
+          <a:ln w="9525">
+            <a:solidFill>
+              <a:srgbClr val="756B5F"/>
+            </a:solidFill>
+            <a:miter lim="800000"/>
+            <a:headEnd/>
+            <a:tailEnd/>
+          </a:ln>
+          <a:extLst>
+            <a:ext uri="{909E8E84-426E-40DD-AFC4-6F175D3DCCD1}">
+              <a14:hiddenFill xmlns:a14="http://schemas.microsoft.com/office/drawing/2010/main">
+                <a:solidFill>
+                  <a:srgbClr val="FFFFFF"/>
+                </a:solidFill>
+              </a14:hiddenFill>
+            </a:ext>
+          </a:extLst>
+        </p:spPr>
+      </p:pic>
+      <p:sp>
+        <p:nvSpPr>
+          <p:cNvPr id="23" name="TextBox 22"/>
+          <p:cNvSpPr txBox="1"/>
+          <p:nvPr/>
+        </p:nvSpPr>
+        <p:spPr>
+          <a:xfrm>
+            <a:off x="62381" y="630779"/>
+            <a:ext cx="441146" cy="400110"/>
+          </a:xfrm>
+          <a:prstGeom prst="rect">
+            <a:avLst/>
+          </a:prstGeom>
+          <a:noFill/>
+        </p:spPr>
+        <p:txBody>
+          <a:bodyPr wrap="none" rtlCol="0">
+            <a:spAutoFit/>
+          </a:bodyPr>
+          <a:lstStyle/>
+          <a:p>
+            <a:r>
+              <a:rPr lang="ko-KR" altLang="en-US" sz="2000" b="1" dirty="0">
+                <a:solidFill>
+                  <a:srgbClr val="FF0000"/>
+                </a:solidFill>
+              </a:rPr>
+              <a:t>①</a:t>
+            </a:r>
+          </a:p>
+        </p:txBody>
+      </p:sp>
+      <p:sp>
+        <p:nvSpPr>
+          <p:cNvPr id="24" name="TextBox 23"/>
+          <p:cNvSpPr txBox="1"/>
+          <p:nvPr/>
+        </p:nvSpPr>
+        <p:spPr>
+          <a:xfrm>
+            <a:off x="138940" y="1221600"/>
+            <a:ext cx="492443" cy="461665"/>
+          </a:xfrm>
+          <a:prstGeom prst="rect">
+            <a:avLst/>
+          </a:prstGeom>
+          <a:noFill/>
+        </p:spPr>
+        <p:txBody>
+          <a:bodyPr wrap="none" rtlCol="0">
+            <a:spAutoFit/>
+          </a:bodyPr>
+          <a:lstStyle/>
+          <a:p>
+            <a:r>
+              <a:rPr lang="ko-KR" altLang="en-US" sz="2400" b="1" dirty="0">
+                <a:solidFill>
+                  <a:srgbClr val="FF0000"/>
+                </a:solidFill>
+              </a:rPr>
+              <a:t>②</a:t>
+            </a:r>
+          </a:p>
+        </p:txBody>
+      </p:sp>
+      <p:sp>
+        <p:nvSpPr>
+          <p:cNvPr id="25" name="TextBox 24"/>
+          <p:cNvSpPr txBox="1"/>
+          <p:nvPr/>
+        </p:nvSpPr>
+        <p:spPr>
+          <a:xfrm>
+            <a:off x="4261642" y="1137939"/>
+            <a:ext cx="492443" cy="461665"/>
+          </a:xfrm>
+          <a:prstGeom prst="rect">
+            <a:avLst/>
+          </a:prstGeom>
+          <a:noFill/>
+        </p:spPr>
+        <p:txBody>
+          <a:bodyPr wrap="none" rtlCol="0">
+            <a:spAutoFit/>
+          </a:bodyPr>
+          <a:lstStyle/>
+          <a:p>
+            <a:r>
+              <a:rPr lang="ko-KR" altLang="en-US" sz="2400" b="1" dirty="0">
+                <a:solidFill>
+                  <a:srgbClr val="FF0000"/>
+                </a:solidFill>
+              </a:rPr>
+              <a:t>③</a:t>
+            </a:r>
+          </a:p>
+        </p:txBody>
+      </p:sp>
+      <p:sp>
+        <p:nvSpPr>
+          <p:cNvPr id="26" name="TextBox 25"/>
+          <p:cNvSpPr txBox="1"/>
+          <p:nvPr/>
+        </p:nvSpPr>
+        <p:spPr>
+          <a:xfrm>
+            <a:off x="2083156" y="2031690"/>
+            <a:ext cx="492443" cy="461665"/>
+          </a:xfrm>
+          <a:prstGeom prst="rect">
+            <a:avLst/>
+          </a:prstGeom>
+          <a:noFill/>
+        </p:spPr>
+        <p:txBody>
+          <a:bodyPr wrap="none" rtlCol="0">
+            <a:spAutoFit/>
+          </a:bodyPr>
+          <a:lstStyle/>
+          <a:p>
+            <a:r>
+              <a:rPr lang="ko-KR" altLang="en-US" sz="2400" b="1" dirty="0">
+                <a:solidFill>
+                  <a:srgbClr val="FF0000"/>
+                </a:solidFill>
+              </a:rPr>
+              <a:t>④</a:t>
+            </a:r>
+          </a:p>
+        </p:txBody>
+      </p:sp>
+      <p:sp>
+        <p:nvSpPr>
+          <p:cNvPr id="27" name="TextBox 26"/>
+          <p:cNvSpPr txBox="1"/>
+          <p:nvPr/>
+        </p:nvSpPr>
+        <p:spPr>
+          <a:xfrm>
+            <a:off x="4932041" y="4191930"/>
+            <a:ext cx="492443" cy="461665"/>
+          </a:xfrm>
+          <a:prstGeom prst="rect">
+            <a:avLst/>
+          </a:prstGeom>
+          <a:noFill/>
+        </p:spPr>
+        <p:txBody>
+          <a:bodyPr wrap="none" rtlCol="0">
+            <a:spAutoFit/>
+          </a:bodyPr>
+          <a:lstStyle/>
+          <a:p>
+            <a:r>
+              <a:rPr lang="ko-KR" altLang="en-US" sz="2400" b="1" dirty="0">
+                <a:solidFill>
+                  <a:srgbClr val="FF0000"/>
+                </a:solidFill>
+              </a:rPr>
+              <a:t>⑤</a:t>
+            </a:r>
+          </a:p>
+        </p:txBody>
+      </p:sp>
+      <p:sp>
+        <p:nvSpPr>
+          <p:cNvPr id="30" name="TextBox 29"/>
+          <p:cNvSpPr txBox="1"/>
+          <p:nvPr/>
+        </p:nvSpPr>
+        <p:spPr>
+          <a:xfrm>
+            <a:off x="2699793" y="4765309"/>
+            <a:ext cx="492443" cy="461665"/>
+          </a:xfrm>
+          <a:prstGeom prst="rect">
+            <a:avLst/>
+          </a:prstGeom>
+          <a:noFill/>
+        </p:spPr>
+        <p:txBody>
+          <a:bodyPr wrap="none" rtlCol="0">
+            <a:spAutoFit/>
+          </a:bodyPr>
+          <a:lstStyle/>
+          <a:p>
+            <a:r>
+              <a:rPr lang="ko-KR" altLang="en-US" sz="2400" b="1" dirty="0">
+                <a:solidFill>
+                  <a:srgbClr val="FF0000"/>
+                </a:solidFill>
+              </a:rPr>
+              <a:t>⑥</a:t>
+            </a:r>
+          </a:p>
+        </p:txBody>
+      </p:sp>
+      <p:sp>
+        <p:nvSpPr>
+          <p:cNvPr id="3" name="직사각형 2"/>
+          <p:cNvSpPr/>
+          <p:nvPr/>
+        </p:nvSpPr>
+        <p:spPr>
+          <a:xfrm>
+            <a:off x="473717" y="875351"/>
+            <a:ext cx="1177390" cy="173124"/>
+          </a:xfrm>
+          <a:prstGeom prst="rect">
+            <a:avLst/>
+          </a:prstGeom>
+          <a:noFill/>
+          <a:ln w="38100">
+            <a:solidFill>
+              <a:srgbClr val="FF0000"/>
+            </a:solidFill>
+          </a:ln>
+        </p:spPr>
+        <p:style>
+          <a:lnRef idx="2">
+            <a:schemeClr val="accent1">
+              <a:shade val="50000"/>
+            </a:schemeClr>
+          </a:lnRef>
+          <a:fillRef idx="1">
+            <a:schemeClr val="accent1"/>
+          </a:fillRef>
+          <a:effectRef idx="0">
+            <a:schemeClr val="accent1"/>
+          </a:effectRef>
+          <a:fontRef idx="minor">
+            <a:schemeClr val="lt1"/>
+          </a:fontRef>
+        </p:style>
+        <p:txBody>
+          <a:bodyPr rot="0" spcFirstLastPara="0" vertOverflow="overflow" horzOverflow="overflow" vert="horz" wrap="square" lIns="0" tIns="0" rIns="0" bIns="0" numCol="1" spcCol="0" rtlCol="0" fromWordArt="0" anchor="ctr" anchorCtr="0" forceAA="0" compatLnSpc="1">
+            <a:prstTxWarp prst="textNoShape">
+              <a:avLst/>
+            </a:prstTxWarp>
+            <a:noAutofit/>
+          </a:bodyPr>
+          <a:lstStyle/>
+          <a:p>
+            <a:pPr marL="228600" indent="-228600" algn="ctr">
+              <a:buFont typeface="+mj-ea"/>
+              <a:buAutoNum type="circleNumDbPlain"/>
+            </a:pPr>
+            <a:endParaRPr lang="ko-KR" altLang="en-US" sz="1000" b="1" dirty="0" err="1">
+              <a:solidFill>
+                <a:schemeClr val="tx1"/>
+              </a:solidFill>
+            </a:endParaRPr>
+          </a:p>
+        </p:txBody>
+      </p:sp>
+      <p:sp>
+        <p:nvSpPr>
+          <p:cNvPr id="32" name="직사각형 31"/>
+          <p:cNvSpPr/>
+          <p:nvPr/>
+        </p:nvSpPr>
+        <p:spPr>
+          <a:xfrm>
+            <a:off x="553445" y="1308162"/>
+            <a:ext cx="881638" cy="550403"/>
+          </a:xfrm>
+          <a:prstGeom prst="rect">
+            <a:avLst/>
+          </a:prstGeom>
+          <a:noFill/>
+          <a:ln w="38100">
+            <a:solidFill>
+              <a:srgbClr val="FF0000"/>
+            </a:solidFill>
+          </a:ln>
+        </p:spPr>
+        <p:style>
+          <a:lnRef idx="2">
+            <a:schemeClr val="accent1">
+              <a:shade val="50000"/>
+            </a:schemeClr>
+          </a:lnRef>
+          <a:fillRef idx="1">
+            <a:schemeClr val="accent1"/>
+          </a:fillRef>
+          <a:effectRef idx="0">
+            <a:schemeClr val="accent1"/>
+          </a:effectRef>
+          <a:fontRef idx="minor">
+            <a:schemeClr val="lt1"/>
+          </a:fontRef>
+        </p:style>
+        <p:txBody>
+          <a:bodyPr rot="0" spcFirstLastPara="0" vertOverflow="overflow" horzOverflow="overflow" vert="horz" wrap="square" lIns="0" tIns="0" rIns="0" bIns="0" numCol="1" spcCol="0" rtlCol="0" fromWordArt="0" anchor="ctr" anchorCtr="0" forceAA="0" compatLnSpc="1">
+            <a:prstTxWarp prst="textNoShape">
+              <a:avLst/>
+            </a:prstTxWarp>
+            <a:noAutofit/>
+          </a:bodyPr>
+          <a:lstStyle/>
+          <a:p>
+            <a:pPr marL="228600" indent="-228600" algn="ctr">
+              <a:buFont typeface="+mj-ea"/>
+              <a:buAutoNum type="circleNumDbPlain"/>
+            </a:pPr>
+            <a:endParaRPr lang="ko-KR" altLang="en-US" sz="1000" b="1" dirty="0" err="1">
+              <a:solidFill>
+                <a:schemeClr val="tx1"/>
+              </a:solidFill>
+            </a:endParaRPr>
+          </a:p>
+        </p:txBody>
+      </p:sp>
+      <p:cxnSp>
+        <p:nvCxnSpPr>
+          <p:cNvPr id="5" name="직선 연결선 4"/>
+          <p:cNvCxnSpPr/>
+          <p:nvPr/>
+        </p:nvCxnSpPr>
+        <p:spPr>
+          <a:xfrm>
+            <a:off x="715003" y="1740973"/>
+            <a:ext cx="648072" cy="0"/>
+          </a:xfrm>
+          <a:prstGeom prst="line">
+            <a:avLst/>
+          </a:prstGeom>
+          <a:ln w="38100">
+            <a:solidFill>
+              <a:srgbClr val="FF0000"/>
+            </a:solidFill>
+            <a:tailEnd type="none"/>
+          </a:ln>
+        </p:spPr>
+        <p:style>
+          <a:lnRef idx="1">
+            <a:schemeClr val="accent1"/>
+          </a:lnRef>
+          <a:fillRef idx="0">
+            <a:schemeClr val="accent1"/>
+          </a:fillRef>
+          <a:effectRef idx="0">
+            <a:schemeClr val="accent1"/>
+          </a:effectRef>
+          <a:fontRef idx="minor">
+            <a:schemeClr val="tx1"/>
+          </a:fontRef>
+        </p:style>
+      </p:cxnSp>
+      <p:cxnSp>
+        <p:nvCxnSpPr>
+          <p:cNvPr id="7" name="구부러진 연결선 6"/>
+          <p:cNvCxnSpPr/>
+          <p:nvPr/>
+        </p:nvCxnSpPr>
+        <p:spPr>
+          <a:xfrm rot="16200000" flipH="1">
+            <a:off x="-231578" y="2871516"/>
+            <a:ext cx="2797207" cy="536119"/>
+          </a:xfrm>
+          <a:prstGeom prst="curvedConnector3">
+            <a:avLst/>
+          </a:prstGeom>
+          <a:ln w="38100">
+            <a:solidFill>
+              <a:srgbClr val="FF0000"/>
+            </a:solidFill>
+            <a:tailEnd type="arrow"/>
+          </a:ln>
+        </p:spPr>
+        <p:style>
+          <a:lnRef idx="1">
+            <a:schemeClr val="accent1"/>
+          </a:lnRef>
+          <a:fillRef idx="0">
+            <a:schemeClr val="accent1"/>
+          </a:fillRef>
+          <a:effectRef idx="0">
+            <a:schemeClr val="accent1"/>
+          </a:effectRef>
+          <a:fontRef idx="minor">
+            <a:schemeClr val="tx1"/>
+          </a:fontRef>
+        </p:style>
+      </p:cxnSp>
+      <p:sp>
+        <p:nvSpPr>
+          <p:cNvPr id="9" name="직사각형 8"/>
+          <p:cNvSpPr/>
+          <p:nvPr/>
+        </p:nvSpPr>
+        <p:spPr>
+          <a:xfrm>
+            <a:off x="2443195" y="1474812"/>
+            <a:ext cx="2304256" cy="108551"/>
+          </a:xfrm>
+          <a:prstGeom prst="rect">
+            <a:avLst/>
+          </a:prstGeom>
+          <a:noFill/>
+          <a:ln w="38100">
+            <a:solidFill>
+              <a:srgbClr val="FF0000"/>
+            </a:solidFill>
+          </a:ln>
+        </p:spPr>
+        <p:style>
+          <a:lnRef idx="2">
+            <a:schemeClr val="accent1">
+              <a:shade val="50000"/>
+            </a:schemeClr>
+          </a:lnRef>
+          <a:fillRef idx="1">
+            <a:schemeClr val="accent1"/>
+          </a:fillRef>
+          <a:effectRef idx="0">
+            <a:schemeClr val="accent1"/>
+          </a:effectRef>
+          <a:fontRef idx="minor">
+            <a:schemeClr val="lt1"/>
+          </a:fontRef>
+        </p:style>
+        <p:txBody>
+          <a:bodyPr rot="0" spcFirstLastPara="0" vertOverflow="overflow" horzOverflow="overflow" vert="horz" wrap="square" lIns="0" tIns="0" rIns="0" bIns="0" numCol="1" spcCol="0" rtlCol="0" fromWordArt="0" anchor="ctr" anchorCtr="0" forceAA="0" compatLnSpc="1">
+            <a:prstTxWarp prst="textNoShape">
+              <a:avLst/>
+            </a:prstTxWarp>
+            <a:noAutofit/>
+          </a:bodyPr>
+          <a:lstStyle/>
+          <a:p>
+            <a:pPr marL="228600" indent="-228600" algn="ctr">
+              <a:buFont typeface="+mj-ea"/>
+              <a:buAutoNum type="circleNumDbPlain"/>
+            </a:pPr>
+            <a:endParaRPr lang="ko-KR" altLang="en-US" sz="1000" b="1" dirty="0" err="1">
+              <a:solidFill>
+                <a:schemeClr val="tx1"/>
+              </a:solidFill>
+            </a:endParaRPr>
+          </a:p>
+        </p:txBody>
+      </p:sp>
+      <p:sp>
+        <p:nvSpPr>
+          <p:cNvPr id="41" name="직사각형 40"/>
+          <p:cNvSpPr/>
+          <p:nvPr/>
+        </p:nvSpPr>
+        <p:spPr>
+          <a:xfrm>
+            <a:off x="2443196" y="1923678"/>
+            <a:ext cx="2243861" cy="454261"/>
+          </a:xfrm>
+          <a:prstGeom prst="rect">
+            <a:avLst/>
+          </a:prstGeom>
+          <a:noFill/>
+          <a:ln w="38100">
+            <a:solidFill>
+              <a:srgbClr val="FF0000"/>
+            </a:solidFill>
+          </a:ln>
+        </p:spPr>
+        <p:style>
+          <a:lnRef idx="2">
+            <a:schemeClr val="accent1">
+              <a:shade val="50000"/>
+            </a:schemeClr>
+          </a:lnRef>
+          <a:fillRef idx="1">
+            <a:schemeClr val="accent1"/>
+          </a:fillRef>
+          <a:effectRef idx="0">
+            <a:schemeClr val="accent1"/>
+          </a:effectRef>
+          <a:fontRef idx="minor">
+            <a:schemeClr val="lt1"/>
+          </a:fontRef>
+        </p:style>
+        <p:txBody>
+          <a:bodyPr rot="0" spcFirstLastPara="0" vertOverflow="overflow" horzOverflow="overflow" vert="horz" wrap="square" lIns="0" tIns="0" rIns="0" bIns="0" numCol="1" spcCol="0" rtlCol="0" fromWordArt="0" anchor="ctr" anchorCtr="0" forceAA="0" compatLnSpc="1">
+            <a:prstTxWarp prst="textNoShape">
+              <a:avLst/>
+            </a:prstTxWarp>
+            <a:noAutofit/>
+          </a:bodyPr>
+          <a:lstStyle/>
+          <a:p>
+            <a:pPr marL="228600" indent="-228600" algn="ctr">
+              <a:buFont typeface="+mj-ea"/>
+              <a:buAutoNum type="circleNumDbPlain"/>
+            </a:pPr>
+            <a:endParaRPr lang="ko-KR" altLang="en-US" sz="1000" b="1" dirty="0" err="1">
+              <a:solidFill>
+                <a:schemeClr val="tx1"/>
+              </a:solidFill>
+            </a:endParaRPr>
+          </a:p>
+        </p:txBody>
+      </p:sp>
+      <p:sp>
+        <p:nvSpPr>
+          <p:cNvPr id="43" name="직사각형 42"/>
+          <p:cNvSpPr/>
+          <p:nvPr/>
+        </p:nvSpPr>
+        <p:spPr>
+          <a:xfrm>
+            <a:off x="4727630" y="4311048"/>
+            <a:ext cx="316992" cy="454261"/>
+          </a:xfrm>
+          <a:prstGeom prst="rect">
+            <a:avLst/>
+          </a:prstGeom>
+          <a:noFill/>
+          <a:ln w="38100">
+            <a:solidFill>
+              <a:srgbClr val="FF0000"/>
+            </a:solidFill>
+          </a:ln>
+        </p:spPr>
+        <p:style>
+          <a:lnRef idx="2">
+            <a:schemeClr val="accent1">
+              <a:shade val="50000"/>
+            </a:schemeClr>
+          </a:lnRef>
+          <a:fillRef idx="1">
+            <a:schemeClr val="accent1"/>
+          </a:fillRef>
+          <a:effectRef idx="0">
+            <a:schemeClr val="accent1"/>
+          </a:effectRef>
+          <a:fontRef idx="minor">
+            <a:schemeClr val="lt1"/>
+          </a:fontRef>
+        </p:style>
+        <p:txBody>
+          <a:bodyPr rot="0" spcFirstLastPara="0" vertOverflow="overflow" horzOverflow="overflow" vert="horz" wrap="square" lIns="0" tIns="0" rIns="0" bIns="0" numCol="1" spcCol="0" rtlCol="0" fromWordArt="0" anchor="ctr" anchorCtr="0" forceAA="0" compatLnSpc="1">
+            <a:prstTxWarp prst="textNoShape">
+              <a:avLst/>
+            </a:prstTxWarp>
+            <a:noAutofit/>
+          </a:bodyPr>
+          <a:lstStyle/>
+          <a:p>
+            <a:pPr marL="228600" indent="-228600" algn="ctr">
+              <a:buFont typeface="+mj-ea"/>
+              <a:buAutoNum type="circleNumDbPlain"/>
+            </a:pPr>
+            <a:endParaRPr lang="ko-KR" altLang="en-US" sz="1000" b="1" dirty="0" err="1">
+              <a:solidFill>
+                <a:schemeClr val="tx1"/>
+              </a:solidFill>
+            </a:endParaRPr>
+          </a:p>
+        </p:txBody>
+      </p:sp>
+      <p:sp>
+        <p:nvSpPr>
+          <p:cNvPr id="44" name="직사각형 43"/>
+          <p:cNvSpPr/>
+          <p:nvPr/>
+        </p:nvSpPr>
+        <p:spPr>
+          <a:xfrm>
+            <a:off x="3041661" y="4765309"/>
+            <a:ext cx="480418" cy="173124"/>
+          </a:xfrm>
+          <a:prstGeom prst="rect">
+            <a:avLst/>
+          </a:prstGeom>
+          <a:noFill/>
+          <a:ln w="38100">
+            <a:solidFill>
+              <a:srgbClr val="FF0000"/>
+            </a:solidFill>
+          </a:ln>
+        </p:spPr>
+        <p:style>
+          <a:lnRef idx="2">
+            <a:schemeClr val="accent1">
+              <a:shade val="50000"/>
+            </a:schemeClr>
+          </a:lnRef>
+          <a:fillRef idx="1">
+            <a:schemeClr val="accent1"/>
+          </a:fillRef>
+          <a:effectRef idx="0">
+            <a:schemeClr val="accent1"/>
+          </a:effectRef>
+          <a:fontRef idx="minor">
+            <a:schemeClr val="lt1"/>
+          </a:fontRef>
+        </p:style>
+        <p:txBody>
+          <a:bodyPr rot="0" spcFirstLastPara="0" vertOverflow="overflow" horzOverflow="overflow" vert="horz" wrap="square" lIns="0" tIns="0" rIns="0" bIns="0" numCol="1" spcCol="0" rtlCol="0" fromWordArt="0" anchor="ctr" anchorCtr="0" forceAA="0" compatLnSpc="1">
+            <a:prstTxWarp prst="textNoShape">
+              <a:avLst/>
+            </a:prstTxWarp>
+            <a:noAutofit/>
+          </a:bodyPr>
+          <a:lstStyle/>
+          <a:p>
+            <a:pPr marL="228600" indent="-228600" algn="ctr">
+              <a:buFont typeface="+mj-ea"/>
+              <a:buAutoNum type="circleNumDbPlain"/>
+            </a:pPr>
+            <a:endParaRPr lang="ko-KR" altLang="en-US" sz="1000" b="1" dirty="0" err="1">
+              <a:solidFill>
+                <a:schemeClr val="tx1"/>
+              </a:solidFill>
+            </a:endParaRPr>
+          </a:p>
+        </p:txBody>
+      </p:sp>
+    </p:spTree>
+    <p:extLst>
+      <p:ext uri="{BB962C8B-B14F-4D97-AF65-F5344CB8AC3E}">
+        <p14:creationId xmlns:p14="http://schemas.microsoft.com/office/powerpoint/2010/main" val="2529405785"/>
+      </p:ext>
+    </p:extLst>
+  </p:cSld>
+  <p:clrMapOvr>
+    <a:masterClrMapping/>
+  </p:clrMapOvr>
+</p:sld>
+</file>
+
+<file path=ppt/slides/slide12.xml><?xml version="1.0" encoding="utf-8"?>
+<p:sld xmlns:a="http://schemas.openxmlformats.org/drawingml/2006/main" xmlns:r="http://schemas.openxmlformats.org/officeDocument/2006/relationships" xmlns:p="http://schemas.openxmlformats.org/presentationml/2006/main">
+  <p:cSld>
+    <p:spTree>
+      <p:nvGrpSpPr>
+        <p:cNvPr id="1" name=""/>
+        <p:cNvGrpSpPr/>
+        <p:nvPr/>
+      </p:nvGrpSpPr>
+      <p:grpSpPr>
+        <a:xfrm>
+          <a:off x="0" y="0"/>
+          <a:ext cx="0" cy="0"/>
+          <a:chOff x="0" y="0"/>
+          <a:chExt cx="0" cy="0"/>
+        </a:xfrm>
+      </p:grpSpPr>
+      <p:sp>
+        <p:nvSpPr>
+          <p:cNvPr id="11" name="내용 개체 틀 10"/>
+          <p:cNvSpPr>
+            <a:spLocks noGrp="1"/>
+          </p:cNvSpPr>
+          <p:nvPr>
+            <p:ph idx="1"/>
+          </p:nvPr>
+        </p:nvSpPr>
+        <p:spPr>
+          <a:xfrm>
+            <a:off x="1907704" y="1257604"/>
+            <a:ext cx="5544616" cy="2322258"/>
+          </a:xfrm>
+        </p:spPr>
+        <p:txBody>
+          <a:bodyPr>
+            <a:normAutofit lnSpcReduction="10000"/>
+          </a:bodyPr>
+          <a:lstStyle/>
+          <a:p>
+            <a:pPr>
+              <a:lnSpc>
+                <a:spcPct val="250000"/>
+              </a:lnSpc>
+            </a:pPr>
+            <a:r>
+              <a:rPr lang="ko-KR" altLang="en-US" sz="2000" dirty="0"/>
+              <a:t>이용자 기반의 추천 플랫폼</a:t>
+            </a:r>
+            <a:endParaRPr lang="en-US" altLang="ko-KR" sz="2000" dirty="0"/>
+          </a:p>
+          <a:p>
+            <a:pPr>
+              <a:lnSpc>
+                <a:spcPct val="250000"/>
+              </a:lnSpc>
+            </a:pPr>
+            <a:r>
+              <a:rPr lang="ko-KR" altLang="en-US" sz="2000" dirty="0"/>
+              <a:t>예약 및 대출</a:t>
+            </a:r>
+            <a:r>
+              <a:rPr lang="en-US" altLang="ko-KR" sz="2000" dirty="0"/>
+              <a:t>, </a:t>
+            </a:r>
+            <a:r>
+              <a:rPr lang="ko-KR" altLang="en-US" sz="2000" dirty="0"/>
+              <a:t>반납기능을 </a:t>
+            </a:r>
+            <a:r>
+              <a:rPr lang="en-US" altLang="ko-KR" sz="2000" dirty="0"/>
+              <a:t>SNS</a:t>
+            </a:r>
+            <a:r>
+              <a:rPr lang="ko-KR" altLang="en-US" sz="2000" dirty="0"/>
+              <a:t>와 연동</a:t>
+            </a:r>
+            <a:endParaRPr lang="en-US" altLang="ko-KR" sz="2000" dirty="0"/>
+          </a:p>
+          <a:p>
+            <a:pPr>
+              <a:lnSpc>
+                <a:spcPct val="250000"/>
+              </a:lnSpc>
+            </a:pPr>
+            <a:r>
+              <a:rPr lang="ko-KR" altLang="en-US" sz="2000" dirty="0"/>
+              <a:t>연체 및 대출에 대한 점수 부여</a:t>
+            </a:r>
+          </a:p>
+        </p:txBody>
+      </p:sp>
+      <p:sp>
+        <p:nvSpPr>
+          <p:cNvPr id="2" name="슬라이드 번호 개체 틀 1"/>
+          <p:cNvSpPr>
+            <a:spLocks noGrp="1"/>
+          </p:cNvSpPr>
+          <p:nvPr>
+            <p:ph type="sldNum" sz="quarter" idx="12"/>
+          </p:nvPr>
+        </p:nvSpPr>
+        <p:spPr/>
+        <p:txBody>
+          <a:bodyPr/>
+          <a:lstStyle/>
+          <a:p>
+            <a:fld id="{8E974B11-60DB-405B-8211-256C6E064270}" type="slidenum">
+              <a:rPr lang="ko-KR" altLang="en-US" smtClean="0"/>
+              <a:pPr/>
+              <a:t>12</a:t>
+            </a:fld>
+            <a:endParaRPr lang="ko-KR" altLang="en-US" dirty="0"/>
+          </a:p>
+        </p:txBody>
+      </p:sp>
+      <p:sp>
+        <p:nvSpPr>
+          <p:cNvPr id="4" name="TextBox 3"/>
+          <p:cNvSpPr txBox="1"/>
+          <p:nvPr/>
+        </p:nvSpPr>
+        <p:spPr>
+          <a:xfrm>
+            <a:off x="323528" y="80505"/>
+            <a:ext cx="2232248" cy="369332"/>
+          </a:xfrm>
+          <a:prstGeom prst="rect">
+            <a:avLst/>
+          </a:prstGeom>
+          <a:noFill/>
+        </p:spPr>
+        <p:txBody>
+          <a:bodyPr wrap="square" rtlCol="0">
+            <a:spAutoFit/>
+          </a:bodyPr>
+          <a:lstStyle/>
+          <a:p>
+            <a:r>
+              <a:rPr lang="en-US" altLang="ko-KR" b="1" dirty="0">
+                <a:solidFill>
+                  <a:srgbClr val="756B5F"/>
+                </a:solidFill>
+              </a:rPr>
+              <a:t>12. </a:t>
+            </a:r>
+            <a:r>
+              <a:rPr lang="ko-KR" altLang="en-US" b="1" dirty="0">
+                <a:solidFill>
+                  <a:srgbClr val="756B5F"/>
+                </a:solidFill>
+              </a:rPr>
+              <a:t>차후</a:t>
+            </a:r>
+            <a:r>
+              <a:rPr lang="en-US" altLang="ko-KR" b="1" dirty="0">
+                <a:solidFill>
+                  <a:srgbClr val="756B5F"/>
+                </a:solidFill>
+              </a:rPr>
+              <a:t> </a:t>
+            </a:r>
+            <a:r>
+              <a:rPr lang="ko-KR" altLang="en-US" b="1" dirty="0">
+                <a:solidFill>
+                  <a:srgbClr val="756B5F"/>
+                </a:solidFill>
+              </a:rPr>
+              <a:t>개발 내용</a:t>
+            </a:r>
+          </a:p>
+        </p:txBody>
+      </p:sp>
+      <p:sp>
+        <p:nvSpPr>
+          <p:cNvPr id="12" name="가로로 말린 두루마리 모양 11"/>
+          <p:cNvSpPr/>
+          <p:nvPr/>
+        </p:nvSpPr>
+        <p:spPr>
+          <a:xfrm>
+            <a:off x="1115616" y="843558"/>
+            <a:ext cx="6408712" cy="3240360"/>
+          </a:xfrm>
+          <a:prstGeom prst="horizontalScroll">
+            <a:avLst/>
+          </a:prstGeom>
+          <a:noFill/>
+          <a:ln w="38100">
+            <a:solidFill>
+              <a:srgbClr val="756B5F"/>
+            </a:solidFill>
+          </a:ln>
+        </p:spPr>
+        <p:style>
+          <a:lnRef idx="2">
+            <a:schemeClr val="accent1">
+              <a:shade val="50000"/>
+            </a:schemeClr>
+          </a:lnRef>
+          <a:fillRef idx="1">
+            <a:schemeClr val="accent1"/>
+          </a:fillRef>
+          <a:effectRef idx="0">
+            <a:schemeClr val="accent1"/>
+          </a:effectRef>
+          <a:fontRef idx="minor">
+            <a:schemeClr val="lt1"/>
+          </a:fontRef>
+        </p:style>
+        <p:txBody>
+          <a:bodyPr rot="0" spcFirstLastPara="0" vertOverflow="overflow" horzOverflow="overflow" vert="horz" wrap="square" lIns="0" tIns="0" rIns="0" bIns="0" numCol="1" spcCol="0" rtlCol="0" fromWordArt="0" anchor="ctr" anchorCtr="0" forceAA="0" compatLnSpc="1">
+            <a:prstTxWarp prst="textNoShape">
+              <a:avLst/>
+            </a:prstTxWarp>
+            <a:noAutofit/>
+          </a:bodyPr>
+          <a:lstStyle/>
+          <a:p>
+            <a:pPr marL="228600" indent="-228600" algn="ctr">
+              <a:buFont typeface="+mj-ea"/>
+              <a:buAutoNum type="circleNumDbPlain"/>
+            </a:pPr>
+            <a:endParaRPr lang="ko-KR" altLang="en-US" sz="1000" b="1" dirty="0" err="1">
+              <a:solidFill>
+                <a:schemeClr val="tx1"/>
+              </a:solidFill>
+            </a:endParaRPr>
+          </a:p>
+        </p:txBody>
+      </p:sp>
+    </p:spTree>
+    <p:extLst>
+      <p:ext uri="{BB962C8B-B14F-4D97-AF65-F5344CB8AC3E}">
+        <p14:creationId xmlns:p14="http://schemas.microsoft.com/office/powerpoint/2010/main" val="3237051372"/>
+      </p:ext>
+    </p:extLst>
+  </p:cSld>
+  <p:clrMapOvr>
+    <a:masterClrMapping/>
+  </p:clrMapOvr>
+</p:sld>
+</file>
+
+<file path=ppt/slides/slide13.xml><?xml version="1.0" encoding="utf-8"?>
+<p:sld xmlns:a="http://schemas.openxmlformats.org/drawingml/2006/main" xmlns:r="http://schemas.openxmlformats.org/officeDocument/2006/relationships" xmlns:p="http://schemas.openxmlformats.org/presentationml/2006/main">
+  <p:cSld>
+    <p:spTree>
+      <p:nvGrpSpPr>
+        <p:cNvPr id="1" name=""/>
+        <p:cNvGrpSpPr/>
+        <p:nvPr/>
+      </p:nvGrpSpPr>
+      <p:grpSpPr>
+        <a:xfrm>
+          <a:off x="0" y="0"/>
+          <a:ext cx="0" cy="0"/>
+          <a:chOff x="0" y="0"/>
+          <a:chExt cx="0" cy="0"/>
+        </a:xfrm>
+      </p:grpSpPr>
+      <p:sp>
+        <p:nvSpPr>
+          <p:cNvPr id="4" name="직사각형 3"/>
+          <p:cNvSpPr/>
+          <p:nvPr/>
+        </p:nvSpPr>
+        <p:spPr>
+          <a:xfrm>
+            <a:off x="0" y="0"/>
+            <a:ext cx="9144000" cy="5143500"/>
+          </a:xfrm>
+          <a:prstGeom prst="rect">
+            <a:avLst/>
+          </a:prstGeom>
+          <a:solidFill>
+            <a:srgbClr val="987C4D"/>
+          </a:solidFill>
+          <a:ln>
+            <a:noFill/>
+          </a:ln>
+        </p:spPr>
+        <p:style>
+          <a:lnRef idx="2">
+            <a:schemeClr val="accent1">
+              <a:shade val="50000"/>
+            </a:schemeClr>
+          </a:lnRef>
+          <a:fillRef idx="1">
+            <a:schemeClr val="accent1"/>
+          </a:fillRef>
+          <a:effectRef idx="0">
+            <a:schemeClr val="accent1"/>
+          </a:effectRef>
+          <a:fontRef idx="minor">
+            <a:schemeClr val="lt1"/>
+          </a:fontRef>
+        </p:style>
+        <p:txBody>
+          <a:bodyPr anchor="ctr"/>
+          <a:lstStyle/>
+          <a:p>
+            <a:pPr algn="ctr">
+              <a:defRPr/>
+            </a:pPr>
+            <a:endParaRPr lang="ko-KR" altLang="en-US"/>
+          </a:p>
+        </p:txBody>
+      </p:sp>
+      <p:sp>
+        <p:nvSpPr>
+          <p:cNvPr id="8" name="직사각형 7"/>
+          <p:cNvSpPr/>
+          <p:nvPr/>
+        </p:nvSpPr>
+        <p:spPr>
+          <a:xfrm>
+            <a:off x="2411760" y="1977684"/>
+            <a:ext cx="3672408" cy="551378"/>
+          </a:xfrm>
+          <a:prstGeom prst="rect">
+            <a:avLst/>
+          </a:prstGeom>
+          <a:solidFill>
+            <a:schemeClr val="bg1"/>
+          </a:solidFill>
+          <a:ln>
+            <a:noFill/>
+          </a:ln>
+        </p:spPr>
+        <p:style>
+          <a:lnRef idx="2">
+            <a:schemeClr val="accent1">
+              <a:shade val="50000"/>
+            </a:schemeClr>
+          </a:lnRef>
+          <a:fillRef idx="1">
+            <a:schemeClr val="accent1"/>
+          </a:fillRef>
+          <a:effectRef idx="0">
+            <a:schemeClr val="accent1"/>
+          </a:effectRef>
+          <a:fontRef idx="minor">
+            <a:schemeClr val="lt1"/>
+          </a:fontRef>
+        </p:style>
+        <p:txBody>
+          <a:bodyPr anchor="ctr"/>
+          <a:lstStyle/>
+          <a:p>
+            <a:pPr algn="ctr">
+              <a:defRPr/>
+            </a:pPr>
+            <a:endParaRPr lang="ko-KR" altLang="en-US"/>
+          </a:p>
+        </p:txBody>
+      </p:sp>
+      <p:sp>
+        <p:nvSpPr>
+          <p:cNvPr id="5" name="TextBox 4"/>
+          <p:cNvSpPr txBox="1"/>
+          <p:nvPr/>
+        </p:nvSpPr>
+        <p:spPr>
+          <a:xfrm>
+            <a:off x="2483771" y="1679538"/>
+            <a:ext cx="3528391" cy="1938992"/>
+          </a:xfrm>
+          <a:prstGeom prst="rect">
+            <a:avLst/>
+          </a:prstGeom>
+          <a:noFill/>
+        </p:spPr>
+        <p:txBody>
+          <a:bodyPr wrap="square">
+            <a:spAutoFit/>
+          </a:bodyPr>
+          <a:lstStyle/>
+          <a:p>
+            <a:pPr>
+              <a:lnSpc>
+                <a:spcPct val="150000"/>
+              </a:lnSpc>
+              <a:defRPr/>
+            </a:pPr>
+            <a:r>
+              <a:rPr lang="ko-KR" altLang="en-US" sz="4000" b="1" dirty="0">
+                <a:solidFill>
+                  <a:srgbClr val="756B5F"/>
+                </a:solidFill>
+                <a:latin typeface="+mn-ea"/>
+                <a:ea typeface="+mn-ea"/>
+              </a:rPr>
+              <a:t>경청해 주셔서</a:t>
+            </a:r>
+            <a:endParaRPr lang="en-US" altLang="ko-KR" sz="4000" b="1" dirty="0">
+              <a:solidFill>
+                <a:srgbClr val="756B5F"/>
+              </a:solidFill>
+              <a:latin typeface="+mn-ea"/>
+              <a:ea typeface="+mn-ea"/>
+            </a:endParaRPr>
+          </a:p>
+          <a:p>
+            <a:pPr>
+              <a:lnSpc>
+                <a:spcPct val="150000"/>
+              </a:lnSpc>
+              <a:defRPr/>
+            </a:pPr>
+            <a:r>
+              <a:rPr lang="ko-KR" altLang="en-US" sz="4000" b="1" dirty="0">
+                <a:solidFill>
+                  <a:schemeClr val="bg1"/>
+                </a:solidFill>
+                <a:latin typeface="+mn-ea"/>
+                <a:ea typeface="+mn-ea"/>
+              </a:rPr>
+              <a:t>고맙습니다</a:t>
+            </a:r>
+            <a:endParaRPr lang="en-US" altLang="ko-KR" sz="4000" b="1" dirty="0">
+              <a:solidFill>
+                <a:schemeClr val="bg1"/>
+              </a:solidFill>
+              <a:latin typeface="+mn-ea"/>
+              <a:ea typeface="+mn-ea"/>
+              <a:sym typeface="Wingdings" pitchFamily="2" charset="2"/>
+            </a:endParaRPr>
+          </a:p>
+        </p:txBody>
+      </p:sp>
+      <p:sp>
+        <p:nvSpPr>
+          <p:cNvPr id="9" name="순서도: 대체 처리 8"/>
+          <p:cNvSpPr/>
+          <p:nvPr/>
+        </p:nvSpPr>
+        <p:spPr>
+          <a:xfrm>
+            <a:off x="5292080" y="2661550"/>
+            <a:ext cx="792088" cy="504266"/>
+          </a:xfrm>
+          <a:prstGeom prst="flowChartAlternateProcess">
+            <a:avLst/>
+          </a:prstGeom>
+          <a:noFill/>
+          <a:ln w="63500">
+            <a:solidFill>
+              <a:schemeClr val="bg1"/>
+            </a:solidFill>
+          </a:ln>
+        </p:spPr>
+        <p:style>
+          <a:lnRef idx="2">
+            <a:schemeClr val="accent1">
+              <a:shade val="50000"/>
+            </a:schemeClr>
+          </a:lnRef>
+          <a:fillRef idx="1">
+            <a:schemeClr val="accent1"/>
+          </a:fillRef>
+          <a:effectRef idx="0">
+            <a:schemeClr val="accent1"/>
+          </a:effectRef>
+          <a:fontRef idx="minor">
+            <a:schemeClr val="lt1"/>
+          </a:fontRef>
+        </p:style>
+        <p:txBody>
+          <a:bodyPr rtlCol="0" anchor="ctr"/>
+          <a:lstStyle/>
+          <a:p>
+            <a:pPr algn="ctr"/>
+            <a:r>
+              <a:rPr lang="en-US" altLang="ko-KR" b="1" dirty="0">
+                <a:solidFill>
+                  <a:schemeClr val="bg1"/>
+                </a:solidFill>
+              </a:rPr>
+              <a:t>LAS</a:t>
+            </a:r>
+            <a:r>
+              <a:rPr lang="en-US" altLang="ko-KR" sz="2800" b="1" baseline="30000" dirty="0">
+                <a:solidFill>
+                  <a:schemeClr val="bg1"/>
+                </a:solidFill>
+              </a:rPr>
+              <a:t>*</a:t>
+            </a:r>
+            <a:endParaRPr lang="ko-KR" altLang="en-US" sz="2800" b="1" baseline="30000" dirty="0">
+              <a:solidFill>
+                <a:schemeClr val="bg1"/>
+              </a:solidFill>
+            </a:endParaRPr>
+          </a:p>
+        </p:txBody>
+      </p:sp>
+      <p:sp>
+        <p:nvSpPr>
+          <p:cNvPr id="2" name="슬라이드 번호 개체 틀 1"/>
+          <p:cNvSpPr>
+            <a:spLocks noGrp="1"/>
+          </p:cNvSpPr>
+          <p:nvPr>
+            <p:ph type="sldNum" sz="quarter" idx="12"/>
+          </p:nvPr>
+        </p:nvSpPr>
+        <p:spPr/>
+        <p:txBody>
+          <a:bodyPr/>
+          <a:lstStyle/>
+          <a:p>
+            <a:fld id="{8E974B11-60DB-405B-8211-256C6E064270}" type="slidenum">
+              <a:rPr lang="ko-KR" altLang="en-US" smtClean="0"/>
+              <a:t>13</a:t>
+            </a:fld>
+            <a:endParaRPr lang="ko-KR" altLang="en-US"/>
+          </a:p>
+        </p:txBody>
+      </p:sp>
+    </p:spTree>
+    <p:extLst>
+      <p:ext uri="{BB962C8B-B14F-4D97-AF65-F5344CB8AC3E}">
+        <p14:creationId xmlns:p14="http://schemas.microsoft.com/office/powerpoint/2010/main" val="162557793"/>
       </p:ext>
     </p:extLst>
   </p:cSld>

--- a/lecNote/project(1stPersonal)/sample_ver1.pptx
+++ b/lecNote/project(1stPersonal)/sample_ver1.pptx
@@ -5,10 +5,10 @@
     <p:sldMasterId id="2147483648" r:id="rId1"/>
   </p:sldMasterIdLst>
   <p:notesMasterIdLst>
-    <p:notesMasterId r:id="rId15"/>
+    <p:notesMasterId r:id="rId16"/>
   </p:notesMasterIdLst>
   <p:handoutMasterIdLst>
-    <p:handoutMasterId r:id="rId16"/>
+    <p:handoutMasterId r:id="rId17"/>
   </p:handoutMasterIdLst>
   <p:sldIdLst>
     <p:sldId id="256" r:id="rId2"/>
@@ -18,12 +18,13 @@
     <p:sldId id="295" r:id="rId6"/>
     <p:sldId id="319" r:id="rId7"/>
     <p:sldId id="347" r:id="rId8"/>
-    <p:sldId id="349" r:id="rId9"/>
-    <p:sldId id="317" r:id="rId10"/>
-    <p:sldId id="350" r:id="rId11"/>
-    <p:sldId id="344" r:id="rId12"/>
-    <p:sldId id="346" r:id="rId13"/>
-    <p:sldId id="341" r:id="rId14"/>
+    <p:sldId id="339" r:id="rId9"/>
+    <p:sldId id="349" r:id="rId10"/>
+    <p:sldId id="317" r:id="rId11"/>
+    <p:sldId id="350" r:id="rId12"/>
+    <p:sldId id="344" r:id="rId13"/>
+    <p:sldId id="346" r:id="rId14"/>
+    <p:sldId id="341" r:id="rId15"/>
   </p:sldIdLst>
   <p:sldSz cx="9144000" cy="5143500" type="screen16x9"/>
   <p:notesSz cx="6858000" cy="9144000"/>
@@ -242,7 +243,7 @@
           <a:p>
             <a:fld id="{684ABEAC-FD1E-446D-854E-09142DFB339C}" type="datetimeFigureOut">
               <a:rPr lang="ko-KR" altLang="en-US" smtClean="0"/>
-              <a:t>2025-01-24</a:t>
+              <a:t>2025-02-07</a:t>
             </a:fld>
             <a:endParaRPr lang="ko-KR" altLang="en-US"/>
           </a:p>
@@ -407,7 +408,7 @@
           <a:p>
             <a:fld id="{E299D967-67B2-4132-B52D-A253871A1F24}" type="datetimeFigureOut">
               <a:rPr lang="ko-KR" altLang="en-US" smtClean="0"/>
-              <a:t>2025-01-24</a:t>
+              <a:t>2025-02-07</a:t>
             </a:fld>
             <a:endParaRPr lang="ko-KR" altLang="en-US"/>
           </a:p>
@@ -1249,7 +1250,7 @@
           <a:p>
             <a:fld id="{20303F18-CB98-4E85-A37B-EF5A4E6C8DE7}" type="datetime1">
               <a:rPr lang="ko-KR" altLang="en-US" smtClean="0"/>
-              <a:t>2025-01-24</a:t>
+              <a:t>2025-02-07</a:t>
             </a:fld>
             <a:endParaRPr lang="ko-KR" altLang="en-US"/>
           </a:p>
@@ -1422,7 +1423,7 @@
           <a:p>
             <a:fld id="{CCA16C65-58A5-46D5-A762-12670B92641B}" type="datetime1">
               <a:rPr lang="ko-KR" altLang="en-US" smtClean="0"/>
-              <a:t>2025-01-24</a:t>
+              <a:t>2025-02-07</a:t>
             </a:fld>
             <a:endParaRPr lang="ko-KR" altLang="en-US"/>
           </a:p>
@@ -1600,7 +1601,7 @@
           <a:p>
             <a:fld id="{2D09A68A-AC6E-41FE-B28C-2BB812CC2E01}" type="datetime1">
               <a:rPr lang="ko-KR" altLang="en-US" smtClean="0"/>
-              <a:t>2025-01-24</a:t>
+              <a:t>2025-02-07</a:t>
             </a:fld>
             <a:endParaRPr lang="ko-KR" altLang="en-US"/>
           </a:p>
@@ -1768,7 +1769,7 @@
           <a:p>
             <a:fld id="{690B8B09-A0F3-4880-B090-7FDDEE5B5065}" type="datetime1">
               <a:rPr lang="ko-KR" altLang="en-US" smtClean="0"/>
-              <a:t>2025-01-24</a:t>
+              <a:t>2025-02-07</a:t>
             </a:fld>
             <a:endParaRPr lang="ko-KR" altLang="en-US"/>
           </a:p>
@@ -2013,7 +2014,7 @@
           <a:p>
             <a:fld id="{82F7D3F4-816B-4FA6-91FC-91836ECD0E53}" type="datetime1">
               <a:rPr lang="ko-KR" altLang="en-US" smtClean="0"/>
-              <a:t>2025-01-24</a:t>
+              <a:t>2025-02-07</a:t>
             </a:fld>
             <a:endParaRPr lang="ko-KR" altLang="en-US"/>
           </a:p>
@@ -2298,7 +2299,7 @@
           <a:p>
             <a:fld id="{2FB9FCFF-984A-4549-AB53-391F9EC1244A}" type="datetime1">
               <a:rPr lang="ko-KR" altLang="en-US" smtClean="0"/>
-              <a:t>2025-01-24</a:t>
+              <a:t>2025-02-07</a:t>
             </a:fld>
             <a:endParaRPr lang="ko-KR" altLang="en-US"/>
           </a:p>
@@ -2717,7 +2718,7 @@
           <a:p>
             <a:fld id="{94618DE4-C4FE-4171-90C7-38CF01638033}" type="datetime1">
               <a:rPr lang="ko-KR" altLang="en-US" smtClean="0"/>
-              <a:t>2025-01-24</a:t>
+              <a:t>2025-02-07</a:t>
             </a:fld>
             <a:endParaRPr lang="ko-KR" altLang="en-US"/>
           </a:p>
@@ -2834,7 +2835,7 @@
           <a:p>
             <a:fld id="{33587621-9D18-4C20-9B84-3E938621A025}" type="datetime1">
               <a:rPr lang="ko-KR" altLang="en-US" smtClean="0"/>
-              <a:t>2025-01-24</a:t>
+              <a:t>2025-02-07</a:t>
             </a:fld>
             <a:endParaRPr lang="ko-KR" altLang="en-US"/>
           </a:p>
@@ -3279,7 +3280,7 @@
           <a:p>
             <a:fld id="{B517649B-2577-404C-858E-51E9DEBB2548}" type="datetime1">
               <a:rPr lang="ko-KR" altLang="en-US" smtClean="0"/>
-              <a:t>2025-01-24</a:t>
+              <a:t>2025-02-07</a:t>
             </a:fld>
             <a:endParaRPr lang="ko-KR" altLang="en-US"/>
           </a:p>
@@ -3531,7 +3532,7 @@
           <a:p>
             <a:fld id="{8D84C674-EF46-4F27-9E3E-4F6A170B0DC6}" type="datetime1">
               <a:rPr lang="ko-KR" altLang="en-US" smtClean="0"/>
-              <a:t>2025-01-24</a:t>
+              <a:t>2025-02-07</a:t>
             </a:fld>
             <a:endParaRPr lang="ko-KR" altLang="en-US"/>
           </a:p>
@@ -3742,7 +3743,7 @@
           <a:p>
             <a:fld id="{B40F11ED-9D7B-4CCE-A57D-CC1D7760FB25}" type="datetime1">
               <a:rPr lang="ko-KR" altLang="en-US" smtClean="0"/>
-              <a:t>2025-01-24</a:t>
+              <a:t>2025-02-07</a:t>
             </a:fld>
             <a:endParaRPr lang="ko-KR" altLang="en-US"/>
           </a:p>
@@ -4584,6 +4585,2708 @@
               <a:rPr lang="ko-KR" altLang="en-US" smtClean="0"/>
               <a:pPr/>
               <a:t>10</a:t>
+            </a:fld>
+            <a:endParaRPr lang="ko-KR" altLang="en-US" dirty="0"/>
+          </a:p>
+        </p:txBody>
+      </p:sp>
+      <p:sp>
+        <p:nvSpPr>
+          <p:cNvPr id="3" name="TextBox 2"/>
+          <p:cNvSpPr txBox="1"/>
+          <p:nvPr/>
+        </p:nvSpPr>
+        <p:spPr>
+          <a:xfrm>
+            <a:off x="285792" y="86430"/>
+            <a:ext cx="2203301" cy="300082"/>
+          </a:xfrm>
+          <a:prstGeom prst="rect">
+            <a:avLst/>
+          </a:prstGeom>
+          <a:noFill/>
+        </p:spPr>
+        <p:txBody>
+          <a:bodyPr wrap="square" rtlCol="0">
+            <a:spAutoFit/>
+          </a:bodyPr>
+          <a:lstStyle/>
+          <a:p>
+            <a:r>
+              <a:rPr lang="ko-KR" altLang="en-US" sz="1350" b="1">
+                <a:solidFill>
+                  <a:srgbClr val="756B5F"/>
+                </a:solidFill>
+              </a:rPr>
+              <a:t>작업분할구조도</a:t>
+            </a:r>
+            <a:endParaRPr lang="ko-KR" altLang="en-US" sz="1350" b="1" dirty="0">
+              <a:solidFill>
+                <a:srgbClr val="756B5F"/>
+              </a:solidFill>
+            </a:endParaRPr>
+          </a:p>
+        </p:txBody>
+      </p:sp>
+      <p:sp>
+        <p:nvSpPr>
+          <p:cNvPr id="5" name="직사각형 4"/>
+          <p:cNvSpPr/>
+          <p:nvPr/>
+        </p:nvSpPr>
+        <p:spPr>
+          <a:xfrm>
+            <a:off x="4247934" y="632680"/>
+            <a:ext cx="594096" cy="243000"/>
+          </a:xfrm>
+          <a:prstGeom prst="rect">
+            <a:avLst/>
+          </a:prstGeom>
+          <a:solidFill>
+            <a:srgbClr val="987C4D"/>
+          </a:solidFill>
+          <a:ln>
+            <a:solidFill>
+              <a:srgbClr val="987C4D"/>
+            </a:solidFill>
+          </a:ln>
+        </p:spPr>
+        <p:style>
+          <a:lnRef idx="2">
+            <a:schemeClr val="accent1">
+              <a:shade val="50000"/>
+            </a:schemeClr>
+          </a:lnRef>
+          <a:fillRef idx="1">
+            <a:schemeClr val="accent1"/>
+          </a:fillRef>
+          <a:effectRef idx="0">
+            <a:schemeClr val="accent1"/>
+          </a:effectRef>
+          <a:fontRef idx="minor">
+            <a:schemeClr val="lt1"/>
+          </a:fontRef>
+        </p:style>
+        <p:txBody>
+          <a:bodyPr rot="0" spcFirstLastPara="0" vertOverflow="overflow" horzOverflow="overflow" vert="horz" wrap="square" lIns="0" tIns="0" rIns="0" bIns="0" numCol="1" spcCol="0" rtlCol="0" fromWordArt="0" anchor="ctr" anchorCtr="0" forceAA="0" compatLnSpc="1">
+            <a:prstTxWarp prst="textNoShape">
+              <a:avLst/>
+            </a:prstTxWarp>
+            <a:noAutofit/>
+          </a:bodyPr>
+          <a:lstStyle/>
+          <a:p>
+            <a:pPr algn="ctr"/>
+            <a:r>
+              <a:rPr lang="en-US" altLang="ko-KR" sz="750" b="1" dirty="0"/>
+              <a:t>LAS*</a:t>
+            </a:r>
+            <a:endParaRPr lang="ko-KR" altLang="en-US" sz="750" b="1" dirty="0"/>
+          </a:p>
+        </p:txBody>
+      </p:sp>
+      <p:sp>
+        <p:nvSpPr>
+          <p:cNvPr id="9" name="직사각형 8"/>
+          <p:cNvSpPr/>
+          <p:nvPr/>
+        </p:nvSpPr>
+        <p:spPr>
+          <a:xfrm>
+            <a:off x="1169622" y="1577812"/>
+            <a:ext cx="432000" cy="243000"/>
+          </a:xfrm>
+          <a:prstGeom prst="rect">
+            <a:avLst/>
+          </a:prstGeom>
+          <a:solidFill>
+            <a:srgbClr val="987C4D">
+              <a:alpha val="70000"/>
+            </a:srgbClr>
+          </a:solidFill>
+          <a:ln>
+            <a:noFill/>
+          </a:ln>
+        </p:spPr>
+        <p:style>
+          <a:lnRef idx="2">
+            <a:schemeClr val="accent1">
+              <a:shade val="50000"/>
+            </a:schemeClr>
+          </a:lnRef>
+          <a:fillRef idx="1">
+            <a:schemeClr val="accent1"/>
+          </a:fillRef>
+          <a:effectRef idx="0">
+            <a:schemeClr val="accent1"/>
+          </a:effectRef>
+          <a:fontRef idx="minor">
+            <a:schemeClr val="lt1"/>
+          </a:fontRef>
+        </p:style>
+        <p:txBody>
+          <a:bodyPr rot="0" spcFirstLastPara="0" vertOverflow="overflow" horzOverflow="overflow" vert="horz" wrap="square" lIns="0" tIns="0" rIns="0" bIns="0" numCol="1" spcCol="0" rtlCol="0" fromWordArt="0" anchor="ctr" anchorCtr="0" forceAA="0" compatLnSpc="1">
+            <a:prstTxWarp prst="textNoShape">
+              <a:avLst/>
+            </a:prstTxWarp>
+            <a:noAutofit/>
+          </a:bodyPr>
+          <a:lstStyle/>
+          <a:p>
+            <a:pPr algn="ctr"/>
+            <a:r>
+              <a:rPr lang="ko-KR" altLang="en-US" sz="750" b="1" dirty="0"/>
+              <a:t>이용자</a:t>
+            </a:r>
+          </a:p>
+        </p:txBody>
+      </p:sp>
+      <p:sp>
+        <p:nvSpPr>
+          <p:cNvPr id="10" name="직사각형 9"/>
+          <p:cNvSpPr/>
+          <p:nvPr/>
+        </p:nvSpPr>
+        <p:spPr>
+          <a:xfrm>
+            <a:off x="6084168" y="1592744"/>
+            <a:ext cx="432000" cy="243000"/>
+          </a:xfrm>
+          <a:prstGeom prst="rect">
+            <a:avLst/>
+          </a:prstGeom>
+          <a:solidFill>
+            <a:srgbClr val="987C4D"/>
+          </a:solidFill>
+          <a:ln>
+            <a:solidFill>
+              <a:srgbClr val="987C4D"/>
+            </a:solidFill>
+          </a:ln>
+        </p:spPr>
+        <p:style>
+          <a:lnRef idx="2">
+            <a:schemeClr val="accent1">
+              <a:shade val="50000"/>
+            </a:schemeClr>
+          </a:lnRef>
+          <a:fillRef idx="1">
+            <a:schemeClr val="accent1"/>
+          </a:fillRef>
+          <a:effectRef idx="0">
+            <a:schemeClr val="accent1"/>
+          </a:effectRef>
+          <a:fontRef idx="minor">
+            <a:schemeClr val="lt1"/>
+          </a:fontRef>
+        </p:style>
+        <p:txBody>
+          <a:bodyPr rot="0" spcFirstLastPara="0" vertOverflow="overflow" horzOverflow="overflow" vert="horz" wrap="square" lIns="0" tIns="0" rIns="0" bIns="0" numCol="1" spcCol="0" rtlCol="0" fromWordArt="0" anchor="ctr" anchorCtr="0" forceAA="0" compatLnSpc="1">
+            <a:prstTxWarp prst="textNoShape">
+              <a:avLst/>
+            </a:prstTxWarp>
+            <a:noAutofit/>
+          </a:bodyPr>
+          <a:lstStyle/>
+          <a:p>
+            <a:pPr algn="ctr"/>
+            <a:r>
+              <a:rPr lang="ko-KR" altLang="en-US" sz="750" b="1" dirty="0"/>
+              <a:t>관리자</a:t>
+            </a:r>
+          </a:p>
+        </p:txBody>
+      </p:sp>
+      <p:sp>
+        <p:nvSpPr>
+          <p:cNvPr id="11" name="직사각형 10"/>
+          <p:cNvSpPr/>
+          <p:nvPr/>
+        </p:nvSpPr>
+        <p:spPr>
+          <a:xfrm>
+            <a:off x="5976186" y="2215761"/>
+            <a:ext cx="270000" cy="378000"/>
+          </a:xfrm>
+          <a:prstGeom prst="rect">
+            <a:avLst/>
+          </a:prstGeom>
+          <a:solidFill>
+            <a:srgbClr val="987C4D"/>
+          </a:solidFill>
+          <a:ln>
+            <a:solidFill>
+              <a:srgbClr val="987C4D"/>
+            </a:solidFill>
+          </a:ln>
+        </p:spPr>
+        <p:style>
+          <a:lnRef idx="2">
+            <a:schemeClr val="accent1">
+              <a:shade val="50000"/>
+            </a:schemeClr>
+          </a:lnRef>
+          <a:fillRef idx="1">
+            <a:schemeClr val="accent1"/>
+          </a:fillRef>
+          <a:effectRef idx="0">
+            <a:schemeClr val="accent1"/>
+          </a:effectRef>
+          <a:fontRef idx="minor">
+            <a:schemeClr val="lt1"/>
+          </a:fontRef>
+        </p:style>
+        <p:txBody>
+          <a:bodyPr rot="0" spcFirstLastPara="0" vertOverflow="overflow" horzOverflow="overflow" vert="horz" wrap="square" lIns="0" tIns="0" rIns="0" bIns="0" numCol="1" spcCol="0" rtlCol="0" fromWordArt="0" anchor="ctr" anchorCtr="0" forceAA="0" compatLnSpc="1">
+            <a:prstTxWarp prst="textNoShape">
+              <a:avLst/>
+            </a:prstTxWarp>
+            <a:noAutofit/>
+          </a:bodyPr>
+          <a:lstStyle/>
+          <a:p>
+            <a:pPr algn="ctr"/>
+            <a:r>
+              <a:rPr lang="ko-KR" altLang="en-US" sz="750" b="1" dirty="0"/>
+              <a:t>공지사항</a:t>
+            </a:r>
+          </a:p>
+        </p:txBody>
+      </p:sp>
+      <p:sp>
+        <p:nvSpPr>
+          <p:cNvPr id="12" name="직사각형 11"/>
+          <p:cNvSpPr/>
+          <p:nvPr/>
+        </p:nvSpPr>
+        <p:spPr>
+          <a:xfrm>
+            <a:off x="1601671" y="2265371"/>
+            <a:ext cx="323116" cy="378000"/>
+          </a:xfrm>
+          <a:prstGeom prst="rect">
+            <a:avLst/>
+          </a:prstGeom>
+          <a:solidFill>
+            <a:srgbClr val="987C4D"/>
+          </a:solidFill>
+          <a:ln>
+            <a:solidFill>
+              <a:srgbClr val="987C4D"/>
+            </a:solidFill>
+          </a:ln>
+        </p:spPr>
+        <p:style>
+          <a:lnRef idx="2">
+            <a:schemeClr val="accent1">
+              <a:shade val="50000"/>
+            </a:schemeClr>
+          </a:lnRef>
+          <a:fillRef idx="1">
+            <a:schemeClr val="accent1"/>
+          </a:fillRef>
+          <a:effectRef idx="0">
+            <a:schemeClr val="accent1"/>
+          </a:effectRef>
+          <a:fontRef idx="minor">
+            <a:schemeClr val="lt1"/>
+          </a:fontRef>
+        </p:style>
+        <p:txBody>
+          <a:bodyPr rot="0" spcFirstLastPara="0" vertOverflow="overflow" horzOverflow="overflow" vert="horz" wrap="square" lIns="0" tIns="0" rIns="0" bIns="0" numCol="1" spcCol="0" rtlCol="0" fromWordArt="0" anchor="ctr" anchorCtr="0" forceAA="0" compatLnSpc="1">
+            <a:prstTxWarp prst="textNoShape">
+              <a:avLst/>
+            </a:prstTxWarp>
+            <a:noAutofit/>
+          </a:bodyPr>
+          <a:lstStyle/>
+          <a:p>
+            <a:pPr algn="ctr"/>
+            <a:r>
+              <a:rPr lang="ko-KR" altLang="en-US" sz="750" b="1" dirty="0"/>
+              <a:t>관리자관리</a:t>
+            </a:r>
+          </a:p>
+        </p:txBody>
+      </p:sp>
+      <p:sp>
+        <p:nvSpPr>
+          <p:cNvPr id="13" name="직사각형 12"/>
+          <p:cNvSpPr/>
+          <p:nvPr/>
+        </p:nvSpPr>
+        <p:spPr>
+          <a:xfrm>
+            <a:off x="2890380" y="2240566"/>
+            <a:ext cx="270000" cy="378000"/>
+          </a:xfrm>
+          <a:prstGeom prst="rect">
+            <a:avLst/>
+          </a:prstGeom>
+          <a:solidFill>
+            <a:srgbClr val="987C4D"/>
+          </a:solidFill>
+          <a:ln>
+            <a:solidFill>
+              <a:srgbClr val="987C4D"/>
+            </a:solidFill>
+          </a:ln>
+        </p:spPr>
+        <p:style>
+          <a:lnRef idx="2">
+            <a:schemeClr val="accent1">
+              <a:shade val="50000"/>
+            </a:schemeClr>
+          </a:lnRef>
+          <a:fillRef idx="1">
+            <a:schemeClr val="accent1"/>
+          </a:fillRef>
+          <a:effectRef idx="0">
+            <a:schemeClr val="accent1"/>
+          </a:effectRef>
+          <a:fontRef idx="minor">
+            <a:schemeClr val="lt1"/>
+          </a:fontRef>
+        </p:style>
+        <p:txBody>
+          <a:bodyPr rot="0" spcFirstLastPara="0" vertOverflow="overflow" horzOverflow="overflow" vert="horz" wrap="square" lIns="0" tIns="0" rIns="0" bIns="0" numCol="1" spcCol="0" rtlCol="0" fromWordArt="0" anchor="ctr" anchorCtr="0" forceAA="0" compatLnSpc="1">
+            <a:prstTxWarp prst="textNoShape">
+              <a:avLst/>
+            </a:prstTxWarp>
+            <a:noAutofit/>
+          </a:bodyPr>
+          <a:lstStyle/>
+          <a:p>
+            <a:pPr algn="ctr"/>
+            <a:r>
+              <a:rPr lang="ko-KR" altLang="en-US" sz="750" b="1" dirty="0"/>
+              <a:t>회원</a:t>
+            </a:r>
+            <a:endParaRPr lang="en-US" altLang="ko-KR" sz="750" b="1" dirty="0"/>
+          </a:p>
+          <a:p>
+            <a:pPr algn="ctr"/>
+            <a:r>
+              <a:rPr lang="ko-KR" altLang="en-US" sz="750" b="1" dirty="0"/>
+              <a:t>관리</a:t>
+            </a:r>
+          </a:p>
+        </p:txBody>
+      </p:sp>
+      <p:sp>
+        <p:nvSpPr>
+          <p:cNvPr id="14" name="직사각형 13"/>
+          <p:cNvSpPr/>
+          <p:nvPr/>
+        </p:nvSpPr>
+        <p:spPr>
+          <a:xfrm>
+            <a:off x="4626006" y="2215761"/>
+            <a:ext cx="270000" cy="378000"/>
+          </a:xfrm>
+          <a:prstGeom prst="rect">
+            <a:avLst/>
+          </a:prstGeom>
+          <a:solidFill>
+            <a:srgbClr val="987C4D"/>
+          </a:solidFill>
+          <a:ln>
+            <a:solidFill>
+              <a:srgbClr val="987C4D"/>
+            </a:solidFill>
+          </a:ln>
+        </p:spPr>
+        <p:style>
+          <a:lnRef idx="2">
+            <a:schemeClr val="accent1">
+              <a:shade val="50000"/>
+            </a:schemeClr>
+          </a:lnRef>
+          <a:fillRef idx="1">
+            <a:schemeClr val="accent1"/>
+          </a:fillRef>
+          <a:effectRef idx="0">
+            <a:schemeClr val="accent1"/>
+          </a:effectRef>
+          <a:fontRef idx="minor">
+            <a:schemeClr val="lt1"/>
+          </a:fontRef>
+        </p:style>
+        <p:txBody>
+          <a:bodyPr rot="0" spcFirstLastPara="0" vertOverflow="overflow" horzOverflow="overflow" vert="horz" wrap="square" lIns="0" tIns="0" rIns="0" bIns="0" numCol="1" spcCol="0" rtlCol="0" fromWordArt="0" anchor="ctr" anchorCtr="0" forceAA="0" compatLnSpc="1">
+            <a:prstTxWarp prst="textNoShape">
+              <a:avLst/>
+            </a:prstTxWarp>
+            <a:noAutofit/>
+          </a:bodyPr>
+          <a:lstStyle/>
+          <a:p>
+            <a:pPr algn="ctr"/>
+            <a:r>
+              <a:rPr lang="ko-KR" altLang="en-US" sz="750" b="1" dirty="0"/>
+              <a:t>도서관리</a:t>
+            </a:r>
+          </a:p>
+        </p:txBody>
+      </p:sp>
+      <p:sp>
+        <p:nvSpPr>
+          <p:cNvPr id="15" name="직사각형 14"/>
+          <p:cNvSpPr/>
+          <p:nvPr/>
+        </p:nvSpPr>
+        <p:spPr>
+          <a:xfrm>
+            <a:off x="7272330" y="2215761"/>
+            <a:ext cx="270000" cy="378000"/>
+          </a:xfrm>
+          <a:prstGeom prst="rect">
+            <a:avLst/>
+          </a:prstGeom>
+          <a:solidFill>
+            <a:srgbClr val="987C4D"/>
+          </a:solidFill>
+          <a:ln>
+            <a:solidFill>
+              <a:srgbClr val="987C4D"/>
+            </a:solidFill>
+          </a:ln>
+        </p:spPr>
+        <p:style>
+          <a:lnRef idx="2">
+            <a:schemeClr val="accent1">
+              <a:shade val="50000"/>
+            </a:schemeClr>
+          </a:lnRef>
+          <a:fillRef idx="1">
+            <a:schemeClr val="accent1"/>
+          </a:fillRef>
+          <a:effectRef idx="0">
+            <a:schemeClr val="accent1"/>
+          </a:effectRef>
+          <a:fontRef idx="minor">
+            <a:schemeClr val="lt1"/>
+          </a:fontRef>
+        </p:style>
+        <p:txBody>
+          <a:bodyPr rot="0" spcFirstLastPara="0" vertOverflow="overflow" horzOverflow="overflow" vert="horz" wrap="square" lIns="0" tIns="0" rIns="0" bIns="0" numCol="1" spcCol="0" rtlCol="0" fromWordArt="0" anchor="ctr" anchorCtr="0" forceAA="0" compatLnSpc="1">
+            <a:prstTxWarp prst="textNoShape">
+              <a:avLst/>
+            </a:prstTxWarp>
+            <a:noAutofit/>
+          </a:bodyPr>
+          <a:lstStyle/>
+          <a:p>
+            <a:pPr algn="ctr"/>
+            <a:r>
+              <a:rPr lang="ko-KR" altLang="en-US" sz="750" b="1" dirty="0"/>
+              <a:t>통계</a:t>
+            </a:r>
+          </a:p>
+        </p:txBody>
+      </p:sp>
+      <p:sp>
+        <p:nvSpPr>
+          <p:cNvPr id="16" name="직사각형 15"/>
+          <p:cNvSpPr/>
+          <p:nvPr/>
+        </p:nvSpPr>
+        <p:spPr>
+          <a:xfrm>
+            <a:off x="3815946" y="2214218"/>
+            <a:ext cx="270000" cy="378000"/>
+          </a:xfrm>
+          <a:prstGeom prst="rect">
+            <a:avLst/>
+          </a:prstGeom>
+          <a:solidFill>
+            <a:srgbClr val="987C4D"/>
+          </a:solidFill>
+          <a:ln>
+            <a:solidFill>
+              <a:srgbClr val="987C4D"/>
+            </a:solidFill>
+          </a:ln>
+        </p:spPr>
+        <p:style>
+          <a:lnRef idx="2">
+            <a:schemeClr val="accent1">
+              <a:shade val="50000"/>
+            </a:schemeClr>
+          </a:lnRef>
+          <a:fillRef idx="1">
+            <a:schemeClr val="accent1"/>
+          </a:fillRef>
+          <a:effectRef idx="0">
+            <a:schemeClr val="accent1"/>
+          </a:effectRef>
+          <a:fontRef idx="minor">
+            <a:schemeClr val="lt1"/>
+          </a:fontRef>
+        </p:style>
+        <p:txBody>
+          <a:bodyPr rot="0" spcFirstLastPara="0" vertOverflow="overflow" horzOverflow="overflow" vert="horz" wrap="square" lIns="0" tIns="0" rIns="0" bIns="0" numCol="1" spcCol="0" rtlCol="0" fromWordArt="0" anchor="ctr" anchorCtr="0" forceAA="0" compatLnSpc="1">
+            <a:prstTxWarp prst="textNoShape">
+              <a:avLst/>
+            </a:prstTxWarp>
+            <a:noAutofit/>
+          </a:bodyPr>
+          <a:lstStyle/>
+          <a:p>
+            <a:pPr algn="ctr"/>
+            <a:r>
+              <a:rPr lang="ko-KR" altLang="en-US" sz="750" b="1" dirty="0"/>
+              <a:t>대출</a:t>
+            </a:r>
+            <a:endParaRPr lang="en-US" altLang="ko-KR" sz="750" b="1" dirty="0"/>
+          </a:p>
+          <a:p>
+            <a:pPr algn="ctr"/>
+            <a:r>
+              <a:rPr lang="ko-KR" altLang="en-US" sz="750" b="1" dirty="0"/>
+              <a:t>반납</a:t>
+            </a:r>
+          </a:p>
+        </p:txBody>
+      </p:sp>
+      <p:sp>
+        <p:nvSpPr>
+          <p:cNvPr id="17" name="직사각형 16"/>
+          <p:cNvSpPr/>
+          <p:nvPr/>
+        </p:nvSpPr>
+        <p:spPr>
+          <a:xfrm>
+            <a:off x="5506945" y="3346926"/>
+            <a:ext cx="270000" cy="378000"/>
+          </a:xfrm>
+          <a:prstGeom prst="rect">
+            <a:avLst/>
+          </a:prstGeom>
+          <a:solidFill>
+            <a:srgbClr val="CDC1B6"/>
+          </a:solidFill>
+          <a:ln>
+            <a:solidFill>
+              <a:srgbClr val="CDC1B6"/>
+            </a:solidFill>
+          </a:ln>
+        </p:spPr>
+        <p:style>
+          <a:lnRef idx="2">
+            <a:schemeClr val="accent1">
+              <a:shade val="50000"/>
+            </a:schemeClr>
+          </a:lnRef>
+          <a:fillRef idx="1">
+            <a:schemeClr val="accent1"/>
+          </a:fillRef>
+          <a:effectRef idx="0">
+            <a:schemeClr val="accent1"/>
+          </a:effectRef>
+          <a:fontRef idx="minor">
+            <a:schemeClr val="lt1"/>
+          </a:fontRef>
+        </p:style>
+        <p:txBody>
+          <a:bodyPr rot="0" spcFirstLastPara="0" vertOverflow="overflow" horzOverflow="overflow" vert="horz" wrap="square" lIns="0" tIns="0" rIns="0" bIns="0" numCol="1" spcCol="0" rtlCol="0" fromWordArt="0" anchor="ctr" anchorCtr="0" forceAA="0" compatLnSpc="1">
+            <a:prstTxWarp prst="textNoShape">
+              <a:avLst/>
+            </a:prstTxWarp>
+            <a:noAutofit/>
+          </a:bodyPr>
+          <a:lstStyle/>
+          <a:p>
+            <a:pPr algn="ctr"/>
+            <a:r>
+              <a:rPr lang="ko-KR" altLang="en-US" sz="750" b="1" dirty="0" err="1">
+                <a:solidFill>
+                  <a:schemeClr val="tx1"/>
+                </a:solidFill>
+              </a:rPr>
+              <a:t>글작성</a:t>
+            </a:r>
+            <a:endParaRPr lang="ko-KR" altLang="en-US" sz="750" b="1" dirty="0">
+              <a:solidFill>
+                <a:schemeClr val="tx1"/>
+              </a:solidFill>
+            </a:endParaRPr>
+          </a:p>
+        </p:txBody>
+      </p:sp>
+      <p:sp>
+        <p:nvSpPr>
+          <p:cNvPr id="18" name="직사각형 17"/>
+          <p:cNvSpPr/>
+          <p:nvPr/>
+        </p:nvSpPr>
+        <p:spPr>
+          <a:xfrm>
+            <a:off x="1817724" y="3330209"/>
+            <a:ext cx="270000" cy="378000"/>
+          </a:xfrm>
+          <a:prstGeom prst="rect">
+            <a:avLst/>
+          </a:prstGeom>
+          <a:solidFill>
+            <a:srgbClr val="CDC1B6"/>
+          </a:solidFill>
+          <a:ln>
+            <a:solidFill>
+              <a:srgbClr val="CDC1B6"/>
+            </a:solidFill>
+          </a:ln>
+        </p:spPr>
+        <p:style>
+          <a:lnRef idx="2">
+            <a:schemeClr val="accent1">
+              <a:shade val="50000"/>
+            </a:schemeClr>
+          </a:lnRef>
+          <a:fillRef idx="1">
+            <a:schemeClr val="accent1"/>
+          </a:fillRef>
+          <a:effectRef idx="0">
+            <a:schemeClr val="accent1"/>
+          </a:effectRef>
+          <a:fontRef idx="minor">
+            <a:schemeClr val="lt1"/>
+          </a:fontRef>
+        </p:style>
+        <p:txBody>
+          <a:bodyPr rot="0" spcFirstLastPara="0" vertOverflow="overflow" horzOverflow="overflow" vert="horz" wrap="square" lIns="0" tIns="0" rIns="0" bIns="0" numCol="1" spcCol="0" rtlCol="0" fromWordArt="0" anchor="ctr" anchorCtr="0" forceAA="0" compatLnSpc="1">
+            <a:prstTxWarp prst="textNoShape">
+              <a:avLst/>
+            </a:prstTxWarp>
+            <a:noAutofit/>
+          </a:bodyPr>
+          <a:lstStyle/>
+          <a:p>
+            <a:pPr algn="ctr"/>
+            <a:r>
+              <a:rPr lang="ko-KR" altLang="en-US" sz="750" b="1" dirty="0">
+                <a:solidFill>
+                  <a:schemeClr val="tx1"/>
+                </a:solidFill>
+              </a:rPr>
+              <a:t>사서</a:t>
+            </a:r>
+            <a:endParaRPr lang="en-US" altLang="ko-KR" sz="750" b="1" dirty="0">
+              <a:solidFill>
+                <a:schemeClr val="tx1"/>
+              </a:solidFill>
+            </a:endParaRPr>
+          </a:p>
+          <a:p>
+            <a:pPr algn="ctr"/>
+            <a:r>
+              <a:rPr lang="ko-KR" altLang="en-US" sz="750" b="1" dirty="0">
+                <a:solidFill>
+                  <a:schemeClr val="tx1"/>
+                </a:solidFill>
+              </a:rPr>
+              <a:t>삭제</a:t>
+            </a:r>
+          </a:p>
+        </p:txBody>
+      </p:sp>
+      <p:sp>
+        <p:nvSpPr>
+          <p:cNvPr id="19" name="직사각형 18"/>
+          <p:cNvSpPr/>
+          <p:nvPr/>
+        </p:nvSpPr>
+        <p:spPr>
+          <a:xfrm>
+            <a:off x="2889052" y="3342620"/>
+            <a:ext cx="270000" cy="378000"/>
+          </a:xfrm>
+          <a:prstGeom prst="rect">
+            <a:avLst/>
+          </a:prstGeom>
+          <a:solidFill>
+            <a:srgbClr val="CDC1B6"/>
+          </a:solidFill>
+          <a:ln>
+            <a:solidFill>
+              <a:srgbClr val="CDC1B6"/>
+            </a:solidFill>
+          </a:ln>
+        </p:spPr>
+        <p:style>
+          <a:lnRef idx="2">
+            <a:schemeClr val="accent1">
+              <a:shade val="50000"/>
+            </a:schemeClr>
+          </a:lnRef>
+          <a:fillRef idx="1">
+            <a:schemeClr val="accent1"/>
+          </a:fillRef>
+          <a:effectRef idx="0">
+            <a:schemeClr val="accent1"/>
+          </a:effectRef>
+          <a:fontRef idx="minor">
+            <a:schemeClr val="lt1"/>
+          </a:fontRef>
+        </p:style>
+        <p:txBody>
+          <a:bodyPr rot="0" spcFirstLastPara="0" vertOverflow="overflow" horzOverflow="overflow" vert="horz" wrap="square" lIns="0" tIns="0" rIns="0" bIns="0" numCol="1" spcCol="0" rtlCol="0" fromWordArt="0" anchor="ctr" anchorCtr="0" forceAA="0" compatLnSpc="1">
+            <a:prstTxWarp prst="textNoShape">
+              <a:avLst/>
+            </a:prstTxWarp>
+            <a:noAutofit/>
+          </a:bodyPr>
+          <a:lstStyle/>
+          <a:p>
+            <a:pPr algn="ctr"/>
+            <a:r>
+              <a:rPr lang="ko-KR" altLang="en-US" sz="750" b="1" dirty="0">
+                <a:solidFill>
+                  <a:schemeClr val="tx1"/>
+                </a:solidFill>
+              </a:rPr>
+              <a:t>회원</a:t>
+            </a:r>
+            <a:endParaRPr lang="en-US" altLang="ko-KR" sz="750" b="1" dirty="0">
+              <a:solidFill>
+                <a:schemeClr val="tx1"/>
+              </a:solidFill>
+            </a:endParaRPr>
+          </a:p>
+          <a:p>
+            <a:pPr algn="ctr"/>
+            <a:r>
+              <a:rPr lang="ko-KR" altLang="en-US" sz="750" b="1" dirty="0">
+                <a:solidFill>
+                  <a:schemeClr val="tx1"/>
+                </a:solidFill>
+              </a:rPr>
+              <a:t>강등</a:t>
+            </a:r>
+          </a:p>
+        </p:txBody>
+      </p:sp>
+      <p:sp>
+        <p:nvSpPr>
+          <p:cNvPr id="20" name="직사각형 19"/>
+          <p:cNvSpPr/>
+          <p:nvPr/>
+        </p:nvSpPr>
+        <p:spPr>
+          <a:xfrm>
+            <a:off x="4464018" y="3317181"/>
+            <a:ext cx="270000" cy="378000"/>
+          </a:xfrm>
+          <a:prstGeom prst="rect">
+            <a:avLst/>
+          </a:prstGeom>
+          <a:solidFill>
+            <a:srgbClr val="CDC1B6"/>
+          </a:solidFill>
+          <a:ln>
+            <a:solidFill>
+              <a:srgbClr val="CDC1B6"/>
+            </a:solidFill>
+          </a:ln>
+        </p:spPr>
+        <p:style>
+          <a:lnRef idx="2">
+            <a:schemeClr val="accent1">
+              <a:shade val="50000"/>
+            </a:schemeClr>
+          </a:lnRef>
+          <a:fillRef idx="1">
+            <a:schemeClr val="accent1"/>
+          </a:fillRef>
+          <a:effectRef idx="0">
+            <a:schemeClr val="accent1"/>
+          </a:effectRef>
+          <a:fontRef idx="minor">
+            <a:schemeClr val="lt1"/>
+          </a:fontRef>
+        </p:style>
+        <p:txBody>
+          <a:bodyPr rot="0" spcFirstLastPara="0" vertOverflow="overflow" horzOverflow="overflow" vert="horz" wrap="square" lIns="0" tIns="0" rIns="0" bIns="0" numCol="1" spcCol="0" rtlCol="0" fromWordArt="0" anchor="ctr" anchorCtr="0" forceAA="0" compatLnSpc="1">
+            <a:prstTxWarp prst="textNoShape">
+              <a:avLst/>
+            </a:prstTxWarp>
+            <a:noAutofit/>
+          </a:bodyPr>
+          <a:lstStyle/>
+          <a:p>
+            <a:pPr algn="ctr"/>
+            <a:r>
+              <a:rPr lang="ko-KR" altLang="en-US" sz="750" b="1" dirty="0">
+                <a:solidFill>
+                  <a:schemeClr val="tx1"/>
+                </a:solidFill>
+              </a:rPr>
+              <a:t>도서목록</a:t>
+            </a:r>
+          </a:p>
+        </p:txBody>
+      </p:sp>
+      <p:sp>
+        <p:nvSpPr>
+          <p:cNvPr id="21" name="직사각형 20"/>
+          <p:cNvSpPr/>
+          <p:nvPr/>
+        </p:nvSpPr>
+        <p:spPr>
+          <a:xfrm>
+            <a:off x="6462240" y="3334245"/>
+            <a:ext cx="270000" cy="378000"/>
+          </a:xfrm>
+          <a:prstGeom prst="rect">
+            <a:avLst/>
+          </a:prstGeom>
+          <a:solidFill>
+            <a:srgbClr val="CDC1B6"/>
+          </a:solidFill>
+          <a:ln>
+            <a:solidFill>
+              <a:srgbClr val="CDC1B6"/>
+            </a:solidFill>
+          </a:ln>
+        </p:spPr>
+        <p:style>
+          <a:lnRef idx="2">
+            <a:schemeClr val="accent1">
+              <a:shade val="50000"/>
+            </a:schemeClr>
+          </a:lnRef>
+          <a:fillRef idx="1">
+            <a:schemeClr val="accent1"/>
+          </a:fillRef>
+          <a:effectRef idx="0">
+            <a:schemeClr val="accent1"/>
+          </a:effectRef>
+          <a:fontRef idx="minor">
+            <a:schemeClr val="lt1"/>
+          </a:fontRef>
+        </p:style>
+        <p:txBody>
+          <a:bodyPr rot="0" spcFirstLastPara="0" vertOverflow="overflow" horzOverflow="overflow" vert="horz" wrap="square" lIns="0" tIns="0" rIns="0" bIns="0" numCol="1" spcCol="0" rtlCol="0" fromWordArt="0" anchor="ctr" anchorCtr="0" forceAA="0" compatLnSpc="1">
+            <a:prstTxWarp prst="textNoShape">
+              <a:avLst/>
+            </a:prstTxWarp>
+            <a:noAutofit/>
+          </a:bodyPr>
+          <a:lstStyle/>
+          <a:p>
+            <a:pPr algn="ctr"/>
+            <a:r>
+              <a:rPr lang="ko-KR" altLang="en-US" sz="750" b="1" dirty="0" err="1">
+                <a:solidFill>
+                  <a:schemeClr val="tx1"/>
+                </a:solidFill>
+              </a:rPr>
+              <a:t>글보기</a:t>
+            </a:r>
+            <a:endParaRPr lang="ko-KR" altLang="en-US" sz="750" b="1" dirty="0">
+              <a:solidFill>
+                <a:schemeClr val="tx1"/>
+              </a:solidFill>
+            </a:endParaRPr>
+          </a:p>
+        </p:txBody>
+      </p:sp>
+      <p:sp>
+        <p:nvSpPr>
+          <p:cNvPr id="23" name="직사각형 22"/>
+          <p:cNvSpPr/>
+          <p:nvPr/>
+        </p:nvSpPr>
+        <p:spPr>
+          <a:xfrm>
+            <a:off x="1484496" y="3334245"/>
+            <a:ext cx="270000" cy="378000"/>
+          </a:xfrm>
+          <a:prstGeom prst="rect">
+            <a:avLst/>
+          </a:prstGeom>
+          <a:solidFill>
+            <a:srgbClr val="CDC1B6"/>
+          </a:solidFill>
+          <a:ln>
+            <a:solidFill>
+              <a:srgbClr val="CDC1B6"/>
+            </a:solidFill>
+          </a:ln>
+        </p:spPr>
+        <p:style>
+          <a:lnRef idx="2">
+            <a:schemeClr val="accent1">
+              <a:shade val="50000"/>
+            </a:schemeClr>
+          </a:lnRef>
+          <a:fillRef idx="1">
+            <a:schemeClr val="accent1"/>
+          </a:fillRef>
+          <a:effectRef idx="0">
+            <a:schemeClr val="accent1"/>
+          </a:effectRef>
+          <a:fontRef idx="minor">
+            <a:schemeClr val="lt1"/>
+          </a:fontRef>
+        </p:style>
+        <p:txBody>
+          <a:bodyPr rot="0" spcFirstLastPara="0" vertOverflow="overflow" horzOverflow="overflow" vert="horz" wrap="square" lIns="0" tIns="0" rIns="0" bIns="0" numCol="1" spcCol="0" rtlCol="0" fromWordArt="0" anchor="ctr" anchorCtr="0" forceAA="0" compatLnSpc="1">
+            <a:prstTxWarp prst="textNoShape">
+              <a:avLst/>
+            </a:prstTxWarp>
+            <a:noAutofit/>
+          </a:bodyPr>
+          <a:lstStyle/>
+          <a:p>
+            <a:pPr algn="ctr"/>
+            <a:r>
+              <a:rPr lang="ko-KR" altLang="en-US" sz="750" b="1" dirty="0">
+                <a:solidFill>
+                  <a:schemeClr val="tx1"/>
+                </a:solidFill>
+              </a:rPr>
+              <a:t>사서등록</a:t>
+            </a:r>
+          </a:p>
+        </p:txBody>
+      </p:sp>
+      <p:sp>
+        <p:nvSpPr>
+          <p:cNvPr id="25" name="직사각형 24"/>
+          <p:cNvSpPr/>
+          <p:nvPr/>
+        </p:nvSpPr>
+        <p:spPr>
+          <a:xfrm>
+            <a:off x="2573808" y="3334766"/>
+            <a:ext cx="270000" cy="378000"/>
+          </a:xfrm>
+          <a:prstGeom prst="rect">
+            <a:avLst/>
+          </a:prstGeom>
+          <a:solidFill>
+            <a:srgbClr val="CDC1B6"/>
+          </a:solidFill>
+          <a:ln>
+            <a:solidFill>
+              <a:srgbClr val="CDC1B6"/>
+            </a:solidFill>
+          </a:ln>
+        </p:spPr>
+        <p:style>
+          <a:lnRef idx="2">
+            <a:schemeClr val="accent1">
+              <a:shade val="50000"/>
+            </a:schemeClr>
+          </a:lnRef>
+          <a:fillRef idx="1">
+            <a:schemeClr val="accent1"/>
+          </a:fillRef>
+          <a:effectRef idx="0">
+            <a:schemeClr val="accent1"/>
+          </a:effectRef>
+          <a:fontRef idx="minor">
+            <a:schemeClr val="lt1"/>
+          </a:fontRef>
+        </p:style>
+        <p:txBody>
+          <a:bodyPr rot="0" spcFirstLastPara="0" vertOverflow="overflow" horzOverflow="overflow" vert="horz" wrap="square" lIns="0" tIns="0" rIns="0" bIns="0" numCol="1" spcCol="0" rtlCol="0" fromWordArt="0" anchor="ctr" anchorCtr="0" forceAA="0" compatLnSpc="1">
+            <a:prstTxWarp prst="textNoShape">
+              <a:avLst/>
+            </a:prstTxWarp>
+            <a:noAutofit/>
+          </a:bodyPr>
+          <a:lstStyle/>
+          <a:p>
+            <a:pPr algn="ctr"/>
+            <a:r>
+              <a:rPr lang="ko-KR" altLang="en-US" sz="750" b="1" dirty="0">
+                <a:solidFill>
+                  <a:schemeClr val="tx1"/>
+                </a:solidFill>
+              </a:rPr>
+              <a:t>회원</a:t>
+            </a:r>
+            <a:endParaRPr lang="en-US" altLang="ko-KR" sz="750" b="1" dirty="0">
+              <a:solidFill>
+                <a:schemeClr val="tx1"/>
+              </a:solidFill>
+            </a:endParaRPr>
+          </a:p>
+          <a:p>
+            <a:pPr algn="ctr"/>
+            <a:r>
+              <a:rPr lang="ko-KR" altLang="en-US" sz="750" b="1" dirty="0">
+                <a:solidFill>
+                  <a:schemeClr val="tx1"/>
+                </a:solidFill>
+              </a:rPr>
+              <a:t>검색</a:t>
+            </a:r>
+          </a:p>
+        </p:txBody>
+      </p:sp>
+      <p:sp>
+        <p:nvSpPr>
+          <p:cNvPr id="26" name="직사각형 25"/>
+          <p:cNvSpPr/>
+          <p:nvPr/>
+        </p:nvSpPr>
+        <p:spPr>
+          <a:xfrm>
+            <a:off x="3202087" y="3338147"/>
+            <a:ext cx="333596" cy="378000"/>
+          </a:xfrm>
+          <a:prstGeom prst="rect">
+            <a:avLst/>
+          </a:prstGeom>
+          <a:solidFill>
+            <a:srgbClr val="CDC1B6"/>
+          </a:solidFill>
+          <a:ln>
+            <a:solidFill>
+              <a:srgbClr val="CDC1B6"/>
+            </a:solidFill>
+          </a:ln>
+        </p:spPr>
+        <p:style>
+          <a:lnRef idx="2">
+            <a:schemeClr val="accent1">
+              <a:shade val="50000"/>
+            </a:schemeClr>
+          </a:lnRef>
+          <a:fillRef idx="1">
+            <a:schemeClr val="accent1"/>
+          </a:fillRef>
+          <a:effectRef idx="0">
+            <a:schemeClr val="accent1"/>
+          </a:effectRef>
+          <a:fontRef idx="minor">
+            <a:schemeClr val="lt1"/>
+          </a:fontRef>
+        </p:style>
+        <p:txBody>
+          <a:bodyPr rot="0" spcFirstLastPara="0" vertOverflow="overflow" horzOverflow="overflow" vert="horz" wrap="square" lIns="0" tIns="0" rIns="0" bIns="0" numCol="1" spcCol="0" rtlCol="0" fromWordArt="0" anchor="ctr" anchorCtr="0" forceAA="0" compatLnSpc="1">
+            <a:prstTxWarp prst="textNoShape">
+              <a:avLst/>
+            </a:prstTxWarp>
+            <a:noAutofit/>
+          </a:bodyPr>
+          <a:lstStyle/>
+          <a:p>
+            <a:pPr algn="ctr"/>
+            <a:r>
+              <a:rPr lang="ko-KR" altLang="en-US" sz="750" b="1">
+                <a:solidFill>
+                  <a:schemeClr val="tx1"/>
+                </a:solidFill>
+              </a:rPr>
+              <a:t>레벨별</a:t>
+            </a:r>
+            <a:endParaRPr lang="en-US" altLang="ko-KR" sz="750" b="1" dirty="0">
+              <a:solidFill>
+                <a:schemeClr val="tx1"/>
+              </a:solidFill>
+            </a:endParaRPr>
+          </a:p>
+          <a:p>
+            <a:pPr algn="ctr"/>
+            <a:r>
+              <a:rPr lang="ko-KR" altLang="en-US" sz="750" b="1" dirty="0">
+                <a:solidFill>
+                  <a:schemeClr val="tx1"/>
+                </a:solidFill>
+              </a:rPr>
+              <a:t>목록</a:t>
+            </a:r>
+          </a:p>
+        </p:txBody>
+      </p:sp>
+      <p:sp>
+        <p:nvSpPr>
+          <p:cNvPr id="27" name="직사각형 26"/>
+          <p:cNvSpPr/>
+          <p:nvPr/>
+        </p:nvSpPr>
+        <p:spPr>
+          <a:xfrm>
+            <a:off x="4788054" y="3321417"/>
+            <a:ext cx="270000" cy="378000"/>
+          </a:xfrm>
+          <a:prstGeom prst="rect">
+            <a:avLst/>
+          </a:prstGeom>
+          <a:solidFill>
+            <a:srgbClr val="CDC1B6"/>
+          </a:solidFill>
+          <a:ln>
+            <a:solidFill>
+              <a:srgbClr val="CDC1B6"/>
+            </a:solidFill>
+          </a:ln>
+        </p:spPr>
+        <p:style>
+          <a:lnRef idx="2">
+            <a:schemeClr val="accent1">
+              <a:shade val="50000"/>
+            </a:schemeClr>
+          </a:lnRef>
+          <a:fillRef idx="1">
+            <a:schemeClr val="accent1"/>
+          </a:fillRef>
+          <a:effectRef idx="0">
+            <a:schemeClr val="accent1"/>
+          </a:effectRef>
+          <a:fontRef idx="minor">
+            <a:schemeClr val="lt1"/>
+          </a:fontRef>
+        </p:style>
+        <p:txBody>
+          <a:bodyPr rot="0" spcFirstLastPara="0" vertOverflow="overflow" horzOverflow="overflow" vert="horz" wrap="square" lIns="0" tIns="0" rIns="0" bIns="0" numCol="1" spcCol="0" rtlCol="0" fromWordArt="0" anchor="ctr" anchorCtr="0" forceAA="0" compatLnSpc="1">
+            <a:prstTxWarp prst="textNoShape">
+              <a:avLst/>
+            </a:prstTxWarp>
+            <a:noAutofit/>
+          </a:bodyPr>
+          <a:lstStyle/>
+          <a:p>
+            <a:pPr algn="ctr"/>
+            <a:r>
+              <a:rPr lang="ko-KR" altLang="en-US" sz="750" b="1" dirty="0">
+                <a:solidFill>
+                  <a:schemeClr val="tx1"/>
+                </a:solidFill>
+              </a:rPr>
+              <a:t>도서등록</a:t>
+            </a:r>
+          </a:p>
+        </p:txBody>
+      </p:sp>
+      <p:sp>
+        <p:nvSpPr>
+          <p:cNvPr id="28" name="직사각형 27"/>
+          <p:cNvSpPr/>
+          <p:nvPr/>
+        </p:nvSpPr>
+        <p:spPr>
+          <a:xfrm>
+            <a:off x="5828362" y="3346926"/>
+            <a:ext cx="270000" cy="378000"/>
+          </a:xfrm>
+          <a:prstGeom prst="rect">
+            <a:avLst/>
+          </a:prstGeom>
+          <a:solidFill>
+            <a:srgbClr val="CDC1B6"/>
+          </a:solidFill>
+          <a:ln>
+            <a:solidFill>
+              <a:srgbClr val="CDC1B6"/>
+            </a:solidFill>
+          </a:ln>
+        </p:spPr>
+        <p:style>
+          <a:lnRef idx="2">
+            <a:schemeClr val="accent1">
+              <a:shade val="50000"/>
+            </a:schemeClr>
+          </a:lnRef>
+          <a:fillRef idx="1">
+            <a:schemeClr val="accent1"/>
+          </a:fillRef>
+          <a:effectRef idx="0">
+            <a:schemeClr val="accent1"/>
+          </a:effectRef>
+          <a:fontRef idx="minor">
+            <a:schemeClr val="lt1"/>
+          </a:fontRef>
+        </p:style>
+        <p:txBody>
+          <a:bodyPr rot="0" spcFirstLastPara="0" vertOverflow="overflow" horzOverflow="overflow" vert="horz" wrap="square" lIns="0" tIns="0" rIns="0" bIns="0" numCol="1" spcCol="0" rtlCol="0" fromWordArt="0" anchor="ctr" anchorCtr="0" forceAA="0" compatLnSpc="1">
+            <a:prstTxWarp prst="textNoShape">
+              <a:avLst/>
+            </a:prstTxWarp>
+            <a:noAutofit/>
+          </a:bodyPr>
+          <a:lstStyle/>
+          <a:p>
+            <a:pPr algn="ctr"/>
+            <a:r>
+              <a:rPr lang="ko-KR" altLang="en-US" sz="750" b="1" dirty="0" err="1">
+                <a:solidFill>
+                  <a:schemeClr val="tx1"/>
+                </a:solidFill>
+              </a:rPr>
+              <a:t>글수정</a:t>
+            </a:r>
+            <a:endParaRPr lang="ko-KR" altLang="en-US" sz="750" b="1" dirty="0">
+              <a:solidFill>
+                <a:schemeClr val="tx1"/>
+              </a:solidFill>
+            </a:endParaRPr>
+          </a:p>
+        </p:txBody>
+      </p:sp>
+      <p:sp>
+        <p:nvSpPr>
+          <p:cNvPr id="29" name="직사각형 28"/>
+          <p:cNvSpPr/>
+          <p:nvPr/>
+        </p:nvSpPr>
+        <p:spPr>
+          <a:xfrm>
+            <a:off x="6138234" y="3345089"/>
+            <a:ext cx="270000" cy="378000"/>
+          </a:xfrm>
+          <a:prstGeom prst="rect">
+            <a:avLst/>
+          </a:prstGeom>
+          <a:solidFill>
+            <a:srgbClr val="CDC1B6"/>
+          </a:solidFill>
+          <a:ln>
+            <a:solidFill>
+              <a:srgbClr val="CDC1B6"/>
+            </a:solidFill>
+          </a:ln>
+        </p:spPr>
+        <p:style>
+          <a:lnRef idx="2">
+            <a:schemeClr val="accent1">
+              <a:shade val="50000"/>
+            </a:schemeClr>
+          </a:lnRef>
+          <a:fillRef idx="1">
+            <a:schemeClr val="accent1"/>
+          </a:fillRef>
+          <a:effectRef idx="0">
+            <a:schemeClr val="accent1"/>
+          </a:effectRef>
+          <a:fontRef idx="minor">
+            <a:schemeClr val="lt1"/>
+          </a:fontRef>
+        </p:style>
+        <p:txBody>
+          <a:bodyPr rot="0" spcFirstLastPara="0" vertOverflow="overflow" horzOverflow="overflow" vert="horz" wrap="square" lIns="0" tIns="0" rIns="0" bIns="0" numCol="1" spcCol="0" rtlCol="0" fromWordArt="0" anchor="ctr" anchorCtr="0" forceAA="0" compatLnSpc="1">
+            <a:prstTxWarp prst="textNoShape">
+              <a:avLst/>
+            </a:prstTxWarp>
+            <a:noAutofit/>
+          </a:bodyPr>
+          <a:lstStyle/>
+          <a:p>
+            <a:pPr algn="ctr"/>
+            <a:r>
+              <a:rPr lang="ko-KR" altLang="en-US" sz="750" b="1" dirty="0" err="1">
+                <a:solidFill>
+                  <a:schemeClr val="tx1"/>
+                </a:solidFill>
+              </a:rPr>
+              <a:t>글삭제</a:t>
+            </a:r>
+            <a:endParaRPr lang="ko-KR" altLang="en-US" sz="750" b="1" dirty="0">
+              <a:solidFill>
+                <a:schemeClr val="tx1"/>
+              </a:solidFill>
+            </a:endParaRPr>
+          </a:p>
+        </p:txBody>
+      </p:sp>
+      <p:sp>
+        <p:nvSpPr>
+          <p:cNvPr id="31" name="직사각형 30"/>
+          <p:cNvSpPr/>
+          <p:nvPr/>
+        </p:nvSpPr>
+        <p:spPr>
+          <a:xfrm>
+            <a:off x="7110282" y="3345089"/>
+            <a:ext cx="270000" cy="378000"/>
+          </a:xfrm>
+          <a:prstGeom prst="rect">
+            <a:avLst/>
+          </a:prstGeom>
+          <a:solidFill>
+            <a:srgbClr val="CDC1B6"/>
+          </a:solidFill>
+          <a:ln>
+            <a:solidFill>
+              <a:srgbClr val="CDC1B6"/>
+            </a:solidFill>
+          </a:ln>
+        </p:spPr>
+        <p:style>
+          <a:lnRef idx="2">
+            <a:schemeClr val="accent1">
+              <a:shade val="50000"/>
+            </a:schemeClr>
+          </a:lnRef>
+          <a:fillRef idx="1">
+            <a:schemeClr val="accent1"/>
+          </a:fillRef>
+          <a:effectRef idx="0">
+            <a:schemeClr val="accent1"/>
+          </a:effectRef>
+          <a:fontRef idx="minor">
+            <a:schemeClr val="lt1"/>
+          </a:fontRef>
+        </p:style>
+        <p:txBody>
+          <a:bodyPr rot="0" spcFirstLastPara="0" vertOverflow="overflow" horzOverflow="overflow" vert="horz" wrap="square" lIns="0" tIns="0" rIns="0" bIns="0" numCol="1" spcCol="0" rtlCol="0" fromWordArt="0" anchor="ctr" anchorCtr="0" forceAA="0" compatLnSpc="1">
+            <a:prstTxWarp prst="textNoShape">
+              <a:avLst/>
+            </a:prstTxWarp>
+            <a:noAutofit/>
+          </a:bodyPr>
+          <a:lstStyle/>
+          <a:p>
+            <a:pPr algn="ctr"/>
+            <a:r>
+              <a:rPr lang="ko-KR" altLang="en-US" sz="750" b="1" dirty="0">
+                <a:solidFill>
+                  <a:schemeClr val="tx1"/>
+                </a:solidFill>
+              </a:rPr>
+              <a:t>도서통계</a:t>
+            </a:r>
+          </a:p>
+        </p:txBody>
+      </p:sp>
+      <p:sp>
+        <p:nvSpPr>
+          <p:cNvPr id="33" name="직사각형 32"/>
+          <p:cNvSpPr/>
+          <p:nvPr/>
+        </p:nvSpPr>
+        <p:spPr>
+          <a:xfrm>
+            <a:off x="7434959" y="3345089"/>
+            <a:ext cx="270000" cy="378000"/>
+          </a:xfrm>
+          <a:prstGeom prst="rect">
+            <a:avLst/>
+          </a:prstGeom>
+          <a:solidFill>
+            <a:srgbClr val="CDC1B6"/>
+          </a:solidFill>
+          <a:ln>
+            <a:solidFill>
+              <a:srgbClr val="CDC1B6"/>
+            </a:solidFill>
+          </a:ln>
+        </p:spPr>
+        <p:style>
+          <a:lnRef idx="2">
+            <a:schemeClr val="accent1">
+              <a:shade val="50000"/>
+            </a:schemeClr>
+          </a:lnRef>
+          <a:fillRef idx="1">
+            <a:schemeClr val="accent1"/>
+          </a:fillRef>
+          <a:effectRef idx="0">
+            <a:schemeClr val="accent1"/>
+          </a:effectRef>
+          <a:fontRef idx="minor">
+            <a:schemeClr val="lt1"/>
+          </a:fontRef>
+        </p:style>
+        <p:txBody>
+          <a:bodyPr rot="0" spcFirstLastPara="0" vertOverflow="overflow" horzOverflow="overflow" vert="horz" wrap="square" lIns="0" tIns="0" rIns="0" bIns="0" numCol="1" spcCol="0" rtlCol="0" fromWordArt="0" anchor="ctr" anchorCtr="0" forceAA="0" compatLnSpc="1">
+            <a:prstTxWarp prst="textNoShape">
+              <a:avLst/>
+            </a:prstTxWarp>
+            <a:noAutofit/>
+          </a:bodyPr>
+          <a:lstStyle/>
+          <a:p>
+            <a:pPr algn="ctr"/>
+            <a:r>
+              <a:rPr lang="ko-KR" altLang="en-US" sz="750" b="1" dirty="0">
+                <a:solidFill>
+                  <a:schemeClr val="tx1"/>
+                </a:solidFill>
+              </a:rPr>
+              <a:t>도서추천</a:t>
+            </a:r>
+          </a:p>
+        </p:txBody>
+      </p:sp>
+      <p:sp>
+        <p:nvSpPr>
+          <p:cNvPr id="39" name="직사각형 38"/>
+          <p:cNvSpPr/>
+          <p:nvPr/>
+        </p:nvSpPr>
+        <p:spPr>
+          <a:xfrm>
+            <a:off x="4302018" y="1035341"/>
+            <a:ext cx="432000" cy="243000"/>
+          </a:xfrm>
+          <a:prstGeom prst="rect">
+            <a:avLst/>
+          </a:prstGeom>
+          <a:solidFill>
+            <a:srgbClr val="987C4D"/>
+          </a:solidFill>
+          <a:ln>
+            <a:solidFill>
+              <a:srgbClr val="987C4D"/>
+            </a:solidFill>
+          </a:ln>
+        </p:spPr>
+        <p:style>
+          <a:lnRef idx="2">
+            <a:schemeClr val="accent1">
+              <a:shade val="50000"/>
+            </a:schemeClr>
+          </a:lnRef>
+          <a:fillRef idx="1">
+            <a:schemeClr val="accent1"/>
+          </a:fillRef>
+          <a:effectRef idx="0">
+            <a:schemeClr val="accent1"/>
+          </a:effectRef>
+          <a:fontRef idx="minor">
+            <a:schemeClr val="lt1"/>
+          </a:fontRef>
+        </p:style>
+        <p:txBody>
+          <a:bodyPr rot="0" spcFirstLastPara="0" vertOverflow="overflow" horzOverflow="overflow" vert="horz" wrap="square" lIns="0" tIns="0" rIns="0" bIns="0" numCol="1" spcCol="0" rtlCol="0" fromWordArt="0" anchor="ctr" anchorCtr="0" forceAA="0" compatLnSpc="1">
+            <a:prstTxWarp prst="textNoShape">
+              <a:avLst/>
+            </a:prstTxWarp>
+            <a:noAutofit/>
+          </a:bodyPr>
+          <a:lstStyle/>
+          <a:p>
+            <a:pPr algn="ctr"/>
+            <a:r>
+              <a:rPr lang="ko-KR" altLang="en-US" sz="750" b="1" dirty="0"/>
+              <a:t>로그인</a:t>
+            </a:r>
+            <a:r>
+              <a:rPr lang="en-US" altLang="ko-KR" sz="750" b="1" dirty="0"/>
+              <a:t>/</a:t>
+            </a:r>
+          </a:p>
+          <a:p>
+            <a:pPr algn="ctr"/>
+            <a:r>
+              <a:rPr lang="ko-KR" altLang="en-US" sz="750" b="1" dirty="0"/>
+              <a:t>로그아웃</a:t>
+            </a:r>
+          </a:p>
+        </p:txBody>
+      </p:sp>
+      <p:cxnSp>
+        <p:nvCxnSpPr>
+          <p:cNvPr id="41" name="직선 연결선 40"/>
+          <p:cNvCxnSpPr>
+            <a:stCxn id="5" idx="2"/>
+            <a:endCxn id="39" idx="0"/>
+          </p:cNvCxnSpPr>
+          <p:nvPr/>
+        </p:nvCxnSpPr>
+        <p:spPr>
+          <a:xfrm flipH="1">
+            <a:off x="4518018" y="875681"/>
+            <a:ext cx="26964" cy="159661"/>
+          </a:xfrm>
+          <a:prstGeom prst="line">
+            <a:avLst/>
+          </a:prstGeom>
+          <a:ln w="12700">
+            <a:solidFill>
+              <a:srgbClr val="756B5F"/>
+            </a:solidFill>
+            <a:tailEnd type="none"/>
+          </a:ln>
+        </p:spPr>
+        <p:style>
+          <a:lnRef idx="1">
+            <a:schemeClr val="accent1"/>
+          </a:lnRef>
+          <a:fillRef idx="0">
+            <a:schemeClr val="accent1"/>
+          </a:fillRef>
+          <a:effectRef idx="0">
+            <a:schemeClr val="accent1"/>
+          </a:effectRef>
+          <a:fontRef idx="minor">
+            <a:schemeClr val="tx1"/>
+          </a:fontRef>
+        </p:style>
+      </p:cxnSp>
+      <p:cxnSp>
+        <p:nvCxnSpPr>
+          <p:cNvPr id="67" name="꺾인 연결선 66"/>
+          <p:cNvCxnSpPr>
+            <a:stCxn id="12" idx="2"/>
+            <a:endCxn id="23" idx="0"/>
+          </p:cNvCxnSpPr>
+          <p:nvPr/>
+        </p:nvCxnSpPr>
+        <p:spPr>
+          <a:xfrm rot="5400000">
+            <a:off x="1345925" y="2916943"/>
+            <a:ext cx="690875" cy="143732"/>
+          </a:xfrm>
+          <a:prstGeom prst="bentConnector3">
+            <a:avLst/>
+          </a:prstGeom>
+          <a:ln w="12700">
+            <a:solidFill>
+              <a:srgbClr val="756B5F"/>
+            </a:solidFill>
+            <a:tailEnd type="none"/>
+          </a:ln>
+        </p:spPr>
+        <p:style>
+          <a:lnRef idx="1">
+            <a:schemeClr val="accent1"/>
+          </a:lnRef>
+          <a:fillRef idx="0">
+            <a:schemeClr val="accent1"/>
+          </a:fillRef>
+          <a:effectRef idx="0">
+            <a:schemeClr val="accent1"/>
+          </a:effectRef>
+          <a:fontRef idx="minor">
+            <a:schemeClr val="tx1"/>
+          </a:fontRef>
+        </p:style>
+      </p:cxnSp>
+      <p:cxnSp>
+        <p:nvCxnSpPr>
+          <p:cNvPr id="71" name="꺾인 연결선 70"/>
+          <p:cNvCxnSpPr>
+            <a:stCxn id="12" idx="2"/>
+            <a:endCxn id="18" idx="0"/>
+          </p:cNvCxnSpPr>
+          <p:nvPr/>
+        </p:nvCxnSpPr>
+        <p:spPr>
+          <a:xfrm rot="16200000" flipH="1">
+            <a:off x="1514558" y="2892042"/>
+            <a:ext cx="686839" cy="189496"/>
+          </a:xfrm>
+          <a:prstGeom prst="bentConnector3">
+            <a:avLst/>
+          </a:prstGeom>
+          <a:ln w="12700">
+            <a:solidFill>
+              <a:srgbClr val="756B5F"/>
+            </a:solidFill>
+            <a:tailEnd type="none"/>
+          </a:ln>
+        </p:spPr>
+        <p:style>
+          <a:lnRef idx="1">
+            <a:schemeClr val="accent1"/>
+          </a:lnRef>
+          <a:fillRef idx="0">
+            <a:schemeClr val="accent1"/>
+          </a:fillRef>
+          <a:effectRef idx="0">
+            <a:schemeClr val="accent1"/>
+          </a:effectRef>
+          <a:fontRef idx="minor">
+            <a:schemeClr val="tx1"/>
+          </a:fontRef>
+        </p:style>
+      </p:cxnSp>
+      <p:cxnSp>
+        <p:nvCxnSpPr>
+          <p:cNvPr id="73" name="꺾인 연결선 72"/>
+          <p:cNvCxnSpPr>
+            <a:stCxn id="10" idx="2"/>
+            <a:endCxn id="12" idx="0"/>
+          </p:cNvCxnSpPr>
+          <p:nvPr/>
+        </p:nvCxnSpPr>
+        <p:spPr>
+          <a:xfrm rot="5400000">
+            <a:off x="3816885" y="-217912"/>
+            <a:ext cx="429627" cy="4536940"/>
+          </a:xfrm>
+          <a:prstGeom prst="bentConnector3">
+            <a:avLst/>
+          </a:prstGeom>
+          <a:ln w="12700">
+            <a:solidFill>
+              <a:srgbClr val="756B5F"/>
+            </a:solidFill>
+            <a:tailEnd type="none"/>
+          </a:ln>
+        </p:spPr>
+        <p:style>
+          <a:lnRef idx="1">
+            <a:schemeClr val="accent1"/>
+          </a:lnRef>
+          <a:fillRef idx="0">
+            <a:schemeClr val="accent1"/>
+          </a:fillRef>
+          <a:effectRef idx="0">
+            <a:schemeClr val="accent1"/>
+          </a:effectRef>
+          <a:fontRef idx="minor">
+            <a:schemeClr val="tx1"/>
+          </a:fontRef>
+        </p:style>
+      </p:cxnSp>
+      <p:cxnSp>
+        <p:nvCxnSpPr>
+          <p:cNvPr id="83" name="꺾인 연결선 82"/>
+          <p:cNvCxnSpPr>
+            <a:stCxn id="10" idx="2"/>
+            <a:endCxn id="15" idx="0"/>
+          </p:cNvCxnSpPr>
+          <p:nvPr/>
+        </p:nvCxnSpPr>
+        <p:spPr>
+          <a:xfrm rot="16200000" flipH="1">
+            <a:off x="6663740" y="1472171"/>
+            <a:ext cx="380018" cy="1107162"/>
+          </a:xfrm>
+          <a:prstGeom prst="bentConnector3">
+            <a:avLst>
+              <a:gd name="adj1" fmla="val 56445"/>
+            </a:avLst>
+          </a:prstGeom>
+          <a:ln w="12700">
+            <a:solidFill>
+              <a:srgbClr val="756B5F"/>
+            </a:solidFill>
+            <a:tailEnd type="none"/>
+          </a:ln>
+        </p:spPr>
+        <p:style>
+          <a:lnRef idx="1">
+            <a:schemeClr val="accent1"/>
+          </a:lnRef>
+          <a:fillRef idx="0">
+            <a:schemeClr val="accent1"/>
+          </a:fillRef>
+          <a:effectRef idx="0">
+            <a:schemeClr val="accent1"/>
+          </a:effectRef>
+          <a:fontRef idx="minor">
+            <a:schemeClr val="tx1"/>
+          </a:fontRef>
+        </p:style>
+      </p:cxnSp>
+      <p:cxnSp>
+        <p:nvCxnSpPr>
+          <p:cNvPr id="87" name="꺾인 연결선 86"/>
+          <p:cNvCxnSpPr>
+            <a:stCxn id="15" idx="2"/>
+            <a:endCxn id="31" idx="0"/>
+          </p:cNvCxnSpPr>
+          <p:nvPr/>
+        </p:nvCxnSpPr>
+        <p:spPr>
+          <a:xfrm rot="5400000">
+            <a:off x="6950642" y="2888401"/>
+            <a:ext cx="751328" cy="162048"/>
+          </a:xfrm>
+          <a:prstGeom prst="bentConnector3">
+            <a:avLst/>
+          </a:prstGeom>
+          <a:ln w="12700">
+            <a:solidFill>
+              <a:srgbClr val="756B5F"/>
+            </a:solidFill>
+            <a:tailEnd type="none"/>
+          </a:ln>
+        </p:spPr>
+        <p:style>
+          <a:lnRef idx="1">
+            <a:schemeClr val="accent1"/>
+          </a:lnRef>
+          <a:fillRef idx="0">
+            <a:schemeClr val="accent1"/>
+          </a:fillRef>
+          <a:effectRef idx="0">
+            <a:schemeClr val="accent1"/>
+          </a:effectRef>
+          <a:fontRef idx="minor">
+            <a:schemeClr val="tx1"/>
+          </a:fontRef>
+        </p:style>
+      </p:cxnSp>
+      <p:cxnSp>
+        <p:nvCxnSpPr>
+          <p:cNvPr id="96" name="꺾인 연결선 95"/>
+          <p:cNvCxnSpPr>
+            <a:stCxn id="33" idx="0"/>
+            <a:endCxn id="15" idx="2"/>
+          </p:cNvCxnSpPr>
+          <p:nvPr/>
+        </p:nvCxnSpPr>
+        <p:spPr>
+          <a:xfrm rot="16200000" flipV="1">
+            <a:off x="7112981" y="2888111"/>
+            <a:ext cx="751328" cy="162629"/>
+          </a:xfrm>
+          <a:prstGeom prst="bentConnector3">
+            <a:avLst/>
+          </a:prstGeom>
+          <a:ln w="12700">
+            <a:solidFill>
+              <a:srgbClr val="756B5F"/>
+            </a:solidFill>
+            <a:tailEnd type="none"/>
+          </a:ln>
+        </p:spPr>
+        <p:style>
+          <a:lnRef idx="1">
+            <a:schemeClr val="accent1"/>
+          </a:lnRef>
+          <a:fillRef idx="0">
+            <a:schemeClr val="accent1"/>
+          </a:fillRef>
+          <a:effectRef idx="0">
+            <a:schemeClr val="accent1"/>
+          </a:effectRef>
+          <a:fontRef idx="minor">
+            <a:schemeClr val="tx1"/>
+          </a:fontRef>
+        </p:style>
+      </p:cxnSp>
+      <p:cxnSp>
+        <p:nvCxnSpPr>
+          <p:cNvPr id="100" name="꺾인 연결선 99"/>
+          <p:cNvCxnSpPr>
+            <a:stCxn id="11" idx="2"/>
+            <a:endCxn id="21" idx="0"/>
+          </p:cNvCxnSpPr>
+          <p:nvPr/>
+        </p:nvCxnSpPr>
+        <p:spPr>
+          <a:xfrm rot="16200000" flipH="1">
+            <a:off x="5983971" y="2720976"/>
+            <a:ext cx="740484" cy="486054"/>
+          </a:xfrm>
+          <a:prstGeom prst="bentConnector3">
+            <a:avLst/>
+          </a:prstGeom>
+          <a:ln w="12700">
+            <a:solidFill>
+              <a:srgbClr val="756B5F"/>
+            </a:solidFill>
+            <a:tailEnd type="none"/>
+          </a:ln>
+        </p:spPr>
+        <p:style>
+          <a:lnRef idx="1">
+            <a:schemeClr val="accent1"/>
+          </a:lnRef>
+          <a:fillRef idx="0">
+            <a:schemeClr val="accent1"/>
+          </a:fillRef>
+          <a:effectRef idx="0">
+            <a:schemeClr val="accent1"/>
+          </a:effectRef>
+          <a:fontRef idx="minor">
+            <a:schemeClr val="tx1"/>
+          </a:fontRef>
+        </p:style>
+      </p:cxnSp>
+      <p:cxnSp>
+        <p:nvCxnSpPr>
+          <p:cNvPr id="102" name="꺾인 연결선 101"/>
+          <p:cNvCxnSpPr>
+            <a:stCxn id="11" idx="2"/>
+            <a:endCxn id="17" idx="0"/>
+          </p:cNvCxnSpPr>
+          <p:nvPr/>
+        </p:nvCxnSpPr>
+        <p:spPr>
+          <a:xfrm rot="5400000">
+            <a:off x="5499983" y="2735725"/>
+            <a:ext cx="753165" cy="469241"/>
+          </a:xfrm>
+          <a:prstGeom prst="bentConnector3">
+            <a:avLst/>
+          </a:prstGeom>
+          <a:ln w="12700">
+            <a:solidFill>
+              <a:srgbClr val="756B5F"/>
+            </a:solidFill>
+            <a:tailEnd type="none"/>
+          </a:ln>
+        </p:spPr>
+        <p:style>
+          <a:lnRef idx="1">
+            <a:schemeClr val="accent1"/>
+          </a:lnRef>
+          <a:fillRef idx="0">
+            <a:schemeClr val="accent1"/>
+          </a:fillRef>
+          <a:effectRef idx="0">
+            <a:schemeClr val="accent1"/>
+          </a:effectRef>
+          <a:fontRef idx="minor">
+            <a:schemeClr val="tx1"/>
+          </a:fontRef>
+        </p:style>
+      </p:cxnSp>
+      <p:cxnSp>
+        <p:nvCxnSpPr>
+          <p:cNvPr id="104" name="꺾인 연결선 103"/>
+          <p:cNvCxnSpPr>
+            <a:stCxn id="11" idx="2"/>
+            <a:endCxn id="29" idx="0"/>
+          </p:cNvCxnSpPr>
+          <p:nvPr/>
+        </p:nvCxnSpPr>
+        <p:spPr>
+          <a:xfrm rot="16200000" flipH="1">
+            <a:off x="5816546" y="2888401"/>
+            <a:ext cx="751328" cy="162048"/>
+          </a:xfrm>
+          <a:prstGeom prst="bentConnector3">
+            <a:avLst/>
+          </a:prstGeom>
+          <a:ln w="12700">
+            <a:solidFill>
+              <a:srgbClr val="756B5F"/>
+            </a:solidFill>
+            <a:tailEnd type="none"/>
+          </a:ln>
+        </p:spPr>
+        <p:style>
+          <a:lnRef idx="1">
+            <a:schemeClr val="accent1"/>
+          </a:lnRef>
+          <a:fillRef idx="0">
+            <a:schemeClr val="accent1"/>
+          </a:fillRef>
+          <a:effectRef idx="0">
+            <a:schemeClr val="accent1"/>
+          </a:effectRef>
+          <a:fontRef idx="minor">
+            <a:schemeClr val="tx1"/>
+          </a:fontRef>
+        </p:style>
+      </p:cxnSp>
+      <p:cxnSp>
+        <p:nvCxnSpPr>
+          <p:cNvPr id="106" name="꺾인 연결선 105"/>
+          <p:cNvCxnSpPr>
+            <a:stCxn id="11" idx="2"/>
+            <a:endCxn id="28" idx="0"/>
+          </p:cNvCxnSpPr>
+          <p:nvPr/>
+        </p:nvCxnSpPr>
+        <p:spPr>
+          <a:xfrm rot="5400000">
+            <a:off x="5660692" y="2896433"/>
+            <a:ext cx="753165" cy="147824"/>
+          </a:xfrm>
+          <a:prstGeom prst="bentConnector3">
+            <a:avLst/>
+          </a:prstGeom>
+          <a:ln w="12700">
+            <a:solidFill>
+              <a:srgbClr val="756B5F"/>
+            </a:solidFill>
+            <a:tailEnd type="none"/>
+          </a:ln>
+        </p:spPr>
+        <p:style>
+          <a:lnRef idx="1">
+            <a:schemeClr val="accent1"/>
+          </a:lnRef>
+          <a:fillRef idx="0">
+            <a:schemeClr val="accent1"/>
+          </a:fillRef>
+          <a:effectRef idx="0">
+            <a:schemeClr val="accent1"/>
+          </a:effectRef>
+          <a:fontRef idx="minor">
+            <a:schemeClr val="tx1"/>
+          </a:fontRef>
+        </p:style>
+      </p:cxnSp>
+      <p:cxnSp>
+        <p:nvCxnSpPr>
+          <p:cNvPr id="108" name="꺾인 연결선 107"/>
+          <p:cNvCxnSpPr>
+            <a:stCxn id="14" idx="2"/>
+            <a:endCxn id="27" idx="0"/>
+          </p:cNvCxnSpPr>
+          <p:nvPr/>
+        </p:nvCxnSpPr>
+        <p:spPr>
+          <a:xfrm rot="16200000" flipH="1">
+            <a:off x="4478202" y="2876565"/>
+            <a:ext cx="727656" cy="162048"/>
+          </a:xfrm>
+          <a:prstGeom prst="bentConnector3">
+            <a:avLst/>
+          </a:prstGeom>
+          <a:ln w="12700">
+            <a:solidFill>
+              <a:srgbClr val="756B5F"/>
+            </a:solidFill>
+            <a:tailEnd type="none"/>
+          </a:ln>
+        </p:spPr>
+        <p:style>
+          <a:lnRef idx="1">
+            <a:schemeClr val="accent1"/>
+          </a:lnRef>
+          <a:fillRef idx="0">
+            <a:schemeClr val="accent1"/>
+          </a:fillRef>
+          <a:effectRef idx="0">
+            <a:schemeClr val="accent1"/>
+          </a:effectRef>
+          <a:fontRef idx="minor">
+            <a:schemeClr val="tx1"/>
+          </a:fontRef>
+        </p:style>
+      </p:cxnSp>
+      <p:cxnSp>
+        <p:nvCxnSpPr>
+          <p:cNvPr id="110" name="꺾인 연결선 109"/>
+          <p:cNvCxnSpPr>
+            <a:stCxn id="14" idx="2"/>
+            <a:endCxn id="20" idx="0"/>
+          </p:cNvCxnSpPr>
+          <p:nvPr/>
+        </p:nvCxnSpPr>
+        <p:spPr>
+          <a:xfrm rot="5400000">
+            <a:off x="4318302" y="2874477"/>
+            <a:ext cx="723420" cy="161988"/>
+          </a:xfrm>
+          <a:prstGeom prst="bentConnector3">
+            <a:avLst/>
+          </a:prstGeom>
+          <a:ln w="12700">
+            <a:solidFill>
+              <a:srgbClr val="756B5F"/>
+            </a:solidFill>
+            <a:tailEnd type="none"/>
+          </a:ln>
+        </p:spPr>
+        <p:style>
+          <a:lnRef idx="1">
+            <a:schemeClr val="accent1"/>
+          </a:lnRef>
+          <a:fillRef idx="0">
+            <a:schemeClr val="accent1"/>
+          </a:fillRef>
+          <a:effectRef idx="0">
+            <a:schemeClr val="accent1"/>
+          </a:effectRef>
+          <a:fontRef idx="minor">
+            <a:schemeClr val="tx1"/>
+          </a:fontRef>
+        </p:style>
+      </p:cxnSp>
+      <p:cxnSp>
+        <p:nvCxnSpPr>
+          <p:cNvPr id="112" name="꺾인 연결선 111"/>
+          <p:cNvCxnSpPr>
+            <a:stCxn id="13" idx="2"/>
+            <a:endCxn id="26" idx="0"/>
+          </p:cNvCxnSpPr>
+          <p:nvPr/>
+        </p:nvCxnSpPr>
+        <p:spPr>
+          <a:xfrm rot="16200000" flipH="1">
+            <a:off x="2837343" y="2806605"/>
+            <a:ext cx="719581" cy="343504"/>
+          </a:xfrm>
+          <a:prstGeom prst="bentConnector3">
+            <a:avLst/>
+          </a:prstGeom>
+          <a:ln w="12700">
+            <a:solidFill>
+              <a:srgbClr val="756B5F"/>
+            </a:solidFill>
+            <a:tailEnd type="none"/>
+          </a:ln>
+        </p:spPr>
+        <p:style>
+          <a:lnRef idx="1">
+            <a:schemeClr val="accent1"/>
+          </a:lnRef>
+          <a:fillRef idx="0">
+            <a:schemeClr val="accent1"/>
+          </a:fillRef>
+          <a:effectRef idx="0">
+            <a:schemeClr val="accent1"/>
+          </a:effectRef>
+          <a:fontRef idx="minor">
+            <a:schemeClr val="tx1"/>
+          </a:fontRef>
+        </p:style>
+      </p:cxnSp>
+      <p:cxnSp>
+        <p:nvCxnSpPr>
+          <p:cNvPr id="116" name="꺾인 연결선 115"/>
+          <p:cNvCxnSpPr>
+            <a:stCxn id="13" idx="2"/>
+            <a:endCxn id="25" idx="0"/>
+          </p:cNvCxnSpPr>
+          <p:nvPr/>
+        </p:nvCxnSpPr>
+        <p:spPr>
+          <a:xfrm rot="5400000">
+            <a:off x="2508996" y="2818379"/>
+            <a:ext cx="716200" cy="316572"/>
+          </a:xfrm>
+          <a:prstGeom prst="bentConnector3">
+            <a:avLst/>
+          </a:prstGeom>
+          <a:ln w="12700">
+            <a:solidFill>
+              <a:srgbClr val="756B5F"/>
+            </a:solidFill>
+            <a:tailEnd type="none"/>
+          </a:ln>
+        </p:spPr>
+        <p:style>
+          <a:lnRef idx="1">
+            <a:schemeClr val="accent1"/>
+          </a:lnRef>
+          <a:fillRef idx="0">
+            <a:schemeClr val="accent1"/>
+          </a:fillRef>
+          <a:effectRef idx="0">
+            <a:schemeClr val="accent1"/>
+          </a:effectRef>
+          <a:fontRef idx="minor">
+            <a:schemeClr val="tx1"/>
+          </a:fontRef>
+        </p:style>
+      </p:cxnSp>
+      <p:cxnSp>
+        <p:nvCxnSpPr>
+          <p:cNvPr id="122" name="꺾인 연결선 121"/>
+          <p:cNvCxnSpPr>
+            <a:stCxn id="39" idx="2"/>
+            <a:endCxn id="10" idx="0"/>
+          </p:cNvCxnSpPr>
+          <p:nvPr/>
+        </p:nvCxnSpPr>
+        <p:spPr>
+          <a:xfrm rot="16200000" flipH="1">
+            <a:off x="5251892" y="544467"/>
+            <a:ext cx="314403" cy="1782150"/>
+          </a:xfrm>
+          <a:prstGeom prst="bentConnector3">
+            <a:avLst/>
+          </a:prstGeom>
+          <a:ln w="12700">
+            <a:solidFill>
+              <a:srgbClr val="756B5F"/>
+            </a:solidFill>
+            <a:tailEnd type="none"/>
+          </a:ln>
+        </p:spPr>
+        <p:style>
+          <a:lnRef idx="1">
+            <a:schemeClr val="accent1"/>
+          </a:lnRef>
+          <a:fillRef idx="0">
+            <a:schemeClr val="accent1"/>
+          </a:fillRef>
+          <a:effectRef idx="0">
+            <a:schemeClr val="accent1"/>
+          </a:effectRef>
+          <a:fontRef idx="minor">
+            <a:schemeClr val="tx1"/>
+          </a:fontRef>
+        </p:style>
+      </p:cxnSp>
+      <p:cxnSp>
+        <p:nvCxnSpPr>
+          <p:cNvPr id="124" name="꺾인 연결선 123"/>
+          <p:cNvCxnSpPr>
+            <a:stCxn id="39" idx="2"/>
+            <a:endCxn id="9" idx="0"/>
+          </p:cNvCxnSpPr>
+          <p:nvPr/>
+        </p:nvCxnSpPr>
+        <p:spPr>
+          <a:xfrm rot="5400000">
+            <a:off x="2802086" y="-138122"/>
+            <a:ext cx="299471" cy="3132396"/>
+          </a:xfrm>
+          <a:prstGeom prst="bentConnector3">
+            <a:avLst/>
+          </a:prstGeom>
+          <a:ln w="12700">
+            <a:solidFill>
+              <a:srgbClr val="756B5F"/>
+            </a:solidFill>
+            <a:tailEnd type="none"/>
+          </a:ln>
+        </p:spPr>
+        <p:style>
+          <a:lnRef idx="1">
+            <a:schemeClr val="accent1"/>
+          </a:lnRef>
+          <a:fillRef idx="0">
+            <a:schemeClr val="accent1"/>
+          </a:fillRef>
+          <a:effectRef idx="0">
+            <a:schemeClr val="accent1"/>
+          </a:effectRef>
+          <a:fontRef idx="minor">
+            <a:schemeClr val="tx1"/>
+          </a:fontRef>
+        </p:style>
+      </p:cxnSp>
+      <p:sp>
+        <p:nvSpPr>
+          <p:cNvPr id="86" name="직사각형 85"/>
+          <p:cNvSpPr/>
+          <p:nvPr/>
+        </p:nvSpPr>
+        <p:spPr>
+          <a:xfrm>
+            <a:off x="4141205" y="4245978"/>
+            <a:ext cx="270000" cy="378000"/>
+          </a:xfrm>
+          <a:prstGeom prst="rect">
+            <a:avLst/>
+          </a:prstGeom>
+          <a:solidFill>
+            <a:srgbClr val="CDC1B6"/>
+          </a:solidFill>
+          <a:ln>
+            <a:solidFill>
+              <a:srgbClr val="CDC1B6"/>
+            </a:solidFill>
+          </a:ln>
+        </p:spPr>
+        <p:style>
+          <a:lnRef idx="2">
+            <a:schemeClr val="accent1">
+              <a:shade val="50000"/>
+            </a:schemeClr>
+          </a:lnRef>
+          <a:fillRef idx="1">
+            <a:schemeClr val="accent1"/>
+          </a:fillRef>
+          <a:effectRef idx="0">
+            <a:schemeClr val="accent1"/>
+          </a:effectRef>
+          <a:fontRef idx="minor">
+            <a:schemeClr val="lt1"/>
+          </a:fontRef>
+        </p:style>
+        <p:txBody>
+          <a:bodyPr rot="0" spcFirstLastPara="0" vertOverflow="overflow" horzOverflow="overflow" vert="horz" wrap="square" lIns="0" tIns="0" rIns="0" bIns="0" numCol="1" spcCol="0" rtlCol="0" fromWordArt="0" anchor="ctr" anchorCtr="0" forceAA="0" compatLnSpc="1">
+            <a:prstTxWarp prst="textNoShape">
+              <a:avLst/>
+            </a:prstTxWarp>
+            <a:noAutofit/>
+          </a:bodyPr>
+          <a:lstStyle/>
+          <a:p>
+            <a:pPr algn="ctr"/>
+            <a:r>
+              <a:rPr lang="ko-KR" altLang="en-US" sz="750" b="1">
+                <a:solidFill>
+                  <a:schemeClr val="tx1"/>
+                </a:solidFill>
+              </a:rPr>
+              <a:t>도서수정</a:t>
+            </a:r>
+            <a:endParaRPr lang="ko-KR" altLang="en-US" sz="750" b="1" dirty="0">
+              <a:solidFill>
+                <a:schemeClr val="tx1"/>
+              </a:solidFill>
+            </a:endParaRPr>
+          </a:p>
+        </p:txBody>
+      </p:sp>
+      <p:sp>
+        <p:nvSpPr>
+          <p:cNvPr id="88" name="직사각형 87"/>
+          <p:cNvSpPr/>
+          <p:nvPr/>
+        </p:nvSpPr>
+        <p:spPr>
+          <a:xfrm>
+            <a:off x="4465271" y="4245936"/>
+            <a:ext cx="270000" cy="378000"/>
+          </a:xfrm>
+          <a:prstGeom prst="rect">
+            <a:avLst/>
+          </a:prstGeom>
+          <a:solidFill>
+            <a:srgbClr val="CDC1B6"/>
+          </a:solidFill>
+          <a:ln>
+            <a:solidFill>
+              <a:srgbClr val="CDC1B6"/>
+            </a:solidFill>
+          </a:ln>
+        </p:spPr>
+        <p:style>
+          <a:lnRef idx="2">
+            <a:schemeClr val="accent1">
+              <a:shade val="50000"/>
+            </a:schemeClr>
+          </a:lnRef>
+          <a:fillRef idx="1">
+            <a:schemeClr val="accent1"/>
+          </a:fillRef>
+          <a:effectRef idx="0">
+            <a:schemeClr val="accent1"/>
+          </a:effectRef>
+          <a:fontRef idx="minor">
+            <a:schemeClr val="lt1"/>
+          </a:fontRef>
+        </p:style>
+        <p:txBody>
+          <a:bodyPr rot="0" spcFirstLastPara="0" vertOverflow="overflow" horzOverflow="overflow" vert="horz" wrap="square" lIns="0" tIns="0" rIns="0" bIns="0" numCol="1" spcCol="0" rtlCol="0" fromWordArt="0" anchor="ctr" anchorCtr="0" forceAA="0" compatLnSpc="1">
+            <a:prstTxWarp prst="textNoShape">
+              <a:avLst/>
+            </a:prstTxWarp>
+            <a:noAutofit/>
+          </a:bodyPr>
+          <a:lstStyle/>
+          <a:p>
+            <a:pPr algn="ctr"/>
+            <a:r>
+              <a:rPr lang="ko-KR" altLang="en-US" sz="750" b="1" dirty="0">
+                <a:solidFill>
+                  <a:schemeClr val="tx1"/>
+                </a:solidFill>
+              </a:rPr>
+              <a:t>도서삭제</a:t>
+            </a:r>
+          </a:p>
+        </p:txBody>
+      </p:sp>
+      <p:sp>
+        <p:nvSpPr>
+          <p:cNvPr id="90" name="직사각형 89"/>
+          <p:cNvSpPr/>
+          <p:nvPr/>
+        </p:nvSpPr>
+        <p:spPr>
+          <a:xfrm>
+            <a:off x="4139952" y="3327834"/>
+            <a:ext cx="270000" cy="378000"/>
+          </a:xfrm>
+          <a:prstGeom prst="rect">
+            <a:avLst/>
+          </a:prstGeom>
+          <a:solidFill>
+            <a:srgbClr val="CDC1B6"/>
+          </a:solidFill>
+          <a:ln>
+            <a:solidFill>
+              <a:srgbClr val="CDC1B6"/>
+            </a:solidFill>
+          </a:ln>
+        </p:spPr>
+        <p:style>
+          <a:lnRef idx="2">
+            <a:schemeClr val="accent1">
+              <a:shade val="50000"/>
+            </a:schemeClr>
+          </a:lnRef>
+          <a:fillRef idx="1">
+            <a:schemeClr val="accent1"/>
+          </a:fillRef>
+          <a:effectRef idx="0">
+            <a:schemeClr val="accent1"/>
+          </a:effectRef>
+          <a:fontRef idx="minor">
+            <a:schemeClr val="lt1"/>
+          </a:fontRef>
+        </p:style>
+        <p:txBody>
+          <a:bodyPr rot="0" spcFirstLastPara="0" vertOverflow="overflow" horzOverflow="overflow" vert="horz" wrap="square" lIns="0" tIns="0" rIns="0" bIns="0" numCol="1" spcCol="0" rtlCol="0" fromWordArt="0" anchor="ctr" anchorCtr="0" forceAA="0" compatLnSpc="1">
+            <a:prstTxWarp prst="textNoShape">
+              <a:avLst/>
+            </a:prstTxWarp>
+            <a:noAutofit/>
+          </a:bodyPr>
+          <a:lstStyle/>
+          <a:p>
+            <a:pPr algn="ctr"/>
+            <a:r>
+              <a:rPr lang="ko-KR" altLang="en-US" sz="750" b="1" dirty="0">
+                <a:solidFill>
+                  <a:schemeClr val="tx1"/>
+                </a:solidFill>
+              </a:rPr>
+              <a:t>도서검색</a:t>
+            </a:r>
+          </a:p>
+        </p:txBody>
+      </p:sp>
+      <p:cxnSp>
+        <p:nvCxnSpPr>
+          <p:cNvPr id="59" name="꺾인 연결선 58"/>
+          <p:cNvCxnSpPr>
+            <a:stCxn id="90" idx="2"/>
+            <a:endCxn id="86" idx="0"/>
+          </p:cNvCxnSpPr>
+          <p:nvPr/>
+        </p:nvCxnSpPr>
+        <p:spPr>
+          <a:xfrm rot="16200000" flipH="1">
+            <a:off x="4005506" y="3975280"/>
+            <a:ext cx="540144" cy="1253"/>
+          </a:xfrm>
+          <a:prstGeom prst="bentConnector3">
+            <a:avLst/>
+          </a:prstGeom>
+          <a:ln w="12700">
+            <a:solidFill>
+              <a:srgbClr val="756B5F"/>
+            </a:solidFill>
+            <a:tailEnd type="none"/>
+          </a:ln>
+        </p:spPr>
+        <p:style>
+          <a:lnRef idx="1">
+            <a:schemeClr val="accent1"/>
+          </a:lnRef>
+          <a:fillRef idx="0">
+            <a:schemeClr val="accent1"/>
+          </a:fillRef>
+          <a:effectRef idx="0">
+            <a:schemeClr val="accent1"/>
+          </a:effectRef>
+          <a:fontRef idx="minor">
+            <a:schemeClr val="tx1"/>
+          </a:fontRef>
+        </p:style>
+      </p:cxnSp>
+      <p:cxnSp>
+        <p:nvCxnSpPr>
+          <p:cNvPr id="62" name="꺾인 연결선 61"/>
+          <p:cNvCxnSpPr>
+            <a:stCxn id="20" idx="2"/>
+            <a:endCxn id="88" idx="0"/>
+          </p:cNvCxnSpPr>
+          <p:nvPr/>
+        </p:nvCxnSpPr>
+        <p:spPr>
+          <a:xfrm rot="16200000" flipH="1">
+            <a:off x="4324267" y="3969932"/>
+            <a:ext cx="550755" cy="1253"/>
+          </a:xfrm>
+          <a:prstGeom prst="bentConnector3">
+            <a:avLst/>
+          </a:prstGeom>
+          <a:ln w="12700">
+            <a:solidFill>
+              <a:srgbClr val="756B5F"/>
+            </a:solidFill>
+            <a:tailEnd type="none"/>
+          </a:ln>
+        </p:spPr>
+        <p:style>
+          <a:lnRef idx="1">
+            <a:schemeClr val="accent1"/>
+          </a:lnRef>
+          <a:fillRef idx="0">
+            <a:schemeClr val="accent1"/>
+          </a:fillRef>
+          <a:effectRef idx="0">
+            <a:schemeClr val="accent1"/>
+          </a:effectRef>
+          <a:fontRef idx="minor">
+            <a:schemeClr val="tx1"/>
+          </a:fontRef>
+        </p:style>
+      </p:cxnSp>
+      <p:cxnSp>
+        <p:nvCxnSpPr>
+          <p:cNvPr id="34" name="꺾인 연결선 33"/>
+          <p:cNvCxnSpPr>
+            <a:stCxn id="14" idx="2"/>
+            <a:endCxn id="90" idx="0"/>
+          </p:cNvCxnSpPr>
+          <p:nvPr/>
+        </p:nvCxnSpPr>
+        <p:spPr>
+          <a:xfrm rot="5400000">
+            <a:off x="4150943" y="2717771"/>
+            <a:ext cx="734073" cy="486054"/>
+          </a:xfrm>
+          <a:prstGeom prst="bentConnector3">
+            <a:avLst/>
+          </a:prstGeom>
+          <a:ln w="12700">
+            <a:solidFill>
+              <a:srgbClr val="756B5F"/>
+            </a:solidFill>
+            <a:tailEnd type="none"/>
+          </a:ln>
+        </p:spPr>
+        <p:style>
+          <a:lnRef idx="1">
+            <a:schemeClr val="accent1"/>
+          </a:lnRef>
+          <a:fillRef idx="0">
+            <a:schemeClr val="accent1"/>
+          </a:fillRef>
+          <a:effectRef idx="0">
+            <a:schemeClr val="accent1"/>
+          </a:effectRef>
+          <a:fontRef idx="minor">
+            <a:schemeClr val="tx1"/>
+          </a:fontRef>
+        </p:style>
+      </p:cxnSp>
+      <p:cxnSp>
+        <p:nvCxnSpPr>
+          <p:cNvPr id="7" name="꺾인 연결선 6"/>
+          <p:cNvCxnSpPr>
+            <a:stCxn id="13" idx="2"/>
+            <a:endCxn id="19" idx="0"/>
+          </p:cNvCxnSpPr>
+          <p:nvPr/>
+        </p:nvCxnSpPr>
+        <p:spPr>
+          <a:xfrm rot="5400000">
+            <a:off x="2662689" y="2979931"/>
+            <a:ext cx="724055" cy="1328"/>
+          </a:xfrm>
+          <a:prstGeom prst="bentConnector3">
+            <a:avLst/>
+          </a:prstGeom>
+          <a:ln w="12700">
+            <a:solidFill>
+              <a:srgbClr val="756B5F"/>
+            </a:solidFill>
+            <a:tailEnd type="none"/>
+          </a:ln>
+        </p:spPr>
+        <p:style>
+          <a:lnRef idx="1">
+            <a:schemeClr val="accent1"/>
+          </a:lnRef>
+          <a:fillRef idx="0">
+            <a:schemeClr val="accent1"/>
+          </a:fillRef>
+          <a:effectRef idx="0">
+            <a:schemeClr val="accent1"/>
+          </a:effectRef>
+          <a:fontRef idx="minor">
+            <a:schemeClr val="tx1"/>
+          </a:fontRef>
+        </p:style>
+      </p:cxnSp>
+      <p:cxnSp>
+        <p:nvCxnSpPr>
+          <p:cNvPr id="22" name="직선 연결선 21"/>
+          <p:cNvCxnSpPr>
+            <a:stCxn id="13" idx="0"/>
+          </p:cNvCxnSpPr>
+          <p:nvPr/>
+        </p:nvCxnSpPr>
+        <p:spPr>
+          <a:xfrm flipV="1">
+            <a:off x="3025381" y="2050558"/>
+            <a:ext cx="1" cy="190009"/>
+          </a:xfrm>
+          <a:prstGeom prst="line">
+            <a:avLst/>
+          </a:prstGeom>
+          <a:ln w="12700">
+            <a:solidFill>
+              <a:srgbClr val="756B5F"/>
+            </a:solidFill>
+            <a:tailEnd type="none"/>
+          </a:ln>
+        </p:spPr>
+        <p:style>
+          <a:lnRef idx="1">
+            <a:schemeClr val="accent1"/>
+          </a:lnRef>
+          <a:fillRef idx="0">
+            <a:schemeClr val="accent1"/>
+          </a:fillRef>
+          <a:effectRef idx="0">
+            <a:schemeClr val="accent1"/>
+          </a:effectRef>
+          <a:fontRef idx="minor">
+            <a:schemeClr val="tx1"/>
+          </a:fontRef>
+        </p:style>
+      </p:cxnSp>
+      <p:cxnSp>
+        <p:nvCxnSpPr>
+          <p:cNvPr id="30" name="직선 연결선 29"/>
+          <p:cNvCxnSpPr>
+            <a:stCxn id="16" idx="0"/>
+          </p:cNvCxnSpPr>
+          <p:nvPr/>
+        </p:nvCxnSpPr>
+        <p:spPr>
+          <a:xfrm flipV="1">
+            <a:off x="3950946" y="2050558"/>
+            <a:ext cx="0" cy="163661"/>
+          </a:xfrm>
+          <a:prstGeom prst="line">
+            <a:avLst/>
+          </a:prstGeom>
+          <a:ln w="12700">
+            <a:solidFill>
+              <a:srgbClr val="756B5F"/>
+            </a:solidFill>
+            <a:tailEnd type="none"/>
+          </a:ln>
+        </p:spPr>
+        <p:style>
+          <a:lnRef idx="1">
+            <a:schemeClr val="accent1"/>
+          </a:lnRef>
+          <a:fillRef idx="0">
+            <a:schemeClr val="accent1"/>
+          </a:fillRef>
+          <a:effectRef idx="0">
+            <a:schemeClr val="accent1"/>
+          </a:effectRef>
+          <a:fontRef idx="minor">
+            <a:schemeClr val="tx1"/>
+          </a:fontRef>
+        </p:style>
+      </p:cxnSp>
+      <p:cxnSp>
+        <p:nvCxnSpPr>
+          <p:cNvPr id="35" name="직선 연결선 34"/>
+          <p:cNvCxnSpPr>
+            <a:stCxn id="14" idx="0"/>
+          </p:cNvCxnSpPr>
+          <p:nvPr/>
+        </p:nvCxnSpPr>
+        <p:spPr>
+          <a:xfrm flipV="1">
+            <a:off x="4761006" y="2050557"/>
+            <a:ext cx="0" cy="165204"/>
+          </a:xfrm>
+          <a:prstGeom prst="line">
+            <a:avLst/>
+          </a:prstGeom>
+          <a:ln w="12700">
+            <a:solidFill>
+              <a:srgbClr val="756B5F"/>
+            </a:solidFill>
+            <a:tailEnd type="none"/>
+          </a:ln>
+        </p:spPr>
+        <p:style>
+          <a:lnRef idx="1">
+            <a:schemeClr val="accent1"/>
+          </a:lnRef>
+          <a:fillRef idx="0">
+            <a:schemeClr val="accent1"/>
+          </a:fillRef>
+          <a:effectRef idx="0">
+            <a:schemeClr val="accent1"/>
+          </a:effectRef>
+          <a:fontRef idx="minor">
+            <a:schemeClr val="tx1"/>
+          </a:fontRef>
+        </p:style>
+      </p:cxnSp>
+      <p:cxnSp>
+        <p:nvCxnSpPr>
+          <p:cNvPr id="37" name="직선 연결선 36"/>
+          <p:cNvCxnSpPr>
+            <a:stCxn id="11" idx="0"/>
+          </p:cNvCxnSpPr>
+          <p:nvPr/>
+        </p:nvCxnSpPr>
+        <p:spPr>
+          <a:xfrm flipV="1">
+            <a:off x="6111187" y="2050557"/>
+            <a:ext cx="1" cy="165204"/>
+          </a:xfrm>
+          <a:prstGeom prst="line">
+            <a:avLst/>
+          </a:prstGeom>
+          <a:ln w="12700">
+            <a:solidFill>
+              <a:srgbClr val="756B5F"/>
+            </a:solidFill>
+            <a:tailEnd type="none"/>
+          </a:ln>
+        </p:spPr>
+        <p:style>
+          <a:lnRef idx="1">
+            <a:schemeClr val="accent1"/>
+          </a:lnRef>
+          <a:fillRef idx="0">
+            <a:schemeClr val="accent1"/>
+          </a:fillRef>
+          <a:effectRef idx="0">
+            <a:schemeClr val="accent1"/>
+          </a:effectRef>
+          <a:fontRef idx="minor">
+            <a:schemeClr val="tx1"/>
+          </a:fontRef>
+        </p:style>
+      </p:cxnSp>
+    </p:spTree>
+    <p:extLst>
+      <p:ext uri="{BB962C8B-B14F-4D97-AF65-F5344CB8AC3E}">
+        <p14:creationId xmlns:p14="http://schemas.microsoft.com/office/powerpoint/2010/main" val="3323650795"/>
+      </p:ext>
+    </p:extLst>
+  </p:cSld>
+  <p:clrMapOvr>
+    <a:masterClrMapping/>
+  </p:clrMapOvr>
+</p:sld>
+</file>
+
+<file path=ppt/slides/slide11.xml><?xml version="1.0" encoding="utf-8"?>
+<p:sld xmlns:a="http://schemas.openxmlformats.org/drawingml/2006/main" xmlns:r="http://schemas.openxmlformats.org/officeDocument/2006/relationships" xmlns:p="http://schemas.openxmlformats.org/presentationml/2006/main">
+  <p:cSld>
+    <p:spTree>
+      <p:nvGrpSpPr>
+        <p:cNvPr id="1" name=""/>
+        <p:cNvGrpSpPr/>
+        <p:nvPr/>
+      </p:nvGrpSpPr>
+      <p:grpSpPr>
+        <a:xfrm>
+          <a:off x="0" y="0"/>
+          <a:ext cx="0" cy="0"/>
+          <a:chOff x="0" y="0"/>
+          <a:chExt cx="0" cy="0"/>
+        </a:xfrm>
+      </p:grpSpPr>
+      <p:sp>
+        <p:nvSpPr>
+          <p:cNvPr id="2" name="슬라이드 번호 개체 틀 1"/>
+          <p:cNvSpPr>
+            <a:spLocks noGrp="1"/>
+          </p:cNvSpPr>
+          <p:nvPr>
+            <p:ph type="sldNum" sz="quarter" idx="12"/>
+          </p:nvPr>
+        </p:nvSpPr>
+        <p:spPr/>
+        <p:txBody>
+          <a:bodyPr/>
+          <a:lstStyle/>
+          <a:p>
+            <a:fld id="{8E974B11-60DB-405B-8211-256C6E064270}" type="slidenum">
+              <a:rPr lang="ko-KR" altLang="en-US" smtClean="0"/>
+              <a:pPr/>
+              <a:t>11</a:t>
             </a:fld>
             <a:endParaRPr lang="ko-KR" altLang="en-US" dirty="0"/>
           </a:p>
@@ -5910,7 +8613,7 @@
 </p:sld>
 </file>
 
-<file path=ppt/slides/slide11.xml><?xml version="1.0" encoding="utf-8"?>
+<file path=ppt/slides/slide12.xml><?xml version="1.0" encoding="utf-8"?>
 <p:sld xmlns:a="http://schemas.openxmlformats.org/drawingml/2006/main" xmlns:r="http://schemas.openxmlformats.org/officeDocument/2006/relationships" xmlns:p="http://schemas.openxmlformats.org/presentationml/2006/main">
   <p:cSld>
     <p:spTree>
@@ -5945,7 +8648,7 @@
             <a:fld id="{8E974B11-60DB-405B-8211-256C6E064270}" type="slidenum">
               <a:rPr lang="ko-KR" altLang="en-US" smtClean="0"/>
               <a:pPr/>
-              <a:t>11</a:t>
+              <a:t>12</a:t>
             </a:fld>
             <a:endParaRPr lang="ko-KR" altLang="en-US" dirty="0"/>
           </a:p>
@@ -7129,7 +9832,7 @@
 </p:sld>
 </file>
 
-<file path=ppt/slides/slide12.xml><?xml version="1.0" encoding="utf-8"?>
+<file path=ppt/slides/slide13.xml><?xml version="1.0" encoding="utf-8"?>
 <p:sld xmlns:a="http://schemas.openxmlformats.org/drawingml/2006/main" xmlns:r="http://schemas.openxmlformats.org/officeDocument/2006/relationships" xmlns:p="http://schemas.openxmlformats.org/presentationml/2006/main">
   <p:cSld>
     <p:spTree>
@@ -7238,7 +9941,7 @@
             <a:fld id="{8E974B11-60DB-405B-8211-256C6E064270}" type="slidenum">
               <a:rPr lang="ko-KR" altLang="en-US" smtClean="0"/>
               <a:pPr/>
-              <a:t>12</a:t>
+              <a:t>13</a:t>
             </a:fld>
             <a:endParaRPr lang="ko-KR" altLang="en-US" dirty="0"/>
           </a:p>
@@ -7372,7 +10075,7 @@
 </p:sld>
 </file>
 
-<file path=ppt/slides/slide13.xml><?xml version="1.0" encoding="utf-8"?>
+<file path=ppt/slides/slide14.xml><?xml version="1.0" encoding="utf-8"?>
 <p:sld xmlns:a="http://schemas.openxmlformats.org/drawingml/2006/main" xmlns:r="http://schemas.openxmlformats.org/officeDocument/2006/relationships" xmlns:p="http://schemas.openxmlformats.org/presentationml/2006/main">
   <p:cSld>
     <p:spTree>
@@ -7642,7 +10345,7 @@
           <a:p>
             <a:fld id="{8E974B11-60DB-405B-8211-256C6E064270}" type="slidenum">
               <a:rPr lang="ko-KR" altLang="en-US" smtClean="0"/>
-              <a:t>13</a:t>
+              <a:t>14</a:t>
             </a:fld>
             <a:endParaRPr lang="ko-KR" altLang="en-US"/>
           </a:p>
@@ -7798,7 +10501,7 @@
         </p:nvSpPr>
         <p:spPr>
           <a:xfrm>
-            <a:off x="2907998" y="-67589"/>
+            <a:off x="2870969" y="14594"/>
             <a:ext cx="5796062" cy="4916960"/>
           </a:xfrm>
           <a:prstGeom prst="rect">
@@ -7949,12 +10652,12 @@
           <a:p>
             <a:pPr>
               <a:lnSpc>
-                <a:spcPct val="180000"/>
+                <a:spcPct val="150000"/>
               </a:lnSpc>
               <a:defRPr/>
             </a:pPr>
             <a:r>
-              <a:rPr lang="ko-KR" altLang="en-US" sz="800" b="1">
+              <a:rPr lang="ko-KR" altLang="en-US" sz="900" b="1">
                 <a:solidFill>
                   <a:schemeClr val="bg1"/>
                 </a:solidFill>
@@ -7962,7 +10665,7 @@
               </a:rPr>
               <a:t>서론</a:t>
             </a:r>
-            <a:endParaRPr lang="en-US" altLang="ko-KR" sz="800" b="1">
+            <a:endParaRPr lang="en-US" altLang="ko-KR" sz="900" b="1">
               <a:solidFill>
                 <a:schemeClr val="bg1"/>
               </a:solidFill>
@@ -7972,14 +10675,14 @@
           <a:p>
             <a:pPr lvl="1">
               <a:lnSpc>
-                <a:spcPct val="180000"/>
+                <a:spcPct val="150000"/>
               </a:lnSpc>
               <a:buFont typeface="+mj-lt"/>
               <a:buAutoNum type="arabicPeriod"/>
               <a:defRPr/>
             </a:pPr>
             <a:r>
-              <a:rPr lang="ko-KR" altLang="en-US" sz="800" b="1">
+              <a:rPr lang="ko-KR" altLang="en-US" sz="900" b="1">
                 <a:solidFill>
                   <a:schemeClr val="bg1"/>
                 </a:solidFill>
@@ -7987,7 +10690,7 @@
               </a:rPr>
               <a:t>주제선정 및 배경</a:t>
             </a:r>
-            <a:endParaRPr lang="en-US" altLang="ko-KR" sz="800" b="1">
+            <a:endParaRPr lang="en-US" altLang="ko-KR" sz="900" b="1">
               <a:solidFill>
                 <a:schemeClr val="bg1"/>
               </a:solidFill>
@@ -7997,14 +10700,14 @@
           <a:p>
             <a:pPr lvl="1">
               <a:lnSpc>
-                <a:spcPct val="180000"/>
+                <a:spcPct val="150000"/>
               </a:lnSpc>
               <a:buFont typeface="+mj-lt"/>
               <a:buAutoNum type="arabicPeriod"/>
               <a:defRPr/>
             </a:pPr>
             <a:r>
-              <a:rPr lang="ko-KR" altLang="en-US" sz="800" b="1">
+              <a:rPr lang="ko-KR" altLang="en-US" sz="900" b="1">
                 <a:solidFill>
                   <a:schemeClr val="bg1"/>
                 </a:solidFill>
@@ -8013,7 +10716,7 @@
               <a:t>사례조사</a:t>
             </a:r>
             <a:r>
-              <a:rPr lang="en-US" altLang="ko-KR" sz="800" b="1">
+              <a:rPr lang="en-US" altLang="ko-KR" sz="900" b="1">
                 <a:solidFill>
                   <a:schemeClr val="bg1"/>
                 </a:solidFill>
@@ -8022,7 +10725,7 @@
               <a:t>(</a:t>
             </a:r>
             <a:r>
-              <a:rPr lang="ko-KR" altLang="en-US" sz="800" b="1">
+              <a:rPr lang="ko-KR" altLang="en-US" sz="900" b="1">
                 <a:solidFill>
                   <a:schemeClr val="bg1"/>
                 </a:solidFill>
@@ -8031,7 +10734,7 @@
               <a:t>참조 사례</a:t>
             </a:r>
             <a:r>
-              <a:rPr lang="en-US" altLang="ko-KR" sz="800" b="1">
+              <a:rPr lang="en-US" altLang="ko-KR" sz="900" b="1">
                 <a:solidFill>
                   <a:schemeClr val="bg1"/>
                 </a:solidFill>
@@ -8039,7 +10742,7 @@
               </a:rPr>
               <a:t>)</a:t>
             </a:r>
-            <a:endParaRPr lang="en-US" altLang="ko-KR" sz="800" b="1" dirty="0">
+            <a:endParaRPr lang="en-US" altLang="ko-KR" sz="900" b="1" dirty="0">
               <a:solidFill>
                 <a:schemeClr val="bg1"/>
               </a:solidFill>
@@ -8049,14 +10752,14 @@
           <a:p>
             <a:pPr lvl="1">
               <a:lnSpc>
-                <a:spcPct val="180000"/>
+                <a:spcPct val="150000"/>
               </a:lnSpc>
               <a:buFont typeface="+mj-lt"/>
               <a:buAutoNum type="arabicPeriod"/>
               <a:defRPr/>
             </a:pPr>
             <a:r>
-              <a:rPr lang="ko-KR" altLang="en-US" sz="800" b="1">
+              <a:rPr lang="ko-KR" altLang="en-US" sz="900" b="1">
                 <a:solidFill>
                   <a:schemeClr val="bg1"/>
                 </a:solidFill>
@@ -8065,7 +10768,7 @@
               <a:t>목적 및 필요성</a:t>
             </a:r>
             <a:r>
-              <a:rPr lang="en-US" altLang="ko-KR" sz="800" b="1">
+              <a:rPr lang="en-US" altLang="ko-KR" sz="900" b="1">
                 <a:solidFill>
                   <a:schemeClr val="bg1"/>
                 </a:solidFill>
@@ -8074,7 +10777,7 @@
               <a:t>(</a:t>
             </a:r>
             <a:r>
-              <a:rPr lang="ko-KR" altLang="en-US" sz="800" b="1">
+              <a:rPr lang="ko-KR" altLang="en-US" sz="900" b="1">
                 <a:solidFill>
                   <a:schemeClr val="bg1"/>
                 </a:solidFill>
@@ -8083,7 +10786,7 @@
               <a:t>분석 범위</a:t>
             </a:r>
             <a:r>
-              <a:rPr lang="en-US" altLang="ko-KR" sz="800" b="1">
+              <a:rPr lang="en-US" altLang="ko-KR" sz="900" b="1">
                 <a:solidFill>
                   <a:schemeClr val="bg1"/>
                 </a:solidFill>
@@ -8095,14 +10798,14 @@
           <a:p>
             <a:pPr lvl="1">
               <a:lnSpc>
-                <a:spcPct val="180000"/>
+                <a:spcPct val="150000"/>
               </a:lnSpc>
               <a:buFont typeface="+mj-lt"/>
               <a:buAutoNum type="arabicPeriod"/>
               <a:defRPr/>
             </a:pPr>
             <a:r>
-              <a:rPr lang="ko-KR" altLang="en-US" sz="800" b="1">
+              <a:rPr lang="ko-KR" altLang="en-US" sz="900" b="1">
                 <a:solidFill>
                   <a:schemeClr val="bg1"/>
                 </a:solidFill>
@@ -8110,7 +10813,7 @@
               </a:rPr>
               <a:t>일정 및 개발환경</a:t>
             </a:r>
-            <a:endParaRPr lang="en-US" altLang="ko-KR" sz="800" b="1">
+            <a:endParaRPr lang="en-US" altLang="ko-KR" sz="900" b="1">
               <a:solidFill>
                 <a:schemeClr val="bg1"/>
               </a:solidFill>
@@ -8118,22 +10821,24 @@
             </a:endParaRPr>
           </a:p>
           <a:p>
-            <a:pPr>
+            <a:pPr lvl="1">
               <a:lnSpc>
-                <a:spcPct val="180000"/>
+                <a:spcPct val="150000"/>
               </a:lnSpc>
+              <a:buFont typeface="+mj-lt"/>
+              <a:buAutoNum type="arabicPeriod"/>
               <a:defRPr/>
             </a:pPr>
             <a:r>
-              <a:rPr lang="ko-KR" altLang="en-US" sz="1100" b="1">
+              <a:rPr lang="ko-KR" altLang="en-US" sz="900" b="1">
                 <a:solidFill>
                   <a:schemeClr val="bg1"/>
                 </a:solidFill>
                 <a:latin typeface="+mn-ea"/>
               </a:rPr>
-              <a:t>데이터 전처리</a:t>
-            </a:r>
-            <a:endParaRPr lang="en-US" altLang="ko-KR" sz="1100" b="1">
+              <a:t>업무분장</a:t>
+            </a:r>
+            <a:endParaRPr lang="en-US" altLang="ko-KR" sz="900" b="1">
               <a:solidFill>
                 <a:schemeClr val="bg1"/>
               </a:solidFill>
@@ -8141,16 +10846,39 @@
             </a:endParaRPr>
           </a:p>
           <a:p>
+            <a:pPr>
+              <a:lnSpc>
+                <a:spcPct val="150000"/>
+              </a:lnSpc>
+              <a:defRPr/>
+            </a:pPr>
+            <a:r>
+              <a:rPr lang="ko-KR" altLang="en-US" sz="900" b="1">
+                <a:solidFill>
+                  <a:schemeClr val="bg1"/>
+                </a:solidFill>
+                <a:latin typeface="+mn-ea"/>
+              </a:rPr>
+              <a:t>데이터 전처리</a:t>
+            </a:r>
+            <a:endParaRPr lang="en-US" altLang="ko-KR" sz="900" b="1">
+              <a:solidFill>
+                <a:schemeClr val="bg1"/>
+              </a:solidFill>
+              <a:latin typeface="+mn-ea"/>
+            </a:endParaRPr>
+          </a:p>
+          <a:p>
             <a:pPr marL="685800" lvl="1" indent="-228600">
               <a:lnSpc>
-                <a:spcPct val="180000"/>
+                <a:spcPct val="150000"/>
               </a:lnSpc>
               <a:buFont typeface="+mj-lt"/>
               <a:buAutoNum type="arabicPeriod"/>
               <a:defRPr/>
             </a:pPr>
             <a:r>
-              <a:rPr lang="ko-KR" altLang="en-US" sz="800" b="1">
+              <a:rPr lang="ko-KR" altLang="en-US" sz="900" b="1">
                 <a:solidFill>
                   <a:schemeClr val="bg1"/>
                 </a:solidFill>
@@ -8158,7 +10886,7 @@
               </a:rPr>
               <a:t>개념정의</a:t>
             </a:r>
-            <a:endParaRPr lang="en-US" altLang="ko-KR" sz="800" b="1">
+            <a:endParaRPr lang="en-US" altLang="ko-KR" sz="900" b="1">
               <a:solidFill>
                 <a:schemeClr val="bg1"/>
               </a:solidFill>
@@ -8168,14 +10896,14 @@
           <a:p>
             <a:pPr marL="685800" lvl="1" indent="-228600">
               <a:lnSpc>
-                <a:spcPct val="180000"/>
+                <a:spcPct val="150000"/>
               </a:lnSpc>
               <a:buFont typeface="+mj-lt"/>
               <a:buAutoNum type="arabicPeriod"/>
               <a:defRPr/>
             </a:pPr>
             <a:r>
-              <a:rPr lang="ko-KR" altLang="en-US" sz="800" b="1">
+              <a:rPr lang="ko-KR" altLang="en-US" sz="900" b="1">
                 <a:solidFill>
                   <a:schemeClr val="bg1"/>
                 </a:solidFill>
@@ -8183,7 +10911,7 @@
               </a:rPr>
               <a:t>활용데이터</a:t>
             </a:r>
-            <a:endParaRPr lang="en-US" altLang="ko-KR" sz="800" b="1">
+            <a:endParaRPr lang="en-US" altLang="ko-KR" sz="900" b="1">
               <a:solidFill>
                 <a:schemeClr val="bg1"/>
               </a:solidFill>
@@ -8193,14 +10921,14 @@
           <a:p>
             <a:pPr marL="685800" lvl="1" indent="-228600">
               <a:lnSpc>
-                <a:spcPct val="180000"/>
+                <a:spcPct val="150000"/>
               </a:lnSpc>
               <a:buFont typeface="+mj-lt"/>
               <a:buAutoNum type="arabicPeriod"/>
               <a:defRPr/>
             </a:pPr>
             <a:r>
-              <a:rPr lang="ko-KR" altLang="en-US" sz="800" b="1">
+              <a:rPr lang="ko-KR" altLang="en-US" sz="900" b="1">
                 <a:solidFill>
                   <a:schemeClr val="bg1"/>
                 </a:solidFill>
@@ -8208,7 +10936,7 @@
               </a:rPr>
               <a:t>자료 정제 및 병합</a:t>
             </a:r>
-            <a:endParaRPr lang="en-US" altLang="ko-KR" sz="800" b="1">
+            <a:endParaRPr lang="en-US" altLang="ko-KR" sz="900" b="1">
               <a:solidFill>
                 <a:schemeClr val="bg1"/>
               </a:solidFill>
@@ -8218,14 +10946,14 @@
           <a:p>
             <a:pPr marL="685800" lvl="1" indent="-228600">
               <a:lnSpc>
-                <a:spcPct val="180000"/>
+                <a:spcPct val="150000"/>
               </a:lnSpc>
               <a:buFont typeface="+mj-lt"/>
               <a:buAutoNum type="arabicPeriod"/>
               <a:defRPr/>
             </a:pPr>
             <a:r>
-              <a:rPr lang="ko-KR" altLang="en-US" sz="800" b="1">
+              <a:rPr lang="ko-KR" altLang="en-US" sz="900" b="1">
                 <a:solidFill>
                   <a:schemeClr val="bg1"/>
                 </a:solidFill>
@@ -8234,7 +10962,7 @@
               <a:t>가중치 산출츨 위한 상관분석 및 그룹화</a:t>
             </a:r>
             <a:r>
-              <a:rPr lang="en-US" altLang="ko-KR" sz="800" b="1">
+              <a:rPr lang="en-US" altLang="ko-KR" sz="900" b="1">
                 <a:solidFill>
                   <a:schemeClr val="bg1"/>
                 </a:solidFill>
@@ -8243,7 +10971,7 @@
               <a:t>,</a:t>
             </a:r>
             <a:r>
-              <a:rPr lang="ko-KR" altLang="en-US" sz="800" b="1">
+              <a:rPr lang="ko-KR" altLang="en-US" sz="900" b="1">
                 <a:solidFill>
                   <a:schemeClr val="bg1"/>
                 </a:solidFill>
@@ -8251,7 +10979,7 @@
               </a:rPr>
               <a:t> 시각화</a:t>
             </a:r>
-            <a:endParaRPr lang="en-US" altLang="ko-KR" sz="800" b="1">
+            <a:endParaRPr lang="en-US" altLang="ko-KR" sz="900" b="1">
               <a:solidFill>
                 <a:schemeClr val="bg1"/>
               </a:solidFill>
@@ -8261,14 +10989,14 @@
           <a:p>
             <a:pPr marL="685800" lvl="1" indent="-228600">
               <a:lnSpc>
-                <a:spcPct val="180000"/>
+                <a:spcPct val="150000"/>
               </a:lnSpc>
               <a:buFont typeface="+mj-lt"/>
               <a:buAutoNum type="arabicPeriod"/>
               <a:defRPr/>
             </a:pPr>
             <a:r>
-              <a:rPr lang="ko-KR" altLang="en-US" sz="800" b="1">
+              <a:rPr lang="ko-KR" altLang="en-US" sz="900" b="1">
                 <a:solidFill>
                   <a:schemeClr val="bg1"/>
                 </a:solidFill>
@@ -8276,7 +11004,7 @@
               </a:rPr>
               <a:t>키워드 분석  및 트렌드 분석 </a:t>
             </a:r>
-            <a:endParaRPr lang="en-US" altLang="ko-KR" sz="800" b="1" dirty="0">
+            <a:endParaRPr lang="en-US" altLang="ko-KR" sz="900" b="1" dirty="0">
               <a:solidFill>
                 <a:schemeClr val="bg1"/>
               </a:solidFill>
@@ -8286,12 +11014,12 @@
           <a:p>
             <a:pPr indent="-285750">
               <a:lnSpc>
-                <a:spcPct val="180000"/>
+                <a:spcPct val="150000"/>
               </a:lnSpc>
               <a:defRPr/>
             </a:pPr>
             <a:r>
-              <a:rPr lang="en-US" altLang="ko-KR" sz="1100" b="1">
+              <a:rPr lang="en-US" altLang="ko-KR" sz="900" b="1">
                 <a:solidFill>
                   <a:schemeClr val="bg1"/>
                 </a:solidFill>
@@ -8300,7 +11028,7 @@
               <a:t>Machine Learning &amp; Deep Neural Network </a:t>
             </a:r>
             <a:r>
-              <a:rPr lang="ko-KR" altLang="en-US" sz="1100" b="1">
+              <a:rPr lang="ko-KR" altLang="en-US" sz="900" b="1">
                 <a:solidFill>
                   <a:schemeClr val="bg1"/>
                 </a:solidFill>
@@ -8308,7 +11036,7 @@
               </a:rPr>
               <a:t>분석</a:t>
             </a:r>
-            <a:endParaRPr lang="en-US" altLang="ko-KR" sz="1100" b="1" dirty="0">
+            <a:endParaRPr lang="en-US" altLang="ko-KR" sz="900" b="1" dirty="0">
               <a:solidFill>
                 <a:schemeClr val="bg1"/>
               </a:solidFill>
@@ -8318,14 +11046,14 @@
           <a:p>
             <a:pPr marL="685800" lvl="1" indent="-228600">
               <a:lnSpc>
-                <a:spcPct val="180000"/>
+                <a:spcPct val="150000"/>
               </a:lnSpc>
               <a:buFont typeface="+mj-lt"/>
               <a:buAutoNum type="arabicPeriod"/>
               <a:defRPr/>
             </a:pPr>
             <a:r>
-              <a:rPr lang="en-US" altLang="ko-KR" sz="800" b="1">
+              <a:rPr lang="en-US" altLang="ko-KR" sz="900" b="1">
                 <a:solidFill>
                   <a:schemeClr val="bg1"/>
                 </a:solidFill>
@@ -8337,14 +11065,14 @@
           <a:p>
             <a:pPr marL="685800" lvl="1" indent="-228600">
               <a:lnSpc>
-                <a:spcPct val="180000"/>
+                <a:spcPct val="150000"/>
               </a:lnSpc>
               <a:buFont typeface="+mj-lt"/>
               <a:buAutoNum type="arabicPeriod"/>
               <a:defRPr/>
             </a:pPr>
             <a:r>
-              <a:rPr lang="en-US" altLang="ko-KR" sz="800" b="1">
+              <a:rPr lang="en-US" altLang="ko-KR" sz="900" b="1">
                 <a:solidFill>
                   <a:schemeClr val="bg1"/>
                 </a:solidFill>
@@ -8356,14 +11084,14 @@
           <a:p>
             <a:pPr marL="685800" lvl="1" indent="-228600">
               <a:lnSpc>
-                <a:spcPct val="180000"/>
+                <a:spcPct val="150000"/>
               </a:lnSpc>
               <a:buFont typeface="+mj-lt"/>
               <a:buAutoNum type="arabicPeriod"/>
               <a:defRPr/>
             </a:pPr>
             <a:r>
-              <a:rPr lang="en-US" altLang="ko-KR" sz="800" b="1">
+              <a:rPr lang="en-US" altLang="ko-KR" sz="900" b="1">
                 <a:solidFill>
                   <a:schemeClr val="bg1"/>
                 </a:solidFill>
@@ -8375,12 +11103,12 @@
           <a:p>
             <a:pPr marL="285750" indent="-228600">
               <a:lnSpc>
-                <a:spcPct val="180000"/>
+                <a:spcPct val="150000"/>
               </a:lnSpc>
               <a:defRPr/>
             </a:pPr>
             <a:r>
-              <a:rPr lang="ko-KR" altLang="en-US" sz="1100" b="1">
+              <a:rPr lang="ko-KR" altLang="en-US" sz="900" b="1">
                 <a:solidFill>
                   <a:schemeClr val="bg1"/>
                 </a:solidFill>
@@ -8388,7 +11116,7 @@
               </a:rPr>
               <a:t>결론</a:t>
             </a:r>
-            <a:endParaRPr lang="en-US" altLang="ko-KR" sz="1100" b="1" dirty="0">
+            <a:endParaRPr lang="en-US" altLang="ko-KR" sz="900" b="1" dirty="0">
               <a:solidFill>
                 <a:schemeClr val="bg1"/>
               </a:solidFill>
@@ -8398,14 +11126,14 @@
           <a:p>
             <a:pPr marL="685800" lvl="1" indent="-228600">
               <a:lnSpc>
-                <a:spcPct val="180000"/>
+                <a:spcPct val="150000"/>
               </a:lnSpc>
               <a:buFont typeface="+mj-lt"/>
               <a:buAutoNum type="arabicPeriod"/>
               <a:defRPr/>
             </a:pPr>
             <a:r>
-              <a:rPr lang="ko-KR" altLang="en-US" sz="800" b="1">
+              <a:rPr lang="ko-KR" altLang="en-US" sz="900" b="1">
                 <a:solidFill>
                   <a:schemeClr val="bg1"/>
                 </a:solidFill>
@@ -8414,7 +11142,7 @@
               <a:t>최종 결과(기존 시스템에 기여하는 결과</a:t>
             </a:r>
             <a:r>
-              <a:rPr lang="en-US" altLang="ko-KR" sz="800" b="1">
+              <a:rPr lang="en-US" altLang="ko-KR" sz="900" b="1">
                 <a:solidFill>
                   <a:schemeClr val="bg1"/>
                 </a:solidFill>
@@ -8426,14 +11154,14 @@
           <a:p>
             <a:pPr marL="685800" lvl="1" indent="-228600">
               <a:lnSpc>
-                <a:spcPct val="180000"/>
+                <a:spcPct val="150000"/>
               </a:lnSpc>
               <a:buFont typeface="+mj-lt"/>
               <a:buAutoNum type="arabicPeriod"/>
               <a:defRPr/>
             </a:pPr>
             <a:r>
-              <a:rPr lang="ko-KR" altLang="en-US" sz="800" b="1">
+              <a:rPr lang="ko-KR" altLang="en-US" sz="900" b="1">
                 <a:solidFill>
                   <a:schemeClr val="bg1"/>
                 </a:solidFill>
@@ -8442,7 +11170,7 @@
               <a:t>연구의 </a:t>
             </a:r>
             <a:r>
-              <a:rPr lang="ko-KR" altLang="en-US" sz="800" b="1" dirty="0">
+              <a:rPr lang="ko-KR" altLang="en-US" sz="900" b="1" dirty="0">
                 <a:solidFill>
                   <a:schemeClr val="bg1"/>
                 </a:solidFill>
@@ -8450,7 +11178,7 @@
               </a:rPr>
               <a:t>결과 및 시사점</a:t>
             </a:r>
-            <a:endParaRPr lang="en-US" altLang="ko-KR" sz="800" b="1" dirty="0">
+            <a:endParaRPr lang="en-US" altLang="ko-KR" sz="900" b="1" dirty="0">
               <a:solidFill>
                 <a:schemeClr val="bg1"/>
               </a:solidFill>
@@ -8460,14 +11188,14 @@
           <a:p>
             <a:pPr marL="685800" lvl="1" indent="-228600">
               <a:lnSpc>
-                <a:spcPct val="180000"/>
+                <a:spcPct val="150000"/>
               </a:lnSpc>
               <a:buFont typeface="+mj-lt"/>
               <a:buAutoNum type="arabicPeriod"/>
               <a:defRPr/>
             </a:pPr>
             <a:r>
-              <a:rPr lang="ko-KR" altLang="en-US" sz="800" b="1" dirty="0">
+              <a:rPr lang="ko-KR" altLang="en-US" sz="900" b="1" dirty="0">
                 <a:solidFill>
                   <a:schemeClr val="bg1"/>
                 </a:solidFill>
@@ -8476,7 +11204,7 @@
               <a:t>연구 한계 및 향후 </a:t>
             </a:r>
             <a:r>
-              <a:rPr lang="ko-KR" altLang="en-US" sz="800" b="1">
+              <a:rPr lang="ko-KR" altLang="en-US" sz="900" b="1">
                 <a:solidFill>
                   <a:schemeClr val="bg1"/>
                 </a:solidFill>
@@ -8484,7 +11212,7 @@
               </a:rPr>
               <a:t>연구 방향</a:t>
             </a:r>
-            <a:endParaRPr lang="en-US" altLang="ko-KR" sz="800" b="1">
+            <a:endParaRPr lang="en-US" altLang="ko-KR" sz="900" b="1">
               <a:solidFill>
                 <a:schemeClr val="bg1"/>
               </a:solidFill>
@@ -8494,14 +11222,14 @@
           <a:p>
             <a:pPr marL="685800" lvl="1" indent="-228600">
               <a:lnSpc>
-                <a:spcPct val="180000"/>
+                <a:spcPct val="150000"/>
               </a:lnSpc>
               <a:buFont typeface="+mj-lt"/>
               <a:buAutoNum type="arabicPeriod"/>
               <a:defRPr/>
             </a:pPr>
             <a:r>
-              <a:rPr lang="ko-KR" altLang="en-US" sz="800" b="1">
+              <a:rPr lang="ko-KR" altLang="en-US" sz="900" b="1">
                 <a:solidFill>
                   <a:schemeClr val="bg1"/>
                 </a:solidFill>
@@ -8509,7 +11237,7 @@
               </a:rPr>
               <a:t>참고문헌 및 사용데이터 출천</a:t>
             </a:r>
-            <a:endParaRPr lang="en-US" altLang="ko-KR" sz="800" b="1" dirty="0">
+            <a:endParaRPr lang="en-US" altLang="ko-KR" sz="900" b="1" dirty="0">
               <a:solidFill>
                 <a:schemeClr val="bg1"/>
               </a:solidFill>
@@ -11759,13 +14487,7 @@
       </p:grpSpPr>
       <p:sp>
         <p:nvSpPr>
-          <p:cNvPr id="2" name="슬라이드 번호 개체 틀 1">
-            <a:extLst>
-              <a:ext uri="{FF2B5EF4-FFF2-40B4-BE49-F238E27FC236}">
-                <a16:creationId xmlns:a16="http://schemas.microsoft.com/office/drawing/2014/main" id="{9FCEE3D2-8D7C-4399-9124-487ADAD09EAF}"/>
-              </a:ext>
-            </a:extLst>
-          </p:cNvPr>
+          <p:cNvPr id="2" name="슬라이드 번호 개체 틀 1"/>
           <p:cNvSpPr>
             <a:spLocks noGrp="1"/>
           </p:cNvSpPr>
@@ -11787,10 +14509,2283 @@
           </a:p>
         </p:txBody>
       </p:sp>
+      <p:grpSp>
+        <p:nvGrpSpPr>
+          <p:cNvPr id="3" name="그룹 8"/>
+          <p:cNvGrpSpPr>
+            <a:grpSpLocks/>
+          </p:cNvGrpSpPr>
+          <p:nvPr/>
+        </p:nvGrpSpPr>
+        <p:grpSpPr bwMode="auto">
+          <a:xfrm>
+            <a:off x="1654783" y="411511"/>
+            <a:ext cx="2565797" cy="2268253"/>
+            <a:chOff x="683568" y="908719"/>
+            <a:chExt cx="3420000" cy="3023144"/>
+          </a:xfrm>
+        </p:grpSpPr>
+        <p:sp>
+          <p:nvSpPr>
+            <p:cNvPr id="4" name="직사각형 3"/>
+            <p:cNvSpPr/>
+            <p:nvPr/>
+          </p:nvSpPr>
+          <p:spPr>
+            <a:xfrm>
+              <a:off x="683568" y="908719"/>
+              <a:ext cx="3420000" cy="360220"/>
+            </a:xfrm>
+            <a:prstGeom prst="rect">
+              <a:avLst/>
+            </a:prstGeom>
+            <a:solidFill>
+              <a:srgbClr val="987C4D"/>
+            </a:solidFill>
+            <a:ln>
+              <a:noFill/>
+            </a:ln>
+          </p:spPr>
+          <p:style>
+            <a:lnRef idx="2">
+              <a:schemeClr val="accent1">
+                <a:shade val="50000"/>
+              </a:schemeClr>
+            </a:lnRef>
+            <a:fillRef idx="1">
+              <a:schemeClr val="accent1"/>
+            </a:fillRef>
+            <a:effectRef idx="0">
+              <a:schemeClr val="accent1"/>
+            </a:effectRef>
+            <a:fontRef idx="minor">
+              <a:schemeClr val="lt1"/>
+            </a:fontRef>
+          </p:style>
+          <p:txBody>
+            <a:bodyPr anchor="ctr"/>
+            <a:lstStyle/>
+            <a:p>
+              <a:pPr algn="ctr">
+                <a:defRPr/>
+              </a:pPr>
+              <a:r>
+                <a:rPr lang="ko-KR" altLang="en-US" sz="1050" b="1"/>
+                <a:t>홍길동</a:t>
+              </a:r>
+              <a:endParaRPr lang="ko-KR" altLang="en-US" sz="1050" b="1" dirty="0"/>
+            </a:p>
+          </p:txBody>
+        </p:sp>
+        <p:sp>
+          <p:nvSpPr>
+            <p:cNvPr id="5" name="직사각형 4"/>
+            <p:cNvSpPr/>
+            <p:nvPr/>
+          </p:nvSpPr>
+          <p:spPr>
+            <a:xfrm>
+              <a:off x="683568" y="1340350"/>
+              <a:ext cx="3420000" cy="2591513"/>
+            </a:xfrm>
+            <a:prstGeom prst="rect">
+              <a:avLst/>
+            </a:prstGeom>
+            <a:noFill/>
+            <a:ln w="19050">
+              <a:solidFill>
+                <a:srgbClr val="D6D7DE"/>
+              </a:solidFill>
+            </a:ln>
+          </p:spPr>
+          <p:style>
+            <a:lnRef idx="2">
+              <a:schemeClr val="accent1">
+                <a:shade val="50000"/>
+              </a:schemeClr>
+            </a:lnRef>
+            <a:fillRef idx="1">
+              <a:schemeClr val="accent1"/>
+            </a:fillRef>
+            <a:effectRef idx="0">
+              <a:schemeClr val="accent1"/>
+            </a:effectRef>
+            <a:fontRef idx="minor">
+              <a:schemeClr val="lt1"/>
+            </a:fontRef>
+          </p:style>
+          <p:txBody>
+            <a:bodyPr anchor="ctr"/>
+            <a:lstStyle/>
+            <a:p>
+              <a:pPr algn="ctr">
+                <a:defRPr/>
+              </a:pPr>
+              <a:endParaRPr lang="ko-KR" altLang="en-US" sz="1350"/>
+            </a:p>
+          </p:txBody>
+        </p:sp>
+      </p:grpSp>
+      <p:sp>
+        <p:nvSpPr>
+          <p:cNvPr id="6" name="TextBox 5"/>
+          <p:cNvSpPr txBox="1"/>
+          <p:nvPr/>
+        </p:nvSpPr>
+        <p:spPr>
+          <a:xfrm>
+            <a:off x="1736935" y="735548"/>
+            <a:ext cx="2511029" cy="1985159"/>
+          </a:xfrm>
+          <a:prstGeom prst="rect">
+            <a:avLst/>
+          </a:prstGeom>
+          <a:noFill/>
+        </p:spPr>
+        <p:txBody>
+          <a:bodyPr>
+            <a:spAutoFit/>
+          </a:bodyPr>
+          <a:lstStyle/>
+          <a:p>
+            <a:pPr>
+              <a:defRPr/>
+            </a:pPr>
+            <a:r>
+              <a:rPr lang="ko-KR" altLang="en-US" sz="825" b="1" dirty="0">
+                <a:latin typeface="+mn-ea"/>
+              </a:rPr>
+              <a:t>■ 소프트웨어 설계</a:t>
+            </a:r>
+            <a:endParaRPr lang="en-US" altLang="ko-KR" sz="825" b="1" dirty="0">
+              <a:latin typeface="+mn-ea"/>
+            </a:endParaRPr>
+          </a:p>
+          <a:p>
+            <a:pPr>
+              <a:defRPr/>
+            </a:pPr>
+            <a:r>
+              <a:rPr lang="en-US" altLang="ko-KR" sz="825" dirty="0">
+                <a:latin typeface="+mn-ea"/>
+              </a:rPr>
+              <a:t> - </a:t>
+            </a:r>
+            <a:r>
+              <a:rPr lang="ko-KR" altLang="en-US" sz="825" dirty="0">
+                <a:latin typeface="+mn-ea"/>
+              </a:rPr>
+              <a:t>프로젝트 전반적 설계</a:t>
+            </a:r>
+            <a:r>
+              <a:rPr lang="en-US" altLang="ko-KR" sz="825" dirty="0">
+                <a:latin typeface="+mn-ea"/>
+              </a:rPr>
+              <a:t>, e-r diagram</a:t>
+            </a:r>
+            <a:endParaRPr lang="en-US" altLang="ko-KR" sz="825" b="1" dirty="0">
+              <a:latin typeface="+mn-ea"/>
+            </a:endParaRPr>
+          </a:p>
+          <a:p>
+            <a:pPr>
+              <a:defRPr/>
+            </a:pPr>
+            <a:endParaRPr lang="en-US" altLang="ko-KR" sz="825" b="1" dirty="0">
+              <a:latin typeface="+mn-ea"/>
+            </a:endParaRPr>
+          </a:p>
+          <a:p>
+            <a:pPr>
+              <a:defRPr/>
+            </a:pPr>
+            <a:r>
+              <a:rPr lang="ko-KR" altLang="en-US" sz="825" b="1" dirty="0">
+                <a:latin typeface="+mn-ea"/>
+              </a:rPr>
+              <a:t>■ 회원관리</a:t>
+            </a:r>
+            <a:r>
+              <a:rPr lang="en-US" altLang="ko-KR" sz="825" b="1" dirty="0">
+                <a:latin typeface="+mn-ea"/>
+              </a:rPr>
+              <a:t>(</a:t>
+            </a:r>
+            <a:r>
+              <a:rPr lang="ko-KR" altLang="en-US" sz="825" b="1" dirty="0">
+                <a:latin typeface="+mn-ea"/>
+              </a:rPr>
+              <a:t>사용자측</a:t>
+            </a:r>
+            <a:r>
+              <a:rPr lang="en-US" altLang="ko-KR" sz="825" b="1" dirty="0">
+                <a:latin typeface="+mn-ea"/>
+              </a:rPr>
+              <a:t>)</a:t>
+            </a:r>
+            <a:endParaRPr lang="en-US" altLang="ko-KR" sz="750" dirty="0">
+              <a:latin typeface="+mn-ea"/>
+            </a:endParaRPr>
+          </a:p>
+          <a:p>
+            <a:pPr>
+              <a:defRPr/>
+            </a:pPr>
+            <a:r>
+              <a:rPr lang="en-US" altLang="ko-KR" sz="750" dirty="0">
+                <a:latin typeface="+mn-ea"/>
+              </a:rPr>
+              <a:t>  - </a:t>
+            </a:r>
+            <a:r>
+              <a:rPr lang="ko-KR" altLang="en-US" sz="750" dirty="0">
+                <a:latin typeface="+mn-ea"/>
+              </a:rPr>
+              <a:t>로그인</a:t>
+            </a:r>
+            <a:r>
+              <a:rPr lang="en-US" altLang="ko-KR" sz="750" dirty="0">
+                <a:latin typeface="+mn-ea"/>
+              </a:rPr>
+              <a:t>/</a:t>
+            </a:r>
+            <a:r>
+              <a:rPr lang="ko-KR" altLang="en-US" sz="750" dirty="0">
+                <a:latin typeface="+mn-ea"/>
+              </a:rPr>
+              <a:t>로그아웃</a:t>
+            </a:r>
+            <a:r>
+              <a:rPr lang="en-US" altLang="ko-KR" sz="750" dirty="0">
+                <a:latin typeface="+mn-ea"/>
+              </a:rPr>
+              <a:t>, </a:t>
+            </a:r>
+            <a:r>
+              <a:rPr lang="ko-KR" altLang="en-US" sz="750" dirty="0">
+                <a:latin typeface="+mn-ea"/>
+              </a:rPr>
+              <a:t>회원가입</a:t>
+            </a:r>
+            <a:r>
+              <a:rPr lang="en-US" altLang="ko-KR" sz="750" dirty="0">
+                <a:latin typeface="+mn-ea"/>
+              </a:rPr>
+              <a:t>, </a:t>
+            </a:r>
+            <a:r>
+              <a:rPr lang="ko-KR" altLang="en-US" sz="750" dirty="0">
+                <a:latin typeface="+mn-ea"/>
+              </a:rPr>
+              <a:t>회원탈퇴</a:t>
+            </a:r>
+            <a:r>
+              <a:rPr lang="en-US" altLang="ko-KR" sz="750" dirty="0">
+                <a:latin typeface="+mn-ea"/>
+              </a:rPr>
+              <a:t>, </a:t>
+            </a:r>
+            <a:r>
+              <a:rPr lang="ko-KR" altLang="en-US" sz="750" dirty="0" err="1">
+                <a:latin typeface="+mn-ea"/>
+              </a:rPr>
+              <a:t>내서재</a:t>
+            </a:r>
+            <a:r>
+              <a:rPr lang="en-US" altLang="ko-KR" sz="750" dirty="0">
+                <a:latin typeface="+mn-ea"/>
+              </a:rPr>
+              <a:t>(</a:t>
+            </a:r>
+            <a:r>
+              <a:rPr lang="ko-KR" altLang="en-US" sz="750" dirty="0">
+                <a:latin typeface="+mn-ea"/>
+              </a:rPr>
+              <a:t>대출현황</a:t>
+            </a:r>
+            <a:r>
+              <a:rPr lang="en-US" altLang="ko-KR" sz="750" dirty="0">
+                <a:latin typeface="+mn-ea"/>
+              </a:rPr>
+              <a:t>, </a:t>
+            </a:r>
+            <a:r>
+              <a:rPr lang="ko-KR" altLang="en-US" sz="750" dirty="0">
+                <a:latin typeface="+mn-ea"/>
+              </a:rPr>
+              <a:t>예약현황</a:t>
+            </a:r>
+            <a:r>
+              <a:rPr lang="en-US" altLang="ko-KR" sz="750" dirty="0">
+                <a:latin typeface="+mn-ea"/>
+              </a:rPr>
+              <a:t>)</a:t>
+            </a:r>
+          </a:p>
+          <a:p>
+            <a:pPr>
+              <a:defRPr/>
+            </a:pPr>
+            <a:endParaRPr lang="en-US" altLang="ko-KR" sz="750" dirty="0">
+              <a:latin typeface="+mn-ea"/>
+            </a:endParaRPr>
+          </a:p>
+          <a:p>
+            <a:pPr>
+              <a:defRPr/>
+            </a:pPr>
+            <a:r>
+              <a:rPr lang="ko-KR" altLang="en-US" sz="750" b="1" dirty="0">
+                <a:latin typeface="+mn-ea"/>
+              </a:rPr>
+              <a:t>■ 자유게시판</a:t>
+            </a:r>
+            <a:r>
+              <a:rPr lang="en-US" altLang="ko-KR" sz="750" b="1" dirty="0">
+                <a:latin typeface="+mn-ea"/>
+              </a:rPr>
+              <a:t>(</a:t>
+            </a:r>
+            <a:r>
+              <a:rPr lang="ko-KR" altLang="en-US" sz="750" b="1" dirty="0">
+                <a:latin typeface="+mn-ea"/>
+              </a:rPr>
+              <a:t>사용자</a:t>
+            </a:r>
+            <a:r>
+              <a:rPr lang="en-US" altLang="ko-KR" sz="750" b="1" dirty="0">
+                <a:latin typeface="+mn-ea"/>
+              </a:rPr>
+              <a:t>, </a:t>
+            </a:r>
+            <a:r>
+              <a:rPr lang="ko-KR" altLang="en-US" sz="750" b="1" dirty="0">
+                <a:latin typeface="+mn-ea"/>
+              </a:rPr>
+              <a:t>관리자 측</a:t>
+            </a:r>
+            <a:r>
+              <a:rPr lang="en-US" altLang="ko-KR" sz="750" b="1" dirty="0">
+                <a:latin typeface="+mn-ea"/>
+              </a:rPr>
+              <a:t>)</a:t>
+            </a:r>
+          </a:p>
+          <a:p>
+            <a:pPr>
+              <a:defRPr/>
+            </a:pPr>
+            <a:r>
+              <a:rPr lang="en-US" altLang="ko-KR" sz="750" dirty="0">
+                <a:latin typeface="+mn-ea"/>
+              </a:rPr>
+              <a:t>  - </a:t>
+            </a:r>
+            <a:r>
+              <a:rPr lang="ko-KR" altLang="en-US" sz="750" dirty="0">
+                <a:latin typeface="+mn-ea"/>
+              </a:rPr>
+              <a:t>답변</a:t>
+            </a:r>
+            <a:r>
+              <a:rPr lang="en-US" altLang="ko-KR" sz="750" dirty="0">
+                <a:latin typeface="+mn-ea"/>
+              </a:rPr>
+              <a:t>, </a:t>
+            </a:r>
+            <a:r>
+              <a:rPr lang="ko-KR" altLang="en-US" sz="750" dirty="0" err="1">
+                <a:latin typeface="+mn-ea"/>
+              </a:rPr>
+              <a:t>페이징</a:t>
+            </a:r>
+            <a:endParaRPr lang="en-US" altLang="ko-KR" sz="750" dirty="0">
+              <a:latin typeface="+mn-ea"/>
+            </a:endParaRPr>
+          </a:p>
+          <a:p>
+            <a:pPr>
+              <a:defRPr/>
+            </a:pPr>
+            <a:endParaRPr lang="en-US" altLang="ko-KR" sz="750" dirty="0">
+              <a:latin typeface="+mn-ea"/>
+            </a:endParaRPr>
+          </a:p>
+          <a:p>
+            <a:pPr>
+              <a:defRPr/>
+            </a:pPr>
+            <a:r>
+              <a:rPr lang="ko-KR" altLang="en-US" sz="750" b="1" dirty="0">
+                <a:latin typeface="+mn-ea"/>
+              </a:rPr>
+              <a:t>■ 관리자 등록 삭제</a:t>
+            </a:r>
+            <a:r>
+              <a:rPr lang="en-US" altLang="ko-KR" sz="750" b="1" dirty="0">
+                <a:latin typeface="+mn-ea"/>
+              </a:rPr>
+              <a:t>(</a:t>
+            </a:r>
+            <a:r>
+              <a:rPr lang="ko-KR" altLang="en-US" sz="750" b="1" dirty="0">
+                <a:latin typeface="+mn-ea"/>
+              </a:rPr>
+              <a:t>관리자 측</a:t>
+            </a:r>
+            <a:r>
+              <a:rPr lang="en-US" altLang="ko-KR" sz="750" b="1" dirty="0">
+                <a:latin typeface="+mn-ea"/>
+              </a:rPr>
+              <a:t>)</a:t>
+            </a:r>
+          </a:p>
+          <a:p>
+            <a:pPr>
+              <a:defRPr/>
+            </a:pPr>
+            <a:endParaRPr lang="en-US" altLang="ko-KR" sz="750" b="1" dirty="0">
+              <a:latin typeface="+mn-ea"/>
+            </a:endParaRPr>
+          </a:p>
+          <a:p>
+            <a:pPr>
+              <a:defRPr/>
+            </a:pPr>
+            <a:r>
+              <a:rPr lang="ko-KR" altLang="en-US" sz="750" b="1" dirty="0">
+                <a:latin typeface="+mn-ea"/>
+              </a:rPr>
+              <a:t>■ 회원강등</a:t>
+            </a:r>
+            <a:r>
+              <a:rPr lang="en-US" altLang="ko-KR" sz="750" b="1" dirty="0">
+                <a:latin typeface="+mn-ea"/>
+              </a:rPr>
+              <a:t>, </a:t>
+            </a:r>
+            <a:r>
+              <a:rPr lang="ko-KR" altLang="en-US" sz="750" b="1" dirty="0" err="1">
+                <a:latin typeface="+mn-ea"/>
+              </a:rPr>
+              <a:t>레벨별</a:t>
+            </a:r>
+            <a:r>
+              <a:rPr lang="ko-KR" altLang="en-US" sz="750" b="1" dirty="0">
+                <a:latin typeface="+mn-ea"/>
+              </a:rPr>
+              <a:t> 전체목록</a:t>
+            </a:r>
+            <a:r>
+              <a:rPr lang="en-US" altLang="ko-KR" sz="750" b="1" dirty="0">
+                <a:latin typeface="+mn-ea"/>
+              </a:rPr>
+              <a:t>(</a:t>
+            </a:r>
+            <a:r>
+              <a:rPr lang="ko-KR" altLang="en-US" sz="750" b="1" dirty="0" err="1">
+                <a:latin typeface="+mn-ea"/>
+              </a:rPr>
+              <a:t>관리자측</a:t>
+            </a:r>
+            <a:r>
+              <a:rPr lang="en-US" altLang="ko-KR" sz="750" b="1" dirty="0">
+                <a:latin typeface="+mn-ea"/>
+              </a:rPr>
+              <a:t>)</a:t>
+            </a:r>
+          </a:p>
+          <a:p>
+            <a:pPr>
+              <a:defRPr/>
+            </a:pPr>
+            <a:endParaRPr lang="en-US" altLang="ko-KR" sz="750" b="1" dirty="0">
+              <a:latin typeface="+mn-ea"/>
+            </a:endParaRPr>
+          </a:p>
+          <a:p>
+            <a:pPr>
+              <a:defRPr/>
+            </a:pPr>
+            <a:r>
+              <a:rPr lang="ko-KR" altLang="en-US" sz="750" b="1" dirty="0">
+                <a:latin typeface="+mn-ea"/>
+              </a:rPr>
+              <a:t>■ 공지사항 게시판</a:t>
+            </a:r>
+            <a:r>
+              <a:rPr lang="en-US" altLang="ko-KR" sz="750" b="1" dirty="0">
+                <a:latin typeface="+mn-ea"/>
+              </a:rPr>
+              <a:t>(</a:t>
+            </a:r>
+            <a:r>
+              <a:rPr lang="ko-KR" altLang="en-US" sz="750" b="1" dirty="0">
+                <a:latin typeface="+mn-ea"/>
+              </a:rPr>
+              <a:t>관리자기능</a:t>
+            </a:r>
+            <a:r>
+              <a:rPr lang="en-US" altLang="ko-KR" sz="750" b="1" dirty="0">
+                <a:latin typeface="+mn-ea"/>
+              </a:rPr>
+              <a:t>)</a:t>
+            </a:r>
+          </a:p>
+          <a:p>
+            <a:pPr>
+              <a:defRPr/>
+            </a:pPr>
+            <a:endParaRPr lang="en-US" altLang="ko-KR" sz="750" b="1" dirty="0">
+              <a:latin typeface="+mn-ea"/>
+            </a:endParaRPr>
+          </a:p>
+        </p:txBody>
+      </p:sp>
+      <p:grpSp>
+        <p:nvGrpSpPr>
+          <p:cNvPr id="7" name="그룹 4"/>
+          <p:cNvGrpSpPr>
+            <a:grpSpLocks/>
+          </p:cNvGrpSpPr>
+          <p:nvPr/>
+        </p:nvGrpSpPr>
+        <p:grpSpPr bwMode="auto">
+          <a:xfrm>
+            <a:off x="4572727" y="411511"/>
+            <a:ext cx="2564606" cy="2268252"/>
+            <a:chOff x="683568" y="908720"/>
+            <a:chExt cx="3420000" cy="3023144"/>
+          </a:xfrm>
+        </p:grpSpPr>
+        <p:sp>
+          <p:nvSpPr>
+            <p:cNvPr id="8" name="직사각형 7"/>
+            <p:cNvSpPr/>
+            <p:nvPr/>
+          </p:nvSpPr>
+          <p:spPr>
+            <a:xfrm>
+              <a:off x="683568" y="908720"/>
+              <a:ext cx="3420000" cy="360220"/>
+            </a:xfrm>
+            <a:prstGeom prst="rect">
+              <a:avLst/>
+            </a:prstGeom>
+            <a:solidFill>
+              <a:srgbClr val="987C4D"/>
+            </a:solidFill>
+            <a:ln>
+              <a:noFill/>
+            </a:ln>
+          </p:spPr>
+          <p:style>
+            <a:lnRef idx="2">
+              <a:schemeClr val="accent1">
+                <a:shade val="50000"/>
+              </a:schemeClr>
+            </a:lnRef>
+            <a:fillRef idx="1">
+              <a:schemeClr val="accent1"/>
+            </a:fillRef>
+            <a:effectRef idx="0">
+              <a:schemeClr val="accent1"/>
+            </a:effectRef>
+            <a:fontRef idx="minor">
+              <a:schemeClr val="lt1"/>
+            </a:fontRef>
+          </p:style>
+          <p:txBody>
+            <a:bodyPr anchor="ctr"/>
+            <a:lstStyle/>
+            <a:p>
+              <a:pPr algn="ctr">
+                <a:defRPr/>
+              </a:pPr>
+              <a:r>
+                <a:rPr lang="ko-KR" altLang="en-US" sz="1050" b="1"/>
+                <a:t>아무개</a:t>
+              </a:r>
+              <a:endParaRPr lang="ko-KR" altLang="en-US" sz="1050" b="1" dirty="0"/>
+            </a:p>
+          </p:txBody>
+        </p:sp>
+        <p:sp>
+          <p:nvSpPr>
+            <p:cNvPr id="9" name="직사각형 8"/>
+            <p:cNvSpPr/>
+            <p:nvPr/>
+          </p:nvSpPr>
+          <p:spPr>
+            <a:xfrm>
+              <a:off x="683568" y="1340349"/>
+              <a:ext cx="3420000" cy="2591515"/>
+            </a:xfrm>
+            <a:prstGeom prst="rect">
+              <a:avLst/>
+            </a:prstGeom>
+            <a:noFill/>
+            <a:ln w="19050">
+              <a:solidFill>
+                <a:srgbClr val="D6D7DE"/>
+              </a:solidFill>
+            </a:ln>
+          </p:spPr>
+          <p:style>
+            <a:lnRef idx="2">
+              <a:schemeClr val="accent1">
+                <a:shade val="50000"/>
+              </a:schemeClr>
+            </a:lnRef>
+            <a:fillRef idx="1">
+              <a:schemeClr val="accent1"/>
+            </a:fillRef>
+            <a:effectRef idx="0">
+              <a:schemeClr val="accent1"/>
+            </a:effectRef>
+            <a:fontRef idx="minor">
+              <a:schemeClr val="lt1"/>
+            </a:fontRef>
+          </p:style>
+          <p:txBody>
+            <a:bodyPr anchor="ctr"/>
+            <a:lstStyle/>
+            <a:p>
+              <a:pPr algn="ctr">
+                <a:defRPr/>
+              </a:pPr>
+              <a:endParaRPr lang="ko-KR" altLang="en-US" sz="1350"/>
+            </a:p>
+          </p:txBody>
+        </p:sp>
+      </p:grpSp>
+      <p:sp>
+        <p:nvSpPr>
+          <p:cNvPr id="10" name="TextBox 9"/>
+          <p:cNvSpPr txBox="1"/>
+          <p:nvPr/>
+        </p:nvSpPr>
+        <p:spPr>
+          <a:xfrm>
+            <a:off x="4653689" y="735362"/>
+            <a:ext cx="2564606" cy="1927451"/>
+          </a:xfrm>
+          <a:prstGeom prst="rect">
+            <a:avLst/>
+          </a:prstGeom>
+          <a:noFill/>
+        </p:spPr>
+        <p:txBody>
+          <a:bodyPr>
+            <a:spAutoFit/>
+          </a:bodyPr>
+          <a:lstStyle/>
+          <a:p>
+            <a:pPr>
+              <a:defRPr/>
+            </a:pPr>
+            <a:r>
+              <a:rPr lang="ko-KR" altLang="en-US" sz="825" b="1" dirty="0">
+                <a:latin typeface="+mn-ea"/>
+              </a:rPr>
+              <a:t>■ 소프트웨어 설계</a:t>
+            </a:r>
+            <a:endParaRPr lang="en-US" altLang="ko-KR" sz="825" b="1" dirty="0">
+              <a:latin typeface="+mn-ea"/>
+            </a:endParaRPr>
+          </a:p>
+          <a:p>
+            <a:pPr>
+              <a:defRPr/>
+            </a:pPr>
+            <a:r>
+              <a:rPr lang="en-US" altLang="ko-KR" sz="825" dirty="0">
+                <a:latin typeface="+mn-ea"/>
+              </a:rPr>
+              <a:t> - </a:t>
+            </a:r>
+            <a:r>
+              <a:rPr lang="ko-KR" altLang="en-US" sz="825" dirty="0">
+                <a:latin typeface="+mn-ea"/>
+              </a:rPr>
+              <a:t>프로젝트 전반적 설계</a:t>
+            </a:r>
+            <a:r>
+              <a:rPr lang="en-US" altLang="ko-KR" sz="825" dirty="0">
+                <a:latin typeface="+mn-ea"/>
+              </a:rPr>
+              <a:t>, UML</a:t>
+            </a:r>
+          </a:p>
+          <a:p>
+            <a:pPr>
+              <a:defRPr/>
+            </a:pPr>
+            <a:endParaRPr lang="en-US" altLang="ko-KR" sz="825" b="1" dirty="0">
+              <a:latin typeface="+mn-ea"/>
+            </a:endParaRPr>
+          </a:p>
+          <a:p>
+            <a:pPr>
+              <a:defRPr/>
+            </a:pPr>
+            <a:r>
+              <a:rPr lang="ko-KR" altLang="en-US" sz="825" b="1" dirty="0">
+                <a:latin typeface="+mn-ea"/>
+              </a:rPr>
+              <a:t>■ 메인 페이지</a:t>
+            </a:r>
+            <a:r>
+              <a:rPr lang="en-US" altLang="ko-KR" sz="825" b="1" dirty="0">
+                <a:latin typeface="+mn-ea"/>
+              </a:rPr>
+              <a:t>(header, footer </a:t>
+            </a:r>
+            <a:r>
+              <a:rPr lang="ko-KR" altLang="en-US" sz="825" b="1" dirty="0">
+                <a:latin typeface="+mn-ea"/>
+              </a:rPr>
+              <a:t>포함</a:t>
+            </a:r>
+            <a:r>
+              <a:rPr lang="en-US" altLang="ko-KR" sz="825" b="1" dirty="0">
+                <a:latin typeface="+mn-ea"/>
+              </a:rPr>
+              <a:t>)</a:t>
+            </a:r>
+          </a:p>
+          <a:p>
+            <a:pPr>
+              <a:defRPr/>
+            </a:pPr>
+            <a:r>
+              <a:rPr lang="en-US" altLang="ko-KR" sz="825" dirty="0">
+                <a:latin typeface="+mn-ea"/>
+              </a:rPr>
+              <a:t> -</a:t>
+            </a:r>
+            <a:r>
+              <a:rPr lang="ko-KR" altLang="en-US" sz="825" dirty="0">
+                <a:latin typeface="+mn-ea"/>
+              </a:rPr>
+              <a:t> </a:t>
+            </a:r>
+            <a:r>
+              <a:rPr lang="en-US" altLang="ko-KR" sz="825" dirty="0">
+                <a:latin typeface="+mn-ea"/>
+              </a:rPr>
+              <a:t> </a:t>
+            </a:r>
+            <a:r>
+              <a:rPr lang="ko-KR" altLang="en-US" sz="825" dirty="0">
+                <a:latin typeface="+mn-ea"/>
+              </a:rPr>
+              <a:t>남산도서관</a:t>
+            </a:r>
+            <a:r>
+              <a:rPr lang="en-US" altLang="ko-KR" sz="825" dirty="0">
+                <a:latin typeface="+mn-ea"/>
+              </a:rPr>
+              <a:t>, </a:t>
+            </a:r>
+            <a:r>
+              <a:rPr lang="ko-KR" altLang="en-US" sz="825" dirty="0">
+                <a:latin typeface="+mn-ea"/>
+              </a:rPr>
+              <a:t>한국외대도서관</a:t>
+            </a:r>
+            <a:r>
+              <a:rPr lang="en-US" altLang="ko-KR" sz="825" dirty="0">
+                <a:latin typeface="+mn-ea"/>
+              </a:rPr>
+              <a:t>, KOLAS </a:t>
+            </a:r>
+            <a:r>
+              <a:rPr lang="ko-KR" altLang="en-US" sz="825" dirty="0">
+                <a:latin typeface="+mn-ea"/>
+              </a:rPr>
+              <a:t>벤치마킹</a:t>
+            </a:r>
+            <a:endParaRPr lang="en-US" altLang="ko-KR" sz="825" dirty="0">
+              <a:latin typeface="+mn-ea"/>
+            </a:endParaRPr>
+          </a:p>
+          <a:p>
+            <a:pPr>
+              <a:defRPr/>
+            </a:pPr>
+            <a:endParaRPr lang="en-US" altLang="ko-KR" sz="825" b="1" dirty="0">
+              <a:latin typeface="+mn-ea"/>
+            </a:endParaRPr>
+          </a:p>
+          <a:p>
+            <a:pPr>
+              <a:defRPr/>
+            </a:pPr>
+            <a:r>
+              <a:rPr lang="ko-KR" altLang="en-US" sz="825" b="1" dirty="0">
+                <a:latin typeface="+mn-ea"/>
+              </a:rPr>
+              <a:t>■ 도서신청 게시판</a:t>
+            </a:r>
+            <a:r>
+              <a:rPr lang="en-US" altLang="ko-KR" sz="825" b="1" dirty="0">
+                <a:latin typeface="+mn-ea"/>
+              </a:rPr>
+              <a:t>(</a:t>
+            </a:r>
+            <a:r>
+              <a:rPr lang="ko-KR" altLang="en-US" sz="825" b="1" dirty="0">
+                <a:latin typeface="+mn-ea"/>
+              </a:rPr>
+              <a:t>사용자기능</a:t>
+            </a:r>
+            <a:r>
+              <a:rPr lang="en-US" altLang="ko-KR" sz="825" b="1" dirty="0">
+                <a:latin typeface="+mn-ea"/>
+              </a:rPr>
+              <a:t>)</a:t>
+            </a:r>
+          </a:p>
+          <a:p>
+            <a:pPr>
+              <a:defRPr/>
+            </a:pPr>
+            <a:r>
+              <a:rPr lang="en-US" altLang="ko-KR" sz="750" dirty="0">
+                <a:latin typeface="+mn-ea"/>
+              </a:rPr>
+              <a:t>  -</a:t>
+            </a:r>
+            <a:r>
+              <a:rPr lang="ko-KR" altLang="en-US" sz="750" dirty="0">
+                <a:latin typeface="+mn-ea"/>
+              </a:rPr>
+              <a:t> </a:t>
+            </a:r>
+            <a:r>
+              <a:rPr lang="en-US" altLang="ko-KR" sz="750" dirty="0">
+                <a:latin typeface="+mn-ea"/>
+              </a:rPr>
+              <a:t> </a:t>
+            </a:r>
+            <a:r>
+              <a:rPr lang="ko-KR" altLang="en-US" sz="750" dirty="0">
+                <a:latin typeface="+mn-ea"/>
+              </a:rPr>
+              <a:t>도서이미지파일업로드</a:t>
+            </a:r>
+            <a:r>
+              <a:rPr lang="en-US" altLang="ko-KR" sz="750" dirty="0">
+                <a:latin typeface="+mn-ea"/>
+              </a:rPr>
+              <a:t>, </a:t>
+            </a:r>
+            <a:r>
+              <a:rPr lang="ko-KR" altLang="en-US" sz="750" dirty="0" err="1">
+                <a:latin typeface="+mn-ea"/>
+              </a:rPr>
+              <a:t>답변달기</a:t>
+            </a:r>
+            <a:r>
+              <a:rPr lang="en-US" altLang="ko-KR" sz="750" dirty="0">
+                <a:latin typeface="+mn-ea"/>
+              </a:rPr>
+              <a:t>, </a:t>
+            </a:r>
+            <a:r>
+              <a:rPr lang="ko-KR" altLang="en-US" sz="750" dirty="0" err="1">
+                <a:latin typeface="+mn-ea"/>
+              </a:rPr>
+              <a:t>댓글</a:t>
+            </a:r>
+            <a:r>
+              <a:rPr lang="en-US" altLang="ko-KR" sz="750" dirty="0">
+                <a:latin typeface="+mn-ea"/>
+              </a:rPr>
+              <a:t>, </a:t>
+            </a:r>
+            <a:r>
+              <a:rPr lang="ko-KR" altLang="en-US" sz="750" dirty="0" err="1">
+                <a:latin typeface="+mn-ea"/>
+              </a:rPr>
+              <a:t>페이징</a:t>
+            </a:r>
+            <a:endParaRPr lang="en-US" altLang="ko-KR" sz="750" dirty="0">
+              <a:latin typeface="+mn-ea"/>
+            </a:endParaRPr>
+          </a:p>
+          <a:p>
+            <a:pPr>
+              <a:defRPr/>
+            </a:pPr>
+            <a:endParaRPr lang="en-US" altLang="ko-KR" sz="750" dirty="0">
+              <a:latin typeface="+mn-ea"/>
+            </a:endParaRPr>
+          </a:p>
+          <a:p>
+            <a:pPr>
+              <a:defRPr/>
+            </a:pPr>
+            <a:r>
+              <a:rPr lang="ko-KR" altLang="en-US" sz="825" b="1" dirty="0">
+                <a:latin typeface="+mn-ea"/>
+              </a:rPr>
+              <a:t>■ 도서검색</a:t>
+            </a:r>
+            <a:r>
+              <a:rPr lang="en-US" altLang="ko-KR" sz="825" b="1" dirty="0">
+                <a:latin typeface="+mn-ea"/>
+              </a:rPr>
+              <a:t>(</a:t>
+            </a:r>
+            <a:r>
+              <a:rPr lang="ko-KR" altLang="en-US" sz="825" b="1" dirty="0">
+                <a:latin typeface="+mn-ea"/>
+              </a:rPr>
+              <a:t>사용자</a:t>
+            </a:r>
+            <a:r>
+              <a:rPr lang="en-US" altLang="ko-KR" sz="825" b="1" dirty="0">
+                <a:latin typeface="+mn-ea"/>
+              </a:rPr>
+              <a:t>, </a:t>
+            </a:r>
+            <a:r>
+              <a:rPr lang="ko-KR" altLang="en-US" sz="825" b="1" dirty="0">
+                <a:latin typeface="+mn-ea"/>
+              </a:rPr>
+              <a:t>관리자 양측</a:t>
+            </a:r>
+            <a:r>
+              <a:rPr lang="en-US" altLang="ko-KR" sz="825" b="1" dirty="0">
+                <a:latin typeface="+mn-ea"/>
+              </a:rPr>
+              <a:t>)</a:t>
+            </a:r>
+          </a:p>
+          <a:p>
+            <a:pPr>
+              <a:defRPr/>
+            </a:pPr>
+            <a:endParaRPr lang="en-US" altLang="ko-KR" sz="825" b="1" dirty="0">
+              <a:latin typeface="+mn-ea"/>
+            </a:endParaRPr>
+          </a:p>
+          <a:p>
+            <a:pPr>
+              <a:defRPr/>
+            </a:pPr>
+            <a:r>
+              <a:rPr lang="ko-KR" altLang="en-US" sz="750" b="1" dirty="0">
+                <a:latin typeface="+mn-ea"/>
+              </a:rPr>
+              <a:t>■ 도서관리</a:t>
+            </a:r>
+            <a:r>
+              <a:rPr lang="en-US" altLang="ko-KR" sz="750" b="1" dirty="0">
+                <a:latin typeface="+mn-ea"/>
+              </a:rPr>
+              <a:t>(</a:t>
+            </a:r>
+            <a:r>
+              <a:rPr lang="ko-KR" altLang="en-US" sz="750" b="1" dirty="0">
+                <a:latin typeface="+mn-ea"/>
+              </a:rPr>
+              <a:t>관리자기능</a:t>
+            </a:r>
+            <a:r>
+              <a:rPr lang="en-US" altLang="ko-KR" sz="750" b="1" dirty="0">
+                <a:latin typeface="+mn-ea"/>
+              </a:rPr>
+              <a:t>)</a:t>
+            </a:r>
+          </a:p>
+          <a:p>
+            <a:pPr>
+              <a:defRPr/>
+            </a:pPr>
+            <a:r>
+              <a:rPr lang="en-US" altLang="ko-KR" sz="750" dirty="0">
+                <a:latin typeface="+mn-ea"/>
+              </a:rPr>
+              <a:t> -</a:t>
+            </a:r>
+            <a:r>
+              <a:rPr lang="ko-KR" altLang="en-US" sz="750" dirty="0">
+                <a:latin typeface="+mn-ea"/>
+              </a:rPr>
+              <a:t> </a:t>
+            </a:r>
+            <a:r>
+              <a:rPr lang="en-US" altLang="ko-KR" sz="750" dirty="0">
+                <a:latin typeface="+mn-ea"/>
+              </a:rPr>
+              <a:t> </a:t>
+            </a:r>
+            <a:r>
+              <a:rPr lang="ko-KR" altLang="en-US" sz="750" dirty="0">
+                <a:latin typeface="+mn-ea"/>
+              </a:rPr>
+              <a:t>도서등록</a:t>
+            </a:r>
+            <a:r>
+              <a:rPr lang="en-US" altLang="ko-KR" sz="750" dirty="0">
+                <a:latin typeface="+mn-ea"/>
+              </a:rPr>
+              <a:t>, </a:t>
+            </a:r>
+            <a:r>
+              <a:rPr lang="ko-KR" altLang="en-US" sz="750" dirty="0">
+                <a:latin typeface="+mn-ea"/>
+              </a:rPr>
+              <a:t>도서수정</a:t>
+            </a:r>
+            <a:r>
+              <a:rPr lang="en-US" altLang="ko-KR" sz="750" dirty="0">
+                <a:latin typeface="+mn-ea"/>
+              </a:rPr>
+              <a:t>, </a:t>
+            </a:r>
+            <a:r>
+              <a:rPr lang="ko-KR" altLang="en-US" sz="750" dirty="0">
+                <a:latin typeface="+mn-ea"/>
+              </a:rPr>
+              <a:t>도서삭제</a:t>
+            </a:r>
+            <a:r>
+              <a:rPr lang="en-US" altLang="ko-KR" sz="750" dirty="0">
+                <a:latin typeface="+mn-ea"/>
+              </a:rPr>
+              <a:t>, </a:t>
+            </a:r>
+            <a:r>
+              <a:rPr lang="ko-KR" altLang="en-US" sz="750" dirty="0">
+                <a:latin typeface="+mn-ea"/>
+              </a:rPr>
+              <a:t>파일업로드</a:t>
+            </a:r>
+            <a:endParaRPr lang="en-US" altLang="ko-KR" sz="750" dirty="0">
+              <a:latin typeface="+mn-ea"/>
+            </a:endParaRPr>
+          </a:p>
+          <a:p>
+            <a:pPr>
+              <a:defRPr/>
+            </a:pPr>
+            <a:endParaRPr lang="en-US" altLang="ko-KR" sz="750" dirty="0">
+              <a:latin typeface="+mn-ea"/>
+            </a:endParaRPr>
+          </a:p>
+          <a:p>
+            <a:pPr>
+              <a:defRPr/>
+            </a:pPr>
+            <a:r>
+              <a:rPr lang="ko-KR" altLang="en-US" sz="750" b="1" dirty="0">
+                <a:latin typeface="+mn-ea"/>
+              </a:rPr>
+              <a:t>■ 도서 대출</a:t>
+            </a:r>
+            <a:r>
+              <a:rPr lang="en-US" altLang="ko-KR" sz="750" b="1" dirty="0">
+                <a:latin typeface="+mn-ea"/>
+              </a:rPr>
+              <a:t>, </a:t>
+            </a:r>
+            <a:r>
+              <a:rPr lang="ko-KR" altLang="en-US" sz="750" b="1" dirty="0">
+                <a:latin typeface="+mn-ea"/>
+              </a:rPr>
+              <a:t>반납</a:t>
+            </a:r>
+            <a:r>
+              <a:rPr lang="en-US" altLang="ko-KR" sz="750" b="1" dirty="0">
+                <a:latin typeface="+mn-ea"/>
+              </a:rPr>
+              <a:t>(</a:t>
+            </a:r>
+            <a:r>
+              <a:rPr lang="ko-KR" altLang="en-US" sz="750" b="1" dirty="0">
+                <a:latin typeface="+mn-ea"/>
+              </a:rPr>
+              <a:t>관리자 측</a:t>
+            </a:r>
+            <a:r>
+              <a:rPr lang="en-US" altLang="ko-KR" sz="750" b="1" dirty="0">
+                <a:latin typeface="+mn-ea"/>
+              </a:rPr>
+              <a:t>)</a:t>
+            </a:r>
+          </a:p>
+        </p:txBody>
+      </p:sp>
+      <p:sp>
+        <p:nvSpPr>
+          <p:cNvPr id="11" name="TextBox 10"/>
+          <p:cNvSpPr txBox="1"/>
+          <p:nvPr/>
+        </p:nvSpPr>
+        <p:spPr>
+          <a:xfrm>
+            <a:off x="305527" y="80506"/>
+            <a:ext cx="2203301" cy="300082"/>
+          </a:xfrm>
+          <a:prstGeom prst="rect">
+            <a:avLst/>
+          </a:prstGeom>
+          <a:noFill/>
+        </p:spPr>
+        <p:txBody>
+          <a:bodyPr wrap="square" rtlCol="0">
+            <a:spAutoFit/>
+          </a:bodyPr>
+          <a:lstStyle/>
+          <a:p>
+            <a:r>
+              <a:rPr lang="en-US" altLang="ko-KR" sz="1350" b="1" dirty="0">
+                <a:solidFill>
+                  <a:srgbClr val="756B5F"/>
+                </a:solidFill>
+              </a:rPr>
+              <a:t>4.  </a:t>
+            </a:r>
+            <a:r>
+              <a:rPr lang="ko-KR" altLang="en-US" sz="1350" b="1" dirty="0">
+                <a:solidFill>
+                  <a:srgbClr val="756B5F"/>
+                </a:solidFill>
+              </a:rPr>
+              <a:t>업무분장</a:t>
+            </a:r>
+          </a:p>
+        </p:txBody>
+      </p:sp>
+      <p:grpSp>
+        <p:nvGrpSpPr>
+          <p:cNvPr id="12" name="그룹 8"/>
+          <p:cNvGrpSpPr>
+            <a:grpSpLocks/>
+          </p:cNvGrpSpPr>
+          <p:nvPr/>
+        </p:nvGrpSpPr>
+        <p:grpSpPr bwMode="auto">
+          <a:xfrm>
+            <a:off x="1655676" y="2733769"/>
+            <a:ext cx="2565797" cy="2268253"/>
+            <a:chOff x="683568" y="908719"/>
+            <a:chExt cx="3420000" cy="3023144"/>
+          </a:xfrm>
+        </p:grpSpPr>
+        <p:sp>
+          <p:nvSpPr>
+            <p:cNvPr id="13" name="직사각형 12"/>
+            <p:cNvSpPr/>
+            <p:nvPr/>
+          </p:nvSpPr>
+          <p:spPr>
+            <a:xfrm>
+              <a:off x="683568" y="908719"/>
+              <a:ext cx="3420000" cy="360220"/>
+            </a:xfrm>
+            <a:prstGeom prst="rect">
+              <a:avLst/>
+            </a:prstGeom>
+            <a:solidFill>
+              <a:srgbClr val="987C4D"/>
+            </a:solidFill>
+            <a:ln>
+              <a:noFill/>
+            </a:ln>
+          </p:spPr>
+          <p:style>
+            <a:lnRef idx="2">
+              <a:schemeClr val="accent1">
+                <a:shade val="50000"/>
+              </a:schemeClr>
+            </a:lnRef>
+            <a:fillRef idx="1">
+              <a:schemeClr val="accent1"/>
+            </a:fillRef>
+            <a:effectRef idx="0">
+              <a:schemeClr val="accent1"/>
+            </a:effectRef>
+            <a:fontRef idx="minor">
+              <a:schemeClr val="lt1"/>
+            </a:fontRef>
+          </p:style>
+          <p:txBody>
+            <a:bodyPr anchor="ctr"/>
+            <a:lstStyle/>
+            <a:p>
+              <a:pPr algn="ctr">
+                <a:defRPr/>
+              </a:pPr>
+              <a:r>
+                <a:rPr lang="ko-KR" altLang="en-US" sz="1050" b="1"/>
+                <a:t>이무개</a:t>
+              </a:r>
+              <a:endParaRPr lang="ko-KR" altLang="en-US" sz="1050" b="1" dirty="0"/>
+            </a:p>
+          </p:txBody>
+        </p:sp>
+        <p:sp>
+          <p:nvSpPr>
+            <p:cNvPr id="14" name="직사각형 13"/>
+            <p:cNvSpPr/>
+            <p:nvPr/>
+          </p:nvSpPr>
+          <p:spPr>
+            <a:xfrm>
+              <a:off x="683568" y="1340350"/>
+              <a:ext cx="3420000" cy="2591513"/>
+            </a:xfrm>
+            <a:prstGeom prst="rect">
+              <a:avLst/>
+            </a:prstGeom>
+            <a:noFill/>
+            <a:ln w="19050">
+              <a:solidFill>
+                <a:srgbClr val="D6D7DE"/>
+              </a:solidFill>
+            </a:ln>
+          </p:spPr>
+          <p:style>
+            <a:lnRef idx="2">
+              <a:schemeClr val="accent1">
+                <a:shade val="50000"/>
+              </a:schemeClr>
+            </a:lnRef>
+            <a:fillRef idx="1">
+              <a:schemeClr val="accent1"/>
+            </a:fillRef>
+            <a:effectRef idx="0">
+              <a:schemeClr val="accent1"/>
+            </a:effectRef>
+            <a:fontRef idx="minor">
+              <a:schemeClr val="lt1"/>
+            </a:fontRef>
+          </p:style>
+          <p:txBody>
+            <a:bodyPr anchor="ctr"/>
+            <a:lstStyle/>
+            <a:p>
+              <a:pPr algn="ctr">
+                <a:defRPr/>
+              </a:pPr>
+              <a:endParaRPr lang="ko-KR" altLang="en-US" sz="1350"/>
+            </a:p>
+          </p:txBody>
+        </p:sp>
+      </p:grpSp>
+      <p:sp>
+        <p:nvSpPr>
+          <p:cNvPr id="15" name="TextBox 14"/>
+          <p:cNvSpPr txBox="1"/>
+          <p:nvPr/>
+        </p:nvSpPr>
+        <p:spPr>
+          <a:xfrm>
+            <a:off x="1737829" y="3057806"/>
+            <a:ext cx="2511029" cy="1985159"/>
+          </a:xfrm>
+          <a:prstGeom prst="rect">
+            <a:avLst/>
+          </a:prstGeom>
+          <a:noFill/>
+        </p:spPr>
+        <p:txBody>
+          <a:bodyPr>
+            <a:spAutoFit/>
+          </a:bodyPr>
+          <a:lstStyle/>
+          <a:p>
+            <a:pPr>
+              <a:defRPr/>
+            </a:pPr>
+            <a:r>
+              <a:rPr lang="ko-KR" altLang="en-US" sz="825" b="1" dirty="0">
+                <a:latin typeface="+mn-ea"/>
+              </a:rPr>
+              <a:t>■ 소프트웨어 설계</a:t>
+            </a:r>
+            <a:endParaRPr lang="en-US" altLang="ko-KR" sz="825" b="1" dirty="0">
+              <a:latin typeface="+mn-ea"/>
+            </a:endParaRPr>
+          </a:p>
+          <a:p>
+            <a:pPr>
+              <a:defRPr/>
+            </a:pPr>
+            <a:r>
+              <a:rPr lang="en-US" altLang="ko-KR" sz="825" dirty="0">
+                <a:latin typeface="+mn-ea"/>
+              </a:rPr>
+              <a:t> - </a:t>
+            </a:r>
+            <a:r>
+              <a:rPr lang="ko-KR" altLang="en-US" sz="825" dirty="0">
+                <a:latin typeface="+mn-ea"/>
+              </a:rPr>
+              <a:t>프로젝트 전반적 설계</a:t>
+            </a:r>
+            <a:r>
+              <a:rPr lang="en-US" altLang="ko-KR" sz="825" dirty="0">
+                <a:latin typeface="+mn-ea"/>
+              </a:rPr>
+              <a:t>, e-r diagram</a:t>
+            </a:r>
+            <a:endParaRPr lang="en-US" altLang="ko-KR" sz="825" b="1" dirty="0">
+              <a:latin typeface="+mn-ea"/>
+            </a:endParaRPr>
+          </a:p>
+          <a:p>
+            <a:pPr>
+              <a:defRPr/>
+            </a:pPr>
+            <a:endParaRPr lang="en-US" altLang="ko-KR" sz="825" b="1">
+              <a:latin typeface="+mn-ea"/>
+            </a:endParaRPr>
+          </a:p>
+          <a:p>
+            <a:pPr>
+              <a:defRPr/>
+            </a:pPr>
+            <a:r>
+              <a:rPr lang="ko-KR" altLang="en-US" sz="825" b="1">
+                <a:latin typeface="+mn-ea"/>
+              </a:rPr>
+              <a:t>■ </a:t>
+            </a:r>
+            <a:r>
+              <a:rPr lang="ko-KR" altLang="en-US" sz="825" b="1" dirty="0">
+                <a:latin typeface="+mn-ea"/>
+              </a:rPr>
+              <a:t>회원관리</a:t>
+            </a:r>
+            <a:r>
+              <a:rPr lang="en-US" altLang="ko-KR" sz="825" b="1" dirty="0">
+                <a:latin typeface="+mn-ea"/>
+              </a:rPr>
+              <a:t>(</a:t>
+            </a:r>
+            <a:r>
+              <a:rPr lang="ko-KR" altLang="en-US" sz="825" b="1" dirty="0">
+                <a:latin typeface="+mn-ea"/>
+              </a:rPr>
+              <a:t>사용자측</a:t>
+            </a:r>
+            <a:r>
+              <a:rPr lang="en-US" altLang="ko-KR" sz="825" b="1" dirty="0">
+                <a:latin typeface="+mn-ea"/>
+              </a:rPr>
+              <a:t>)</a:t>
+            </a:r>
+            <a:endParaRPr lang="en-US" altLang="ko-KR" sz="750" dirty="0">
+              <a:latin typeface="+mn-ea"/>
+            </a:endParaRPr>
+          </a:p>
+          <a:p>
+            <a:pPr>
+              <a:defRPr/>
+            </a:pPr>
+            <a:r>
+              <a:rPr lang="en-US" altLang="ko-KR" sz="750" dirty="0">
+                <a:latin typeface="+mn-ea"/>
+              </a:rPr>
+              <a:t>  - </a:t>
+            </a:r>
+            <a:r>
+              <a:rPr lang="ko-KR" altLang="en-US" sz="750" dirty="0">
+                <a:latin typeface="+mn-ea"/>
+              </a:rPr>
+              <a:t>로그인</a:t>
+            </a:r>
+            <a:r>
+              <a:rPr lang="en-US" altLang="ko-KR" sz="750" dirty="0">
+                <a:latin typeface="+mn-ea"/>
+              </a:rPr>
+              <a:t>/</a:t>
+            </a:r>
+            <a:r>
+              <a:rPr lang="ko-KR" altLang="en-US" sz="750" dirty="0">
+                <a:latin typeface="+mn-ea"/>
+              </a:rPr>
+              <a:t>로그아웃</a:t>
+            </a:r>
+            <a:r>
+              <a:rPr lang="en-US" altLang="ko-KR" sz="750" dirty="0">
+                <a:latin typeface="+mn-ea"/>
+              </a:rPr>
+              <a:t>, </a:t>
+            </a:r>
+            <a:r>
+              <a:rPr lang="ko-KR" altLang="en-US" sz="750" dirty="0">
+                <a:latin typeface="+mn-ea"/>
+              </a:rPr>
+              <a:t>회원가입</a:t>
+            </a:r>
+            <a:r>
+              <a:rPr lang="en-US" altLang="ko-KR" sz="750" dirty="0">
+                <a:latin typeface="+mn-ea"/>
+              </a:rPr>
+              <a:t>, </a:t>
+            </a:r>
+            <a:r>
+              <a:rPr lang="ko-KR" altLang="en-US" sz="750" dirty="0">
+                <a:latin typeface="+mn-ea"/>
+              </a:rPr>
+              <a:t>회원탈퇴</a:t>
+            </a:r>
+            <a:r>
+              <a:rPr lang="en-US" altLang="ko-KR" sz="750" dirty="0">
+                <a:latin typeface="+mn-ea"/>
+              </a:rPr>
+              <a:t>, </a:t>
+            </a:r>
+            <a:r>
+              <a:rPr lang="ko-KR" altLang="en-US" sz="750" dirty="0" err="1">
+                <a:latin typeface="+mn-ea"/>
+              </a:rPr>
+              <a:t>내서재</a:t>
+            </a:r>
+            <a:r>
+              <a:rPr lang="en-US" altLang="ko-KR" sz="750" dirty="0">
+                <a:latin typeface="+mn-ea"/>
+              </a:rPr>
+              <a:t>(</a:t>
+            </a:r>
+            <a:r>
+              <a:rPr lang="ko-KR" altLang="en-US" sz="750" dirty="0">
+                <a:latin typeface="+mn-ea"/>
+              </a:rPr>
+              <a:t>대출현황</a:t>
+            </a:r>
+            <a:r>
+              <a:rPr lang="en-US" altLang="ko-KR" sz="750" dirty="0">
+                <a:latin typeface="+mn-ea"/>
+              </a:rPr>
+              <a:t>, </a:t>
+            </a:r>
+            <a:r>
+              <a:rPr lang="ko-KR" altLang="en-US" sz="750" dirty="0">
+                <a:latin typeface="+mn-ea"/>
+              </a:rPr>
+              <a:t>예약현황</a:t>
+            </a:r>
+            <a:r>
+              <a:rPr lang="en-US" altLang="ko-KR" sz="750" dirty="0">
+                <a:latin typeface="+mn-ea"/>
+              </a:rPr>
+              <a:t>)</a:t>
+            </a:r>
+          </a:p>
+          <a:p>
+            <a:pPr>
+              <a:defRPr/>
+            </a:pPr>
+            <a:endParaRPr lang="en-US" altLang="ko-KR" sz="750" dirty="0">
+              <a:latin typeface="+mn-ea"/>
+            </a:endParaRPr>
+          </a:p>
+          <a:p>
+            <a:pPr>
+              <a:defRPr/>
+            </a:pPr>
+            <a:r>
+              <a:rPr lang="ko-KR" altLang="en-US" sz="750" b="1" dirty="0">
+                <a:latin typeface="+mn-ea"/>
+              </a:rPr>
+              <a:t>■ 자유게시판</a:t>
+            </a:r>
+            <a:r>
+              <a:rPr lang="en-US" altLang="ko-KR" sz="750" b="1" dirty="0">
+                <a:latin typeface="+mn-ea"/>
+              </a:rPr>
+              <a:t>(</a:t>
+            </a:r>
+            <a:r>
+              <a:rPr lang="ko-KR" altLang="en-US" sz="750" b="1" dirty="0">
+                <a:latin typeface="+mn-ea"/>
+              </a:rPr>
+              <a:t>사용자</a:t>
+            </a:r>
+            <a:r>
+              <a:rPr lang="en-US" altLang="ko-KR" sz="750" b="1" dirty="0">
+                <a:latin typeface="+mn-ea"/>
+              </a:rPr>
+              <a:t>, </a:t>
+            </a:r>
+            <a:r>
+              <a:rPr lang="ko-KR" altLang="en-US" sz="750" b="1" dirty="0">
+                <a:latin typeface="+mn-ea"/>
+              </a:rPr>
+              <a:t>관리자 측</a:t>
+            </a:r>
+            <a:r>
+              <a:rPr lang="en-US" altLang="ko-KR" sz="750" b="1" dirty="0">
+                <a:latin typeface="+mn-ea"/>
+              </a:rPr>
+              <a:t>)</a:t>
+            </a:r>
+          </a:p>
+          <a:p>
+            <a:pPr>
+              <a:defRPr/>
+            </a:pPr>
+            <a:r>
+              <a:rPr lang="en-US" altLang="ko-KR" sz="750" dirty="0">
+                <a:latin typeface="+mn-ea"/>
+              </a:rPr>
+              <a:t>  - </a:t>
+            </a:r>
+            <a:r>
+              <a:rPr lang="ko-KR" altLang="en-US" sz="750" dirty="0">
+                <a:latin typeface="+mn-ea"/>
+              </a:rPr>
+              <a:t>답변</a:t>
+            </a:r>
+            <a:r>
+              <a:rPr lang="en-US" altLang="ko-KR" sz="750" dirty="0">
+                <a:latin typeface="+mn-ea"/>
+              </a:rPr>
+              <a:t>, </a:t>
+            </a:r>
+            <a:r>
+              <a:rPr lang="ko-KR" altLang="en-US" sz="750" dirty="0" err="1">
+                <a:latin typeface="+mn-ea"/>
+              </a:rPr>
+              <a:t>페이징</a:t>
+            </a:r>
+            <a:endParaRPr lang="en-US" altLang="ko-KR" sz="750" dirty="0">
+              <a:latin typeface="+mn-ea"/>
+            </a:endParaRPr>
+          </a:p>
+          <a:p>
+            <a:pPr>
+              <a:defRPr/>
+            </a:pPr>
+            <a:endParaRPr lang="en-US" altLang="ko-KR" sz="750" dirty="0">
+              <a:latin typeface="+mn-ea"/>
+            </a:endParaRPr>
+          </a:p>
+          <a:p>
+            <a:pPr>
+              <a:defRPr/>
+            </a:pPr>
+            <a:r>
+              <a:rPr lang="ko-KR" altLang="en-US" sz="750" b="1" dirty="0">
+                <a:latin typeface="+mn-ea"/>
+              </a:rPr>
+              <a:t>■ 관리자 등록 삭제</a:t>
+            </a:r>
+            <a:r>
+              <a:rPr lang="en-US" altLang="ko-KR" sz="750" b="1" dirty="0">
+                <a:latin typeface="+mn-ea"/>
+              </a:rPr>
+              <a:t>(</a:t>
+            </a:r>
+            <a:r>
+              <a:rPr lang="ko-KR" altLang="en-US" sz="750" b="1" dirty="0">
+                <a:latin typeface="+mn-ea"/>
+              </a:rPr>
+              <a:t>관리자 측</a:t>
+            </a:r>
+            <a:r>
+              <a:rPr lang="en-US" altLang="ko-KR" sz="750" b="1" dirty="0">
+                <a:latin typeface="+mn-ea"/>
+              </a:rPr>
+              <a:t>)</a:t>
+            </a:r>
+          </a:p>
+          <a:p>
+            <a:pPr>
+              <a:defRPr/>
+            </a:pPr>
+            <a:endParaRPr lang="en-US" altLang="ko-KR" sz="750" b="1" dirty="0">
+              <a:latin typeface="+mn-ea"/>
+            </a:endParaRPr>
+          </a:p>
+          <a:p>
+            <a:pPr>
+              <a:defRPr/>
+            </a:pPr>
+            <a:r>
+              <a:rPr lang="ko-KR" altLang="en-US" sz="750" b="1" dirty="0">
+                <a:latin typeface="+mn-ea"/>
+              </a:rPr>
+              <a:t>■ 회원강등</a:t>
+            </a:r>
+            <a:r>
+              <a:rPr lang="en-US" altLang="ko-KR" sz="750" b="1" dirty="0">
+                <a:latin typeface="+mn-ea"/>
+              </a:rPr>
+              <a:t>, </a:t>
+            </a:r>
+            <a:r>
+              <a:rPr lang="ko-KR" altLang="en-US" sz="750" b="1" dirty="0" err="1">
+                <a:latin typeface="+mn-ea"/>
+              </a:rPr>
+              <a:t>레벨별</a:t>
+            </a:r>
+            <a:r>
+              <a:rPr lang="ko-KR" altLang="en-US" sz="750" b="1" dirty="0">
+                <a:latin typeface="+mn-ea"/>
+              </a:rPr>
+              <a:t> 전체목록</a:t>
+            </a:r>
+            <a:r>
+              <a:rPr lang="en-US" altLang="ko-KR" sz="750" b="1" dirty="0">
+                <a:latin typeface="+mn-ea"/>
+              </a:rPr>
+              <a:t>(</a:t>
+            </a:r>
+            <a:r>
+              <a:rPr lang="ko-KR" altLang="en-US" sz="750" b="1" dirty="0" err="1">
+                <a:latin typeface="+mn-ea"/>
+              </a:rPr>
+              <a:t>관리자측</a:t>
+            </a:r>
+            <a:r>
+              <a:rPr lang="en-US" altLang="ko-KR" sz="750" b="1" dirty="0">
+                <a:latin typeface="+mn-ea"/>
+              </a:rPr>
+              <a:t>)</a:t>
+            </a:r>
+          </a:p>
+          <a:p>
+            <a:pPr>
+              <a:defRPr/>
+            </a:pPr>
+            <a:endParaRPr lang="en-US" altLang="ko-KR" sz="750" b="1" dirty="0">
+              <a:latin typeface="+mn-ea"/>
+            </a:endParaRPr>
+          </a:p>
+          <a:p>
+            <a:pPr>
+              <a:defRPr/>
+            </a:pPr>
+            <a:r>
+              <a:rPr lang="ko-KR" altLang="en-US" sz="750" b="1" dirty="0">
+                <a:latin typeface="+mn-ea"/>
+              </a:rPr>
+              <a:t>■ 공지사항 게시판</a:t>
+            </a:r>
+            <a:r>
+              <a:rPr lang="en-US" altLang="ko-KR" sz="750" b="1" dirty="0">
+                <a:latin typeface="+mn-ea"/>
+              </a:rPr>
+              <a:t>(</a:t>
+            </a:r>
+            <a:r>
+              <a:rPr lang="ko-KR" altLang="en-US" sz="750" b="1" dirty="0">
+                <a:latin typeface="+mn-ea"/>
+              </a:rPr>
+              <a:t>관리자기능</a:t>
+            </a:r>
+            <a:r>
+              <a:rPr lang="en-US" altLang="ko-KR" sz="750" b="1" dirty="0">
+                <a:latin typeface="+mn-ea"/>
+              </a:rPr>
+              <a:t>)</a:t>
+            </a:r>
+          </a:p>
+          <a:p>
+            <a:pPr>
+              <a:defRPr/>
+            </a:pPr>
+            <a:endParaRPr lang="en-US" altLang="ko-KR" sz="750" b="1" dirty="0">
+              <a:latin typeface="+mn-ea"/>
+            </a:endParaRPr>
+          </a:p>
+        </p:txBody>
+      </p:sp>
+      <p:grpSp>
+        <p:nvGrpSpPr>
+          <p:cNvPr id="16" name="그룹 4"/>
+          <p:cNvGrpSpPr>
+            <a:grpSpLocks/>
+          </p:cNvGrpSpPr>
+          <p:nvPr/>
+        </p:nvGrpSpPr>
+        <p:grpSpPr bwMode="auto">
+          <a:xfrm>
+            <a:off x="4573620" y="2733769"/>
+            <a:ext cx="2564606" cy="2268252"/>
+            <a:chOff x="683568" y="908720"/>
+            <a:chExt cx="3420000" cy="3023144"/>
+          </a:xfrm>
+        </p:grpSpPr>
+        <p:sp>
+          <p:nvSpPr>
+            <p:cNvPr id="17" name="직사각형 16"/>
+            <p:cNvSpPr/>
+            <p:nvPr/>
+          </p:nvSpPr>
+          <p:spPr>
+            <a:xfrm>
+              <a:off x="683568" y="908720"/>
+              <a:ext cx="3420000" cy="360220"/>
+            </a:xfrm>
+            <a:prstGeom prst="rect">
+              <a:avLst/>
+            </a:prstGeom>
+            <a:solidFill>
+              <a:srgbClr val="987C4D"/>
+            </a:solidFill>
+            <a:ln>
+              <a:noFill/>
+            </a:ln>
+          </p:spPr>
+          <p:style>
+            <a:lnRef idx="2">
+              <a:schemeClr val="accent1">
+                <a:shade val="50000"/>
+              </a:schemeClr>
+            </a:lnRef>
+            <a:fillRef idx="1">
+              <a:schemeClr val="accent1"/>
+            </a:fillRef>
+            <a:effectRef idx="0">
+              <a:schemeClr val="accent1"/>
+            </a:effectRef>
+            <a:fontRef idx="minor">
+              <a:schemeClr val="lt1"/>
+            </a:fontRef>
+          </p:style>
+          <p:txBody>
+            <a:bodyPr anchor="ctr"/>
+            <a:lstStyle/>
+            <a:p>
+              <a:pPr algn="ctr">
+                <a:defRPr/>
+              </a:pPr>
+              <a:r>
+                <a:rPr lang="ko-KR" altLang="en-US" sz="1050" b="1" dirty="0"/>
+                <a:t>김</a:t>
+              </a:r>
+              <a:r>
+                <a:rPr lang="ko-KR" altLang="en-US" sz="1050" b="1"/>
+                <a:t>무개</a:t>
+              </a:r>
+              <a:endParaRPr lang="ko-KR" altLang="en-US" sz="1050" b="1" dirty="0"/>
+            </a:p>
+          </p:txBody>
+        </p:sp>
+        <p:sp>
+          <p:nvSpPr>
+            <p:cNvPr id="18" name="직사각형 17"/>
+            <p:cNvSpPr/>
+            <p:nvPr/>
+          </p:nvSpPr>
+          <p:spPr>
+            <a:xfrm>
+              <a:off x="683568" y="1340349"/>
+              <a:ext cx="3420000" cy="2591515"/>
+            </a:xfrm>
+            <a:prstGeom prst="rect">
+              <a:avLst/>
+            </a:prstGeom>
+            <a:noFill/>
+            <a:ln w="19050">
+              <a:solidFill>
+                <a:srgbClr val="D6D7DE"/>
+              </a:solidFill>
+            </a:ln>
+          </p:spPr>
+          <p:style>
+            <a:lnRef idx="2">
+              <a:schemeClr val="accent1">
+                <a:shade val="50000"/>
+              </a:schemeClr>
+            </a:lnRef>
+            <a:fillRef idx="1">
+              <a:schemeClr val="accent1"/>
+            </a:fillRef>
+            <a:effectRef idx="0">
+              <a:schemeClr val="accent1"/>
+            </a:effectRef>
+            <a:fontRef idx="minor">
+              <a:schemeClr val="lt1"/>
+            </a:fontRef>
+          </p:style>
+          <p:txBody>
+            <a:bodyPr anchor="ctr"/>
+            <a:lstStyle/>
+            <a:p>
+              <a:pPr algn="ctr">
+                <a:defRPr/>
+              </a:pPr>
+              <a:endParaRPr lang="ko-KR" altLang="en-US" sz="1350"/>
+            </a:p>
+          </p:txBody>
+        </p:sp>
+      </p:grpSp>
+      <p:sp>
+        <p:nvSpPr>
+          <p:cNvPr id="19" name="TextBox 18"/>
+          <p:cNvSpPr txBox="1"/>
+          <p:nvPr/>
+        </p:nvSpPr>
+        <p:spPr>
+          <a:xfrm>
+            <a:off x="4654582" y="3057620"/>
+            <a:ext cx="2564606" cy="1927451"/>
+          </a:xfrm>
+          <a:prstGeom prst="rect">
+            <a:avLst/>
+          </a:prstGeom>
+          <a:noFill/>
+        </p:spPr>
+        <p:txBody>
+          <a:bodyPr>
+            <a:spAutoFit/>
+          </a:bodyPr>
+          <a:lstStyle/>
+          <a:p>
+            <a:pPr>
+              <a:defRPr/>
+            </a:pPr>
+            <a:r>
+              <a:rPr lang="ko-KR" altLang="en-US" sz="825" b="1" dirty="0">
+                <a:latin typeface="+mn-ea"/>
+              </a:rPr>
+              <a:t>■ 소프트웨어 설계</a:t>
+            </a:r>
+            <a:endParaRPr lang="en-US" altLang="ko-KR" sz="825" b="1" dirty="0">
+              <a:latin typeface="+mn-ea"/>
+            </a:endParaRPr>
+          </a:p>
+          <a:p>
+            <a:pPr>
+              <a:defRPr/>
+            </a:pPr>
+            <a:r>
+              <a:rPr lang="en-US" altLang="ko-KR" sz="825" dirty="0">
+                <a:latin typeface="+mn-ea"/>
+              </a:rPr>
+              <a:t> - </a:t>
+            </a:r>
+            <a:r>
+              <a:rPr lang="ko-KR" altLang="en-US" sz="825" dirty="0">
+                <a:latin typeface="+mn-ea"/>
+              </a:rPr>
+              <a:t>프로젝트 전반적 설계</a:t>
+            </a:r>
+            <a:r>
+              <a:rPr lang="en-US" altLang="ko-KR" sz="825" dirty="0">
+                <a:latin typeface="+mn-ea"/>
+              </a:rPr>
+              <a:t>, UML</a:t>
+            </a:r>
+          </a:p>
+          <a:p>
+            <a:pPr>
+              <a:defRPr/>
+            </a:pPr>
+            <a:endParaRPr lang="en-US" altLang="ko-KR" sz="825" b="1" dirty="0">
+              <a:latin typeface="+mn-ea"/>
+            </a:endParaRPr>
+          </a:p>
+          <a:p>
+            <a:pPr>
+              <a:defRPr/>
+            </a:pPr>
+            <a:r>
+              <a:rPr lang="ko-KR" altLang="en-US" sz="825" b="1" dirty="0">
+                <a:latin typeface="+mn-ea"/>
+              </a:rPr>
+              <a:t>■ 메인 페이지</a:t>
+            </a:r>
+            <a:r>
+              <a:rPr lang="en-US" altLang="ko-KR" sz="825" b="1" dirty="0">
+                <a:latin typeface="+mn-ea"/>
+              </a:rPr>
+              <a:t>(header, footer </a:t>
+            </a:r>
+            <a:r>
+              <a:rPr lang="ko-KR" altLang="en-US" sz="825" b="1" dirty="0">
+                <a:latin typeface="+mn-ea"/>
+              </a:rPr>
+              <a:t>포함</a:t>
+            </a:r>
+            <a:r>
+              <a:rPr lang="en-US" altLang="ko-KR" sz="825" b="1" dirty="0">
+                <a:latin typeface="+mn-ea"/>
+              </a:rPr>
+              <a:t>)</a:t>
+            </a:r>
+          </a:p>
+          <a:p>
+            <a:pPr>
+              <a:defRPr/>
+            </a:pPr>
+            <a:r>
+              <a:rPr lang="en-US" altLang="ko-KR" sz="825" dirty="0">
+                <a:latin typeface="+mn-ea"/>
+              </a:rPr>
+              <a:t> -</a:t>
+            </a:r>
+            <a:r>
+              <a:rPr lang="ko-KR" altLang="en-US" sz="825" dirty="0">
+                <a:latin typeface="+mn-ea"/>
+              </a:rPr>
+              <a:t> </a:t>
+            </a:r>
+            <a:r>
+              <a:rPr lang="en-US" altLang="ko-KR" sz="825" dirty="0">
+                <a:latin typeface="+mn-ea"/>
+              </a:rPr>
+              <a:t> </a:t>
+            </a:r>
+            <a:r>
+              <a:rPr lang="ko-KR" altLang="en-US" sz="825" dirty="0">
+                <a:latin typeface="+mn-ea"/>
+              </a:rPr>
+              <a:t>남산도서관</a:t>
+            </a:r>
+            <a:r>
+              <a:rPr lang="en-US" altLang="ko-KR" sz="825" dirty="0">
+                <a:latin typeface="+mn-ea"/>
+              </a:rPr>
+              <a:t>, </a:t>
+            </a:r>
+            <a:r>
+              <a:rPr lang="ko-KR" altLang="en-US" sz="825" dirty="0">
+                <a:latin typeface="+mn-ea"/>
+              </a:rPr>
+              <a:t>한국외대도서관</a:t>
+            </a:r>
+            <a:r>
+              <a:rPr lang="en-US" altLang="ko-KR" sz="825" dirty="0">
+                <a:latin typeface="+mn-ea"/>
+              </a:rPr>
+              <a:t>, KOLAS </a:t>
+            </a:r>
+            <a:r>
+              <a:rPr lang="ko-KR" altLang="en-US" sz="825" dirty="0">
+                <a:latin typeface="+mn-ea"/>
+              </a:rPr>
+              <a:t>벤치마킹</a:t>
+            </a:r>
+            <a:endParaRPr lang="en-US" altLang="ko-KR" sz="825" dirty="0">
+              <a:latin typeface="+mn-ea"/>
+            </a:endParaRPr>
+          </a:p>
+          <a:p>
+            <a:pPr>
+              <a:defRPr/>
+            </a:pPr>
+            <a:endParaRPr lang="en-US" altLang="ko-KR" sz="825" b="1" dirty="0">
+              <a:latin typeface="+mn-ea"/>
+            </a:endParaRPr>
+          </a:p>
+          <a:p>
+            <a:pPr>
+              <a:defRPr/>
+            </a:pPr>
+            <a:r>
+              <a:rPr lang="ko-KR" altLang="en-US" sz="825" b="1" dirty="0">
+                <a:latin typeface="+mn-ea"/>
+              </a:rPr>
+              <a:t>■ 도서신청 게시판</a:t>
+            </a:r>
+            <a:r>
+              <a:rPr lang="en-US" altLang="ko-KR" sz="825" b="1" dirty="0">
+                <a:latin typeface="+mn-ea"/>
+              </a:rPr>
+              <a:t>(</a:t>
+            </a:r>
+            <a:r>
+              <a:rPr lang="ko-KR" altLang="en-US" sz="825" b="1" dirty="0">
+                <a:latin typeface="+mn-ea"/>
+              </a:rPr>
+              <a:t>사용자기능</a:t>
+            </a:r>
+            <a:r>
+              <a:rPr lang="en-US" altLang="ko-KR" sz="825" b="1" dirty="0">
+                <a:latin typeface="+mn-ea"/>
+              </a:rPr>
+              <a:t>)</a:t>
+            </a:r>
+          </a:p>
+          <a:p>
+            <a:pPr>
+              <a:defRPr/>
+            </a:pPr>
+            <a:r>
+              <a:rPr lang="en-US" altLang="ko-KR" sz="750" dirty="0">
+                <a:latin typeface="+mn-ea"/>
+              </a:rPr>
+              <a:t>  -</a:t>
+            </a:r>
+            <a:r>
+              <a:rPr lang="ko-KR" altLang="en-US" sz="750" dirty="0">
+                <a:latin typeface="+mn-ea"/>
+              </a:rPr>
+              <a:t> </a:t>
+            </a:r>
+            <a:r>
+              <a:rPr lang="en-US" altLang="ko-KR" sz="750" dirty="0">
+                <a:latin typeface="+mn-ea"/>
+              </a:rPr>
+              <a:t> </a:t>
+            </a:r>
+            <a:r>
+              <a:rPr lang="ko-KR" altLang="en-US" sz="750" dirty="0">
+                <a:latin typeface="+mn-ea"/>
+              </a:rPr>
+              <a:t>도서이미지파일업로드</a:t>
+            </a:r>
+            <a:r>
+              <a:rPr lang="en-US" altLang="ko-KR" sz="750" dirty="0">
+                <a:latin typeface="+mn-ea"/>
+              </a:rPr>
+              <a:t>, </a:t>
+            </a:r>
+            <a:r>
+              <a:rPr lang="ko-KR" altLang="en-US" sz="750" dirty="0" err="1">
+                <a:latin typeface="+mn-ea"/>
+              </a:rPr>
+              <a:t>답변달기</a:t>
+            </a:r>
+            <a:r>
+              <a:rPr lang="en-US" altLang="ko-KR" sz="750" dirty="0">
+                <a:latin typeface="+mn-ea"/>
+              </a:rPr>
+              <a:t>, </a:t>
+            </a:r>
+            <a:r>
+              <a:rPr lang="ko-KR" altLang="en-US" sz="750" dirty="0" err="1">
+                <a:latin typeface="+mn-ea"/>
+              </a:rPr>
+              <a:t>댓글</a:t>
+            </a:r>
+            <a:r>
+              <a:rPr lang="en-US" altLang="ko-KR" sz="750" dirty="0">
+                <a:latin typeface="+mn-ea"/>
+              </a:rPr>
+              <a:t>, </a:t>
+            </a:r>
+            <a:r>
+              <a:rPr lang="ko-KR" altLang="en-US" sz="750" dirty="0" err="1">
+                <a:latin typeface="+mn-ea"/>
+              </a:rPr>
+              <a:t>페이징</a:t>
+            </a:r>
+            <a:endParaRPr lang="en-US" altLang="ko-KR" sz="750" dirty="0">
+              <a:latin typeface="+mn-ea"/>
+            </a:endParaRPr>
+          </a:p>
+          <a:p>
+            <a:pPr>
+              <a:defRPr/>
+            </a:pPr>
+            <a:endParaRPr lang="en-US" altLang="ko-KR" sz="750" dirty="0">
+              <a:latin typeface="+mn-ea"/>
+            </a:endParaRPr>
+          </a:p>
+          <a:p>
+            <a:pPr>
+              <a:defRPr/>
+            </a:pPr>
+            <a:r>
+              <a:rPr lang="ko-KR" altLang="en-US" sz="825" b="1" dirty="0">
+                <a:latin typeface="+mn-ea"/>
+              </a:rPr>
+              <a:t>■ 도서검색</a:t>
+            </a:r>
+            <a:r>
+              <a:rPr lang="en-US" altLang="ko-KR" sz="825" b="1" dirty="0">
+                <a:latin typeface="+mn-ea"/>
+              </a:rPr>
+              <a:t>(</a:t>
+            </a:r>
+            <a:r>
+              <a:rPr lang="ko-KR" altLang="en-US" sz="825" b="1" dirty="0">
+                <a:latin typeface="+mn-ea"/>
+              </a:rPr>
+              <a:t>사용자</a:t>
+            </a:r>
+            <a:r>
+              <a:rPr lang="en-US" altLang="ko-KR" sz="825" b="1" dirty="0">
+                <a:latin typeface="+mn-ea"/>
+              </a:rPr>
+              <a:t>, </a:t>
+            </a:r>
+            <a:r>
+              <a:rPr lang="ko-KR" altLang="en-US" sz="825" b="1" dirty="0">
+                <a:latin typeface="+mn-ea"/>
+              </a:rPr>
+              <a:t>관리자 양측</a:t>
+            </a:r>
+            <a:r>
+              <a:rPr lang="en-US" altLang="ko-KR" sz="825" b="1" dirty="0">
+                <a:latin typeface="+mn-ea"/>
+              </a:rPr>
+              <a:t>)</a:t>
+            </a:r>
+          </a:p>
+          <a:p>
+            <a:pPr>
+              <a:defRPr/>
+            </a:pPr>
+            <a:endParaRPr lang="en-US" altLang="ko-KR" sz="825" b="1" dirty="0">
+              <a:latin typeface="+mn-ea"/>
+            </a:endParaRPr>
+          </a:p>
+          <a:p>
+            <a:pPr>
+              <a:defRPr/>
+            </a:pPr>
+            <a:r>
+              <a:rPr lang="ko-KR" altLang="en-US" sz="750" b="1" dirty="0">
+                <a:latin typeface="+mn-ea"/>
+              </a:rPr>
+              <a:t>■ 도서관리</a:t>
+            </a:r>
+            <a:r>
+              <a:rPr lang="en-US" altLang="ko-KR" sz="750" b="1" dirty="0">
+                <a:latin typeface="+mn-ea"/>
+              </a:rPr>
+              <a:t>(</a:t>
+            </a:r>
+            <a:r>
+              <a:rPr lang="ko-KR" altLang="en-US" sz="750" b="1" dirty="0">
+                <a:latin typeface="+mn-ea"/>
+              </a:rPr>
+              <a:t>관리자기능</a:t>
+            </a:r>
+            <a:r>
+              <a:rPr lang="en-US" altLang="ko-KR" sz="750" b="1" dirty="0">
+                <a:latin typeface="+mn-ea"/>
+              </a:rPr>
+              <a:t>)</a:t>
+            </a:r>
+          </a:p>
+          <a:p>
+            <a:pPr>
+              <a:defRPr/>
+            </a:pPr>
+            <a:r>
+              <a:rPr lang="en-US" altLang="ko-KR" sz="750" dirty="0">
+                <a:latin typeface="+mn-ea"/>
+              </a:rPr>
+              <a:t> -</a:t>
+            </a:r>
+            <a:r>
+              <a:rPr lang="ko-KR" altLang="en-US" sz="750" dirty="0">
+                <a:latin typeface="+mn-ea"/>
+              </a:rPr>
+              <a:t> </a:t>
+            </a:r>
+            <a:r>
+              <a:rPr lang="en-US" altLang="ko-KR" sz="750" dirty="0">
+                <a:latin typeface="+mn-ea"/>
+              </a:rPr>
+              <a:t> </a:t>
+            </a:r>
+            <a:r>
+              <a:rPr lang="ko-KR" altLang="en-US" sz="750" dirty="0">
+                <a:latin typeface="+mn-ea"/>
+              </a:rPr>
+              <a:t>도서등록</a:t>
+            </a:r>
+            <a:r>
+              <a:rPr lang="en-US" altLang="ko-KR" sz="750" dirty="0">
+                <a:latin typeface="+mn-ea"/>
+              </a:rPr>
+              <a:t>, </a:t>
+            </a:r>
+            <a:r>
+              <a:rPr lang="ko-KR" altLang="en-US" sz="750" dirty="0">
+                <a:latin typeface="+mn-ea"/>
+              </a:rPr>
+              <a:t>도서수정</a:t>
+            </a:r>
+            <a:r>
+              <a:rPr lang="en-US" altLang="ko-KR" sz="750" dirty="0">
+                <a:latin typeface="+mn-ea"/>
+              </a:rPr>
+              <a:t>, </a:t>
+            </a:r>
+            <a:r>
+              <a:rPr lang="ko-KR" altLang="en-US" sz="750" dirty="0">
+                <a:latin typeface="+mn-ea"/>
+              </a:rPr>
+              <a:t>도서삭제</a:t>
+            </a:r>
+            <a:r>
+              <a:rPr lang="en-US" altLang="ko-KR" sz="750" dirty="0">
+                <a:latin typeface="+mn-ea"/>
+              </a:rPr>
+              <a:t>, </a:t>
+            </a:r>
+            <a:r>
+              <a:rPr lang="ko-KR" altLang="en-US" sz="750" dirty="0">
+                <a:latin typeface="+mn-ea"/>
+              </a:rPr>
+              <a:t>파일업로드</a:t>
+            </a:r>
+            <a:endParaRPr lang="en-US" altLang="ko-KR" sz="750" dirty="0">
+              <a:latin typeface="+mn-ea"/>
+            </a:endParaRPr>
+          </a:p>
+          <a:p>
+            <a:pPr>
+              <a:defRPr/>
+            </a:pPr>
+            <a:endParaRPr lang="en-US" altLang="ko-KR" sz="750" dirty="0">
+              <a:latin typeface="+mn-ea"/>
+            </a:endParaRPr>
+          </a:p>
+          <a:p>
+            <a:pPr>
+              <a:defRPr/>
+            </a:pPr>
+            <a:r>
+              <a:rPr lang="ko-KR" altLang="en-US" sz="750" b="1" dirty="0">
+                <a:latin typeface="+mn-ea"/>
+              </a:rPr>
+              <a:t>■ 도서 대출</a:t>
+            </a:r>
+            <a:r>
+              <a:rPr lang="en-US" altLang="ko-KR" sz="750" b="1" dirty="0">
+                <a:latin typeface="+mn-ea"/>
+              </a:rPr>
+              <a:t>, </a:t>
+            </a:r>
+            <a:r>
+              <a:rPr lang="ko-KR" altLang="en-US" sz="750" b="1" dirty="0">
+                <a:latin typeface="+mn-ea"/>
+              </a:rPr>
+              <a:t>반납</a:t>
+            </a:r>
+            <a:r>
+              <a:rPr lang="en-US" altLang="ko-KR" sz="750" b="1" dirty="0">
+                <a:latin typeface="+mn-ea"/>
+              </a:rPr>
+              <a:t>(</a:t>
+            </a:r>
+            <a:r>
+              <a:rPr lang="ko-KR" altLang="en-US" sz="750" b="1" dirty="0">
+                <a:latin typeface="+mn-ea"/>
+              </a:rPr>
+              <a:t>관리자 측</a:t>
+            </a:r>
+            <a:r>
+              <a:rPr lang="en-US" altLang="ko-KR" sz="750" b="1" dirty="0">
+                <a:latin typeface="+mn-ea"/>
+              </a:rPr>
+              <a:t>)</a:t>
+            </a:r>
+          </a:p>
+        </p:txBody>
+      </p:sp>
     </p:spTree>
     <p:extLst>
       <p:ext uri="{BB962C8B-B14F-4D97-AF65-F5344CB8AC3E}">
-        <p14:creationId xmlns:p14="http://schemas.microsoft.com/office/powerpoint/2010/main" val="1068778681"/>
+        <p14:creationId xmlns:p14="http://schemas.microsoft.com/office/powerpoint/2010/main" val="2502144892"/>
       </p:ext>
     </p:extLst>
   </p:cSld>
@@ -11819,7 +16814,13 @@
       </p:grpSpPr>
       <p:sp>
         <p:nvSpPr>
-          <p:cNvPr id="2" name="슬라이드 번호 개체 틀 1"/>
+          <p:cNvPr id="2" name="슬라이드 번호 개체 틀 1">
+            <a:extLst>
+              <a:ext uri="{FF2B5EF4-FFF2-40B4-BE49-F238E27FC236}">
+                <a16:creationId xmlns:a16="http://schemas.microsoft.com/office/drawing/2014/main" id="{9FCEE3D2-8D7C-4399-9124-487ADAD09EAF}"/>
+              </a:ext>
+            </a:extLst>
+          </p:cNvPr>
           <p:cNvSpPr>
             <a:spLocks noGrp="1"/>
           </p:cNvSpPr>
@@ -11841,2658 +16842,10 @@
           </a:p>
         </p:txBody>
       </p:sp>
-      <p:sp>
-        <p:nvSpPr>
-          <p:cNvPr id="3" name="TextBox 2"/>
-          <p:cNvSpPr txBox="1"/>
-          <p:nvPr/>
-        </p:nvSpPr>
-        <p:spPr>
-          <a:xfrm>
-            <a:off x="285792" y="86430"/>
-            <a:ext cx="2203301" cy="300082"/>
-          </a:xfrm>
-          <a:prstGeom prst="rect">
-            <a:avLst/>
-          </a:prstGeom>
-          <a:noFill/>
-        </p:spPr>
-        <p:txBody>
-          <a:bodyPr wrap="square" rtlCol="0">
-            <a:spAutoFit/>
-          </a:bodyPr>
-          <a:lstStyle/>
-          <a:p>
-            <a:r>
-              <a:rPr lang="ko-KR" altLang="en-US" sz="1350" b="1">
-                <a:solidFill>
-                  <a:srgbClr val="756B5F"/>
-                </a:solidFill>
-              </a:rPr>
-              <a:t>작업분할구조도</a:t>
-            </a:r>
-            <a:endParaRPr lang="ko-KR" altLang="en-US" sz="1350" b="1" dirty="0">
-              <a:solidFill>
-                <a:srgbClr val="756B5F"/>
-              </a:solidFill>
-            </a:endParaRPr>
-          </a:p>
-        </p:txBody>
-      </p:sp>
-      <p:sp>
-        <p:nvSpPr>
-          <p:cNvPr id="5" name="직사각형 4"/>
-          <p:cNvSpPr/>
-          <p:nvPr/>
-        </p:nvSpPr>
-        <p:spPr>
-          <a:xfrm>
-            <a:off x="4247934" y="632680"/>
-            <a:ext cx="594096" cy="243000"/>
-          </a:xfrm>
-          <a:prstGeom prst="rect">
-            <a:avLst/>
-          </a:prstGeom>
-          <a:solidFill>
-            <a:srgbClr val="987C4D"/>
-          </a:solidFill>
-          <a:ln>
-            <a:solidFill>
-              <a:srgbClr val="987C4D"/>
-            </a:solidFill>
-          </a:ln>
-        </p:spPr>
-        <p:style>
-          <a:lnRef idx="2">
-            <a:schemeClr val="accent1">
-              <a:shade val="50000"/>
-            </a:schemeClr>
-          </a:lnRef>
-          <a:fillRef idx="1">
-            <a:schemeClr val="accent1"/>
-          </a:fillRef>
-          <a:effectRef idx="0">
-            <a:schemeClr val="accent1"/>
-          </a:effectRef>
-          <a:fontRef idx="minor">
-            <a:schemeClr val="lt1"/>
-          </a:fontRef>
-        </p:style>
-        <p:txBody>
-          <a:bodyPr rot="0" spcFirstLastPara="0" vertOverflow="overflow" horzOverflow="overflow" vert="horz" wrap="square" lIns="0" tIns="0" rIns="0" bIns="0" numCol="1" spcCol="0" rtlCol="0" fromWordArt="0" anchor="ctr" anchorCtr="0" forceAA="0" compatLnSpc="1">
-            <a:prstTxWarp prst="textNoShape">
-              <a:avLst/>
-            </a:prstTxWarp>
-            <a:noAutofit/>
-          </a:bodyPr>
-          <a:lstStyle/>
-          <a:p>
-            <a:pPr algn="ctr"/>
-            <a:r>
-              <a:rPr lang="en-US" altLang="ko-KR" sz="750" b="1" dirty="0"/>
-              <a:t>LAS*</a:t>
-            </a:r>
-            <a:endParaRPr lang="ko-KR" altLang="en-US" sz="750" b="1" dirty="0"/>
-          </a:p>
-        </p:txBody>
-      </p:sp>
-      <p:sp>
-        <p:nvSpPr>
-          <p:cNvPr id="9" name="직사각형 8"/>
-          <p:cNvSpPr/>
-          <p:nvPr/>
-        </p:nvSpPr>
-        <p:spPr>
-          <a:xfrm>
-            <a:off x="1169622" y="1577812"/>
-            <a:ext cx="432000" cy="243000"/>
-          </a:xfrm>
-          <a:prstGeom prst="rect">
-            <a:avLst/>
-          </a:prstGeom>
-          <a:solidFill>
-            <a:srgbClr val="987C4D">
-              <a:alpha val="70000"/>
-            </a:srgbClr>
-          </a:solidFill>
-          <a:ln>
-            <a:noFill/>
-          </a:ln>
-        </p:spPr>
-        <p:style>
-          <a:lnRef idx="2">
-            <a:schemeClr val="accent1">
-              <a:shade val="50000"/>
-            </a:schemeClr>
-          </a:lnRef>
-          <a:fillRef idx="1">
-            <a:schemeClr val="accent1"/>
-          </a:fillRef>
-          <a:effectRef idx="0">
-            <a:schemeClr val="accent1"/>
-          </a:effectRef>
-          <a:fontRef idx="minor">
-            <a:schemeClr val="lt1"/>
-          </a:fontRef>
-        </p:style>
-        <p:txBody>
-          <a:bodyPr rot="0" spcFirstLastPara="0" vertOverflow="overflow" horzOverflow="overflow" vert="horz" wrap="square" lIns="0" tIns="0" rIns="0" bIns="0" numCol="1" spcCol="0" rtlCol="0" fromWordArt="0" anchor="ctr" anchorCtr="0" forceAA="0" compatLnSpc="1">
-            <a:prstTxWarp prst="textNoShape">
-              <a:avLst/>
-            </a:prstTxWarp>
-            <a:noAutofit/>
-          </a:bodyPr>
-          <a:lstStyle/>
-          <a:p>
-            <a:pPr algn="ctr"/>
-            <a:r>
-              <a:rPr lang="ko-KR" altLang="en-US" sz="750" b="1" dirty="0"/>
-              <a:t>이용자</a:t>
-            </a:r>
-          </a:p>
-        </p:txBody>
-      </p:sp>
-      <p:sp>
-        <p:nvSpPr>
-          <p:cNvPr id="10" name="직사각형 9"/>
-          <p:cNvSpPr/>
-          <p:nvPr/>
-        </p:nvSpPr>
-        <p:spPr>
-          <a:xfrm>
-            <a:off x="6084168" y="1592744"/>
-            <a:ext cx="432000" cy="243000"/>
-          </a:xfrm>
-          <a:prstGeom prst="rect">
-            <a:avLst/>
-          </a:prstGeom>
-          <a:solidFill>
-            <a:srgbClr val="987C4D"/>
-          </a:solidFill>
-          <a:ln>
-            <a:solidFill>
-              <a:srgbClr val="987C4D"/>
-            </a:solidFill>
-          </a:ln>
-        </p:spPr>
-        <p:style>
-          <a:lnRef idx="2">
-            <a:schemeClr val="accent1">
-              <a:shade val="50000"/>
-            </a:schemeClr>
-          </a:lnRef>
-          <a:fillRef idx="1">
-            <a:schemeClr val="accent1"/>
-          </a:fillRef>
-          <a:effectRef idx="0">
-            <a:schemeClr val="accent1"/>
-          </a:effectRef>
-          <a:fontRef idx="minor">
-            <a:schemeClr val="lt1"/>
-          </a:fontRef>
-        </p:style>
-        <p:txBody>
-          <a:bodyPr rot="0" spcFirstLastPara="0" vertOverflow="overflow" horzOverflow="overflow" vert="horz" wrap="square" lIns="0" tIns="0" rIns="0" bIns="0" numCol="1" spcCol="0" rtlCol="0" fromWordArt="0" anchor="ctr" anchorCtr="0" forceAA="0" compatLnSpc="1">
-            <a:prstTxWarp prst="textNoShape">
-              <a:avLst/>
-            </a:prstTxWarp>
-            <a:noAutofit/>
-          </a:bodyPr>
-          <a:lstStyle/>
-          <a:p>
-            <a:pPr algn="ctr"/>
-            <a:r>
-              <a:rPr lang="ko-KR" altLang="en-US" sz="750" b="1" dirty="0"/>
-              <a:t>관리자</a:t>
-            </a:r>
-          </a:p>
-        </p:txBody>
-      </p:sp>
-      <p:sp>
-        <p:nvSpPr>
-          <p:cNvPr id="11" name="직사각형 10"/>
-          <p:cNvSpPr/>
-          <p:nvPr/>
-        </p:nvSpPr>
-        <p:spPr>
-          <a:xfrm>
-            <a:off x="5976186" y="2215761"/>
-            <a:ext cx="270000" cy="378000"/>
-          </a:xfrm>
-          <a:prstGeom prst="rect">
-            <a:avLst/>
-          </a:prstGeom>
-          <a:solidFill>
-            <a:srgbClr val="987C4D"/>
-          </a:solidFill>
-          <a:ln>
-            <a:solidFill>
-              <a:srgbClr val="987C4D"/>
-            </a:solidFill>
-          </a:ln>
-        </p:spPr>
-        <p:style>
-          <a:lnRef idx="2">
-            <a:schemeClr val="accent1">
-              <a:shade val="50000"/>
-            </a:schemeClr>
-          </a:lnRef>
-          <a:fillRef idx="1">
-            <a:schemeClr val="accent1"/>
-          </a:fillRef>
-          <a:effectRef idx="0">
-            <a:schemeClr val="accent1"/>
-          </a:effectRef>
-          <a:fontRef idx="minor">
-            <a:schemeClr val="lt1"/>
-          </a:fontRef>
-        </p:style>
-        <p:txBody>
-          <a:bodyPr rot="0" spcFirstLastPara="0" vertOverflow="overflow" horzOverflow="overflow" vert="horz" wrap="square" lIns="0" tIns="0" rIns="0" bIns="0" numCol="1" spcCol="0" rtlCol="0" fromWordArt="0" anchor="ctr" anchorCtr="0" forceAA="0" compatLnSpc="1">
-            <a:prstTxWarp prst="textNoShape">
-              <a:avLst/>
-            </a:prstTxWarp>
-            <a:noAutofit/>
-          </a:bodyPr>
-          <a:lstStyle/>
-          <a:p>
-            <a:pPr algn="ctr"/>
-            <a:r>
-              <a:rPr lang="ko-KR" altLang="en-US" sz="750" b="1" dirty="0"/>
-              <a:t>공지사항</a:t>
-            </a:r>
-          </a:p>
-        </p:txBody>
-      </p:sp>
-      <p:sp>
-        <p:nvSpPr>
-          <p:cNvPr id="12" name="직사각형 11"/>
-          <p:cNvSpPr/>
-          <p:nvPr/>
-        </p:nvSpPr>
-        <p:spPr>
-          <a:xfrm>
-            <a:off x="1601671" y="2265371"/>
-            <a:ext cx="323116" cy="378000"/>
-          </a:xfrm>
-          <a:prstGeom prst="rect">
-            <a:avLst/>
-          </a:prstGeom>
-          <a:solidFill>
-            <a:srgbClr val="987C4D"/>
-          </a:solidFill>
-          <a:ln>
-            <a:solidFill>
-              <a:srgbClr val="987C4D"/>
-            </a:solidFill>
-          </a:ln>
-        </p:spPr>
-        <p:style>
-          <a:lnRef idx="2">
-            <a:schemeClr val="accent1">
-              <a:shade val="50000"/>
-            </a:schemeClr>
-          </a:lnRef>
-          <a:fillRef idx="1">
-            <a:schemeClr val="accent1"/>
-          </a:fillRef>
-          <a:effectRef idx="0">
-            <a:schemeClr val="accent1"/>
-          </a:effectRef>
-          <a:fontRef idx="minor">
-            <a:schemeClr val="lt1"/>
-          </a:fontRef>
-        </p:style>
-        <p:txBody>
-          <a:bodyPr rot="0" spcFirstLastPara="0" vertOverflow="overflow" horzOverflow="overflow" vert="horz" wrap="square" lIns="0" tIns="0" rIns="0" bIns="0" numCol="1" spcCol="0" rtlCol="0" fromWordArt="0" anchor="ctr" anchorCtr="0" forceAA="0" compatLnSpc="1">
-            <a:prstTxWarp prst="textNoShape">
-              <a:avLst/>
-            </a:prstTxWarp>
-            <a:noAutofit/>
-          </a:bodyPr>
-          <a:lstStyle/>
-          <a:p>
-            <a:pPr algn="ctr"/>
-            <a:r>
-              <a:rPr lang="ko-KR" altLang="en-US" sz="750" b="1" dirty="0"/>
-              <a:t>관리자관리</a:t>
-            </a:r>
-          </a:p>
-        </p:txBody>
-      </p:sp>
-      <p:sp>
-        <p:nvSpPr>
-          <p:cNvPr id="13" name="직사각형 12"/>
-          <p:cNvSpPr/>
-          <p:nvPr/>
-        </p:nvSpPr>
-        <p:spPr>
-          <a:xfrm>
-            <a:off x="2890380" y="2240566"/>
-            <a:ext cx="270000" cy="378000"/>
-          </a:xfrm>
-          <a:prstGeom prst="rect">
-            <a:avLst/>
-          </a:prstGeom>
-          <a:solidFill>
-            <a:srgbClr val="987C4D"/>
-          </a:solidFill>
-          <a:ln>
-            <a:solidFill>
-              <a:srgbClr val="987C4D"/>
-            </a:solidFill>
-          </a:ln>
-        </p:spPr>
-        <p:style>
-          <a:lnRef idx="2">
-            <a:schemeClr val="accent1">
-              <a:shade val="50000"/>
-            </a:schemeClr>
-          </a:lnRef>
-          <a:fillRef idx="1">
-            <a:schemeClr val="accent1"/>
-          </a:fillRef>
-          <a:effectRef idx="0">
-            <a:schemeClr val="accent1"/>
-          </a:effectRef>
-          <a:fontRef idx="minor">
-            <a:schemeClr val="lt1"/>
-          </a:fontRef>
-        </p:style>
-        <p:txBody>
-          <a:bodyPr rot="0" spcFirstLastPara="0" vertOverflow="overflow" horzOverflow="overflow" vert="horz" wrap="square" lIns="0" tIns="0" rIns="0" bIns="0" numCol="1" spcCol="0" rtlCol="0" fromWordArt="0" anchor="ctr" anchorCtr="0" forceAA="0" compatLnSpc="1">
-            <a:prstTxWarp prst="textNoShape">
-              <a:avLst/>
-            </a:prstTxWarp>
-            <a:noAutofit/>
-          </a:bodyPr>
-          <a:lstStyle/>
-          <a:p>
-            <a:pPr algn="ctr"/>
-            <a:r>
-              <a:rPr lang="ko-KR" altLang="en-US" sz="750" b="1" dirty="0"/>
-              <a:t>회원</a:t>
-            </a:r>
-            <a:endParaRPr lang="en-US" altLang="ko-KR" sz="750" b="1" dirty="0"/>
-          </a:p>
-          <a:p>
-            <a:pPr algn="ctr"/>
-            <a:r>
-              <a:rPr lang="ko-KR" altLang="en-US" sz="750" b="1" dirty="0"/>
-              <a:t>관리</a:t>
-            </a:r>
-          </a:p>
-        </p:txBody>
-      </p:sp>
-      <p:sp>
-        <p:nvSpPr>
-          <p:cNvPr id="14" name="직사각형 13"/>
-          <p:cNvSpPr/>
-          <p:nvPr/>
-        </p:nvSpPr>
-        <p:spPr>
-          <a:xfrm>
-            <a:off x="4626006" y="2215761"/>
-            <a:ext cx="270000" cy="378000"/>
-          </a:xfrm>
-          <a:prstGeom prst="rect">
-            <a:avLst/>
-          </a:prstGeom>
-          <a:solidFill>
-            <a:srgbClr val="987C4D"/>
-          </a:solidFill>
-          <a:ln>
-            <a:solidFill>
-              <a:srgbClr val="987C4D"/>
-            </a:solidFill>
-          </a:ln>
-        </p:spPr>
-        <p:style>
-          <a:lnRef idx="2">
-            <a:schemeClr val="accent1">
-              <a:shade val="50000"/>
-            </a:schemeClr>
-          </a:lnRef>
-          <a:fillRef idx="1">
-            <a:schemeClr val="accent1"/>
-          </a:fillRef>
-          <a:effectRef idx="0">
-            <a:schemeClr val="accent1"/>
-          </a:effectRef>
-          <a:fontRef idx="minor">
-            <a:schemeClr val="lt1"/>
-          </a:fontRef>
-        </p:style>
-        <p:txBody>
-          <a:bodyPr rot="0" spcFirstLastPara="0" vertOverflow="overflow" horzOverflow="overflow" vert="horz" wrap="square" lIns="0" tIns="0" rIns="0" bIns="0" numCol="1" spcCol="0" rtlCol="0" fromWordArt="0" anchor="ctr" anchorCtr="0" forceAA="0" compatLnSpc="1">
-            <a:prstTxWarp prst="textNoShape">
-              <a:avLst/>
-            </a:prstTxWarp>
-            <a:noAutofit/>
-          </a:bodyPr>
-          <a:lstStyle/>
-          <a:p>
-            <a:pPr algn="ctr"/>
-            <a:r>
-              <a:rPr lang="ko-KR" altLang="en-US" sz="750" b="1" dirty="0"/>
-              <a:t>도서관리</a:t>
-            </a:r>
-          </a:p>
-        </p:txBody>
-      </p:sp>
-      <p:sp>
-        <p:nvSpPr>
-          <p:cNvPr id="15" name="직사각형 14"/>
-          <p:cNvSpPr/>
-          <p:nvPr/>
-        </p:nvSpPr>
-        <p:spPr>
-          <a:xfrm>
-            <a:off x="7272330" y="2215761"/>
-            <a:ext cx="270000" cy="378000"/>
-          </a:xfrm>
-          <a:prstGeom prst="rect">
-            <a:avLst/>
-          </a:prstGeom>
-          <a:solidFill>
-            <a:srgbClr val="987C4D"/>
-          </a:solidFill>
-          <a:ln>
-            <a:solidFill>
-              <a:srgbClr val="987C4D"/>
-            </a:solidFill>
-          </a:ln>
-        </p:spPr>
-        <p:style>
-          <a:lnRef idx="2">
-            <a:schemeClr val="accent1">
-              <a:shade val="50000"/>
-            </a:schemeClr>
-          </a:lnRef>
-          <a:fillRef idx="1">
-            <a:schemeClr val="accent1"/>
-          </a:fillRef>
-          <a:effectRef idx="0">
-            <a:schemeClr val="accent1"/>
-          </a:effectRef>
-          <a:fontRef idx="minor">
-            <a:schemeClr val="lt1"/>
-          </a:fontRef>
-        </p:style>
-        <p:txBody>
-          <a:bodyPr rot="0" spcFirstLastPara="0" vertOverflow="overflow" horzOverflow="overflow" vert="horz" wrap="square" lIns="0" tIns="0" rIns="0" bIns="0" numCol="1" spcCol="0" rtlCol="0" fromWordArt="0" anchor="ctr" anchorCtr="0" forceAA="0" compatLnSpc="1">
-            <a:prstTxWarp prst="textNoShape">
-              <a:avLst/>
-            </a:prstTxWarp>
-            <a:noAutofit/>
-          </a:bodyPr>
-          <a:lstStyle/>
-          <a:p>
-            <a:pPr algn="ctr"/>
-            <a:r>
-              <a:rPr lang="ko-KR" altLang="en-US" sz="750" b="1" dirty="0"/>
-              <a:t>통계</a:t>
-            </a:r>
-          </a:p>
-        </p:txBody>
-      </p:sp>
-      <p:sp>
-        <p:nvSpPr>
-          <p:cNvPr id="16" name="직사각형 15"/>
-          <p:cNvSpPr/>
-          <p:nvPr/>
-        </p:nvSpPr>
-        <p:spPr>
-          <a:xfrm>
-            <a:off x="3815946" y="2214218"/>
-            <a:ext cx="270000" cy="378000"/>
-          </a:xfrm>
-          <a:prstGeom prst="rect">
-            <a:avLst/>
-          </a:prstGeom>
-          <a:solidFill>
-            <a:srgbClr val="987C4D"/>
-          </a:solidFill>
-          <a:ln>
-            <a:solidFill>
-              <a:srgbClr val="987C4D"/>
-            </a:solidFill>
-          </a:ln>
-        </p:spPr>
-        <p:style>
-          <a:lnRef idx="2">
-            <a:schemeClr val="accent1">
-              <a:shade val="50000"/>
-            </a:schemeClr>
-          </a:lnRef>
-          <a:fillRef idx="1">
-            <a:schemeClr val="accent1"/>
-          </a:fillRef>
-          <a:effectRef idx="0">
-            <a:schemeClr val="accent1"/>
-          </a:effectRef>
-          <a:fontRef idx="minor">
-            <a:schemeClr val="lt1"/>
-          </a:fontRef>
-        </p:style>
-        <p:txBody>
-          <a:bodyPr rot="0" spcFirstLastPara="0" vertOverflow="overflow" horzOverflow="overflow" vert="horz" wrap="square" lIns="0" tIns="0" rIns="0" bIns="0" numCol="1" spcCol="0" rtlCol="0" fromWordArt="0" anchor="ctr" anchorCtr="0" forceAA="0" compatLnSpc="1">
-            <a:prstTxWarp prst="textNoShape">
-              <a:avLst/>
-            </a:prstTxWarp>
-            <a:noAutofit/>
-          </a:bodyPr>
-          <a:lstStyle/>
-          <a:p>
-            <a:pPr algn="ctr"/>
-            <a:r>
-              <a:rPr lang="ko-KR" altLang="en-US" sz="750" b="1" dirty="0"/>
-              <a:t>대출</a:t>
-            </a:r>
-            <a:endParaRPr lang="en-US" altLang="ko-KR" sz="750" b="1" dirty="0"/>
-          </a:p>
-          <a:p>
-            <a:pPr algn="ctr"/>
-            <a:r>
-              <a:rPr lang="ko-KR" altLang="en-US" sz="750" b="1" dirty="0"/>
-              <a:t>반납</a:t>
-            </a:r>
-          </a:p>
-        </p:txBody>
-      </p:sp>
-      <p:sp>
-        <p:nvSpPr>
-          <p:cNvPr id="17" name="직사각형 16"/>
-          <p:cNvSpPr/>
-          <p:nvPr/>
-        </p:nvSpPr>
-        <p:spPr>
-          <a:xfrm>
-            <a:off x="5506945" y="3346926"/>
-            <a:ext cx="270000" cy="378000"/>
-          </a:xfrm>
-          <a:prstGeom prst="rect">
-            <a:avLst/>
-          </a:prstGeom>
-          <a:solidFill>
-            <a:srgbClr val="CDC1B6"/>
-          </a:solidFill>
-          <a:ln>
-            <a:solidFill>
-              <a:srgbClr val="CDC1B6"/>
-            </a:solidFill>
-          </a:ln>
-        </p:spPr>
-        <p:style>
-          <a:lnRef idx="2">
-            <a:schemeClr val="accent1">
-              <a:shade val="50000"/>
-            </a:schemeClr>
-          </a:lnRef>
-          <a:fillRef idx="1">
-            <a:schemeClr val="accent1"/>
-          </a:fillRef>
-          <a:effectRef idx="0">
-            <a:schemeClr val="accent1"/>
-          </a:effectRef>
-          <a:fontRef idx="minor">
-            <a:schemeClr val="lt1"/>
-          </a:fontRef>
-        </p:style>
-        <p:txBody>
-          <a:bodyPr rot="0" spcFirstLastPara="0" vertOverflow="overflow" horzOverflow="overflow" vert="horz" wrap="square" lIns="0" tIns="0" rIns="0" bIns="0" numCol="1" spcCol="0" rtlCol="0" fromWordArt="0" anchor="ctr" anchorCtr="0" forceAA="0" compatLnSpc="1">
-            <a:prstTxWarp prst="textNoShape">
-              <a:avLst/>
-            </a:prstTxWarp>
-            <a:noAutofit/>
-          </a:bodyPr>
-          <a:lstStyle/>
-          <a:p>
-            <a:pPr algn="ctr"/>
-            <a:r>
-              <a:rPr lang="ko-KR" altLang="en-US" sz="750" b="1" dirty="0" err="1">
-                <a:solidFill>
-                  <a:schemeClr val="tx1"/>
-                </a:solidFill>
-              </a:rPr>
-              <a:t>글작성</a:t>
-            </a:r>
-            <a:endParaRPr lang="ko-KR" altLang="en-US" sz="750" b="1" dirty="0">
-              <a:solidFill>
-                <a:schemeClr val="tx1"/>
-              </a:solidFill>
-            </a:endParaRPr>
-          </a:p>
-        </p:txBody>
-      </p:sp>
-      <p:sp>
-        <p:nvSpPr>
-          <p:cNvPr id="18" name="직사각형 17"/>
-          <p:cNvSpPr/>
-          <p:nvPr/>
-        </p:nvSpPr>
-        <p:spPr>
-          <a:xfrm>
-            <a:off x="1817724" y="3330209"/>
-            <a:ext cx="270000" cy="378000"/>
-          </a:xfrm>
-          <a:prstGeom prst="rect">
-            <a:avLst/>
-          </a:prstGeom>
-          <a:solidFill>
-            <a:srgbClr val="CDC1B6"/>
-          </a:solidFill>
-          <a:ln>
-            <a:solidFill>
-              <a:srgbClr val="CDC1B6"/>
-            </a:solidFill>
-          </a:ln>
-        </p:spPr>
-        <p:style>
-          <a:lnRef idx="2">
-            <a:schemeClr val="accent1">
-              <a:shade val="50000"/>
-            </a:schemeClr>
-          </a:lnRef>
-          <a:fillRef idx="1">
-            <a:schemeClr val="accent1"/>
-          </a:fillRef>
-          <a:effectRef idx="0">
-            <a:schemeClr val="accent1"/>
-          </a:effectRef>
-          <a:fontRef idx="minor">
-            <a:schemeClr val="lt1"/>
-          </a:fontRef>
-        </p:style>
-        <p:txBody>
-          <a:bodyPr rot="0" spcFirstLastPara="0" vertOverflow="overflow" horzOverflow="overflow" vert="horz" wrap="square" lIns="0" tIns="0" rIns="0" bIns="0" numCol="1" spcCol="0" rtlCol="0" fromWordArt="0" anchor="ctr" anchorCtr="0" forceAA="0" compatLnSpc="1">
-            <a:prstTxWarp prst="textNoShape">
-              <a:avLst/>
-            </a:prstTxWarp>
-            <a:noAutofit/>
-          </a:bodyPr>
-          <a:lstStyle/>
-          <a:p>
-            <a:pPr algn="ctr"/>
-            <a:r>
-              <a:rPr lang="ko-KR" altLang="en-US" sz="750" b="1" dirty="0">
-                <a:solidFill>
-                  <a:schemeClr val="tx1"/>
-                </a:solidFill>
-              </a:rPr>
-              <a:t>사서</a:t>
-            </a:r>
-            <a:endParaRPr lang="en-US" altLang="ko-KR" sz="750" b="1" dirty="0">
-              <a:solidFill>
-                <a:schemeClr val="tx1"/>
-              </a:solidFill>
-            </a:endParaRPr>
-          </a:p>
-          <a:p>
-            <a:pPr algn="ctr"/>
-            <a:r>
-              <a:rPr lang="ko-KR" altLang="en-US" sz="750" b="1" dirty="0">
-                <a:solidFill>
-                  <a:schemeClr val="tx1"/>
-                </a:solidFill>
-              </a:rPr>
-              <a:t>삭제</a:t>
-            </a:r>
-          </a:p>
-        </p:txBody>
-      </p:sp>
-      <p:sp>
-        <p:nvSpPr>
-          <p:cNvPr id="19" name="직사각형 18"/>
-          <p:cNvSpPr/>
-          <p:nvPr/>
-        </p:nvSpPr>
-        <p:spPr>
-          <a:xfrm>
-            <a:off x="2889052" y="3342620"/>
-            <a:ext cx="270000" cy="378000"/>
-          </a:xfrm>
-          <a:prstGeom prst="rect">
-            <a:avLst/>
-          </a:prstGeom>
-          <a:solidFill>
-            <a:srgbClr val="CDC1B6"/>
-          </a:solidFill>
-          <a:ln>
-            <a:solidFill>
-              <a:srgbClr val="CDC1B6"/>
-            </a:solidFill>
-          </a:ln>
-        </p:spPr>
-        <p:style>
-          <a:lnRef idx="2">
-            <a:schemeClr val="accent1">
-              <a:shade val="50000"/>
-            </a:schemeClr>
-          </a:lnRef>
-          <a:fillRef idx="1">
-            <a:schemeClr val="accent1"/>
-          </a:fillRef>
-          <a:effectRef idx="0">
-            <a:schemeClr val="accent1"/>
-          </a:effectRef>
-          <a:fontRef idx="minor">
-            <a:schemeClr val="lt1"/>
-          </a:fontRef>
-        </p:style>
-        <p:txBody>
-          <a:bodyPr rot="0" spcFirstLastPara="0" vertOverflow="overflow" horzOverflow="overflow" vert="horz" wrap="square" lIns="0" tIns="0" rIns="0" bIns="0" numCol="1" spcCol="0" rtlCol="0" fromWordArt="0" anchor="ctr" anchorCtr="0" forceAA="0" compatLnSpc="1">
-            <a:prstTxWarp prst="textNoShape">
-              <a:avLst/>
-            </a:prstTxWarp>
-            <a:noAutofit/>
-          </a:bodyPr>
-          <a:lstStyle/>
-          <a:p>
-            <a:pPr algn="ctr"/>
-            <a:r>
-              <a:rPr lang="ko-KR" altLang="en-US" sz="750" b="1" dirty="0">
-                <a:solidFill>
-                  <a:schemeClr val="tx1"/>
-                </a:solidFill>
-              </a:rPr>
-              <a:t>회원</a:t>
-            </a:r>
-            <a:endParaRPr lang="en-US" altLang="ko-KR" sz="750" b="1" dirty="0">
-              <a:solidFill>
-                <a:schemeClr val="tx1"/>
-              </a:solidFill>
-            </a:endParaRPr>
-          </a:p>
-          <a:p>
-            <a:pPr algn="ctr"/>
-            <a:r>
-              <a:rPr lang="ko-KR" altLang="en-US" sz="750" b="1" dirty="0">
-                <a:solidFill>
-                  <a:schemeClr val="tx1"/>
-                </a:solidFill>
-              </a:rPr>
-              <a:t>강등</a:t>
-            </a:r>
-          </a:p>
-        </p:txBody>
-      </p:sp>
-      <p:sp>
-        <p:nvSpPr>
-          <p:cNvPr id="20" name="직사각형 19"/>
-          <p:cNvSpPr/>
-          <p:nvPr/>
-        </p:nvSpPr>
-        <p:spPr>
-          <a:xfrm>
-            <a:off x="4464018" y="3317181"/>
-            <a:ext cx="270000" cy="378000"/>
-          </a:xfrm>
-          <a:prstGeom prst="rect">
-            <a:avLst/>
-          </a:prstGeom>
-          <a:solidFill>
-            <a:srgbClr val="CDC1B6"/>
-          </a:solidFill>
-          <a:ln>
-            <a:solidFill>
-              <a:srgbClr val="CDC1B6"/>
-            </a:solidFill>
-          </a:ln>
-        </p:spPr>
-        <p:style>
-          <a:lnRef idx="2">
-            <a:schemeClr val="accent1">
-              <a:shade val="50000"/>
-            </a:schemeClr>
-          </a:lnRef>
-          <a:fillRef idx="1">
-            <a:schemeClr val="accent1"/>
-          </a:fillRef>
-          <a:effectRef idx="0">
-            <a:schemeClr val="accent1"/>
-          </a:effectRef>
-          <a:fontRef idx="minor">
-            <a:schemeClr val="lt1"/>
-          </a:fontRef>
-        </p:style>
-        <p:txBody>
-          <a:bodyPr rot="0" spcFirstLastPara="0" vertOverflow="overflow" horzOverflow="overflow" vert="horz" wrap="square" lIns="0" tIns="0" rIns="0" bIns="0" numCol="1" spcCol="0" rtlCol="0" fromWordArt="0" anchor="ctr" anchorCtr="0" forceAA="0" compatLnSpc="1">
-            <a:prstTxWarp prst="textNoShape">
-              <a:avLst/>
-            </a:prstTxWarp>
-            <a:noAutofit/>
-          </a:bodyPr>
-          <a:lstStyle/>
-          <a:p>
-            <a:pPr algn="ctr"/>
-            <a:r>
-              <a:rPr lang="ko-KR" altLang="en-US" sz="750" b="1" dirty="0">
-                <a:solidFill>
-                  <a:schemeClr val="tx1"/>
-                </a:solidFill>
-              </a:rPr>
-              <a:t>도서목록</a:t>
-            </a:r>
-          </a:p>
-        </p:txBody>
-      </p:sp>
-      <p:sp>
-        <p:nvSpPr>
-          <p:cNvPr id="21" name="직사각형 20"/>
-          <p:cNvSpPr/>
-          <p:nvPr/>
-        </p:nvSpPr>
-        <p:spPr>
-          <a:xfrm>
-            <a:off x="6462240" y="3334245"/>
-            <a:ext cx="270000" cy="378000"/>
-          </a:xfrm>
-          <a:prstGeom prst="rect">
-            <a:avLst/>
-          </a:prstGeom>
-          <a:solidFill>
-            <a:srgbClr val="CDC1B6"/>
-          </a:solidFill>
-          <a:ln>
-            <a:solidFill>
-              <a:srgbClr val="CDC1B6"/>
-            </a:solidFill>
-          </a:ln>
-        </p:spPr>
-        <p:style>
-          <a:lnRef idx="2">
-            <a:schemeClr val="accent1">
-              <a:shade val="50000"/>
-            </a:schemeClr>
-          </a:lnRef>
-          <a:fillRef idx="1">
-            <a:schemeClr val="accent1"/>
-          </a:fillRef>
-          <a:effectRef idx="0">
-            <a:schemeClr val="accent1"/>
-          </a:effectRef>
-          <a:fontRef idx="minor">
-            <a:schemeClr val="lt1"/>
-          </a:fontRef>
-        </p:style>
-        <p:txBody>
-          <a:bodyPr rot="0" spcFirstLastPara="0" vertOverflow="overflow" horzOverflow="overflow" vert="horz" wrap="square" lIns="0" tIns="0" rIns="0" bIns="0" numCol="1" spcCol="0" rtlCol="0" fromWordArt="0" anchor="ctr" anchorCtr="0" forceAA="0" compatLnSpc="1">
-            <a:prstTxWarp prst="textNoShape">
-              <a:avLst/>
-            </a:prstTxWarp>
-            <a:noAutofit/>
-          </a:bodyPr>
-          <a:lstStyle/>
-          <a:p>
-            <a:pPr algn="ctr"/>
-            <a:r>
-              <a:rPr lang="ko-KR" altLang="en-US" sz="750" b="1" dirty="0" err="1">
-                <a:solidFill>
-                  <a:schemeClr val="tx1"/>
-                </a:solidFill>
-              </a:rPr>
-              <a:t>글보기</a:t>
-            </a:r>
-            <a:endParaRPr lang="ko-KR" altLang="en-US" sz="750" b="1" dirty="0">
-              <a:solidFill>
-                <a:schemeClr val="tx1"/>
-              </a:solidFill>
-            </a:endParaRPr>
-          </a:p>
-        </p:txBody>
-      </p:sp>
-      <p:sp>
-        <p:nvSpPr>
-          <p:cNvPr id="23" name="직사각형 22"/>
-          <p:cNvSpPr/>
-          <p:nvPr/>
-        </p:nvSpPr>
-        <p:spPr>
-          <a:xfrm>
-            <a:off x="1484496" y="3334245"/>
-            <a:ext cx="270000" cy="378000"/>
-          </a:xfrm>
-          <a:prstGeom prst="rect">
-            <a:avLst/>
-          </a:prstGeom>
-          <a:solidFill>
-            <a:srgbClr val="CDC1B6"/>
-          </a:solidFill>
-          <a:ln>
-            <a:solidFill>
-              <a:srgbClr val="CDC1B6"/>
-            </a:solidFill>
-          </a:ln>
-        </p:spPr>
-        <p:style>
-          <a:lnRef idx="2">
-            <a:schemeClr val="accent1">
-              <a:shade val="50000"/>
-            </a:schemeClr>
-          </a:lnRef>
-          <a:fillRef idx="1">
-            <a:schemeClr val="accent1"/>
-          </a:fillRef>
-          <a:effectRef idx="0">
-            <a:schemeClr val="accent1"/>
-          </a:effectRef>
-          <a:fontRef idx="minor">
-            <a:schemeClr val="lt1"/>
-          </a:fontRef>
-        </p:style>
-        <p:txBody>
-          <a:bodyPr rot="0" spcFirstLastPara="0" vertOverflow="overflow" horzOverflow="overflow" vert="horz" wrap="square" lIns="0" tIns="0" rIns="0" bIns="0" numCol="1" spcCol="0" rtlCol="0" fromWordArt="0" anchor="ctr" anchorCtr="0" forceAA="0" compatLnSpc="1">
-            <a:prstTxWarp prst="textNoShape">
-              <a:avLst/>
-            </a:prstTxWarp>
-            <a:noAutofit/>
-          </a:bodyPr>
-          <a:lstStyle/>
-          <a:p>
-            <a:pPr algn="ctr"/>
-            <a:r>
-              <a:rPr lang="ko-KR" altLang="en-US" sz="750" b="1" dirty="0">
-                <a:solidFill>
-                  <a:schemeClr val="tx1"/>
-                </a:solidFill>
-              </a:rPr>
-              <a:t>사서등록</a:t>
-            </a:r>
-          </a:p>
-        </p:txBody>
-      </p:sp>
-      <p:sp>
-        <p:nvSpPr>
-          <p:cNvPr id="25" name="직사각형 24"/>
-          <p:cNvSpPr/>
-          <p:nvPr/>
-        </p:nvSpPr>
-        <p:spPr>
-          <a:xfrm>
-            <a:off x="2573808" y="3334766"/>
-            <a:ext cx="270000" cy="378000"/>
-          </a:xfrm>
-          <a:prstGeom prst="rect">
-            <a:avLst/>
-          </a:prstGeom>
-          <a:solidFill>
-            <a:srgbClr val="CDC1B6"/>
-          </a:solidFill>
-          <a:ln>
-            <a:solidFill>
-              <a:srgbClr val="CDC1B6"/>
-            </a:solidFill>
-          </a:ln>
-        </p:spPr>
-        <p:style>
-          <a:lnRef idx="2">
-            <a:schemeClr val="accent1">
-              <a:shade val="50000"/>
-            </a:schemeClr>
-          </a:lnRef>
-          <a:fillRef idx="1">
-            <a:schemeClr val="accent1"/>
-          </a:fillRef>
-          <a:effectRef idx="0">
-            <a:schemeClr val="accent1"/>
-          </a:effectRef>
-          <a:fontRef idx="minor">
-            <a:schemeClr val="lt1"/>
-          </a:fontRef>
-        </p:style>
-        <p:txBody>
-          <a:bodyPr rot="0" spcFirstLastPara="0" vertOverflow="overflow" horzOverflow="overflow" vert="horz" wrap="square" lIns="0" tIns="0" rIns="0" bIns="0" numCol="1" spcCol="0" rtlCol="0" fromWordArt="0" anchor="ctr" anchorCtr="0" forceAA="0" compatLnSpc="1">
-            <a:prstTxWarp prst="textNoShape">
-              <a:avLst/>
-            </a:prstTxWarp>
-            <a:noAutofit/>
-          </a:bodyPr>
-          <a:lstStyle/>
-          <a:p>
-            <a:pPr algn="ctr"/>
-            <a:r>
-              <a:rPr lang="ko-KR" altLang="en-US" sz="750" b="1" dirty="0">
-                <a:solidFill>
-                  <a:schemeClr val="tx1"/>
-                </a:solidFill>
-              </a:rPr>
-              <a:t>회원</a:t>
-            </a:r>
-            <a:endParaRPr lang="en-US" altLang="ko-KR" sz="750" b="1" dirty="0">
-              <a:solidFill>
-                <a:schemeClr val="tx1"/>
-              </a:solidFill>
-            </a:endParaRPr>
-          </a:p>
-          <a:p>
-            <a:pPr algn="ctr"/>
-            <a:r>
-              <a:rPr lang="ko-KR" altLang="en-US" sz="750" b="1" dirty="0">
-                <a:solidFill>
-                  <a:schemeClr val="tx1"/>
-                </a:solidFill>
-              </a:rPr>
-              <a:t>검색</a:t>
-            </a:r>
-          </a:p>
-        </p:txBody>
-      </p:sp>
-      <p:sp>
-        <p:nvSpPr>
-          <p:cNvPr id="26" name="직사각형 25"/>
-          <p:cNvSpPr/>
-          <p:nvPr/>
-        </p:nvSpPr>
-        <p:spPr>
-          <a:xfrm>
-            <a:off x="3202087" y="3338147"/>
-            <a:ext cx="333596" cy="378000"/>
-          </a:xfrm>
-          <a:prstGeom prst="rect">
-            <a:avLst/>
-          </a:prstGeom>
-          <a:solidFill>
-            <a:srgbClr val="CDC1B6"/>
-          </a:solidFill>
-          <a:ln>
-            <a:solidFill>
-              <a:srgbClr val="CDC1B6"/>
-            </a:solidFill>
-          </a:ln>
-        </p:spPr>
-        <p:style>
-          <a:lnRef idx="2">
-            <a:schemeClr val="accent1">
-              <a:shade val="50000"/>
-            </a:schemeClr>
-          </a:lnRef>
-          <a:fillRef idx="1">
-            <a:schemeClr val="accent1"/>
-          </a:fillRef>
-          <a:effectRef idx="0">
-            <a:schemeClr val="accent1"/>
-          </a:effectRef>
-          <a:fontRef idx="minor">
-            <a:schemeClr val="lt1"/>
-          </a:fontRef>
-        </p:style>
-        <p:txBody>
-          <a:bodyPr rot="0" spcFirstLastPara="0" vertOverflow="overflow" horzOverflow="overflow" vert="horz" wrap="square" lIns="0" tIns="0" rIns="0" bIns="0" numCol="1" spcCol="0" rtlCol="0" fromWordArt="0" anchor="ctr" anchorCtr="0" forceAA="0" compatLnSpc="1">
-            <a:prstTxWarp prst="textNoShape">
-              <a:avLst/>
-            </a:prstTxWarp>
-            <a:noAutofit/>
-          </a:bodyPr>
-          <a:lstStyle/>
-          <a:p>
-            <a:pPr algn="ctr"/>
-            <a:r>
-              <a:rPr lang="ko-KR" altLang="en-US" sz="750" b="1">
-                <a:solidFill>
-                  <a:schemeClr val="tx1"/>
-                </a:solidFill>
-              </a:rPr>
-              <a:t>레벨별</a:t>
-            </a:r>
-            <a:endParaRPr lang="en-US" altLang="ko-KR" sz="750" b="1" dirty="0">
-              <a:solidFill>
-                <a:schemeClr val="tx1"/>
-              </a:solidFill>
-            </a:endParaRPr>
-          </a:p>
-          <a:p>
-            <a:pPr algn="ctr"/>
-            <a:r>
-              <a:rPr lang="ko-KR" altLang="en-US" sz="750" b="1" dirty="0">
-                <a:solidFill>
-                  <a:schemeClr val="tx1"/>
-                </a:solidFill>
-              </a:rPr>
-              <a:t>목록</a:t>
-            </a:r>
-          </a:p>
-        </p:txBody>
-      </p:sp>
-      <p:sp>
-        <p:nvSpPr>
-          <p:cNvPr id="27" name="직사각형 26"/>
-          <p:cNvSpPr/>
-          <p:nvPr/>
-        </p:nvSpPr>
-        <p:spPr>
-          <a:xfrm>
-            <a:off x="4788054" y="3321417"/>
-            <a:ext cx="270000" cy="378000"/>
-          </a:xfrm>
-          <a:prstGeom prst="rect">
-            <a:avLst/>
-          </a:prstGeom>
-          <a:solidFill>
-            <a:srgbClr val="CDC1B6"/>
-          </a:solidFill>
-          <a:ln>
-            <a:solidFill>
-              <a:srgbClr val="CDC1B6"/>
-            </a:solidFill>
-          </a:ln>
-        </p:spPr>
-        <p:style>
-          <a:lnRef idx="2">
-            <a:schemeClr val="accent1">
-              <a:shade val="50000"/>
-            </a:schemeClr>
-          </a:lnRef>
-          <a:fillRef idx="1">
-            <a:schemeClr val="accent1"/>
-          </a:fillRef>
-          <a:effectRef idx="0">
-            <a:schemeClr val="accent1"/>
-          </a:effectRef>
-          <a:fontRef idx="minor">
-            <a:schemeClr val="lt1"/>
-          </a:fontRef>
-        </p:style>
-        <p:txBody>
-          <a:bodyPr rot="0" spcFirstLastPara="0" vertOverflow="overflow" horzOverflow="overflow" vert="horz" wrap="square" lIns="0" tIns="0" rIns="0" bIns="0" numCol="1" spcCol="0" rtlCol="0" fromWordArt="0" anchor="ctr" anchorCtr="0" forceAA="0" compatLnSpc="1">
-            <a:prstTxWarp prst="textNoShape">
-              <a:avLst/>
-            </a:prstTxWarp>
-            <a:noAutofit/>
-          </a:bodyPr>
-          <a:lstStyle/>
-          <a:p>
-            <a:pPr algn="ctr"/>
-            <a:r>
-              <a:rPr lang="ko-KR" altLang="en-US" sz="750" b="1" dirty="0">
-                <a:solidFill>
-                  <a:schemeClr val="tx1"/>
-                </a:solidFill>
-              </a:rPr>
-              <a:t>도서등록</a:t>
-            </a:r>
-          </a:p>
-        </p:txBody>
-      </p:sp>
-      <p:sp>
-        <p:nvSpPr>
-          <p:cNvPr id="28" name="직사각형 27"/>
-          <p:cNvSpPr/>
-          <p:nvPr/>
-        </p:nvSpPr>
-        <p:spPr>
-          <a:xfrm>
-            <a:off x="5828362" y="3346926"/>
-            <a:ext cx="270000" cy="378000"/>
-          </a:xfrm>
-          <a:prstGeom prst="rect">
-            <a:avLst/>
-          </a:prstGeom>
-          <a:solidFill>
-            <a:srgbClr val="CDC1B6"/>
-          </a:solidFill>
-          <a:ln>
-            <a:solidFill>
-              <a:srgbClr val="CDC1B6"/>
-            </a:solidFill>
-          </a:ln>
-        </p:spPr>
-        <p:style>
-          <a:lnRef idx="2">
-            <a:schemeClr val="accent1">
-              <a:shade val="50000"/>
-            </a:schemeClr>
-          </a:lnRef>
-          <a:fillRef idx="1">
-            <a:schemeClr val="accent1"/>
-          </a:fillRef>
-          <a:effectRef idx="0">
-            <a:schemeClr val="accent1"/>
-          </a:effectRef>
-          <a:fontRef idx="minor">
-            <a:schemeClr val="lt1"/>
-          </a:fontRef>
-        </p:style>
-        <p:txBody>
-          <a:bodyPr rot="0" spcFirstLastPara="0" vertOverflow="overflow" horzOverflow="overflow" vert="horz" wrap="square" lIns="0" tIns="0" rIns="0" bIns="0" numCol="1" spcCol="0" rtlCol="0" fromWordArt="0" anchor="ctr" anchorCtr="0" forceAA="0" compatLnSpc="1">
-            <a:prstTxWarp prst="textNoShape">
-              <a:avLst/>
-            </a:prstTxWarp>
-            <a:noAutofit/>
-          </a:bodyPr>
-          <a:lstStyle/>
-          <a:p>
-            <a:pPr algn="ctr"/>
-            <a:r>
-              <a:rPr lang="ko-KR" altLang="en-US" sz="750" b="1" dirty="0" err="1">
-                <a:solidFill>
-                  <a:schemeClr val="tx1"/>
-                </a:solidFill>
-              </a:rPr>
-              <a:t>글수정</a:t>
-            </a:r>
-            <a:endParaRPr lang="ko-KR" altLang="en-US" sz="750" b="1" dirty="0">
-              <a:solidFill>
-                <a:schemeClr val="tx1"/>
-              </a:solidFill>
-            </a:endParaRPr>
-          </a:p>
-        </p:txBody>
-      </p:sp>
-      <p:sp>
-        <p:nvSpPr>
-          <p:cNvPr id="29" name="직사각형 28"/>
-          <p:cNvSpPr/>
-          <p:nvPr/>
-        </p:nvSpPr>
-        <p:spPr>
-          <a:xfrm>
-            <a:off x="6138234" y="3345089"/>
-            <a:ext cx="270000" cy="378000"/>
-          </a:xfrm>
-          <a:prstGeom prst="rect">
-            <a:avLst/>
-          </a:prstGeom>
-          <a:solidFill>
-            <a:srgbClr val="CDC1B6"/>
-          </a:solidFill>
-          <a:ln>
-            <a:solidFill>
-              <a:srgbClr val="CDC1B6"/>
-            </a:solidFill>
-          </a:ln>
-        </p:spPr>
-        <p:style>
-          <a:lnRef idx="2">
-            <a:schemeClr val="accent1">
-              <a:shade val="50000"/>
-            </a:schemeClr>
-          </a:lnRef>
-          <a:fillRef idx="1">
-            <a:schemeClr val="accent1"/>
-          </a:fillRef>
-          <a:effectRef idx="0">
-            <a:schemeClr val="accent1"/>
-          </a:effectRef>
-          <a:fontRef idx="minor">
-            <a:schemeClr val="lt1"/>
-          </a:fontRef>
-        </p:style>
-        <p:txBody>
-          <a:bodyPr rot="0" spcFirstLastPara="0" vertOverflow="overflow" horzOverflow="overflow" vert="horz" wrap="square" lIns="0" tIns="0" rIns="0" bIns="0" numCol="1" spcCol="0" rtlCol="0" fromWordArt="0" anchor="ctr" anchorCtr="0" forceAA="0" compatLnSpc="1">
-            <a:prstTxWarp prst="textNoShape">
-              <a:avLst/>
-            </a:prstTxWarp>
-            <a:noAutofit/>
-          </a:bodyPr>
-          <a:lstStyle/>
-          <a:p>
-            <a:pPr algn="ctr"/>
-            <a:r>
-              <a:rPr lang="ko-KR" altLang="en-US" sz="750" b="1" dirty="0" err="1">
-                <a:solidFill>
-                  <a:schemeClr val="tx1"/>
-                </a:solidFill>
-              </a:rPr>
-              <a:t>글삭제</a:t>
-            </a:r>
-            <a:endParaRPr lang="ko-KR" altLang="en-US" sz="750" b="1" dirty="0">
-              <a:solidFill>
-                <a:schemeClr val="tx1"/>
-              </a:solidFill>
-            </a:endParaRPr>
-          </a:p>
-        </p:txBody>
-      </p:sp>
-      <p:sp>
-        <p:nvSpPr>
-          <p:cNvPr id="31" name="직사각형 30"/>
-          <p:cNvSpPr/>
-          <p:nvPr/>
-        </p:nvSpPr>
-        <p:spPr>
-          <a:xfrm>
-            <a:off x="7110282" y="3345089"/>
-            <a:ext cx="270000" cy="378000"/>
-          </a:xfrm>
-          <a:prstGeom prst="rect">
-            <a:avLst/>
-          </a:prstGeom>
-          <a:solidFill>
-            <a:srgbClr val="CDC1B6"/>
-          </a:solidFill>
-          <a:ln>
-            <a:solidFill>
-              <a:srgbClr val="CDC1B6"/>
-            </a:solidFill>
-          </a:ln>
-        </p:spPr>
-        <p:style>
-          <a:lnRef idx="2">
-            <a:schemeClr val="accent1">
-              <a:shade val="50000"/>
-            </a:schemeClr>
-          </a:lnRef>
-          <a:fillRef idx="1">
-            <a:schemeClr val="accent1"/>
-          </a:fillRef>
-          <a:effectRef idx="0">
-            <a:schemeClr val="accent1"/>
-          </a:effectRef>
-          <a:fontRef idx="minor">
-            <a:schemeClr val="lt1"/>
-          </a:fontRef>
-        </p:style>
-        <p:txBody>
-          <a:bodyPr rot="0" spcFirstLastPara="0" vertOverflow="overflow" horzOverflow="overflow" vert="horz" wrap="square" lIns="0" tIns="0" rIns="0" bIns="0" numCol="1" spcCol="0" rtlCol="0" fromWordArt="0" anchor="ctr" anchorCtr="0" forceAA="0" compatLnSpc="1">
-            <a:prstTxWarp prst="textNoShape">
-              <a:avLst/>
-            </a:prstTxWarp>
-            <a:noAutofit/>
-          </a:bodyPr>
-          <a:lstStyle/>
-          <a:p>
-            <a:pPr algn="ctr"/>
-            <a:r>
-              <a:rPr lang="ko-KR" altLang="en-US" sz="750" b="1" dirty="0">
-                <a:solidFill>
-                  <a:schemeClr val="tx1"/>
-                </a:solidFill>
-              </a:rPr>
-              <a:t>도서통계</a:t>
-            </a:r>
-          </a:p>
-        </p:txBody>
-      </p:sp>
-      <p:sp>
-        <p:nvSpPr>
-          <p:cNvPr id="33" name="직사각형 32"/>
-          <p:cNvSpPr/>
-          <p:nvPr/>
-        </p:nvSpPr>
-        <p:spPr>
-          <a:xfrm>
-            <a:off x="7434959" y="3345089"/>
-            <a:ext cx="270000" cy="378000"/>
-          </a:xfrm>
-          <a:prstGeom prst="rect">
-            <a:avLst/>
-          </a:prstGeom>
-          <a:solidFill>
-            <a:srgbClr val="CDC1B6"/>
-          </a:solidFill>
-          <a:ln>
-            <a:solidFill>
-              <a:srgbClr val="CDC1B6"/>
-            </a:solidFill>
-          </a:ln>
-        </p:spPr>
-        <p:style>
-          <a:lnRef idx="2">
-            <a:schemeClr val="accent1">
-              <a:shade val="50000"/>
-            </a:schemeClr>
-          </a:lnRef>
-          <a:fillRef idx="1">
-            <a:schemeClr val="accent1"/>
-          </a:fillRef>
-          <a:effectRef idx="0">
-            <a:schemeClr val="accent1"/>
-          </a:effectRef>
-          <a:fontRef idx="minor">
-            <a:schemeClr val="lt1"/>
-          </a:fontRef>
-        </p:style>
-        <p:txBody>
-          <a:bodyPr rot="0" spcFirstLastPara="0" vertOverflow="overflow" horzOverflow="overflow" vert="horz" wrap="square" lIns="0" tIns="0" rIns="0" bIns="0" numCol="1" spcCol="0" rtlCol="0" fromWordArt="0" anchor="ctr" anchorCtr="0" forceAA="0" compatLnSpc="1">
-            <a:prstTxWarp prst="textNoShape">
-              <a:avLst/>
-            </a:prstTxWarp>
-            <a:noAutofit/>
-          </a:bodyPr>
-          <a:lstStyle/>
-          <a:p>
-            <a:pPr algn="ctr"/>
-            <a:r>
-              <a:rPr lang="ko-KR" altLang="en-US" sz="750" b="1" dirty="0">
-                <a:solidFill>
-                  <a:schemeClr val="tx1"/>
-                </a:solidFill>
-              </a:rPr>
-              <a:t>도서추천</a:t>
-            </a:r>
-          </a:p>
-        </p:txBody>
-      </p:sp>
-      <p:sp>
-        <p:nvSpPr>
-          <p:cNvPr id="39" name="직사각형 38"/>
-          <p:cNvSpPr/>
-          <p:nvPr/>
-        </p:nvSpPr>
-        <p:spPr>
-          <a:xfrm>
-            <a:off x="4302018" y="1035341"/>
-            <a:ext cx="432000" cy="243000"/>
-          </a:xfrm>
-          <a:prstGeom prst="rect">
-            <a:avLst/>
-          </a:prstGeom>
-          <a:solidFill>
-            <a:srgbClr val="987C4D"/>
-          </a:solidFill>
-          <a:ln>
-            <a:solidFill>
-              <a:srgbClr val="987C4D"/>
-            </a:solidFill>
-          </a:ln>
-        </p:spPr>
-        <p:style>
-          <a:lnRef idx="2">
-            <a:schemeClr val="accent1">
-              <a:shade val="50000"/>
-            </a:schemeClr>
-          </a:lnRef>
-          <a:fillRef idx="1">
-            <a:schemeClr val="accent1"/>
-          </a:fillRef>
-          <a:effectRef idx="0">
-            <a:schemeClr val="accent1"/>
-          </a:effectRef>
-          <a:fontRef idx="minor">
-            <a:schemeClr val="lt1"/>
-          </a:fontRef>
-        </p:style>
-        <p:txBody>
-          <a:bodyPr rot="0" spcFirstLastPara="0" vertOverflow="overflow" horzOverflow="overflow" vert="horz" wrap="square" lIns="0" tIns="0" rIns="0" bIns="0" numCol="1" spcCol="0" rtlCol="0" fromWordArt="0" anchor="ctr" anchorCtr="0" forceAA="0" compatLnSpc="1">
-            <a:prstTxWarp prst="textNoShape">
-              <a:avLst/>
-            </a:prstTxWarp>
-            <a:noAutofit/>
-          </a:bodyPr>
-          <a:lstStyle/>
-          <a:p>
-            <a:pPr algn="ctr"/>
-            <a:r>
-              <a:rPr lang="ko-KR" altLang="en-US" sz="750" b="1" dirty="0"/>
-              <a:t>로그인</a:t>
-            </a:r>
-            <a:r>
-              <a:rPr lang="en-US" altLang="ko-KR" sz="750" b="1" dirty="0"/>
-              <a:t>/</a:t>
-            </a:r>
-          </a:p>
-          <a:p>
-            <a:pPr algn="ctr"/>
-            <a:r>
-              <a:rPr lang="ko-KR" altLang="en-US" sz="750" b="1" dirty="0"/>
-              <a:t>로그아웃</a:t>
-            </a:r>
-          </a:p>
-        </p:txBody>
-      </p:sp>
-      <p:cxnSp>
-        <p:nvCxnSpPr>
-          <p:cNvPr id="41" name="직선 연결선 40"/>
-          <p:cNvCxnSpPr>
-            <a:stCxn id="5" idx="2"/>
-            <a:endCxn id="39" idx="0"/>
-          </p:cNvCxnSpPr>
-          <p:nvPr/>
-        </p:nvCxnSpPr>
-        <p:spPr>
-          <a:xfrm flipH="1">
-            <a:off x="4518018" y="875681"/>
-            <a:ext cx="26964" cy="159661"/>
-          </a:xfrm>
-          <a:prstGeom prst="line">
-            <a:avLst/>
-          </a:prstGeom>
-          <a:ln w="12700">
-            <a:solidFill>
-              <a:srgbClr val="756B5F"/>
-            </a:solidFill>
-            <a:tailEnd type="none"/>
-          </a:ln>
-        </p:spPr>
-        <p:style>
-          <a:lnRef idx="1">
-            <a:schemeClr val="accent1"/>
-          </a:lnRef>
-          <a:fillRef idx="0">
-            <a:schemeClr val="accent1"/>
-          </a:fillRef>
-          <a:effectRef idx="0">
-            <a:schemeClr val="accent1"/>
-          </a:effectRef>
-          <a:fontRef idx="minor">
-            <a:schemeClr val="tx1"/>
-          </a:fontRef>
-        </p:style>
-      </p:cxnSp>
-      <p:cxnSp>
-        <p:nvCxnSpPr>
-          <p:cNvPr id="67" name="꺾인 연결선 66"/>
-          <p:cNvCxnSpPr>
-            <a:stCxn id="12" idx="2"/>
-            <a:endCxn id="23" idx="0"/>
-          </p:cNvCxnSpPr>
-          <p:nvPr/>
-        </p:nvCxnSpPr>
-        <p:spPr>
-          <a:xfrm rot="5400000">
-            <a:off x="1345925" y="2916943"/>
-            <a:ext cx="690875" cy="143732"/>
-          </a:xfrm>
-          <a:prstGeom prst="bentConnector3">
-            <a:avLst/>
-          </a:prstGeom>
-          <a:ln w="12700">
-            <a:solidFill>
-              <a:srgbClr val="756B5F"/>
-            </a:solidFill>
-            <a:tailEnd type="none"/>
-          </a:ln>
-        </p:spPr>
-        <p:style>
-          <a:lnRef idx="1">
-            <a:schemeClr val="accent1"/>
-          </a:lnRef>
-          <a:fillRef idx="0">
-            <a:schemeClr val="accent1"/>
-          </a:fillRef>
-          <a:effectRef idx="0">
-            <a:schemeClr val="accent1"/>
-          </a:effectRef>
-          <a:fontRef idx="minor">
-            <a:schemeClr val="tx1"/>
-          </a:fontRef>
-        </p:style>
-      </p:cxnSp>
-      <p:cxnSp>
-        <p:nvCxnSpPr>
-          <p:cNvPr id="71" name="꺾인 연결선 70"/>
-          <p:cNvCxnSpPr>
-            <a:stCxn id="12" idx="2"/>
-            <a:endCxn id="18" idx="0"/>
-          </p:cNvCxnSpPr>
-          <p:nvPr/>
-        </p:nvCxnSpPr>
-        <p:spPr>
-          <a:xfrm rot="16200000" flipH="1">
-            <a:off x="1514558" y="2892042"/>
-            <a:ext cx="686839" cy="189496"/>
-          </a:xfrm>
-          <a:prstGeom prst="bentConnector3">
-            <a:avLst/>
-          </a:prstGeom>
-          <a:ln w="12700">
-            <a:solidFill>
-              <a:srgbClr val="756B5F"/>
-            </a:solidFill>
-            <a:tailEnd type="none"/>
-          </a:ln>
-        </p:spPr>
-        <p:style>
-          <a:lnRef idx="1">
-            <a:schemeClr val="accent1"/>
-          </a:lnRef>
-          <a:fillRef idx="0">
-            <a:schemeClr val="accent1"/>
-          </a:fillRef>
-          <a:effectRef idx="0">
-            <a:schemeClr val="accent1"/>
-          </a:effectRef>
-          <a:fontRef idx="minor">
-            <a:schemeClr val="tx1"/>
-          </a:fontRef>
-        </p:style>
-      </p:cxnSp>
-      <p:cxnSp>
-        <p:nvCxnSpPr>
-          <p:cNvPr id="73" name="꺾인 연결선 72"/>
-          <p:cNvCxnSpPr>
-            <a:stCxn id="10" idx="2"/>
-            <a:endCxn id="12" idx="0"/>
-          </p:cNvCxnSpPr>
-          <p:nvPr/>
-        </p:nvCxnSpPr>
-        <p:spPr>
-          <a:xfrm rot="5400000">
-            <a:off x="3816885" y="-217912"/>
-            <a:ext cx="429627" cy="4536940"/>
-          </a:xfrm>
-          <a:prstGeom prst="bentConnector3">
-            <a:avLst/>
-          </a:prstGeom>
-          <a:ln w="12700">
-            <a:solidFill>
-              <a:srgbClr val="756B5F"/>
-            </a:solidFill>
-            <a:tailEnd type="none"/>
-          </a:ln>
-        </p:spPr>
-        <p:style>
-          <a:lnRef idx="1">
-            <a:schemeClr val="accent1"/>
-          </a:lnRef>
-          <a:fillRef idx="0">
-            <a:schemeClr val="accent1"/>
-          </a:fillRef>
-          <a:effectRef idx="0">
-            <a:schemeClr val="accent1"/>
-          </a:effectRef>
-          <a:fontRef idx="minor">
-            <a:schemeClr val="tx1"/>
-          </a:fontRef>
-        </p:style>
-      </p:cxnSp>
-      <p:cxnSp>
-        <p:nvCxnSpPr>
-          <p:cNvPr id="83" name="꺾인 연결선 82"/>
-          <p:cNvCxnSpPr>
-            <a:stCxn id="10" idx="2"/>
-            <a:endCxn id="15" idx="0"/>
-          </p:cNvCxnSpPr>
-          <p:nvPr/>
-        </p:nvCxnSpPr>
-        <p:spPr>
-          <a:xfrm rot="16200000" flipH="1">
-            <a:off x="6663740" y="1472171"/>
-            <a:ext cx="380018" cy="1107162"/>
-          </a:xfrm>
-          <a:prstGeom prst="bentConnector3">
-            <a:avLst>
-              <a:gd name="adj1" fmla="val 56445"/>
-            </a:avLst>
-          </a:prstGeom>
-          <a:ln w="12700">
-            <a:solidFill>
-              <a:srgbClr val="756B5F"/>
-            </a:solidFill>
-            <a:tailEnd type="none"/>
-          </a:ln>
-        </p:spPr>
-        <p:style>
-          <a:lnRef idx="1">
-            <a:schemeClr val="accent1"/>
-          </a:lnRef>
-          <a:fillRef idx="0">
-            <a:schemeClr val="accent1"/>
-          </a:fillRef>
-          <a:effectRef idx="0">
-            <a:schemeClr val="accent1"/>
-          </a:effectRef>
-          <a:fontRef idx="minor">
-            <a:schemeClr val="tx1"/>
-          </a:fontRef>
-        </p:style>
-      </p:cxnSp>
-      <p:cxnSp>
-        <p:nvCxnSpPr>
-          <p:cNvPr id="87" name="꺾인 연결선 86"/>
-          <p:cNvCxnSpPr>
-            <a:stCxn id="15" idx="2"/>
-            <a:endCxn id="31" idx="0"/>
-          </p:cNvCxnSpPr>
-          <p:nvPr/>
-        </p:nvCxnSpPr>
-        <p:spPr>
-          <a:xfrm rot="5400000">
-            <a:off x="6950642" y="2888401"/>
-            <a:ext cx="751328" cy="162048"/>
-          </a:xfrm>
-          <a:prstGeom prst="bentConnector3">
-            <a:avLst/>
-          </a:prstGeom>
-          <a:ln w="12700">
-            <a:solidFill>
-              <a:srgbClr val="756B5F"/>
-            </a:solidFill>
-            <a:tailEnd type="none"/>
-          </a:ln>
-        </p:spPr>
-        <p:style>
-          <a:lnRef idx="1">
-            <a:schemeClr val="accent1"/>
-          </a:lnRef>
-          <a:fillRef idx="0">
-            <a:schemeClr val="accent1"/>
-          </a:fillRef>
-          <a:effectRef idx="0">
-            <a:schemeClr val="accent1"/>
-          </a:effectRef>
-          <a:fontRef idx="minor">
-            <a:schemeClr val="tx1"/>
-          </a:fontRef>
-        </p:style>
-      </p:cxnSp>
-      <p:cxnSp>
-        <p:nvCxnSpPr>
-          <p:cNvPr id="96" name="꺾인 연결선 95"/>
-          <p:cNvCxnSpPr>
-            <a:stCxn id="33" idx="0"/>
-            <a:endCxn id="15" idx="2"/>
-          </p:cNvCxnSpPr>
-          <p:nvPr/>
-        </p:nvCxnSpPr>
-        <p:spPr>
-          <a:xfrm rot="16200000" flipV="1">
-            <a:off x="7112981" y="2888111"/>
-            <a:ext cx="751328" cy="162629"/>
-          </a:xfrm>
-          <a:prstGeom prst="bentConnector3">
-            <a:avLst/>
-          </a:prstGeom>
-          <a:ln w="12700">
-            <a:solidFill>
-              <a:srgbClr val="756B5F"/>
-            </a:solidFill>
-            <a:tailEnd type="none"/>
-          </a:ln>
-        </p:spPr>
-        <p:style>
-          <a:lnRef idx="1">
-            <a:schemeClr val="accent1"/>
-          </a:lnRef>
-          <a:fillRef idx="0">
-            <a:schemeClr val="accent1"/>
-          </a:fillRef>
-          <a:effectRef idx="0">
-            <a:schemeClr val="accent1"/>
-          </a:effectRef>
-          <a:fontRef idx="minor">
-            <a:schemeClr val="tx1"/>
-          </a:fontRef>
-        </p:style>
-      </p:cxnSp>
-      <p:cxnSp>
-        <p:nvCxnSpPr>
-          <p:cNvPr id="100" name="꺾인 연결선 99"/>
-          <p:cNvCxnSpPr>
-            <a:stCxn id="11" idx="2"/>
-            <a:endCxn id="21" idx="0"/>
-          </p:cNvCxnSpPr>
-          <p:nvPr/>
-        </p:nvCxnSpPr>
-        <p:spPr>
-          <a:xfrm rot="16200000" flipH="1">
-            <a:off x="5983971" y="2720976"/>
-            <a:ext cx="740484" cy="486054"/>
-          </a:xfrm>
-          <a:prstGeom prst="bentConnector3">
-            <a:avLst/>
-          </a:prstGeom>
-          <a:ln w="12700">
-            <a:solidFill>
-              <a:srgbClr val="756B5F"/>
-            </a:solidFill>
-            <a:tailEnd type="none"/>
-          </a:ln>
-        </p:spPr>
-        <p:style>
-          <a:lnRef idx="1">
-            <a:schemeClr val="accent1"/>
-          </a:lnRef>
-          <a:fillRef idx="0">
-            <a:schemeClr val="accent1"/>
-          </a:fillRef>
-          <a:effectRef idx="0">
-            <a:schemeClr val="accent1"/>
-          </a:effectRef>
-          <a:fontRef idx="minor">
-            <a:schemeClr val="tx1"/>
-          </a:fontRef>
-        </p:style>
-      </p:cxnSp>
-      <p:cxnSp>
-        <p:nvCxnSpPr>
-          <p:cNvPr id="102" name="꺾인 연결선 101"/>
-          <p:cNvCxnSpPr>
-            <a:stCxn id="11" idx="2"/>
-            <a:endCxn id="17" idx="0"/>
-          </p:cNvCxnSpPr>
-          <p:nvPr/>
-        </p:nvCxnSpPr>
-        <p:spPr>
-          <a:xfrm rot="5400000">
-            <a:off x="5499983" y="2735725"/>
-            <a:ext cx="753165" cy="469241"/>
-          </a:xfrm>
-          <a:prstGeom prst="bentConnector3">
-            <a:avLst/>
-          </a:prstGeom>
-          <a:ln w="12700">
-            <a:solidFill>
-              <a:srgbClr val="756B5F"/>
-            </a:solidFill>
-            <a:tailEnd type="none"/>
-          </a:ln>
-        </p:spPr>
-        <p:style>
-          <a:lnRef idx="1">
-            <a:schemeClr val="accent1"/>
-          </a:lnRef>
-          <a:fillRef idx="0">
-            <a:schemeClr val="accent1"/>
-          </a:fillRef>
-          <a:effectRef idx="0">
-            <a:schemeClr val="accent1"/>
-          </a:effectRef>
-          <a:fontRef idx="minor">
-            <a:schemeClr val="tx1"/>
-          </a:fontRef>
-        </p:style>
-      </p:cxnSp>
-      <p:cxnSp>
-        <p:nvCxnSpPr>
-          <p:cNvPr id="104" name="꺾인 연결선 103"/>
-          <p:cNvCxnSpPr>
-            <a:stCxn id="11" idx="2"/>
-            <a:endCxn id="29" idx="0"/>
-          </p:cNvCxnSpPr>
-          <p:nvPr/>
-        </p:nvCxnSpPr>
-        <p:spPr>
-          <a:xfrm rot="16200000" flipH="1">
-            <a:off x="5816546" y="2888401"/>
-            <a:ext cx="751328" cy="162048"/>
-          </a:xfrm>
-          <a:prstGeom prst="bentConnector3">
-            <a:avLst/>
-          </a:prstGeom>
-          <a:ln w="12700">
-            <a:solidFill>
-              <a:srgbClr val="756B5F"/>
-            </a:solidFill>
-            <a:tailEnd type="none"/>
-          </a:ln>
-        </p:spPr>
-        <p:style>
-          <a:lnRef idx="1">
-            <a:schemeClr val="accent1"/>
-          </a:lnRef>
-          <a:fillRef idx="0">
-            <a:schemeClr val="accent1"/>
-          </a:fillRef>
-          <a:effectRef idx="0">
-            <a:schemeClr val="accent1"/>
-          </a:effectRef>
-          <a:fontRef idx="minor">
-            <a:schemeClr val="tx1"/>
-          </a:fontRef>
-        </p:style>
-      </p:cxnSp>
-      <p:cxnSp>
-        <p:nvCxnSpPr>
-          <p:cNvPr id="106" name="꺾인 연결선 105"/>
-          <p:cNvCxnSpPr>
-            <a:stCxn id="11" idx="2"/>
-            <a:endCxn id="28" idx="0"/>
-          </p:cNvCxnSpPr>
-          <p:nvPr/>
-        </p:nvCxnSpPr>
-        <p:spPr>
-          <a:xfrm rot="5400000">
-            <a:off x="5660692" y="2896433"/>
-            <a:ext cx="753165" cy="147824"/>
-          </a:xfrm>
-          <a:prstGeom prst="bentConnector3">
-            <a:avLst/>
-          </a:prstGeom>
-          <a:ln w="12700">
-            <a:solidFill>
-              <a:srgbClr val="756B5F"/>
-            </a:solidFill>
-            <a:tailEnd type="none"/>
-          </a:ln>
-        </p:spPr>
-        <p:style>
-          <a:lnRef idx="1">
-            <a:schemeClr val="accent1"/>
-          </a:lnRef>
-          <a:fillRef idx="0">
-            <a:schemeClr val="accent1"/>
-          </a:fillRef>
-          <a:effectRef idx="0">
-            <a:schemeClr val="accent1"/>
-          </a:effectRef>
-          <a:fontRef idx="minor">
-            <a:schemeClr val="tx1"/>
-          </a:fontRef>
-        </p:style>
-      </p:cxnSp>
-      <p:cxnSp>
-        <p:nvCxnSpPr>
-          <p:cNvPr id="108" name="꺾인 연결선 107"/>
-          <p:cNvCxnSpPr>
-            <a:stCxn id="14" idx="2"/>
-            <a:endCxn id="27" idx="0"/>
-          </p:cNvCxnSpPr>
-          <p:nvPr/>
-        </p:nvCxnSpPr>
-        <p:spPr>
-          <a:xfrm rot="16200000" flipH="1">
-            <a:off x="4478202" y="2876565"/>
-            <a:ext cx="727656" cy="162048"/>
-          </a:xfrm>
-          <a:prstGeom prst="bentConnector3">
-            <a:avLst/>
-          </a:prstGeom>
-          <a:ln w="12700">
-            <a:solidFill>
-              <a:srgbClr val="756B5F"/>
-            </a:solidFill>
-            <a:tailEnd type="none"/>
-          </a:ln>
-        </p:spPr>
-        <p:style>
-          <a:lnRef idx="1">
-            <a:schemeClr val="accent1"/>
-          </a:lnRef>
-          <a:fillRef idx="0">
-            <a:schemeClr val="accent1"/>
-          </a:fillRef>
-          <a:effectRef idx="0">
-            <a:schemeClr val="accent1"/>
-          </a:effectRef>
-          <a:fontRef idx="minor">
-            <a:schemeClr val="tx1"/>
-          </a:fontRef>
-        </p:style>
-      </p:cxnSp>
-      <p:cxnSp>
-        <p:nvCxnSpPr>
-          <p:cNvPr id="110" name="꺾인 연결선 109"/>
-          <p:cNvCxnSpPr>
-            <a:stCxn id="14" idx="2"/>
-            <a:endCxn id="20" idx="0"/>
-          </p:cNvCxnSpPr>
-          <p:nvPr/>
-        </p:nvCxnSpPr>
-        <p:spPr>
-          <a:xfrm rot="5400000">
-            <a:off x="4318302" y="2874477"/>
-            <a:ext cx="723420" cy="161988"/>
-          </a:xfrm>
-          <a:prstGeom prst="bentConnector3">
-            <a:avLst/>
-          </a:prstGeom>
-          <a:ln w="12700">
-            <a:solidFill>
-              <a:srgbClr val="756B5F"/>
-            </a:solidFill>
-            <a:tailEnd type="none"/>
-          </a:ln>
-        </p:spPr>
-        <p:style>
-          <a:lnRef idx="1">
-            <a:schemeClr val="accent1"/>
-          </a:lnRef>
-          <a:fillRef idx="0">
-            <a:schemeClr val="accent1"/>
-          </a:fillRef>
-          <a:effectRef idx="0">
-            <a:schemeClr val="accent1"/>
-          </a:effectRef>
-          <a:fontRef idx="minor">
-            <a:schemeClr val="tx1"/>
-          </a:fontRef>
-        </p:style>
-      </p:cxnSp>
-      <p:cxnSp>
-        <p:nvCxnSpPr>
-          <p:cNvPr id="112" name="꺾인 연결선 111"/>
-          <p:cNvCxnSpPr>
-            <a:stCxn id="13" idx="2"/>
-            <a:endCxn id="26" idx="0"/>
-          </p:cNvCxnSpPr>
-          <p:nvPr/>
-        </p:nvCxnSpPr>
-        <p:spPr>
-          <a:xfrm rot="16200000" flipH="1">
-            <a:off x="2837343" y="2806605"/>
-            <a:ext cx="719581" cy="343504"/>
-          </a:xfrm>
-          <a:prstGeom prst="bentConnector3">
-            <a:avLst/>
-          </a:prstGeom>
-          <a:ln w="12700">
-            <a:solidFill>
-              <a:srgbClr val="756B5F"/>
-            </a:solidFill>
-            <a:tailEnd type="none"/>
-          </a:ln>
-        </p:spPr>
-        <p:style>
-          <a:lnRef idx="1">
-            <a:schemeClr val="accent1"/>
-          </a:lnRef>
-          <a:fillRef idx="0">
-            <a:schemeClr val="accent1"/>
-          </a:fillRef>
-          <a:effectRef idx="0">
-            <a:schemeClr val="accent1"/>
-          </a:effectRef>
-          <a:fontRef idx="minor">
-            <a:schemeClr val="tx1"/>
-          </a:fontRef>
-        </p:style>
-      </p:cxnSp>
-      <p:cxnSp>
-        <p:nvCxnSpPr>
-          <p:cNvPr id="116" name="꺾인 연결선 115"/>
-          <p:cNvCxnSpPr>
-            <a:stCxn id="13" idx="2"/>
-            <a:endCxn id="25" idx="0"/>
-          </p:cNvCxnSpPr>
-          <p:nvPr/>
-        </p:nvCxnSpPr>
-        <p:spPr>
-          <a:xfrm rot="5400000">
-            <a:off x="2508996" y="2818379"/>
-            <a:ext cx="716200" cy="316572"/>
-          </a:xfrm>
-          <a:prstGeom prst="bentConnector3">
-            <a:avLst/>
-          </a:prstGeom>
-          <a:ln w="12700">
-            <a:solidFill>
-              <a:srgbClr val="756B5F"/>
-            </a:solidFill>
-            <a:tailEnd type="none"/>
-          </a:ln>
-        </p:spPr>
-        <p:style>
-          <a:lnRef idx="1">
-            <a:schemeClr val="accent1"/>
-          </a:lnRef>
-          <a:fillRef idx="0">
-            <a:schemeClr val="accent1"/>
-          </a:fillRef>
-          <a:effectRef idx="0">
-            <a:schemeClr val="accent1"/>
-          </a:effectRef>
-          <a:fontRef idx="minor">
-            <a:schemeClr val="tx1"/>
-          </a:fontRef>
-        </p:style>
-      </p:cxnSp>
-      <p:cxnSp>
-        <p:nvCxnSpPr>
-          <p:cNvPr id="122" name="꺾인 연결선 121"/>
-          <p:cNvCxnSpPr>
-            <a:stCxn id="39" idx="2"/>
-            <a:endCxn id="10" idx="0"/>
-          </p:cNvCxnSpPr>
-          <p:nvPr/>
-        </p:nvCxnSpPr>
-        <p:spPr>
-          <a:xfrm rot="16200000" flipH="1">
-            <a:off x="5251892" y="544467"/>
-            <a:ext cx="314403" cy="1782150"/>
-          </a:xfrm>
-          <a:prstGeom prst="bentConnector3">
-            <a:avLst/>
-          </a:prstGeom>
-          <a:ln w="12700">
-            <a:solidFill>
-              <a:srgbClr val="756B5F"/>
-            </a:solidFill>
-            <a:tailEnd type="none"/>
-          </a:ln>
-        </p:spPr>
-        <p:style>
-          <a:lnRef idx="1">
-            <a:schemeClr val="accent1"/>
-          </a:lnRef>
-          <a:fillRef idx="0">
-            <a:schemeClr val="accent1"/>
-          </a:fillRef>
-          <a:effectRef idx="0">
-            <a:schemeClr val="accent1"/>
-          </a:effectRef>
-          <a:fontRef idx="minor">
-            <a:schemeClr val="tx1"/>
-          </a:fontRef>
-        </p:style>
-      </p:cxnSp>
-      <p:cxnSp>
-        <p:nvCxnSpPr>
-          <p:cNvPr id="124" name="꺾인 연결선 123"/>
-          <p:cNvCxnSpPr>
-            <a:stCxn id="39" idx="2"/>
-            <a:endCxn id="9" idx="0"/>
-          </p:cNvCxnSpPr>
-          <p:nvPr/>
-        </p:nvCxnSpPr>
-        <p:spPr>
-          <a:xfrm rot="5400000">
-            <a:off x="2802086" y="-138122"/>
-            <a:ext cx="299471" cy="3132396"/>
-          </a:xfrm>
-          <a:prstGeom prst="bentConnector3">
-            <a:avLst/>
-          </a:prstGeom>
-          <a:ln w="12700">
-            <a:solidFill>
-              <a:srgbClr val="756B5F"/>
-            </a:solidFill>
-            <a:tailEnd type="none"/>
-          </a:ln>
-        </p:spPr>
-        <p:style>
-          <a:lnRef idx="1">
-            <a:schemeClr val="accent1"/>
-          </a:lnRef>
-          <a:fillRef idx="0">
-            <a:schemeClr val="accent1"/>
-          </a:fillRef>
-          <a:effectRef idx="0">
-            <a:schemeClr val="accent1"/>
-          </a:effectRef>
-          <a:fontRef idx="minor">
-            <a:schemeClr val="tx1"/>
-          </a:fontRef>
-        </p:style>
-      </p:cxnSp>
-      <p:sp>
-        <p:nvSpPr>
-          <p:cNvPr id="86" name="직사각형 85"/>
-          <p:cNvSpPr/>
-          <p:nvPr/>
-        </p:nvSpPr>
-        <p:spPr>
-          <a:xfrm>
-            <a:off x="4141205" y="4245978"/>
-            <a:ext cx="270000" cy="378000"/>
-          </a:xfrm>
-          <a:prstGeom prst="rect">
-            <a:avLst/>
-          </a:prstGeom>
-          <a:solidFill>
-            <a:srgbClr val="CDC1B6"/>
-          </a:solidFill>
-          <a:ln>
-            <a:solidFill>
-              <a:srgbClr val="CDC1B6"/>
-            </a:solidFill>
-          </a:ln>
-        </p:spPr>
-        <p:style>
-          <a:lnRef idx="2">
-            <a:schemeClr val="accent1">
-              <a:shade val="50000"/>
-            </a:schemeClr>
-          </a:lnRef>
-          <a:fillRef idx="1">
-            <a:schemeClr val="accent1"/>
-          </a:fillRef>
-          <a:effectRef idx="0">
-            <a:schemeClr val="accent1"/>
-          </a:effectRef>
-          <a:fontRef idx="minor">
-            <a:schemeClr val="lt1"/>
-          </a:fontRef>
-        </p:style>
-        <p:txBody>
-          <a:bodyPr rot="0" spcFirstLastPara="0" vertOverflow="overflow" horzOverflow="overflow" vert="horz" wrap="square" lIns="0" tIns="0" rIns="0" bIns="0" numCol="1" spcCol="0" rtlCol="0" fromWordArt="0" anchor="ctr" anchorCtr="0" forceAA="0" compatLnSpc="1">
-            <a:prstTxWarp prst="textNoShape">
-              <a:avLst/>
-            </a:prstTxWarp>
-            <a:noAutofit/>
-          </a:bodyPr>
-          <a:lstStyle/>
-          <a:p>
-            <a:pPr algn="ctr"/>
-            <a:r>
-              <a:rPr lang="ko-KR" altLang="en-US" sz="750" b="1">
-                <a:solidFill>
-                  <a:schemeClr val="tx1"/>
-                </a:solidFill>
-              </a:rPr>
-              <a:t>도서수정</a:t>
-            </a:r>
-            <a:endParaRPr lang="ko-KR" altLang="en-US" sz="750" b="1" dirty="0">
-              <a:solidFill>
-                <a:schemeClr val="tx1"/>
-              </a:solidFill>
-            </a:endParaRPr>
-          </a:p>
-        </p:txBody>
-      </p:sp>
-      <p:sp>
-        <p:nvSpPr>
-          <p:cNvPr id="88" name="직사각형 87"/>
-          <p:cNvSpPr/>
-          <p:nvPr/>
-        </p:nvSpPr>
-        <p:spPr>
-          <a:xfrm>
-            <a:off x="4465271" y="4245936"/>
-            <a:ext cx="270000" cy="378000"/>
-          </a:xfrm>
-          <a:prstGeom prst="rect">
-            <a:avLst/>
-          </a:prstGeom>
-          <a:solidFill>
-            <a:srgbClr val="CDC1B6"/>
-          </a:solidFill>
-          <a:ln>
-            <a:solidFill>
-              <a:srgbClr val="CDC1B6"/>
-            </a:solidFill>
-          </a:ln>
-        </p:spPr>
-        <p:style>
-          <a:lnRef idx="2">
-            <a:schemeClr val="accent1">
-              <a:shade val="50000"/>
-            </a:schemeClr>
-          </a:lnRef>
-          <a:fillRef idx="1">
-            <a:schemeClr val="accent1"/>
-          </a:fillRef>
-          <a:effectRef idx="0">
-            <a:schemeClr val="accent1"/>
-          </a:effectRef>
-          <a:fontRef idx="minor">
-            <a:schemeClr val="lt1"/>
-          </a:fontRef>
-        </p:style>
-        <p:txBody>
-          <a:bodyPr rot="0" spcFirstLastPara="0" vertOverflow="overflow" horzOverflow="overflow" vert="horz" wrap="square" lIns="0" tIns="0" rIns="0" bIns="0" numCol="1" spcCol="0" rtlCol="0" fromWordArt="0" anchor="ctr" anchorCtr="0" forceAA="0" compatLnSpc="1">
-            <a:prstTxWarp prst="textNoShape">
-              <a:avLst/>
-            </a:prstTxWarp>
-            <a:noAutofit/>
-          </a:bodyPr>
-          <a:lstStyle/>
-          <a:p>
-            <a:pPr algn="ctr"/>
-            <a:r>
-              <a:rPr lang="ko-KR" altLang="en-US" sz="750" b="1" dirty="0">
-                <a:solidFill>
-                  <a:schemeClr val="tx1"/>
-                </a:solidFill>
-              </a:rPr>
-              <a:t>도서삭제</a:t>
-            </a:r>
-          </a:p>
-        </p:txBody>
-      </p:sp>
-      <p:sp>
-        <p:nvSpPr>
-          <p:cNvPr id="90" name="직사각형 89"/>
-          <p:cNvSpPr/>
-          <p:nvPr/>
-        </p:nvSpPr>
-        <p:spPr>
-          <a:xfrm>
-            <a:off x="4139952" y="3327834"/>
-            <a:ext cx="270000" cy="378000"/>
-          </a:xfrm>
-          <a:prstGeom prst="rect">
-            <a:avLst/>
-          </a:prstGeom>
-          <a:solidFill>
-            <a:srgbClr val="CDC1B6"/>
-          </a:solidFill>
-          <a:ln>
-            <a:solidFill>
-              <a:srgbClr val="CDC1B6"/>
-            </a:solidFill>
-          </a:ln>
-        </p:spPr>
-        <p:style>
-          <a:lnRef idx="2">
-            <a:schemeClr val="accent1">
-              <a:shade val="50000"/>
-            </a:schemeClr>
-          </a:lnRef>
-          <a:fillRef idx="1">
-            <a:schemeClr val="accent1"/>
-          </a:fillRef>
-          <a:effectRef idx="0">
-            <a:schemeClr val="accent1"/>
-          </a:effectRef>
-          <a:fontRef idx="minor">
-            <a:schemeClr val="lt1"/>
-          </a:fontRef>
-        </p:style>
-        <p:txBody>
-          <a:bodyPr rot="0" spcFirstLastPara="0" vertOverflow="overflow" horzOverflow="overflow" vert="horz" wrap="square" lIns="0" tIns="0" rIns="0" bIns="0" numCol="1" spcCol="0" rtlCol="0" fromWordArt="0" anchor="ctr" anchorCtr="0" forceAA="0" compatLnSpc="1">
-            <a:prstTxWarp prst="textNoShape">
-              <a:avLst/>
-            </a:prstTxWarp>
-            <a:noAutofit/>
-          </a:bodyPr>
-          <a:lstStyle/>
-          <a:p>
-            <a:pPr algn="ctr"/>
-            <a:r>
-              <a:rPr lang="ko-KR" altLang="en-US" sz="750" b="1" dirty="0">
-                <a:solidFill>
-                  <a:schemeClr val="tx1"/>
-                </a:solidFill>
-              </a:rPr>
-              <a:t>도서검색</a:t>
-            </a:r>
-          </a:p>
-        </p:txBody>
-      </p:sp>
-      <p:cxnSp>
-        <p:nvCxnSpPr>
-          <p:cNvPr id="59" name="꺾인 연결선 58"/>
-          <p:cNvCxnSpPr>
-            <a:stCxn id="90" idx="2"/>
-            <a:endCxn id="86" idx="0"/>
-          </p:cNvCxnSpPr>
-          <p:nvPr/>
-        </p:nvCxnSpPr>
-        <p:spPr>
-          <a:xfrm rot="16200000" flipH="1">
-            <a:off x="4005506" y="3975280"/>
-            <a:ext cx="540144" cy="1253"/>
-          </a:xfrm>
-          <a:prstGeom prst="bentConnector3">
-            <a:avLst/>
-          </a:prstGeom>
-          <a:ln w="12700">
-            <a:solidFill>
-              <a:srgbClr val="756B5F"/>
-            </a:solidFill>
-            <a:tailEnd type="none"/>
-          </a:ln>
-        </p:spPr>
-        <p:style>
-          <a:lnRef idx="1">
-            <a:schemeClr val="accent1"/>
-          </a:lnRef>
-          <a:fillRef idx="0">
-            <a:schemeClr val="accent1"/>
-          </a:fillRef>
-          <a:effectRef idx="0">
-            <a:schemeClr val="accent1"/>
-          </a:effectRef>
-          <a:fontRef idx="minor">
-            <a:schemeClr val="tx1"/>
-          </a:fontRef>
-        </p:style>
-      </p:cxnSp>
-      <p:cxnSp>
-        <p:nvCxnSpPr>
-          <p:cNvPr id="62" name="꺾인 연결선 61"/>
-          <p:cNvCxnSpPr>
-            <a:stCxn id="20" idx="2"/>
-            <a:endCxn id="88" idx="0"/>
-          </p:cNvCxnSpPr>
-          <p:nvPr/>
-        </p:nvCxnSpPr>
-        <p:spPr>
-          <a:xfrm rot="16200000" flipH="1">
-            <a:off x="4324267" y="3969932"/>
-            <a:ext cx="550755" cy="1253"/>
-          </a:xfrm>
-          <a:prstGeom prst="bentConnector3">
-            <a:avLst/>
-          </a:prstGeom>
-          <a:ln w="12700">
-            <a:solidFill>
-              <a:srgbClr val="756B5F"/>
-            </a:solidFill>
-            <a:tailEnd type="none"/>
-          </a:ln>
-        </p:spPr>
-        <p:style>
-          <a:lnRef idx="1">
-            <a:schemeClr val="accent1"/>
-          </a:lnRef>
-          <a:fillRef idx="0">
-            <a:schemeClr val="accent1"/>
-          </a:fillRef>
-          <a:effectRef idx="0">
-            <a:schemeClr val="accent1"/>
-          </a:effectRef>
-          <a:fontRef idx="minor">
-            <a:schemeClr val="tx1"/>
-          </a:fontRef>
-        </p:style>
-      </p:cxnSp>
-      <p:cxnSp>
-        <p:nvCxnSpPr>
-          <p:cNvPr id="34" name="꺾인 연결선 33"/>
-          <p:cNvCxnSpPr>
-            <a:stCxn id="14" idx="2"/>
-            <a:endCxn id="90" idx="0"/>
-          </p:cNvCxnSpPr>
-          <p:nvPr/>
-        </p:nvCxnSpPr>
-        <p:spPr>
-          <a:xfrm rot="5400000">
-            <a:off x="4150943" y="2717771"/>
-            <a:ext cx="734073" cy="486054"/>
-          </a:xfrm>
-          <a:prstGeom prst="bentConnector3">
-            <a:avLst/>
-          </a:prstGeom>
-          <a:ln w="12700">
-            <a:solidFill>
-              <a:srgbClr val="756B5F"/>
-            </a:solidFill>
-            <a:tailEnd type="none"/>
-          </a:ln>
-        </p:spPr>
-        <p:style>
-          <a:lnRef idx="1">
-            <a:schemeClr val="accent1"/>
-          </a:lnRef>
-          <a:fillRef idx="0">
-            <a:schemeClr val="accent1"/>
-          </a:fillRef>
-          <a:effectRef idx="0">
-            <a:schemeClr val="accent1"/>
-          </a:effectRef>
-          <a:fontRef idx="minor">
-            <a:schemeClr val="tx1"/>
-          </a:fontRef>
-        </p:style>
-      </p:cxnSp>
-      <p:cxnSp>
-        <p:nvCxnSpPr>
-          <p:cNvPr id="7" name="꺾인 연결선 6"/>
-          <p:cNvCxnSpPr>
-            <a:stCxn id="13" idx="2"/>
-            <a:endCxn id="19" idx="0"/>
-          </p:cNvCxnSpPr>
-          <p:nvPr/>
-        </p:nvCxnSpPr>
-        <p:spPr>
-          <a:xfrm rot="5400000">
-            <a:off x="2662689" y="2979931"/>
-            <a:ext cx="724055" cy="1328"/>
-          </a:xfrm>
-          <a:prstGeom prst="bentConnector3">
-            <a:avLst/>
-          </a:prstGeom>
-          <a:ln w="12700">
-            <a:solidFill>
-              <a:srgbClr val="756B5F"/>
-            </a:solidFill>
-            <a:tailEnd type="none"/>
-          </a:ln>
-        </p:spPr>
-        <p:style>
-          <a:lnRef idx="1">
-            <a:schemeClr val="accent1"/>
-          </a:lnRef>
-          <a:fillRef idx="0">
-            <a:schemeClr val="accent1"/>
-          </a:fillRef>
-          <a:effectRef idx="0">
-            <a:schemeClr val="accent1"/>
-          </a:effectRef>
-          <a:fontRef idx="minor">
-            <a:schemeClr val="tx1"/>
-          </a:fontRef>
-        </p:style>
-      </p:cxnSp>
-      <p:cxnSp>
-        <p:nvCxnSpPr>
-          <p:cNvPr id="22" name="직선 연결선 21"/>
-          <p:cNvCxnSpPr>
-            <a:stCxn id="13" idx="0"/>
-          </p:cNvCxnSpPr>
-          <p:nvPr/>
-        </p:nvCxnSpPr>
-        <p:spPr>
-          <a:xfrm flipV="1">
-            <a:off x="3025381" y="2050558"/>
-            <a:ext cx="1" cy="190009"/>
-          </a:xfrm>
-          <a:prstGeom prst="line">
-            <a:avLst/>
-          </a:prstGeom>
-          <a:ln w="12700">
-            <a:solidFill>
-              <a:srgbClr val="756B5F"/>
-            </a:solidFill>
-            <a:tailEnd type="none"/>
-          </a:ln>
-        </p:spPr>
-        <p:style>
-          <a:lnRef idx="1">
-            <a:schemeClr val="accent1"/>
-          </a:lnRef>
-          <a:fillRef idx="0">
-            <a:schemeClr val="accent1"/>
-          </a:fillRef>
-          <a:effectRef idx="0">
-            <a:schemeClr val="accent1"/>
-          </a:effectRef>
-          <a:fontRef idx="minor">
-            <a:schemeClr val="tx1"/>
-          </a:fontRef>
-        </p:style>
-      </p:cxnSp>
-      <p:cxnSp>
-        <p:nvCxnSpPr>
-          <p:cNvPr id="30" name="직선 연결선 29"/>
-          <p:cNvCxnSpPr>
-            <a:stCxn id="16" idx="0"/>
-          </p:cNvCxnSpPr>
-          <p:nvPr/>
-        </p:nvCxnSpPr>
-        <p:spPr>
-          <a:xfrm flipV="1">
-            <a:off x="3950946" y="2050558"/>
-            <a:ext cx="0" cy="163661"/>
-          </a:xfrm>
-          <a:prstGeom prst="line">
-            <a:avLst/>
-          </a:prstGeom>
-          <a:ln w="12700">
-            <a:solidFill>
-              <a:srgbClr val="756B5F"/>
-            </a:solidFill>
-            <a:tailEnd type="none"/>
-          </a:ln>
-        </p:spPr>
-        <p:style>
-          <a:lnRef idx="1">
-            <a:schemeClr val="accent1"/>
-          </a:lnRef>
-          <a:fillRef idx="0">
-            <a:schemeClr val="accent1"/>
-          </a:fillRef>
-          <a:effectRef idx="0">
-            <a:schemeClr val="accent1"/>
-          </a:effectRef>
-          <a:fontRef idx="minor">
-            <a:schemeClr val="tx1"/>
-          </a:fontRef>
-        </p:style>
-      </p:cxnSp>
-      <p:cxnSp>
-        <p:nvCxnSpPr>
-          <p:cNvPr id="35" name="직선 연결선 34"/>
-          <p:cNvCxnSpPr>
-            <a:stCxn id="14" idx="0"/>
-          </p:cNvCxnSpPr>
-          <p:nvPr/>
-        </p:nvCxnSpPr>
-        <p:spPr>
-          <a:xfrm flipV="1">
-            <a:off x="4761006" y="2050557"/>
-            <a:ext cx="0" cy="165204"/>
-          </a:xfrm>
-          <a:prstGeom prst="line">
-            <a:avLst/>
-          </a:prstGeom>
-          <a:ln w="12700">
-            <a:solidFill>
-              <a:srgbClr val="756B5F"/>
-            </a:solidFill>
-            <a:tailEnd type="none"/>
-          </a:ln>
-        </p:spPr>
-        <p:style>
-          <a:lnRef idx="1">
-            <a:schemeClr val="accent1"/>
-          </a:lnRef>
-          <a:fillRef idx="0">
-            <a:schemeClr val="accent1"/>
-          </a:fillRef>
-          <a:effectRef idx="0">
-            <a:schemeClr val="accent1"/>
-          </a:effectRef>
-          <a:fontRef idx="minor">
-            <a:schemeClr val="tx1"/>
-          </a:fontRef>
-        </p:style>
-      </p:cxnSp>
-      <p:cxnSp>
-        <p:nvCxnSpPr>
-          <p:cNvPr id="37" name="직선 연결선 36"/>
-          <p:cNvCxnSpPr>
-            <a:stCxn id="11" idx="0"/>
-          </p:cNvCxnSpPr>
-          <p:nvPr/>
-        </p:nvCxnSpPr>
-        <p:spPr>
-          <a:xfrm flipV="1">
-            <a:off x="6111187" y="2050557"/>
-            <a:ext cx="1" cy="165204"/>
-          </a:xfrm>
-          <a:prstGeom prst="line">
-            <a:avLst/>
-          </a:prstGeom>
-          <a:ln w="12700">
-            <a:solidFill>
-              <a:srgbClr val="756B5F"/>
-            </a:solidFill>
-            <a:tailEnd type="none"/>
-          </a:ln>
-        </p:spPr>
-        <p:style>
-          <a:lnRef idx="1">
-            <a:schemeClr val="accent1"/>
-          </a:lnRef>
-          <a:fillRef idx="0">
-            <a:schemeClr val="accent1"/>
-          </a:fillRef>
-          <a:effectRef idx="0">
-            <a:schemeClr val="accent1"/>
-          </a:effectRef>
-          <a:fontRef idx="minor">
-            <a:schemeClr val="tx1"/>
-          </a:fontRef>
-        </p:style>
-      </p:cxnSp>
     </p:spTree>
     <p:extLst>
       <p:ext uri="{BB962C8B-B14F-4D97-AF65-F5344CB8AC3E}">
-        <p14:creationId xmlns:p14="http://schemas.microsoft.com/office/powerpoint/2010/main" val="3323650795"/>
+        <p14:creationId xmlns:p14="http://schemas.microsoft.com/office/powerpoint/2010/main" val="1068778681"/>
       </p:ext>
     </p:extLst>
   </p:cSld>
